--- a/CDBM/Team Assignment 01/Team02.pptx
+++ b/CDBM/Team Assignment 01/Team02.pptx
@@ -8760,14 +8760,7 @@
                 <a:latin typeface="Diavlo Light" panose="02000000000000000000" pitchFamily="2" charset="0"/>
                 <a:cs typeface="Times New Roman" panose="02020603050405020304" pitchFamily="18" charset="0"/>
               </a:rPr>
-              <a:t>Password/Hash </a:t>
-            </a:r>
-            <a:r>
-              <a:rPr lang="vi-VN" sz="2400">
-                <a:latin typeface="Diavlo Light" panose="02000000000000000000" pitchFamily="2" charset="0"/>
-                <a:cs typeface="Times New Roman" panose="02020603050405020304" pitchFamily="18" charset="0"/>
-              </a:rPr>
-              <a:t>Calculators</a:t>
+              <a:t>Password/Hash Calculators</a:t>
             </a:r>
             <a:endParaRPr lang="en-US" sz="2400">
               <a:latin typeface="Diavlo Light" panose="02000000000000000000" pitchFamily="2" charset="0"/>
@@ -8784,14 +8777,7 @@
                 <a:latin typeface="Diavlo Light" panose="02000000000000000000" pitchFamily="2" charset="0"/>
                 <a:cs typeface="Times New Roman" panose="02020603050405020304" pitchFamily="18" charset="0"/>
               </a:rPr>
-              <a:t>Hash </a:t>
-            </a:r>
-            <a:r>
-              <a:rPr lang="vi-VN" sz="2400">
-                <a:latin typeface="Diavlo Light" panose="02000000000000000000" pitchFamily="2" charset="0"/>
-                <a:cs typeface="Times New Roman" panose="02020603050405020304" pitchFamily="18" charset="0"/>
-              </a:rPr>
-              <a:t>Calculator</a:t>
+              <a:t>Hash Calculator</a:t>
             </a:r>
             <a:r>
               <a:rPr lang="en-US" sz="2400">
@@ -8800,10 +8786,6 @@
               </a:rPr>
               <a:t>.</a:t>
             </a:r>
-            <a:endParaRPr lang="en-US" sz="2400">
-              <a:latin typeface="Diavlo Light" panose="02000000000000000000" pitchFamily="2" charset="0"/>
-              <a:cs typeface="Times New Roman" panose="02020603050405020304" pitchFamily="18" charset="0"/>
-            </a:endParaRPr>
           </a:p>
           <a:p>
             <a:pPr lvl="2">
@@ -8815,14 +8797,7 @@
                 <a:latin typeface="Diavlo Light" panose="02000000000000000000" pitchFamily="2" charset="0"/>
                 <a:cs typeface="Times New Roman" panose="02020603050405020304" pitchFamily="18" charset="0"/>
               </a:rPr>
-              <a:t>RSA SecurID Token </a:t>
-            </a:r>
-            <a:r>
-              <a:rPr lang="vi-VN" sz="2400">
-                <a:latin typeface="Diavlo Light" panose="02000000000000000000" pitchFamily="2" charset="0"/>
-                <a:cs typeface="Times New Roman" panose="02020603050405020304" pitchFamily="18" charset="0"/>
-              </a:rPr>
-              <a:t>Calculator</a:t>
+              <a:t>RSA SecurID Token Calculator</a:t>
             </a:r>
             <a:r>
               <a:rPr lang="en-US" sz="2400">
@@ -8831,10 +8806,6 @@
               </a:rPr>
               <a:t>.</a:t>
             </a:r>
-            <a:endParaRPr lang="en-US" sz="2400">
-              <a:latin typeface="Diavlo Light" panose="02000000000000000000" pitchFamily="2" charset="0"/>
-              <a:cs typeface="Times New Roman" panose="02020603050405020304" pitchFamily="18" charset="0"/>
-            </a:endParaRPr>
           </a:p>
         </p:txBody>
       </p:sp>
@@ -8974,7 +8945,7 @@
                                         <p:tgtEl>
                                           <p:spTgt spid="9">
                                             <p:txEl>
-                                              <p:charRg st="29" end="55"/>
+                                              <p:pRg st="1" end="1"/>
                                             </p:txEl>
                                           </p:spTgt>
                                         </p:tgtEl>
@@ -8992,7 +8963,7 @@
                                         <p:tgtEl>
                                           <p:spTgt spid="9">
                                             <p:txEl>
-                                              <p:charRg st="29" end="55"/>
+                                              <p:pRg st="1" end="1"/>
                                             </p:txEl>
                                           </p:spTgt>
                                         </p:tgtEl>
@@ -9017,7 +8988,7 @@
                                         <p:tgtEl>
                                           <p:spTgt spid="9">
                                             <p:txEl>
-                                              <p:charRg st="55" end="72"/>
+                                              <p:pRg st="2" end="2"/>
                                             </p:txEl>
                                           </p:spTgt>
                                         </p:tgtEl>
@@ -9035,7 +9006,7 @@
                                         <p:tgtEl>
                                           <p:spTgt spid="9">
                                             <p:txEl>
-                                              <p:charRg st="55" end="72"/>
+                                              <p:pRg st="2" end="2"/>
                                             </p:txEl>
                                           </p:spTgt>
                                         </p:tgtEl>
@@ -9060,7 +9031,7 @@
                                         <p:tgtEl>
                                           <p:spTgt spid="9">
                                             <p:txEl>
-                                              <p:charRg st="72" end="102"/>
+                                              <p:pRg st="3" end="3"/>
                                             </p:txEl>
                                           </p:spTgt>
                                         </p:tgtEl>
@@ -9078,7 +9049,7 @@
                                         <p:tgtEl>
                                           <p:spTgt spid="9">
                                             <p:txEl>
-                                              <p:charRg st="72" end="102"/>
+                                              <p:pRg st="3" end="3"/>
                                             </p:txEl>
                                           </p:spTgt>
                                         </p:tgtEl>
@@ -9258,14 +9229,7 @@
                 <a:latin typeface="Diavlo Light" panose="02000000000000000000" pitchFamily="2" charset="0"/>
                 <a:cs typeface="Times New Roman" panose="02020603050405020304" pitchFamily="18" charset="0"/>
               </a:rPr>
-              <a:t>APR (ARP Poison </a:t>
-            </a:r>
-            <a:r>
-              <a:rPr lang="vi-VN" sz="2400">
-                <a:latin typeface="Diavlo Light" panose="02000000000000000000" pitchFamily="2" charset="0"/>
-                <a:cs typeface="Times New Roman" panose="02020603050405020304" pitchFamily="18" charset="0"/>
-              </a:rPr>
-              <a:t>Routing</a:t>
+              <a:t>APR (ARP Poison Routing</a:t>
             </a:r>
             <a:r>
               <a:rPr lang="en-US" sz="2400" smtClean="0">
@@ -9289,14 +9253,7 @@
                 <a:latin typeface="Diavlo Light" panose="02000000000000000000" pitchFamily="2" charset="0"/>
                 <a:cs typeface="Times New Roman" panose="02020603050405020304" pitchFamily="18" charset="0"/>
               </a:rPr>
-              <a:t>Full HTTPS sessions sniffer for APR </a:t>
-            </a:r>
-            <a:r>
-              <a:rPr lang="vi-VN" sz="2400">
-                <a:latin typeface="Diavlo Light" panose="02000000000000000000" pitchFamily="2" charset="0"/>
-                <a:cs typeface="Times New Roman" panose="02020603050405020304" pitchFamily="18" charset="0"/>
-              </a:rPr>
-              <a:t>(</a:t>
+              <a:t>Full HTTPS sessions sniffer for APR (</a:t>
             </a:r>
             <a:r>
               <a:rPr lang="vi-VN" sz="2400" smtClean="0">
@@ -9327,21 +9284,7 @@
                 <a:latin typeface="Diavlo Light" panose="02000000000000000000" pitchFamily="2" charset="0"/>
                 <a:cs typeface="Times New Roman" panose="02020603050405020304" pitchFamily="18" charset="0"/>
               </a:rPr>
-              <a:t>Full </a:t>
-            </a:r>
-            <a:r>
-              <a:rPr lang="vi-VN" sz="2400">
-                <a:latin typeface="Diavlo Light" panose="02000000000000000000" pitchFamily="2" charset="0"/>
-                <a:cs typeface="Times New Roman" panose="02020603050405020304" pitchFamily="18" charset="0"/>
-              </a:rPr>
-              <a:t>IMAPS sessions sniffer for APR (APR-IMAPS</a:t>
-            </a:r>
-            <a:r>
-              <a:rPr lang="vi-VN" sz="2400">
-                <a:latin typeface="Diavlo Light" panose="02000000000000000000" pitchFamily="2" charset="0"/>
-                <a:cs typeface="Times New Roman" panose="02020603050405020304" pitchFamily="18" charset="0"/>
-              </a:rPr>
-              <a:t>)</a:t>
+              <a:t>Full IMAPS sessions sniffer for APR (APR-IMAPS)</a:t>
             </a:r>
             <a:r>
               <a:rPr lang="en-US" sz="2400">
@@ -9350,10 +9293,6 @@
               </a:rPr>
               <a:t>.</a:t>
             </a:r>
-            <a:endParaRPr lang="en-US" sz="2400">
-              <a:latin typeface="Diavlo Light" panose="02000000000000000000" pitchFamily="2" charset="0"/>
-              <a:cs typeface="Times New Roman" panose="02020603050405020304" pitchFamily="18" charset="0"/>
-            </a:endParaRPr>
           </a:p>
           <a:p>
             <a:pPr lvl="2">
@@ -9365,14 +9304,7 @@
                 <a:latin typeface="Diavlo Light" panose="02000000000000000000" pitchFamily="2" charset="0"/>
                 <a:cs typeface="Times New Roman" panose="02020603050405020304" pitchFamily="18" charset="0"/>
               </a:rPr>
-              <a:t>Full LDAPS sessions sniffer for APR (</a:t>
-            </a:r>
-            <a:r>
-              <a:rPr lang="vi-VN" sz="2400">
-                <a:latin typeface="Diavlo Light" panose="02000000000000000000" pitchFamily="2" charset="0"/>
-                <a:cs typeface="Times New Roman" panose="02020603050405020304" pitchFamily="18" charset="0"/>
-              </a:rPr>
-              <a:t>APR-LDAPS</a:t>
+              <a:t>Full LDAPS sessions sniffer for APR (APR-LDAPS</a:t>
             </a:r>
             <a:r>
               <a:rPr lang="en-US" sz="2400">
@@ -9381,10 +9313,6 @@
               </a:rPr>
               <a:t>.</a:t>
             </a:r>
-            <a:endParaRPr lang="en-US" sz="2400">
-              <a:latin typeface="Diavlo Light" panose="02000000000000000000" pitchFamily="2" charset="0"/>
-              <a:cs typeface="Times New Roman" panose="02020603050405020304" pitchFamily="18" charset="0"/>
-            </a:endParaRPr>
           </a:p>
           <a:p>
             <a:pPr lvl="2">
@@ -9396,14 +9324,7 @@
                 <a:latin typeface="Diavlo Light" panose="02000000000000000000" pitchFamily="2" charset="0"/>
                 <a:cs typeface="Times New Roman" panose="02020603050405020304" pitchFamily="18" charset="0"/>
               </a:rPr>
-              <a:t>Full POP3S sessions sniffer for APR (</a:t>
-            </a:r>
-            <a:r>
-              <a:rPr lang="vi-VN" sz="2400">
-                <a:latin typeface="Diavlo Light" panose="02000000000000000000" pitchFamily="2" charset="0"/>
-                <a:cs typeface="Times New Roman" panose="02020603050405020304" pitchFamily="18" charset="0"/>
-              </a:rPr>
-              <a:t>APR-POP3S</a:t>
+              <a:t>Full POP3S sessions sniffer for APR (APR-POP3S</a:t>
             </a:r>
             <a:r>
               <a:rPr lang="en-US" sz="2400" smtClean="0">
@@ -10018,49 +9939,35 @@
                 <a:latin typeface="Diavlo Light" panose="02000000000000000000" pitchFamily="2" charset="0"/>
                 <a:cs typeface="Times New Roman" panose="02020603050405020304" pitchFamily="18" charset="0"/>
               </a:rPr>
-              <a:t>Abel: là phần thứ hai của phần mềm, được thiết kế như một dịch vụ dành cho </a:t>
+              <a:t>Abel: là phần thứ hai của phần mềm, được thiết kế như một dịch vụ dành cho Windows </a:t>
+            </a:r>
+            <a:r>
+              <a:rPr lang="vi-VN" sz="2400" smtClean="0">
+                <a:latin typeface="Diavlo Light" panose="02000000000000000000" pitchFamily="2" charset="0"/>
+                <a:cs typeface="Times New Roman" panose="02020603050405020304" pitchFamily="18" charset="0"/>
+              </a:rPr>
+              <a:t>NT.</a:t>
+            </a:r>
+            <a:r>
+              <a:rPr lang="en-US" sz="2400" smtClean="0">
+                <a:latin typeface="Diavlo Light" panose="02000000000000000000" pitchFamily="2" charset="0"/>
+                <a:cs typeface="Times New Roman" panose="02020603050405020304" pitchFamily="18" charset="0"/>
+              </a:rPr>
+              <a:t> T</a:t>
+            </a:r>
+            <a:r>
+              <a:rPr lang="vi-VN" sz="2400" smtClean="0">
+                <a:latin typeface="Diavlo Light" panose="02000000000000000000" pitchFamily="2" charset="0"/>
+                <a:cs typeface="Times New Roman" panose="02020603050405020304" pitchFamily="18" charset="0"/>
+              </a:rPr>
+              <a:t>ất </a:t>
             </a:r>
             <a:r>
               <a:rPr lang="vi-VN" sz="2400">
                 <a:latin typeface="Diavlo Light" panose="02000000000000000000" pitchFamily="2" charset="0"/>
                 <a:cs typeface="Times New Roman" panose="02020603050405020304" pitchFamily="18" charset="0"/>
               </a:rPr>
-              <a:t>Windows </a:t>
-            </a:r>
-            <a:r>
-              <a:rPr lang="vi-VN" sz="2400" smtClean="0">
-                <a:latin typeface="Diavlo Light" panose="02000000000000000000" pitchFamily="2" charset="0"/>
-                <a:cs typeface="Times New Roman" panose="02020603050405020304" pitchFamily="18" charset="0"/>
-              </a:rPr>
-              <a:t>NT.</a:t>
-            </a:r>
-            <a:r>
-              <a:rPr lang="en-US" sz="2400" smtClean="0">
-                <a:latin typeface="Diavlo Light" panose="02000000000000000000" pitchFamily="2" charset="0"/>
-                <a:cs typeface="Times New Roman" panose="02020603050405020304" pitchFamily="18" charset="0"/>
-              </a:rPr>
-              <a:t> T</a:t>
-            </a:r>
-            <a:r>
-              <a:rPr lang="vi-VN" sz="2400" smtClean="0">
-                <a:latin typeface="Diavlo Light" panose="02000000000000000000" pitchFamily="2" charset="0"/>
-                <a:cs typeface="Times New Roman" panose="02020603050405020304" pitchFamily="18" charset="0"/>
-              </a:rPr>
-              <a:t>ất </a:t>
-            </a:r>
-            <a:r>
-              <a:rPr lang="vi-VN" sz="2400">
-                <a:latin typeface="Diavlo Light" panose="02000000000000000000" pitchFamily="2" charset="0"/>
-                <a:cs typeface="Times New Roman" panose="02020603050405020304" pitchFamily="18" charset="0"/>
-              </a:rPr>
-              <a:t>cả dữ liệu truyền qua đường dẫn này đều được mã hóa bằng thuật toán mã hóa đối xứng RC4 với khóa là “</a:t>
-            </a:r>
-            <a:r>
-              <a:rPr lang="vi-VN" sz="2400">
-                <a:latin typeface="Diavlo Light" panose="02000000000000000000" pitchFamily="2" charset="0"/>
-                <a:cs typeface="Times New Roman" panose="02020603050405020304" pitchFamily="18" charset="0"/>
-              </a:rPr>
-              <a:t>Cain&amp;Abel</a:t>
+              <a:t>cả dữ liệu truyền qua đường dẫn này đều được mã hóa bằng thuật toán mã hóa đối xứng RC4 với khóa là “Cain&amp;Abel</a:t>
             </a:r>
             <a:r>
               <a:rPr lang="vi-VN" sz="2400" smtClean="0">
@@ -10118,14 +10025,7 @@
                 <a:latin typeface="Diavlo Light" panose="02000000000000000000" pitchFamily="2" charset="0"/>
                 <a:cs typeface="Times New Roman" panose="02020603050405020304" pitchFamily="18" charset="0"/>
               </a:rPr>
-              <a:t>Remote LSA </a:t>
-            </a:r>
-            <a:r>
-              <a:rPr lang="vi-VN" sz="2400">
-                <a:latin typeface="Diavlo Light" panose="02000000000000000000" pitchFamily="2" charset="0"/>
-                <a:cs typeface="Times New Roman" panose="02020603050405020304" pitchFamily="18" charset="0"/>
-              </a:rPr>
-              <a:t>Secrets </a:t>
+              <a:t>Remote LSA Secrets </a:t>
             </a:r>
             <a:r>
               <a:rPr lang="vi-VN" sz="2400" smtClean="0">
@@ -10156,14 +10056,7 @@
                 <a:latin typeface="Diavlo Light" panose="02000000000000000000" pitchFamily="2" charset="0"/>
                 <a:cs typeface="Times New Roman" panose="02020603050405020304" pitchFamily="18" charset="0"/>
               </a:rPr>
-              <a:t>Remote Route </a:t>
-            </a:r>
-            <a:r>
-              <a:rPr lang="vi-VN" sz="2400">
-                <a:latin typeface="Diavlo Light" panose="02000000000000000000" pitchFamily="2" charset="0"/>
-                <a:cs typeface="Times New Roman" panose="02020603050405020304" pitchFamily="18" charset="0"/>
-              </a:rPr>
-              <a:t>Table </a:t>
+              <a:t>Remote Route Table </a:t>
             </a:r>
             <a:r>
               <a:rPr lang="vi-VN" sz="2400" smtClean="0">
@@ -10194,14 +10087,7 @@
                 <a:latin typeface="Diavlo Light" panose="02000000000000000000" pitchFamily="2" charset="0"/>
                 <a:cs typeface="Times New Roman" panose="02020603050405020304" pitchFamily="18" charset="0"/>
               </a:rPr>
-              <a:t>Remote TCP/UDP </a:t>
-            </a:r>
-            <a:r>
-              <a:rPr lang="vi-VN" sz="2400">
-                <a:latin typeface="Diavlo Light" panose="02000000000000000000" pitchFamily="2" charset="0"/>
-                <a:cs typeface="Times New Roman" panose="02020603050405020304" pitchFamily="18" charset="0"/>
-              </a:rPr>
-              <a:t>Table </a:t>
+              <a:t>Remote TCP/UDP Table </a:t>
             </a:r>
             <a:r>
               <a:rPr lang="vi-VN" sz="2400" smtClean="0">
@@ -10974,14 +10860,7 @@
                 <a:latin typeface="Diavlo Light" panose="02000000000000000000" pitchFamily="2" charset="0"/>
                 <a:cs typeface="Times New Roman" panose="02020603050405020304" pitchFamily="18" charset="0"/>
               </a:rPr>
-              <a:t>chặn những kẻ muốn sniffer </a:t>
-            </a:r>
-            <a:r>
-              <a:rPr lang="vi-VN">
-                <a:latin typeface="Diavlo Light" panose="02000000000000000000" pitchFamily="2" charset="0"/>
-                <a:cs typeface="Times New Roman" panose="02020603050405020304" pitchFamily="18" charset="0"/>
-              </a:rPr>
-              <a:t>dữ </a:t>
+              <a:t>chặn những kẻ muốn sniffer dữ </a:t>
             </a:r>
             <a:r>
               <a:rPr lang="vi-VN" smtClean="0">
@@ -11022,14 +10901,7 @@
                 <a:latin typeface="Diavlo Light" panose="02000000000000000000" pitchFamily="2" charset="0"/>
                 <a:cs typeface="Times New Roman" panose="02020603050405020304" pitchFamily="18" charset="0"/>
               </a:rPr>
-              <a:t>sử dụng các giao thức mã hóa chuẩn cho dữ liệu trên đường truyền. Khi bạn mã hóa dữ liệu, những kẻ tấn công ác ý có thể sniffer được dữ liệu của bạn, nhưng chúng lại không thể đọc được </a:t>
-            </a:r>
-            <a:r>
-              <a:rPr lang="vi-VN">
-                <a:latin typeface="Diavlo Light" panose="02000000000000000000" pitchFamily="2" charset="0"/>
-                <a:cs typeface="Times New Roman" panose="02020603050405020304" pitchFamily="18" charset="0"/>
-              </a:rPr>
-              <a:t>nó</a:t>
+              <a:t>sử dụng các giao thức mã hóa chuẩn cho dữ liệu trên đường truyền. Khi bạn mã hóa dữ liệu, những kẻ tấn công ác ý có thể sniffer được dữ liệu của bạn, nhưng chúng lại không thể đọc được nó</a:t>
             </a:r>
             <a:r>
               <a:rPr lang="vi-VN" smtClean="0">
@@ -11053,14 +10925,7 @@
                 <a:latin typeface="Diavlo Light" panose="02000000000000000000" pitchFamily="2" charset="0"/>
                 <a:cs typeface="Times New Roman" panose="02020603050405020304" pitchFamily="18" charset="0"/>
               </a:rPr>
-              <a:t>SSL (Secure Socket Layer</a:t>
-            </a:r>
-            <a:r>
-              <a:rPr lang="vi-VN">
-                <a:latin typeface="Diavlo Light" panose="02000000000000000000" pitchFamily="2" charset="0"/>
-                <a:cs typeface="Times New Roman" panose="02020603050405020304" pitchFamily="18" charset="0"/>
-              </a:rPr>
-              <a:t>)</a:t>
+              <a:t>SSL (Secure Socket Layer)</a:t>
             </a:r>
             <a:endParaRPr lang="en-US">
               <a:latin typeface="Diavlo Light" panose="02000000000000000000" pitchFamily="2" charset="0"/>
@@ -11077,14 +10942,7 @@
                 <a:latin typeface="Diavlo Light" panose="02000000000000000000" pitchFamily="2" charset="0"/>
                 <a:cs typeface="Times New Roman" panose="02020603050405020304" pitchFamily="18" charset="0"/>
               </a:rPr>
-              <a:t>PGP và </a:t>
-            </a:r>
-            <a:r>
-              <a:rPr lang="vi-VN">
-                <a:latin typeface="Diavlo Light" panose="02000000000000000000" pitchFamily="2" charset="0"/>
-                <a:cs typeface="Times New Roman" panose="02020603050405020304" pitchFamily="18" charset="0"/>
-              </a:rPr>
-              <a:t>S/MIME</a:t>
+              <a:t>PGP và S/MIME</a:t>
             </a:r>
             <a:endParaRPr lang="en-US">
               <a:latin typeface="Diavlo Light" panose="02000000000000000000" pitchFamily="2" charset="0"/>
@@ -11623,14 +11481,7 @@
                 <a:latin typeface="Diavlo Light" panose="02000000000000000000" pitchFamily="2" charset="0"/>
                 <a:cs typeface="Times New Roman" panose="02020603050405020304" pitchFamily="18" charset="0"/>
               </a:rPr>
-              <a:t>chặn những kẻ muốn </a:t>
-            </a:r>
-            <a:r>
-              <a:rPr lang="vi-VN">
-                <a:latin typeface="Diavlo Light" panose="02000000000000000000" pitchFamily="2" charset="0"/>
-                <a:cs typeface="Times New Roman" panose="02020603050405020304" pitchFamily="18" charset="0"/>
-              </a:rPr>
-              <a:t>sniffer </a:t>
+              <a:t>chặn những kẻ muốn sniffer </a:t>
             </a:r>
             <a:r>
               <a:rPr lang="vi-VN" smtClean="0">
@@ -11675,35 +11526,21 @@
                 <a:latin typeface="Diavlo Light" panose="02000000000000000000" pitchFamily="2" charset="0"/>
                 <a:cs typeface="Times New Roman" panose="02020603050405020304" pitchFamily="18" charset="0"/>
               </a:rPr>
-              <a:t>dụng </a:t>
+              <a:t>dụng đồng thời </a:t>
+            </a:r>
+            <a:r>
+              <a:rPr lang="vi-VN" smtClean="0">
+                <a:latin typeface="Diavlo Light" panose="02000000000000000000" pitchFamily="2" charset="0"/>
+                <a:cs typeface="Times New Roman" panose="02020603050405020304" pitchFamily="18" charset="0"/>
+              </a:rPr>
+              <a:t>các </a:t>
             </a:r>
             <a:r>
               <a:rPr lang="vi-VN">
                 <a:latin typeface="Diavlo Light" panose="02000000000000000000" pitchFamily="2" charset="0"/>
                 <a:cs typeface="Times New Roman" panose="02020603050405020304" pitchFamily="18" charset="0"/>
               </a:rPr>
-              <a:t>đồng thời </a:t>
-            </a:r>
-            <a:r>
-              <a:rPr lang="vi-VN" smtClean="0">
-                <a:latin typeface="Diavlo Light" panose="02000000000000000000" pitchFamily="2" charset="0"/>
-                <a:cs typeface="Times New Roman" panose="02020603050405020304" pitchFamily="18" charset="0"/>
-              </a:rPr>
-              <a:t>các </a:t>
-            </a:r>
-            <a:r>
-              <a:rPr lang="vi-VN">
-                <a:latin typeface="Diavlo Light" panose="02000000000000000000" pitchFamily="2" charset="0"/>
-                <a:cs typeface="Times New Roman" panose="02020603050405020304" pitchFamily="18" charset="0"/>
-              </a:rPr>
-              <a:t>giao thức, phương pháp để mã hóa password cũng như sử dụng một giải pháp chứng thực </a:t>
-            </a:r>
-            <a:r>
-              <a:rPr lang="vi-VN">
-                <a:latin typeface="Diavlo Light" panose="02000000000000000000" pitchFamily="2" charset="0"/>
-                <a:cs typeface="Times New Roman" panose="02020603050405020304" pitchFamily="18" charset="0"/>
-              </a:rPr>
-              <a:t>an </a:t>
+              <a:t>giao thức, phương pháp để mã hóa password cũng như sử dụng một giải pháp chứng thực an </a:t>
             </a:r>
             <a:r>
               <a:rPr lang="vi-VN" smtClean="0">
@@ -12268,10 +12105,6 @@
               </a:rPr>
               <a:t>:</a:t>
             </a:r>
-            <a:endParaRPr lang="en-US">
-              <a:latin typeface="Diavlo Light" panose="02000000000000000000" pitchFamily="2" charset="0"/>
-              <a:cs typeface="Times New Roman" panose="02020603050405020304" pitchFamily="18" charset="0"/>
-            </a:endParaRPr>
           </a:p>
           <a:p>
             <a:pPr lvl="1">
@@ -12297,14 +12130,7 @@
                 <a:latin typeface="Diavlo Light" panose="02000000000000000000" pitchFamily="2" charset="0"/>
                 <a:cs typeface="Times New Roman" panose="02020603050405020304" pitchFamily="18" charset="0"/>
               </a:rPr>
-              <a:t>thế Hub của bạn bằng những </a:t>
-            </a:r>
-            <a:r>
-              <a:rPr lang="vi-VN">
-                <a:latin typeface="Diavlo Light" panose="02000000000000000000" pitchFamily="2" charset="0"/>
-                <a:cs typeface="Times New Roman" panose="02020603050405020304" pitchFamily="18" charset="0"/>
-              </a:rPr>
-              <a:t>switch</a:t>
+              <a:t>thế Hub của bạn bằng những switch</a:t>
             </a:r>
             <a:endParaRPr lang="en-US">
               <a:latin typeface="Diavlo Light" panose="02000000000000000000" pitchFamily="2" charset="0"/>
@@ -12694,21 +12520,7 @@
                 <a:latin typeface="Diavlo Light" panose="02000000000000000000" pitchFamily="2" charset="0"/>
                 <a:cs typeface="Times New Roman" panose="02020603050405020304" pitchFamily="18" charset="0"/>
               </a:rPr>
-              <a:t>phát </a:t>
-            </a:r>
-            <a:r>
-              <a:rPr lang="vi-VN">
-                <a:latin typeface="Diavlo Light" panose="02000000000000000000" pitchFamily="2" charset="0"/>
-                <a:cs typeface="Times New Roman" panose="02020603050405020304" pitchFamily="18" charset="0"/>
-              </a:rPr>
-              <a:t>hiện được sniffer trên hệ thống mạng </a:t>
-            </a:r>
-            <a:r>
-              <a:rPr lang="vi-VN">
-                <a:latin typeface="Diavlo Light" panose="02000000000000000000" pitchFamily="2" charset="0"/>
-                <a:cs typeface="Times New Roman" panose="02020603050405020304" pitchFamily="18" charset="0"/>
-              </a:rPr>
-              <a:t>của </a:t>
+              <a:t>phát hiện được sniffer trên hệ thống mạng của </a:t>
             </a:r>
             <a:r>
               <a:rPr lang="vi-VN" smtClean="0">
@@ -13506,13 +13318,13 @@
   <p:clrMapOvr>
     <a:masterClrMapping/>
   </p:clrMapOvr>
-  <mc:AlternateContent xmlns:mc="http://schemas.openxmlformats.org/markup-compatibility/2006">
-    <mc:Choice xmlns:p14="http://schemas.microsoft.com/office/powerpoint/2010/main" Requires="p14">
+  <mc:AlternateContent xmlns:mc="http://schemas.openxmlformats.org/markup-compatibility/2006" xmlns:p14="http://schemas.microsoft.com/office/powerpoint/2010/main">
+    <mc:Choice Requires="p14">
       <p:transition spd="slow" p14:dur="3900">
         <p14:glitter pattern="hexagon"/>
       </p:transition>
     </mc:Choice>
-    <mc:Fallback>
+    <mc:Fallback xmlns="">
       <p:transition spd="slow">
         <p:fade/>
       </p:transition>
@@ -14086,14 +13898,7 @@
                 <a:latin typeface="Diavlo Light" panose="02000000000000000000" pitchFamily="2" charset="0"/>
                 <a:cs typeface="Times New Roman" panose="02020603050405020304" pitchFamily="18" charset="0"/>
               </a:rPr>
-              <a:t> </a:t>
-            </a:r>
-            <a:r>
-              <a:rPr lang="vi-VN" sz="2400">
-                <a:latin typeface="Diavlo Light" panose="02000000000000000000" pitchFamily="2" charset="0"/>
-                <a:cs typeface="Times New Roman" panose="02020603050405020304" pitchFamily="18" charset="0"/>
-              </a:rPr>
-              <a:t>Abel </a:t>
+              <a:t> Abel </a:t>
             </a:r>
             <a:r>
               <a:rPr lang="en-GB" sz="2400" smtClean="0">
@@ -14141,14 +13946,7 @@
                 <a:latin typeface="Diavlo Light" panose="02000000000000000000" pitchFamily="2" charset="0"/>
                 <a:cs typeface="Times New Roman" panose="02020603050405020304" pitchFamily="18" charset="0"/>
               </a:rPr>
-              <a:t>của công cụ phá mã này là  </a:t>
-            </a:r>
-            <a:r>
-              <a:rPr lang="vi-VN" sz="2400">
-                <a:latin typeface="Diavlo Light" panose="02000000000000000000" pitchFamily="2" charset="0"/>
-                <a:cs typeface="Times New Roman" panose="02020603050405020304" pitchFamily="18" charset="0"/>
-              </a:rPr>
-              <a:t>Massimiliano </a:t>
+              <a:t>của công cụ phá mã này là  Massimiliano </a:t>
             </a:r>
             <a:r>
               <a:rPr lang="vi-VN" sz="2400" smtClean="0">
@@ -14193,14 +13991,7 @@
                 <a:latin typeface="Diavlo Light" panose="02000000000000000000" pitchFamily="2" charset="0"/>
                 <a:cs typeface="Times New Roman" panose="02020603050405020304" pitchFamily="18" charset="0"/>
               </a:rPr>
-              <a:t>chương trình tìm mật khẩu chạy trên hệ điều </a:t>
-            </a:r>
-            <a:r>
-              <a:rPr lang="vi-VN" sz="2400">
-                <a:latin typeface="Diavlo Light" panose="02000000000000000000" pitchFamily="2" charset="0"/>
-                <a:cs typeface="Times New Roman" panose="02020603050405020304" pitchFamily="18" charset="0"/>
-              </a:rPr>
-              <a:t>hành </a:t>
+              <a:t>chương trình tìm mật khẩu chạy trên hệ điều hành </a:t>
             </a:r>
             <a:r>
               <a:rPr lang="en-US" sz="2400" smtClean="0">
@@ -14261,14 +14052,7 @@
                 <a:latin typeface="Diavlo Light" panose="02000000000000000000" pitchFamily="2" charset="0"/>
                 <a:cs typeface="Times New Roman" panose="02020603050405020304" pitchFamily="18" charset="0"/>
               </a:rPr>
-              <a:t>các mật khẩu đã mã hóa bằng các phương pháp Dictionary, Brute-Force </a:t>
-            </a:r>
-            <a:r>
-              <a:rPr lang="vi-VN" sz="2400">
-                <a:latin typeface="Diavlo Light" panose="02000000000000000000" pitchFamily="2" charset="0"/>
-                <a:cs typeface="Times New Roman" panose="02020603050405020304" pitchFamily="18" charset="0"/>
-              </a:rPr>
-              <a:t>and </a:t>
+              <a:t>các mật khẩu đã mã hóa bằng các phương pháp Dictionary, Brute-Force and </a:t>
             </a:r>
             <a:r>
               <a:rPr lang="vi-VN" sz="2400" smtClean="0">
@@ -14821,14 +14605,7 @@
                 <a:latin typeface="Diavlo Light" panose="02000000000000000000" pitchFamily="2" charset="0"/>
                 <a:cs typeface="Times New Roman" panose="02020603050405020304" pitchFamily="18" charset="0"/>
               </a:rPr>
-              <a:t>ìm ra file nơi chứa mật khẩu, phát hiện mật khẩu có trong </a:t>
-            </a:r>
-            <a:r>
-              <a:rPr lang="vi-VN" sz="2400">
-                <a:latin typeface="Diavlo Light" panose="02000000000000000000" pitchFamily="2" charset="0"/>
-                <a:cs typeface="Times New Roman" panose="02020603050405020304" pitchFamily="18" charset="0"/>
-              </a:rPr>
-              <a:t>bộ </a:t>
+              <a:t>ìm ra file nơi chứa mật khẩu, phát hiện mật khẩu có trong bộ </a:t>
             </a:r>
             <a:r>
               <a:rPr lang="vi-VN" sz="2400" smtClean="0">
@@ -14866,35 +14643,21 @@
                 <a:latin typeface="Diavlo Light" panose="02000000000000000000" pitchFamily="2" charset="0"/>
                 <a:cs typeface="Times New Roman" panose="02020603050405020304" pitchFamily="18" charset="0"/>
               </a:rPr>
-              <a:t>phát triển với hy </a:t>
+              <a:t>phát triển với hy vọng </a:t>
+            </a:r>
+            <a:r>
+              <a:rPr lang="vi-VN" sz="2400" smtClean="0">
+                <a:latin typeface="Diavlo Light" panose="02000000000000000000" pitchFamily="2" charset="0"/>
+                <a:cs typeface="Times New Roman" panose="02020603050405020304" pitchFamily="18" charset="0"/>
+              </a:rPr>
+              <a:t>là </a:t>
             </a:r>
             <a:r>
               <a:rPr lang="vi-VN" sz="2400">
                 <a:latin typeface="Diavlo Light" panose="02000000000000000000" pitchFamily="2" charset="0"/>
                 <a:cs typeface="Times New Roman" panose="02020603050405020304" pitchFamily="18" charset="0"/>
               </a:rPr>
-              <a:t>vọng </a:t>
-            </a:r>
-            <a:r>
-              <a:rPr lang="vi-VN" sz="2400" smtClean="0">
-                <a:latin typeface="Diavlo Light" panose="02000000000000000000" pitchFamily="2" charset="0"/>
-                <a:cs typeface="Times New Roman" panose="02020603050405020304" pitchFamily="18" charset="0"/>
-              </a:rPr>
-              <a:t>là </a:t>
-            </a:r>
-            <a:r>
-              <a:rPr lang="vi-VN" sz="2400">
-                <a:latin typeface="Diavlo Light" panose="02000000000000000000" pitchFamily="2" charset="0"/>
-                <a:cs typeface="Times New Roman" panose="02020603050405020304" pitchFamily="18" charset="0"/>
-              </a:rPr>
-              <a:t>công cụ đắc lực cho các quản trị mạng, các nhân viên điều tra có thể truy cập dễ dàng vào các hệ thống máy tính bị mã khóa do hacker </a:t>
-            </a:r>
-            <a:r>
-              <a:rPr lang="vi-VN" sz="2400">
-                <a:latin typeface="Diavlo Light" panose="02000000000000000000" pitchFamily="2" charset="0"/>
-                <a:cs typeface="Times New Roman" panose="02020603050405020304" pitchFamily="18" charset="0"/>
-              </a:rPr>
-              <a:t>tấn </a:t>
+              <a:t>công cụ đắc lực cho các quản trị mạng, các nhân viên điều tra có thể truy cập dễ dàng vào các hệ thống máy tính bị mã khóa do hacker tấn </a:t>
             </a:r>
             <a:r>
               <a:rPr lang="vi-VN" sz="2400" smtClean="0">
@@ -15049,7 +14812,7 @@
                                         <p:tgtEl>
                                           <p:spTgt spid="9">
                                             <p:txEl>
-                                              <p:charRg st="38" end="104"/>
+                                              <p:pRg st="1" end="1"/>
                                             </p:txEl>
                                           </p:spTgt>
                                         </p:tgtEl>
@@ -15067,7 +14830,7 @@
                                         <p:tgtEl>
                                           <p:spTgt spid="9">
                                             <p:txEl>
-                                              <p:charRg st="38" end="104"/>
+                                              <p:pRg st="1" end="1"/>
                                             </p:txEl>
                                           </p:spTgt>
                                         </p:tgtEl>
@@ -15092,7 +14855,7 @@
                                         <p:tgtEl>
                                           <p:spTgt spid="9">
                                             <p:txEl>
-                                              <p:charRg st="104" end="278"/>
+                                              <p:pRg st="2" end="2"/>
                                             </p:txEl>
                                           </p:spTgt>
                                         </p:tgtEl>
@@ -15110,7 +14873,7 @@
                                         <p:tgtEl>
                                           <p:spTgt spid="9">
                                             <p:txEl>
-                                              <p:charRg st="104" end="278"/>
+                                              <p:pRg st="2" end="2"/>
                                             </p:txEl>
                                           </p:spTgt>
                                         </p:tgtEl>
@@ -15287,63 +15050,42 @@
                 <a:latin typeface="Diavlo Light" panose="02000000000000000000" pitchFamily="2" charset="0"/>
                 <a:cs typeface="Times New Roman" panose="02020603050405020304" pitchFamily="18" charset="0"/>
               </a:rPr>
-              <a:t>phần đầu tiên của phần mềm, với một giao diện người dùng đơn giản, mục </a:t>
+              <a:t>phần đầu tiên của phần mềm, với một giao diện người dùng đơn giản, mục đích </a:t>
+            </a:r>
+            <a:r>
+              <a:rPr lang="vi-VN" sz="2400" smtClean="0">
+                <a:latin typeface="Diavlo Light" panose="02000000000000000000" pitchFamily="2" charset="0"/>
+                <a:cs typeface="Times New Roman" panose="02020603050405020304" pitchFamily="18" charset="0"/>
+              </a:rPr>
+              <a:t>là </a:t>
             </a:r>
             <a:r>
               <a:rPr lang="vi-VN" sz="2400">
                 <a:latin typeface="Diavlo Light" panose="02000000000000000000" pitchFamily="2" charset="0"/>
                 <a:cs typeface="Times New Roman" panose="02020603050405020304" pitchFamily="18" charset="0"/>
               </a:rPr>
-              <a:t>đích </a:t>
+              <a:t>tập trung vào một số kỹ thuật xâm nhập và những công cụ giúp phục hồi mật khẩu </a:t>
+            </a:r>
+            <a:r>
+              <a:rPr lang="en-US" sz="2400" smtClean="0">
+                <a:latin typeface="Diavlo Light" panose="02000000000000000000" pitchFamily="2" charset="0"/>
+                <a:cs typeface="Times New Roman" panose="02020603050405020304" pitchFamily="18" charset="0"/>
+              </a:rPr>
+              <a:t>n</a:t>
             </a:r>
             <a:r>
               <a:rPr lang="vi-VN" sz="2400" smtClean="0">
                 <a:latin typeface="Diavlo Light" panose="02000000000000000000" pitchFamily="2" charset="0"/>
                 <a:cs typeface="Times New Roman" panose="02020603050405020304" pitchFamily="18" charset="0"/>
               </a:rPr>
-              <a:t>là </a:t>
+              <a:t>hiều </a:t>
             </a:r>
             <a:r>
               <a:rPr lang="vi-VN" sz="2400">
                 <a:latin typeface="Diavlo Light" panose="02000000000000000000" pitchFamily="2" charset="0"/>
                 <a:cs typeface="Times New Roman" panose="02020603050405020304" pitchFamily="18" charset="0"/>
               </a:rPr>
-              <a:t>tập trung vào một số kỹ thuật xâm nhập và những công cụ giúp phục hồi mật </a:t>
-            </a:r>
-            <a:r>
-              <a:rPr lang="vi-VN" sz="2400">
-                <a:latin typeface="Diavlo Light" panose="02000000000000000000" pitchFamily="2" charset="0"/>
-                <a:cs typeface="Times New Roman" panose="02020603050405020304" pitchFamily="18" charset="0"/>
-              </a:rPr>
-              <a:t>khẩu </a:t>
-            </a:r>
-            <a:r>
-              <a:rPr lang="en-US" sz="2400" smtClean="0">
-                <a:latin typeface="Diavlo Light" panose="02000000000000000000" pitchFamily="2" charset="0"/>
-                <a:cs typeface="Times New Roman" panose="02020603050405020304" pitchFamily="18" charset="0"/>
-              </a:rPr>
-              <a:t>n</a:t>
-            </a:r>
-            <a:r>
-              <a:rPr lang="vi-VN" sz="2400" smtClean="0">
-                <a:latin typeface="Diavlo Light" panose="02000000000000000000" pitchFamily="2" charset="0"/>
-                <a:cs typeface="Times New Roman" panose="02020603050405020304" pitchFamily="18" charset="0"/>
-              </a:rPr>
-              <a:t>hiều </a:t>
-            </a:r>
-            <a:r>
-              <a:rPr lang="vi-VN" sz="2400">
-                <a:latin typeface="Diavlo Light" panose="02000000000000000000" pitchFamily="2" charset="0"/>
-                <a:cs typeface="Times New Roman" panose="02020603050405020304" pitchFamily="18" charset="0"/>
-              </a:rPr>
-              <a:t>nguồn </a:t>
-            </a:r>
-            <a:r>
-              <a:rPr lang="vi-VN" sz="2400">
-                <a:latin typeface="Diavlo Light" panose="02000000000000000000" pitchFamily="2" charset="0"/>
-                <a:cs typeface="Times New Roman" panose="02020603050405020304" pitchFamily="18" charset="0"/>
-              </a:rPr>
-              <a:t>khác </a:t>
+              <a:t>nguồn khác </a:t>
             </a:r>
             <a:r>
               <a:rPr lang="vi-VN" sz="2400" smtClean="0">
@@ -15387,14 +15129,7 @@
                 <a:latin typeface="Diavlo Light" panose="02000000000000000000" pitchFamily="2" charset="0"/>
                 <a:cs typeface="Times New Roman" panose="02020603050405020304" pitchFamily="18" charset="0"/>
               </a:rPr>
-              <a:t>Network  </a:t>
-            </a:r>
-            <a:r>
-              <a:rPr lang="vi-VN" sz="2400">
-                <a:latin typeface="Diavlo Light" panose="02000000000000000000" pitchFamily="2" charset="0"/>
-                <a:cs typeface="Times New Roman" panose="02020603050405020304" pitchFamily="18" charset="0"/>
-              </a:rPr>
-              <a:t>Enumerator</a:t>
+              <a:t>Network  Enumerator</a:t>
             </a:r>
             <a:endParaRPr lang="en-US" sz="2400">
               <a:latin typeface="Diavlo Light" panose="02000000000000000000" pitchFamily="2" charset="0"/>
@@ -15411,14 +15146,7 @@
                 <a:latin typeface="Diavlo Light" panose="02000000000000000000" pitchFamily="2" charset="0"/>
                 <a:cs typeface="Times New Roman" panose="02020603050405020304" pitchFamily="18" charset="0"/>
               </a:rPr>
-              <a:t>MAC Address Scanner with OUI </a:t>
-            </a:r>
-            <a:r>
-              <a:rPr lang="vi-VN" sz="2400">
-                <a:latin typeface="Diavlo Light" panose="02000000000000000000" pitchFamily="2" charset="0"/>
-                <a:cs typeface="Times New Roman" panose="02020603050405020304" pitchFamily="18" charset="0"/>
-              </a:rPr>
-              <a:t>fingerprint</a:t>
+              <a:t>MAC Address Scanner with OUI fingerprint</a:t>
             </a:r>
             <a:endParaRPr lang="en-US" sz="2400">
               <a:latin typeface="Diavlo Light" panose="02000000000000000000" pitchFamily="2" charset="0"/>
@@ -16624,14 +16352,7 @@
                 <a:latin typeface="Diavlo Light" panose="02000000000000000000" pitchFamily="2" charset="0"/>
                 <a:cs typeface="Times New Roman" panose="02020603050405020304" pitchFamily="18" charset="0"/>
               </a:rPr>
-              <a:t>Access (9x/2000/XP) Database </a:t>
-            </a:r>
-            <a:r>
-              <a:rPr lang="vi-VN" sz="2400">
-                <a:latin typeface="Diavlo Light" panose="02000000000000000000" pitchFamily="2" charset="0"/>
-                <a:cs typeface="Times New Roman" panose="02020603050405020304" pitchFamily="18" charset="0"/>
-              </a:rPr>
-              <a:t>Passwords </a:t>
+              <a:t>Access (9x/2000/XP) Database Passwords </a:t>
             </a:r>
             <a:r>
               <a:rPr lang="vi-VN" sz="2400" smtClean="0">
@@ -16671,6 +16392,33 @@
               </a:rPr>
               <a:t>.</a:t>
             </a:r>
+          </a:p>
+          <a:p>
+            <a:pPr lvl="2">
+              <a:buFont typeface="Wingdings" panose="05000000000000000000" pitchFamily="2" charset="2"/>
+              <a:buChar char="§"/>
+            </a:pPr>
+            <a:r>
+              <a:rPr lang="vi-VN" sz="2400">
+                <a:latin typeface="Diavlo Light" panose="02000000000000000000" pitchFamily="2" charset="0"/>
+                <a:cs typeface="Times New Roman" panose="02020603050405020304" pitchFamily="18" charset="0"/>
+              </a:rPr>
+              <a:t>Box </a:t>
+            </a:r>
+            <a:r>
+              <a:rPr lang="vi-VN" sz="2400" smtClean="0">
+                <a:latin typeface="Diavlo Light" panose="02000000000000000000" pitchFamily="2" charset="0"/>
+                <a:cs typeface="Times New Roman" panose="02020603050405020304" pitchFamily="18" charset="0"/>
+              </a:rPr>
+              <a:t>Revealer</a:t>
+            </a:r>
+            <a:r>
+              <a:rPr lang="en-US" sz="2400" smtClean="0">
+                <a:latin typeface="Diavlo Light" panose="02000000000000000000" pitchFamily="2" charset="0"/>
+                <a:cs typeface="Times New Roman" panose="02020603050405020304" pitchFamily="18" charset="0"/>
+              </a:rPr>
+              <a:t>.</a:t>
+            </a:r>
             <a:endParaRPr lang="en-US" sz="2400">
               <a:latin typeface="Diavlo Light" panose="02000000000000000000" pitchFamily="2" charset="0"/>
               <a:cs typeface="Times New Roman" panose="02020603050405020304" pitchFamily="18" charset="0"/>
@@ -16686,14 +16434,14 @@
                 <a:latin typeface="Diavlo Light" panose="02000000000000000000" pitchFamily="2" charset="0"/>
                 <a:cs typeface="Times New Roman" panose="02020603050405020304" pitchFamily="18" charset="0"/>
               </a:rPr>
-              <a:t>Box </a:t>
+              <a:t>Cisco Type-7 Password </a:t>
             </a:r>
             <a:r>
               <a:rPr lang="vi-VN" sz="2400" smtClean="0">
                 <a:latin typeface="Diavlo Light" panose="02000000000000000000" pitchFamily="2" charset="0"/>
                 <a:cs typeface="Times New Roman" panose="02020603050405020304" pitchFamily="18" charset="0"/>
               </a:rPr>
-              <a:t>Revealer</a:t>
+              <a:t>Decoder</a:t>
             </a:r>
             <a:r>
               <a:rPr lang="en-US" sz="2400" smtClean="0">
@@ -16717,14 +16465,7 @@
                 <a:latin typeface="Diavlo Light" panose="02000000000000000000" pitchFamily="2" charset="0"/>
                 <a:cs typeface="Times New Roman" panose="02020603050405020304" pitchFamily="18" charset="0"/>
               </a:rPr>
-              <a:t>Cisco Type-7 </a:t>
-            </a:r>
-            <a:r>
-              <a:rPr lang="vi-VN" sz="2400">
-                <a:latin typeface="Diavlo Light" panose="02000000000000000000" pitchFamily="2" charset="0"/>
-                <a:cs typeface="Times New Roman" panose="02020603050405020304" pitchFamily="18" charset="0"/>
-              </a:rPr>
-              <a:t>Password </a:t>
+              <a:t>Cisco VPN Client Password </a:t>
             </a:r>
             <a:r>
               <a:rPr lang="vi-VN" sz="2400" smtClean="0">
@@ -16740,10 +16481,6 @@
               </a:rPr>
               <a:t>.</a:t>
             </a:r>
-            <a:endParaRPr lang="en-US" sz="2400">
-              <a:latin typeface="Diavlo Light" panose="02000000000000000000" pitchFamily="2" charset="0"/>
-              <a:cs typeface="Times New Roman" panose="02020603050405020304" pitchFamily="18" charset="0"/>
-            </a:endParaRPr>
           </a:p>
           <a:p>
             <a:pPr lvl="2">
@@ -16755,48 +16492,7 @@
                 <a:latin typeface="Diavlo Light" panose="02000000000000000000" pitchFamily="2" charset="0"/>
                 <a:cs typeface="Times New Roman" panose="02020603050405020304" pitchFamily="18" charset="0"/>
               </a:rPr>
-              <a:t>Cisco VPN Client </a:t>
-            </a:r>
-            <a:r>
-              <a:rPr lang="vi-VN" sz="2400">
-                <a:latin typeface="Diavlo Light" panose="02000000000000000000" pitchFamily="2" charset="0"/>
-                <a:cs typeface="Times New Roman" panose="02020603050405020304" pitchFamily="18" charset="0"/>
-              </a:rPr>
-              <a:t>Password </a:t>
-            </a:r>
-            <a:r>
-              <a:rPr lang="vi-VN" sz="2400" smtClean="0">
-                <a:latin typeface="Diavlo Light" panose="02000000000000000000" pitchFamily="2" charset="0"/>
-                <a:cs typeface="Times New Roman" panose="02020603050405020304" pitchFamily="18" charset="0"/>
-              </a:rPr>
-              <a:t>Decoder</a:t>
-            </a:r>
-            <a:r>
-              <a:rPr lang="en-US" sz="2400" smtClean="0">
-                <a:latin typeface="Diavlo Light" panose="02000000000000000000" pitchFamily="2" charset="0"/>
-                <a:cs typeface="Times New Roman" panose="02020603050405020304" pitchFamily="18" charset="0"/>
-              </a:rPr>
-              <a:t>.</a:t>
-            </a:r>
-          </a:p>
-          <a:p>
-            <a:pPr lvl="2">
-              <a:buFont typeface="Wingdings" panose="05000000000000000000" pitchFamily="2" charset="2"/>
-              <a:buChar char="§"/>
-            </a:pPr>
-            <a:r>
-              <a:rPr lang="vi-VN" sz="2400">
-                <a:latin typeface="Diavlo Light" panose="02000000000000000000" pitchFamily="2" charset="0"/>
-                <a:cs typeface="Times New Roman" panose="02020603050405020304" pitchFamily="18" charset="0"/>
-              </a:rPr>
-              <a:t>802.11 Capture Files </a:t>
-            </a:r>
-            <a:r>
-              <a:rPr lang="vi-VN" sz="2400">
-                <a:latin typeface="Diavlo Light" panose="02000000000000000000" pitchFamily="2" charset="0"/>
-                <a:cs typeface="Times New Roman" panose="02020603050405020304" pitchFamily="18" charset="0"/>
-              </a:rPr>
-              <a:t>Decoder</a:t>
+              <a:t>802.11 Capture Files Decoder</a:t>
             </a:r>
             <a:r>
               <a:rPr lang="en-US" sz="2400">
@@ -17411,14 +17107,7 @@
                 <a:latin typeface="Diavlo Light" panose="02000000000000000000" pitchFamily="2" charset="0"/>
                 <a:cs typeface="Times New Roman" panose="02020603050405020304" pitchFamily="18" charset="0"/>
               </a:rPr>
-              <a:t>LSA </a:t>
-            </a:r>
-            <a:r>
-              <a:rPr lang="vi-VN" sz="2400">
-                <a:latin typeface="Diavlo Light" panose="02000000000000000000" pitchFamily="2" charset="0"/>
-                <a:cs typeface="Times New Roman" panose="02020603050405020304" pitchFamily="18" charset="0"/>
-              </a:rPr>
-              <a:t>Secrets </a:t>
+              <a:t>LSA Secrets </a:t>
             </a:r>
             <a:r>
               <a:rPr lang="vi-VN" sz="2400" smtClean="0">
@@ -17490,14 +17179,7 @@
                 <a:latin typeface="Diavlo Light" panose="02000000000000000000" pitchFamily="2" charset="0"/>
                 <a:cs typeface="Times New Roman" panose="02020603050405020304" pitchFamily="18" charset="0"/>
               </a:rPr>
-              <a:t>Password Extractor </a:t>
-            </a:r>
-            <a:r>
-              <a:rPr lang="vi-VN" sz="2400">
-                <a:latin typeface="Diavlo Light" panose="02000000000000000000" pitchFamily="2" charset="0"/>
-                <a:cs typeface="Times New Roman" panose="02020603050405020304" pitchFamily="18" charset="0"/>
-              </a:rPr>
-              <a:t>via </a:t>
+              <a:t>Password Extractor via </a:t>
             </a:r>
             <a:r>
               <a:rPr lang="vi-VN" sz="2400" smtClean="0">
@@ -17531,14 +17213,7 @@
                 <a:latin typeface="Diavlo Light" panose="02000000000000000000" pitchFamily="2" charset="0"/>
                 <a:cs typeface="Times New Roman" panose="02020603050405020304" pitchFamily="18" charset="0"/>
               </a:rPr>
-              <a:t>Password Extractor via </a:t>
-            </a:r>
-            <a:r>
-              <a:rPr lang="vi-VN" sz="2400">
-                <a:latin typeface="Diavlo Light" panose="02000000000000000000" pitchFamily="2" charset="0"/>
-                <a:cs typeface="Times New Roman" panose="02020603050405020304" pitchFamily="18" charset="0"/>
-              </a:rPr>
-              <a:t>ODBC</a:t>
+              <a:t>Password Extractor via ODBC</a:t>
             </a:r>
             <a:r>
               <a:rPr lang="en-US" sz="2400">
@@ -17558,21 +17233,7 @@
                 <a:latin typeface="Diavlo Light" panose="02000000000000000000" pitchFamily="2" charset="0"/>
                 <a:cs typeface="Times New Roman" panose="02020603050405020304" pitchFamily="18" charset="0"/>
               </a:rPr>
-              <a:t>Microsoft </a:t>
-            </a:r>
-            <a:r>
-              <a:rPr lang="vi-VN" sz="2400">
-                <a:latin typeface="Diavlo Light" panose="02000000000000000000" pitchFamily="2" charset="0"/>
-                <a:cs typeface="Times New Roman" panose="02020603050405020304" pitchFamily="18" charset="0"/>
-              </a:rPr>
-              <a:t>SQL Server 2000 Password Extractor via </a:t>
-            </a:r>
-            <a:r>
-              <a:rPr lang="vi-VN" sz="2400">
-                <a:latin typeface="Diavlo Light" panose="02000000000000000000" pitchFamily="2" charset="0"/>
-                <a:cs typeface="Times New Roman" panose="02020603050405020304" pitchFamily="18" charset="0"/>
-              </a:rPr>
-              <a:t>ODBC</a:t>
+              <a:t>Microsoft SQL Server 2000 Password Extractor via ODBC</a:t>
             </a:r>
             <a:r>
               <a:rPr lang="en-US" sz="2400">
@@ -17581,10 +17242,6 @@
               </a:rPr>
               <a:t>.</a:t>
             </a:r>
-            <a:endParaRPr lang="en-US" sz="2400">
-              <a:latin typeface="Diavlo Light" panose="02000000000000000000" pitchFamily="2" charset="0"/>
-              <a:cs typeface="Times New Roman" panose="02020603050405020304" pitchFamily="18" charset="0"/>
-            </a:endParaRPr>
           </a:p>
         </p:txBody>
       </p:sp>

--- a/CDBM/Team Assignment 01/Team02.pptx
+++ b/CDBM/Team Assignment 01/Team02.pptx
@@ -5,7 +5,7 @@
     <p:sldMasterId id="2147483648" r:id="rId1"/>
   </p:sldMasterIdLst>
   <p:notesMasterIdLst>
-    <p:notesMasterId r:id="rId20"/>
+    <p:notesMasterId r:id="rId19"/>
   </p:notesMasterIdLst>
   <p:sldIdLst>
     <p:sldId id="257" r:id="rId2"/>
@@ -20,12 +20,11 @@
     <p:sldId id="293" r:id="rId11"/>
     <p:sldId id="294" r:id="rId12"/>
     <p:sldId id="296" r:id="rId13"/>
-    <p:sldId id="287" r:id="rId14"/>
-    <p:sldId id="288" r:id="rId15"/>
-    <p:sldId id="298" r:id="rId16"/>
-    <p:sldId id="299" r:id="rId17"/>
-    <p:sldId id="300" r:id="rId18"/>
-    <p:sldId id="276" r:id="rId19"/>
+    <p:sldId id="288" r:id="rId14"/>
+    <p:sldId id="298" r:id="rId15"/>
+    <p:sldId id="299" r:id="rId16"/>
+    <p:sldId id="300" r:id="rId17"/>
+    <p:sldId id="276" r:id="rId18"/>
   </p:sldIdLst>
   <p:sldSz cx="9144000" cy="5715000" type="screen16x10"/>
   <p:notesSz cx="6858000" cy="9144000"/>
@@ -8724,43 +8723,23 @@
           </a:bodyPr>
           <a:lstStyle/>
           <a:p>
-            <a:pPr marL="457200" indent="-457200">
-              <a:buFont typeface="+mj-lt"/>
-              <a:buAutoNum type="arabicPeriod" startAt="2"/>
-            </a:pPr>
-            <a:r>
-              <a:rPr lang="en-GB" sz="2400" smtClean="0">
-                <a:latin typeface="Diavlo Light" panose="02000000000000000000" pitchFamily="2" charset="0"/>
-                <a:cs typeface="Times New Roman" panose="02020603050405020304" pitchFamily="18" charset="0"/>
-              </a:rPr>
-              <a:t>Giới thiệu </a:t>
-            </a:r>
-            <a:r>
-              <a:rPr lang="en-US" sz="2400" smtClean="0">
-                <a:latin typeface="Diavlo Light" panose="02000000000000000000" pitchFamily="2" charset="0"/>
-                <a:cs typeface="Times New Roman" panose="02020603050405020304" pitchFamily="18" charset="0"/>
-              </a:rPr>
-              <a:t>Chi tiết về Cain</a:t>
-            </a:r>
-            <a:r>
-              <a:rPr lang="en-GB" sz="2400" smtClean="0">
-                <a:latin typeface="Diavlo Light" panose="02000000000000000000" pitchFamily="2" charset="0"/>
-                <a:cs typeface="Times New Roman" panose="02020603050405020304" pitchFamily="18" charset="0"/>
-              </a:rPr>
-              <a:t>:</a:t>
-            </a:r>
-          </a:p>
-          <a:p>
             <a:pPr lvl="1">
               <a:buFont typeface="Wingdings" panose="05000000000000000000" pitchFamily="2" charset="2"/>
               <a:buChar char="Ø"/>
             </a:pPr>
             <a:r>
+              <a:rPr lang="vi-VN" sz="2400" smtClean="0">
+                <a:latin typeface="Diavlo Light" panose="02000000000000000000" pitchFamily="2" charset="0"/>
+                <a:cs typeface="Times New Roman" panose="02020603050405020304" pitchFamily="18" charset="0"/>
+              </a:rPr>
+              <a:t>Password/Hash </a:t>
+            </a:r>
+            <a:r>
               <a:rPr lang="vi-VN" sz="2400">
                 <a:latin typeface="Diavlo Light" panose="02000000000000000000" pitchFamily="2" charset="0"/>
                 <a:cs typeface="Times New Roman" panose="02020603050405020304" pitchFamily="18" charset="0"/>
               </a:rPr>
-              <a:t>Password/Hash Calculators</a:t>
+              <a:t>Calculators</a:t>
             </a:r>
             <a:endParaRPr lang="en-US" sz="2400">
               <a:latin typeface="Diavlo Light" panose="02000000000000000000" pitchFamily="2" charset="0"/>
@@ -8877,24 +8856,15 @@
                                   </p:childTnLst>
                                 </p:cTn>
                               </p:par>
-                            </p:childTnLst>
-                          </p:cTn>
-                        </p:par>
-                        <p:par>
-                          <p:cTn id="8" fill="hold">
-                            <p:stCondLst>
-                              <p:cond delay="500"/>
-                            </p:stCondLst>
-                            <p:childTnLst>
                               <p:par>
-                                <p:cTn id="9" presetID="10" presetClass="entr" presetSubtype="0" fill="hold" nodeType="afterEffect">
+                                <p:cTn id="8" presetID="10" presetClass="entr" presetSubtype="0" fill="hold" nodeType="withEffect">
                                   <p:stCondLst>
                                     <p:cond delay="0"/>
                                   </p:stCondLst>
                                   <p:childTnLst>
                                     <p:set>
                                       <p:cBhvr>
-                                        <p:cTn id="10" dur="1" fill="hold">
+                                        <p:cTn id="9" dur="1" fill="hold">
                                           <p:stCondLst>
                                             <p:cond delay="0"/>
                                           </p:stCondLst>
@@ -8916,7 +8886,7 @@
                                     </p:set>
                                     <p:animEffect transition="in" filter="fade">
                                       <p:cBhvr>
-                                        <p:cTn id="11" dur="500"/>
+                                        <p:cTn id="10" dur="500"/>
                                         <p:tgtEl>
                                           <p:spTgt spid="9">
                                             <p:txEl>
@@ -8930,14 +8900,14 @@
                                 </p:cTn>
                               </p:par>
                               <p:par>
-                                <p:cTn id="12" presetID="10" presetClass="entr" presetSubtype="0" fill="hold" nodeType="withEffect">
+                                <p:cTn id="11" presetID="10" presetClass="entr" presetSubtype="0" fill="hold" nodeType="withEffect">
                                   <p:stCondLst>
                                     <p:cond delay="0"/>
                                   </p:stCondLst>
                                   <p:childTnLst>
                                     <p:set>
                                       <p:cBhvr>
-                                        <p:cTn id="13" dur="1" fill="hold">
+                                        <p:cTn id="12" dur="1" fill="hold">
                                           <p:stCondLst>
                                             <p:cond delay="0"/>
                                           </p:stCondLst>
@@ -8959,7 +8929,7 @@
                                     </p:set>
                                     <p:animEffect transition="in" filter="fade">
                                       <p:cBhvr>
-                                        <p:cTn id="14" dur="500"/>
+                                        <p:cTn id="13" dur="500"/>
                                         <p:tgtEl>
                                           <p:spTgt spid="9">
                                             <p:txEl>
@@ -8973,14 +8943,14 @@
                                 </p:cTn>
                               </p:par>
                               <p:par>
-                                <p:cTn id="15" presetID="10" presetClass="entr" presetSubtype="0" fill="hold" nodeType="withEffect">
+                                <p:cTn id="14" presetID="10" presetClass="entr" presetSubtype="0" fill="hold" nodeType="withEffect">
                                   <p:stCondLst>
                                     <p:cond delay="0"/>
                                   </p:stCondLst>
                                   <p:childTnLst>
                                     <p:set>
                                       <p:cBhvr>
-                                        <p:cTn id="16" dur="1" fill="hold">
+                                        <p:cTn id="15" dur="1" fill="hold">
                                           <p:stCondLst>
                                             <p:cond delay="0"/>
                                           </p:stCondLst>
@@ -9002,54 +8972,11 @@
                                     </p:set>
                                     <p:animEffect transition="in" filter="fade">
                                       <p:cBhvr>
-                                        <p:cTn id="17" dur="500"/>
+                                        <p:cTn id="16" dur="500"/>
                                         <p:tgtEl>
                                           <p:spTgt spid="9">
                                             <p:txEl>
                                               <p:pRg st="2" end="2"/>
-                                            </p:txEl>
-                                          </p:spTgt>
-                                        </p:tgtEl>
-                                      </p:cBhvr>
-                                    </p:animEffect>
-                                  </p:childTnLst>
-                                </p:cTn>
-                              </p:par>
-                              <p:par>
-                                <p:cTn id="18" presetID="10" presetClass="entr" presetSubtype="0" fill="hold" nodeType="withEffect">
-                                  <p:stCondLst>
-                                    <p:cond delay="0"/>
-                                  </p:stCondLst>
-                                  <p:childTnLst>
-                                    <p:set>
-                                      <p:cBhvr>
-                                        <p:cTn id="19" dur="1" fill="hold">
-                                          <p:stCondLst>
-                                            <p:cond delay="0"/>
-                                          </p:stCondLst>
-                                        </p:cTn>
-                                        <p:tgtEl>
-                                          <p:spTgt spid="9">
-                                            <p:txEl>
-                                              <p:pRg st="3" end="3"/>
-                                            </p:txEl>
-                                          </p:spTgt>
-                                        </p:tgtEl>
-                                        <p:attrNameLst>
-                                          <p:attrName>style.visibility</p:attrName>
-                                        </p:attrNameLst>
-                                      </p:cBhvr>
-                                      <p:to>
-                                        <p:strVal val="visible"/>
-                                      </p:to>
-                                    </p:set>
-                                    <p:animEffect transition="in" filter="fade">
-                                      <p:cBhvr>
-                                        <p:cTn id="20" dur="500"/>
-                                        <p:tgtEl>
-                                          <p:spTgt spid="9">
-                                            <p:txEl>
-                                              <p:pRg st="3" end="3"/>
                                             </p:txEl>
                                           </p:spTgt>
                                         </p:tgtEl>
@@ -9176,39 +9103,12 @@
           </a:bodyPr>
           <a:lstStyle/>
           <a:p>
-            <a:pPr marL="457200" indent="-457200">
-              <a:buFont typeface="+mj-lt"/>
-              <a:buAutoNum type="arabicPeriod" startAt="2"/>
-            </a:pPr>
-            <a:r>
-              <a:rPr lang="en-GB" sz="2400" smtClean="0">
-                <a:latin typeface="Diavlo Light" panose="02000000000000000000" pitchFamily="2" charset="0"/>
-                <a:cs typeface="Times New Roman" panose="02020603050405020304" pitchFamily="18" charset="0"/>
-              </a:rPr>
-              <a:t>Giới thiệu </a:t>
-            </a:r>
-            <a:r>
-              <a:rPr lang="en-US" sz="2400" smtClean="0">
-                <a:latin typeface="Diavlo Light" panose="02000000000000000000" pitchFamily="2" charset="0"/>
-                <a:cs typeface="Times New Roman" panose="02020603050405020304" pitchFamily="18" charset="0"/>
-              </a:rPr>
-              <a:t>Chi tiết về Cain</a:t>
-            </a:r>
-            <a:r>
-              <a:rPr lang="en-GB" sz="2400" smtClean="0">
-                <a:latin typeface="Diavlo Light" panose="02000000000000000000" pitchFamily="2" charset="0"/>
-                <a:cs typeface="Times New Roman" panose="02020603050405020304" pitchFamily="18" charset="0"/>
-              </a:rPr>
-              <a:t>:</a:t>
-            </a:r>
-          </a:p>
-          <a:p>
             <a:pPr lvl="1">
               <a:buFont typeface="Wingdings" panose="05000000000000000000" pitchFamily="2" charset="2"/>
               <a:buChar char="Ø"/>
             </a:pPr>
             <a:r>
-              <a:rPr lang="vi-VN" sz="2400">
+              <a:rPr lang="vi-VN" sz="2400" smtClean="0">
                 <a:latin typeface="Diavlo Light" panose="02000000000000000000" pitchFamily="2" charset="0"/>
                 <a:cs typeface="Times New Roman" panose="02020603050405020304" pitchFamily="18" charset="0"/>
               </a:rPr>
@@ -9364,6 +9264,36 @@
           </a:p>
         </p:txBody>
       </p:sp>
+      <p:pic>
+        <p:nvPicPr>
+          <p:cNvPr id="2" name="Picture 1"/>
+          <p:cNvPicPr>
+            <a:picLocks noChangeAspect="1"/>
+          </p:cNvPicPr>
+          <p:nvPr/>
+        </p:nvPicPr>
+        <p:blipFill>
+          <a:blip r:embed="rId2">
+            <a:extLst>
+              <a:ext uri="{28A0092B-C50C-407E-A947-70E740481C1C}">
+                <a14:useLocalDpi xmlns:a14="http://schemas.microsoft.com/office/drawing/2010/main" val="0"/>
+              </a:ext>
+            </a:extLst>
+          </a:blip>
+          <a:stretch>
+            <a:fillRect/>
+          </a:stretch>
+        </p:blipFill>
+        <p:spPr>
+          <a:xfrm>
+            <a:off x="755904" y="1060705"/>
+            <a:ext cx="7510272" cy="4105392"/>
+          </a:xfrm>
+          <a:prstGeom prst="rect">
+            <a:avLst/>
+          </a:prstGeom>
+        </p:spPr>
+      </p:pic>
     </p:spTree>
     <p:extLst>
       <p:ext uri="{BB962C8B-B14F-4D97-AF65-F5344CB8AC3E}">
@@ -9432,24 +9362,15 @@
                                   </p:childTnLst>
                                 </p:cTn>
                               </p:par>
-                            </p:childTnLst>
-                          </p:cTn>
-                        </p:par>
-                        <p:par>
-                          <p:cTn id="8" fill="hold">
-                            <p:stCondLst>
-                              <p:cond delay="500"/>
-                            </p:stCondLst>
-                            <p:childTnLst>
                               <p:par>
-                                <p:cTn id="9" presetID="10" presetClass="entr" presetSubtype="0" fill="hold" nodeType="afterEffect">
+                                <p:cTn id="8" presetID="10" presetClass="entr" presetSubtype="0" fill="hold" nodeType="withEffect">
                                   <p:stCondLst>
                                     <p:cond delay="0"/>
                                   </p:stCondLst>
                                   <p:childTnLst>
                                     <p:set>
                                       <p:cBhvr>
-                                        <p:cTn id="10" dur="1" fill="hold">
+                                        <p:cTn id="9" dur="1" fill="hold">
                                           <p:stCondLst>
                                             <p:cond delay="0"/>
                                           </p:stCondLst>
@@ -9471,7 +9392,7 @@
                                     </p:set>
                                     <p:animEffect transition="in" filter="fade">
                                       <p:cBhvr>
-                                        <p:cTn id="11" dur="500"/>
+                                        <p:cTn id="10" dur="500"/>
                                         <p:tgtEl>
                                           <p:spTgt spid="9">
                                             <p:txEl>
@@ -9485,14 +9406,14 @@
                                 </p:cTn>
                               </p:par>
                               <p:par>
-                                <p:cTn id="12" presetID="10" presetClass="entr" presetSubtype="0" fill="hold" nodeType="withEffect">
+                                <p:cTn id="11" presetID="10" presetClass="entr" presetSubtype="0" fill="hold" nodeType="withEffect">
                                   <p:stCondLst>
                                     <p:cond delay="0"/>
                                   </p:stCondLst>
                                   <p:childTnLst>
                                     <p:set>
                                       <p:cBhvr>
-                                        <p:cTn id="13" dur="1" fill="hold">
+                                        <p:cTn id="12" dur="1" fill="hold">
                                           <p:stCondLst>
                                             <p:cond delay="0"/>
                                           </p:stCondLst>
@@ -9514,7 +9435,7 @@
                                     </p:set>
                                     <p:animEffect transition="in" filter="fade">
                                       <p:cBhvr>
-                                        <p:cTn id="14" dur="500"/>
+                                        <p:cTn id="13" dur="500"/>
                                         <p:tgtEl>
                                           <p:spTgt spid="9">
                                             <p:txEl>
@@ -9528,14 +9449,14 @@
                                 </p:cTn>
                               </p:par>
                               <p:par>
-                                <p:cTn id="15" presetID="10" presetClass="entr" presetSubtype="0" fill="hold" nodeType="withEffect">
+                                <p:cTn id="14" presetID="10" presetClass="entr" presetSubtype="0" fill="hold" nodeType="withEffect">
                                   <p:stCondLst>
                                     <p:cond delay="0"/>
                                   </p:stCondLst>
                                   <p:childTnLst>
                                     <p:set>
                                       <p:cBhvr>
-                                        <p:cTn id="16" dur="1" fill="hold">
+                                        <p:cTn id="15" dur="1" fill="hold">
                                           <p:stCondLst>
                                             <p:cond delay="0"/>
                                           </p:stCondLst>
@@ -9557,7 +9478,7 @@
                                     </p:set>
                                     <p:animEffect transition="in" filter="fade">
                                       <p:cBhvr>
-                                        <p:cTn id="17" dur="500"/>
+                                        <p:cTn id="16" dur="500"/>
                                         <p:tgtEl>
                                           <p:spTgt spid="9">
                                             <p:txEl>
@@ -9571,14 +9492,14 @@
                                 </p:cTn>
                               </p:par>
                               <p:par>
-                                <p:cTn id="18" presetID="10" presetClass="entr" presetSubtype="0" fill="hold" nodeType="withEffect">
+                                <p:cTn id="17" presetID="10" presetClass="entr" presetSubtype="0" fill="hold" nodeType="withEffect">
                                   <p:stCondLst>
                                     <p:cond delay="0"/>
                                   </p:stCondLst>
                                   <p:childTnLst>
                                     <p:set>
                                       <p:cBhvr>
-                                        <p:cTn id="19" dur="1" fill="hold">
+                                        <p:cTn id="18" dur="1" fill="hold">
                                           <p:stCondLst>
                                             <p:cond delay="0"/>
                                           </p:stCondLst>
@@ -9600,7 +9521,7 @@
                                     </p:set>
                                     <p:animEffect transition="in" filter="fade">
                                       <p:cBhvr>
-                                        <p:cTn id="20" dur="500"/>
+                                        <p:cTn id="19" dur="500"/>
                                         <p:tgtEl>
                                           <p:spTgt spid="9">
                                             <p:txEl>
@@ -9614,14 +9535,14 @@
                                 </p:cTn>
                               </p:par>
                               <p:par>
-                                <p:cTn id="21" presetID="10" presetClass="entr" presetSubtype="0" fill="hold" nodeType="withEffect">
+                                <p:cTn id="20" presetID="10" presetClass="entr" presetSubtype="0" fill="hold" nodeType="withEffect">
                                   <p:stCondLst>
                                     <p:cond delay="0"/>
                                   </p:stCondLst>
                                   <p:childTnLst>
                                     <p:set>
                                       <p:cBhvr>
-                                        <p:cTn id="22" dur="1" fill="hold">
+                                        <p:cTn id="21" dur="1" fill="hold">
                                           <p:stCondLst>
                                             <p:cond delay="0"/>
                                           </p:stCondLst>
@@ -9643,7 +9564,7 @@
                                     </p:set>
                                     <p:animEffect transition="in" filter="fade">
                                       <p:cBhvr>
-                                        <p:cTn id="23" dur="500"/>
+                                        <p:cTn id="22" dur="500"/>
                                         <p:tgtEl>
                                           <p:spTgt spid="9">
                                             <p:txEl>
@@ -9657,14 +9578,14 @@
                                 </p:cTn>
                               </p:par>
                               <p:par>
-                                <p:cTn id="24" presetID="10" presetClass="entr" presetSubtype="0" fill="hold" nodeType="withEffect">
+                                <p:cTn id="23" presetID="10" presetClass="entr" presetSubtype="0" fill="hold" nodeType="withEffect">
                                   <p:stCondLst>
                                     <p:cond delay="0"/>
                                   </p:stCondLst>
                                   <p:childTnLst>
                                     <p:set>
                                       <p:cBhvr>
-                                        <p:cTn id="25" dur="1" fill="hold">
+                                        <p:cTn id="24" dur="1" fill="hold">
                                           <p:stCondLst>
                                             <p:cond delay="0"/>
                                           </p:stCondLst>
@@ -9686,7 +9607,7 @@
                                     </p:set>
                                     <p:animEffect transition="in" filter="fade">
                                       <p:cBhvr>
-                                        <p:cTn id="26" dur="500"/>
+                                        <p:cTn id="25" dur="500"/>
                                         <p:tgtEl>
                                           <p:spTgt spid="9">
                                             <p:txEl>
@@ -9700,14 +9621,14 @@
                                 </p:cTn>
                               </p:par>
                               <p:par>
-                                <p:cTn id="27" presetID="10" presetClass="entr" presetSubtype="0" fill="hold" nodeType="withEffect">
+                                <p:cTn id="26" presetID="10" presetClass="entr" presetSubtype="0" fill="hold" nodeType="withEffect">
                                   <p:stCondLst>
                                     <p:cond delay="0"/>
                                   </p:stCondLst>
                                   <p:childTnLst>
                                     <p:set>
                                       <p:cBhvr>
-                                        <p:cTn id="28" dur="1" fill="hold">
+                                        <p:cTn id="27" dur="1" fill="hold">
                                           <p:stCondLst>
                                             <p:cond delay="0"/>
                                           </p:stCondLst>
@@ -9729,7 +9650,7 @@
                                     </p:set>
                                     <p:animEffect transition="in" filter="fade">
                                       <p:cBhvr>
-                                        <p:cTn id="29" dur="500"/>
+                                        <p:cTn id="28" dur="500"/>
                                         <p:tgtEl>
                                           <p:spTgt spid="9">
                                             <p:txEl>
@@ -9742,25 +9663,39 @@
                                   </p:childTnLst>
                                 </p:cTn>
                               </p:par>
+                            </p:childTnLst>
+                          </p:cTn>
+                        </p:par>
+                      </p:childTnLst>
+                    </p:cTn>
+                  </p:par>
+                  <p:par>
+                    <p:cTn id="29" fill="hold">
+                      <p:stCondLst>
+                        <p:cond delay="indefinite"/>
+                      </p:stCondLst>
+                      <p:childTnLst>
+                        <p:par>
+                          <p:cTn id="30" fill="hold">
+                            <p:stCondLst>
+                              <p:cond delay="0"/>
+                            </p:stCondLst>
+                            <p:childTnLst>
                               <p:par>
-                                <p:cTn id="30" presetID="10" presetClass="entr" presetSubtype="0" fill="hold" nodeType="withEffect">
+                                <p:cTn id="31" presetID="6" presetClass="entr" presetSubtype="16" fill="hold" nodeType="clickEffect">
                                   <p:stCondLst>
                                     <p:cond delay="0"/>
                                   </p:stCondLst>
                                   <p:childTnLst>
                                     <p:set>
                                       <p:cBhvr>
-                                        <p:cTn id="31" dur="1" fill="hold">
+                                        <p:cTn id="32" dur="1" fill="hold">
                                           <p:stCondLst>
                                             <p:cond delay="0"/>
                                           </p:stCondLst>
                                         </p:cTn>
                                         <p:tgtEl>
-                                          <p:spTgt spid="9">
-                                            <p:txEl>
-                                              <p:pRg st="7" end="7"/>
-                                            </p:txEl>
-                                          </p:spTgt>
+                                          <p:spTgt spid="2"/>
                                         </p:tgtEl>
                                         <p:attrNameLst>
                                           <p:attrName>style.visibility</p:attrName>
@@ -9770,15 +9705,11 @@
                                         <p:strVal val="visible"/>
                                       </p:to>
                                     </p:set>
-                                    <p:animEffect transition="in" filter="fade">
+                                    <p:animEffect transition="in" filter="circle(in)">
                                       <p:cBhvr>
-                                        <p:cTn id="32" dur="500"/>
+                                        <p:cTn id="33" dur="1000"/>
                                         <p:tgtEl>
-                                          <p:spTgt spid="9">
-                                            <p:txEl>
-                                              <p:pRg st="7" end="7"/>
-                                            </p:txEl>
-                                          </p:spTgt>
+                                          <p:spTgt spid="2"/>
                                         </p:tgtEl>
                                       </p:cBhvr>
                                     </p:animEffect>
@@ -10524,25 +10455,25 @@
           <a:lstStyle/>
           <a:p>
             <a:r>
-              <a:rPr lang="en-US" smtClean="0">
-                <a:latin typeface="Diavlo Medium" panose="02000000000000000000" pitchFamily="2" charset="0"/>
-                <a:cs typeface="Times New Roman" panose="02020603050405020304" pitchFamily="18" charset="0"/>
-              </a:rPr>
-              <a:t>Nguyên </a:t>
-            </a:r>
-            <a:r>
               <a:rPr lang="vi-VN" smtClean="0">
                 <a:latin typeface="Diavlo Medium" panose="02000000000000000000" pitchFamily="2" charset="0"/>
                 <a:cs typeface="Times New Roman" panose="02020603050405020304" pitchFamily="18" charset="0"/>
               </a:rPr>
-              <a:t>tắc </a:t>
+              <a:t>Cách </a:t>
             </a:r>
             <a:r>
               <a:rPr lang="vi-VN">
                 <a:latin typeface="Diavlo Medium" panose="02000000000000000000" pitchFamily="2" charset="0"/>
                 <a:cs typeface="Times New Roman" panose="02020603050405020304" pitchFamily="18" charset="0"/>
               </a:rPr>
-              <a:t>hoạt động</a:t>
+              <a:t>phòng </a:t>
+            </a:r>
+            <a:r>
+              <a:rPr lang="vi-VN" smtClean="0">
+                <a:latin typeface="Diavlo Medium" panose="02000000000000000000" pitchFamily="2" charset="0"/>
+                <a:cs typeface="Times New Roman" panose="02020603050405020304" pitchFamily="18" charset="0"/>
+              </a:rPr>
+              <a:t>chống</a:t>
             </a:r>
             <a:endParaRPr lang="en-US">
               <a:latin typeface="Diavlo Medium" panose="02000000000000000000" pitchFamily="2" charset="0"/>
@@ -10577,270 +10508,6 @@
               <a:buFont typeface="Wingdings" panose="05000000000000000000" pitchFamily="2" charset="2"/>
               <a:buChar char="Ø"/>
             </a:pPr>
-            <a:endParaRPr lang="en-GB" dirty="0">
-              <a:latin typeface="Diavlo Light" panose="02000000000000000000" pitchFamily="2" charset="0"/>
-              <a:cs typeface="Times New Roman" panose="02020603050405020304" pitchFamily="18" charset="0"/>
-            </a:endParaRPr>
-          </a:p>
-        </p:txBody>
-      </p:sp>
-    </p:spTree>
-    <p:extLst>
-      <p:ext uri="{BB962C8B-B14F-4D97-AF65-F5344CB8AC3E}">
-        <p14:creationId xmlns:p14="http://schemas.microsoft.com/office/powerpoint/2010/main" val="4126521582"/>
-      </p:ext>
-    </p:extLst>
-  </p:cSld>
-  <p:clrMapOvr>
-    <a:masterClrMapping/>
-  </p:clrMapOvr>
-  <p:timing>
-    <p:tnLst>
-      <p:par>
-        <p:cTn id="1" dur="indefinite" restart="never" nodeType="tmRoot">
-          <p:childTnLst>
-            <p:seq concurrent="1" nextAc="seek">
-              <p:cTn id="2" dur="indefinite" nodeType="mainSeq">
-                <p:childTnLst>
-                  <p:par>
-                    <p:cTn id="3" fill="hold">
-                      <p:stCondLst>
-                        <p:cond delay="indefinite"/>
-                        <p:cond evt="onBegin" delay="0">
-                          <p:tn val="2"/>
-                        </p:cond>
-                      </p:stCondLst>
-                      <p:childTnLst>
-                        <p:par>
-                          <p:cTn id="4" fill="hold">
-                            <p:stCondLst>
-                              <p:cond delay="0"/>
-                            </p:stCondLst>
-                            <p:childTnLst>
-                              <p:par>
-                                <p:cTn id="5" presetID="22" presetClass="entr" presetSubtype="8" fill="hold" grpId="0" nodeType="withEffect">
-                                  <p:stCondLst>
-                                    <p:cond delay="0"/>
-                                  </p:stCondLst>
-                                  <p:childTnLst>
-                                    <p:set>
-                                      <p:cBhvr>
-                                        <p:cTn id="6" dur="1" fill="hold">
-                                          <p:stCondLst>
-                                            <p:cond delay="0"/>
-                                          </p:stCondLst>
-                                        </p:cTn>
-                                        <p:tgtEl>
-                                          <p:spTgt spid="7"/>
-                                        </p:tgtEl>
-                                        <p:attrNameLst>
-                                          <p:attrName>style.visibility</p:attrName>
-                                        </p:attrNameLst>
-                                      </p:cBhvr>
-                                      <p:to>
-                                        <p:strVal val="visible"/>
-                                      </p:to>
-                                    </p:set>
-                                    <p:animEffect transition="in" filter="wipe(left)">
-                                      <p:cBhvr>
-                                        <p:cTn id="7" dur="500"/>
-                                        <p:tgtEl>
-                                          <p:spTgt spid="7"/>
-                                        </p:tgtEl>
-                                      </p:cBhvr>
-                                    </p:animEffect>
-                                  </p:childTnLst>
-                                </p:cTn>
-                              </p:par>
-                            </p:childTnLst>
-                          </p:cTn>
-                        </p:par>
-                      </p:childTnLst>
-                    </p:cTn>
-                  </p:par>
-                  <p:par>
-                    <p:cTn id="8" fill="hold">
-                      <p:stCondLst>
-                        <p:cond delay="indefinite"/>
-                      </p:stCondLst>
-                      <p:childTnLst>
-                        <p:par>
-                          <p:cTn id="9" fill="hold">
-                            <p:stCondLst>
-                              <p:cond delay="0"/>
-                            </p:stCondLst>
-                            <p:childTnLst>
-                              <p:par>
-                                <p:cTn id="10" presetID="10" presetClass="entr" presetSubtype="0" fill="hold" grpId="0" nodeType="clickEffect" nodePh="1">
-                                  <p:stCondLst>
-                                    <p:cond delay="0"/>
-                                  </p:stCondLst>
-                                  <p:endCondLst>
-                                    <p:cond evt="begin" delay="0">
-                                      <p:tn val="10"/>
-                                    </p:cond>
-                                  </p:endCondLst>
-                                  <p:childTnLst>
-                                    <p:set>
-                                      <p:cBhvr>
-                                        <p:cTn id="11" dur="1" fill="hold">
-                                          <p:stCondLst>
-                                            <p:cond delay="0"/>
-                                          </p:stCondLst>
-                                        </p:cTn>
-                                        <p:tgtEl>
-                                          <p:spTgt spid="9">
-                                            <p:txEl>
-                                              <p:pRg st="0" end="0"/>
-                                            </p:txEl>
-                                          </p:spTgt>
-                                        </p:tgtEl>
-                                        <p:attrNameLst>
-                                          <p:attrName>style.visibility</p:attrName>
-                                        </p:attrNameLst>
-                                      </p:cBhvr>
-                                      <p:to>
-                                        <p:strVal val="visible"/>
-                                      </p:to>
-                                    </p:set>
-                                    <p:animEffect transition="in" filter="fade">
-                                      <p:cBhvr>
-                                        <p:cTn id="12" dur="500"/>
-                                        <p:tgtEl>
-                                          <p:spTgt spid="9">
-                                            <p:txEl>
-                                              <p:pRg st="0" end="0"/>
-                                            </p:txEl>
-                                          </p:spTgt>
-                                        </p:tgtEl>
-                                      </p:cBhvr>
-                                    </p:animEffect>
-                                  </p:childTnLst>
-                                </p:cTn>
-                              </p:par>
-                            </p:childTnLst>
-                          </p:cTn>
-                        </p:par>
-                      </p:childTnLst>
-                    </p:cTn>
-                  </p:par>
-                </p:childTnLst>
-              </p:cTn>
-              <p:prevCondLst>
-                <p:cond evt="onPrev" delay="0">
-                  <p:tgtEl>
-                    <p:sldTgt/>
-                  </p:tgtEl>
-                </p:cond>
-              </p:prevCondLst>
-              <p:nextCondLst>
-                <p:cond evt="onNext" delay="0">
-                  <p:tgtEl>
-                    <p:sldTgt/>
-                  </p:tgtEl>
-                </p:cond>
-              </p:nextCondLst>
-            </p:seq>
-          </p:childTnLst>
-        </p:cTn>
-      </p:par>
-    </p:tnLst>
-    <p:bldLst>
-      <p:bldP spid="7" grpId="0"/>
-      <p:bldP spid="9" grpId="0" build="p"/>
-    </p:bldLst>
-  </p:timing>
-</p:sld>
-</file>
-
-<file path=ppt/slides/slide14.xml><?xml version="1.0" encoding="utf-8"?>
-<p:sld xmlns:a="http://schemas.openxmlformats.org/drawingml/2006/main" xmlns:r="http://schemas.openxmlformats.org/officeDocument/2006/relationships" xmlns:p="http://schemas.openxmlformats.org/presentationml/2006/main">
-  <p:cSld>
-    <p:spTree>
-      <p:nvGrpSpPr>
-        <p:cNvPr id="1" name=""/>
-        <p:cNvGrpSpPr/>
-        <p:nvPr/>
-      </p:nvGrpSpPr>
-      <p:grpSpPr>
-        <a:xfrm>
-          <a:off x="0" y="0"/>
-          <a:ext cx="0" cy="0"/>
-          <a:chOff x="0" y="0"/>
-          <a:chExt cx="0" cy="0"/>
-        </a:xfrm>
-      </p:grpSpPr>
-      <p:sp>
-        <p:nvSpPr>
-          <p:cNvPr id="7" name="Title 6"/>
-          <p:cNvSpPr>
-            <a:spLocks noGrp="1"/>
-          </p:cNvSpPr>
-          <p:nvPr>
-            <p:ph type="title"/>
-          </p:nvPr>
-        </p:nvSpPr>
-        <p:spPr/>
-        <p:txBody>
-          <a:bodyPr>
-            <a:normAutofit/>
-          </a:bodyPr>
-          <a:lstStyle/>
-          <a:p>
-            <a:r>
-              <a:rPr lang="vi-VN" smtClean="0">
-                <a:latin typeface="Diavlo Medium" panose="02000000000000000000" pitchFamily="2" charset="0"/>
-                <a:cs typeface="Times New Roman" panose="02020603050405020304" pitchFamily="18" charset="0"/>
-              </a:rPr>
-              <a:t>Cách </a:t>
-            </a:r>
-            <a:r>
-              <a:rPr lang="vi-VN">
-                <a:latin typeface="Diavlo Medium" panose="02000000000000000000" pitchFamily="2" charset="0"/>
-                <a:cs typeface="Times New Roman" panose="02020603050405020304" pitchFamily="18" charset="0"/>
-              </a:rPr>
-              <a:t>phòng </a:t>
-            </a:r>
-            <a:r>
-              <a:rPr lang="vi-VN" smtClean="0">
-                <a:latin typeface="Diavlo Medium" panose="02000000000000000000" pitchFamily="2" charset="0"/>
-                <a:cs typeface="Times New Roman" panose="02020603050405020304" pitchFamily="18" charset="0"/>
-              </a:rPr>
-              <a:t>chống</a:t>
-            </a:r>
-            <a:endParaRPr lang="en-US">
-              <a:latin typeface="Diavlo Medium" panose="02000000000000000000" pitchFamily="2" charset="0"/>
-              <a:cs typeface="Times New Roman" panose="02020603050405020304" pitchFamily="18" charset="0"/>
-            </a:endParaRPr>
-          </a:p>
-        </p:txBody>
-      </p:sp>
-      <p:sp>
-        <p:nvSpPr>
-          <p:cNvPr id="9" name="Content Placeholder 8"/>
-          <p:cNvSpPr>
-            <a:spLocks noGrp="1"/>
-          </p:cNvSpPr>
-          <p:nvPr>
-            <p:ph idx="1"/>
-          </p:nvPr>
-        </p:nvSpPr>
-        <p:spPr>
-          <a:xfrm>
-            <a:off x="457200" y="999745"/>
-            <a:ext cx="8229600" cy="4105392"/>
-          </a:xfrm>
-        </p:spPr>
-        <p:txBody>
-          <a:bodyPr>
-            <a:normAutofit/>
-          </a:bodyPr>
-          <a:lstStyle/>
-          <a:p>
-            <a:pPr>
-              <a:buFont typeface="Wingdings" panose="05000000000000000000" pitchFamily="2" charset="2"/>
-              <a:buChar char="Ø"/>
-            </a:pPr>
             <a:r>
               <a:rPr lang="en-US">
                 <a:latin typeface="Diavlo Light" panose="02000000000000000000" pitchFamily="2" charset="0"/>
@@ -10887,28 +10554,35 @@
                 <a:latin typeface="Diavlo Light" panose="02000000000000000000" pitchFamily="2" charset="0"/>
                 <a:cs typeface="Times New Roman" panose="02020603050405020304" pitchFamily="18" charset="0"/>
               </a:rPr>
-              <a:t>L</a:t>
+              <a:t>S</a:t>
             </a:r>
             <a:r>
               <a:rPr lang="vi-VN" smtClean="0">
                 <a:latin typeface="Diavlo Light" panose="02000000000000000000" pitchFamily="2" charset="0"/>
                 <a:cs typeface="Times New Roman" panose="02020603050405020304" pitchFamily="18" charset="0"/>
               </a:rPr>
-              <a:t>à </a:t>
+              <a:t>ử </a:t>
             </a:r>
             <a:r>
               <a:rPr lang="vi-VN">
                 <a:latin typeface="Diavlo Light" panose="02000000000000000000" pitchFamily="2" charset="0"/>
                 <a:cs typeface="Times New Roman" panose="02020603050405020304" pitchFamily="18" charset="0"/>
               </a:rPr>
-              <a:t>sử dụng các giao thức mã hóa chuẩn cho dữ liệu trên đường truyền. Khi bạn mã hóa dữ liệu, những kẻ tấn công ác ý có thể sniffer được dữ liệu của bạn, nhưng chúng lại không thể đọc được nó</a:t>
+              <a:t>dụng các giao thức mã hóa chuẩn cho dữ liệu trên đường truyền. Khi bạn mã hóa dữ liệu, những kẻ tấn công ác ý có thể sniffer được dữ liệu của bạn, nhưng chúng lại không thể đọc được </a:t>
             </a:r>
             <a:r>
               <a:rPr lang="vi-VN" smtClean="0">
                 <a:latin typeface="Diavlo Light" panose="02000000000000000000" pitchFamily="2" charset="0"/>
                 <a:cs typeface="Times New Roman" panose="02020603050405020304" pitchFamily="18" charset="0"/>
               </a:rPr>
-              <a:t>…</a:t>
+              <a:t>n</a:t>
+            </a:r>
+            <a:r>
+              <a:rPr lang="en-US" smtClean="0">
+                <a:latin typeface="Diavlo Light" panose="02000000000000000000" pitchFamily="2" charset="0"/>
+                <a:cs typeface="Times New Roman" panose="02020603050405020304" pitchFamily="18" charset="0"/>
+              </a:rPr>
+              <a:t>ó.</a:t>
             </a:r>
             <a:endParaRPr lang="en-US" smtClean="0">
               <a:latin typeface="Diavlo Light" panose="02000000000000000000" pitchFamily="2" charset="0"/>
@@ -10925,7 +10599,21 @@
                 <a:latin typeface="Diavlo Light" panose="02000000000000000000" pitchFamily="2" charset="0"/>
                 <a:cs typeface="Times New Roman" panose="02020603050405020304" pitchFamily="18" charset="0"/>
               </a:rPr>
-              <a:t>SSL (Secure Socket Layer)</a:t>
+              <a:t>SSL (Secure Socket Layer</a:t>
+            </a:r>
+            <a:r>
+              <a:rPr lang="vi-VN" smtClean="0">
+                <a:latin typeface="Diavlo Light" panose="02000000000000000000" pitchFamily="2" charset="0"/>
+                <a:cs typeface="Times New Roman" panose="02020603050405020304" pitchFamily="18" charset="0"/>
+              </a:rPr>
+              <a:t>)</a:t>
+            </a:r>
+            <a:r>
+              <a:rPr lang="en-US" smtClean="0">
+                <a:latin typeface="Diavlo Light" panose="02000000000000000000" pitchFamily="2" charset="0"/>
+                <a:cs typeface="Times New Roman" panose="02020603050405020304" pitchFamily="18" charset="0"/>
+              </a:rPr>
+              <a:t>.</a:t>
             </a:r>
             <a:endParaRPr lang="en-US">
               <a:latin typeface="Diavlo Light" panose="02000000000000000000" pitchFamily="2" charset="0"/>
@@ -10942,7 +10630,21 @@
                 <a:latin typeface="Diavlo Light" panose="02000000000000000000" pitchFamily="2" charset="0"/>
                 <a:cs typeface="Times New Roman" panose="02020603050405020304" pitchFamily="18" charset="0"/>
               </a:rPr>
-              <a:t>PGP và S/MIME</a:t>
+              <a:t>PGP và </a:t>
+            </a:r>
+            <a:r>
+              <a:rPr lang="vi-VN" smtClean="0">
+                <a:latin typeface="Diavlo Light" panose="02000000000000000000" pitchFamily="2" charset="0"/>
+                <a:cs typeface="Times New Roman" panose="02020603050405020304" pitchFamily="18" charset="0"/>
+              </a:rPr>
+              <a:t>S/MIME</a:t>
+            </a:r>
+            <a:r>
+              <a:rPr lang="en-US" smtClean="0">
+                <a:latin typeface="Diavlo Light" panose="02000000000000000000" pitchFamily="2" charset="0"/>
+                <a:cs typeface="Times New Roman" panose="02020603050405020304" pitchFamily="18" charset="0"/>
+              </a:rPr>
+              <a:t>.</a:t>
             </a:r>
             <a:endParaRPr lang="en-US">
               <a:latin typeface="Diavlo Light" panose="02000000000000000000" pitchFamily="2" charset="0"/>
@@ -10955,11 +10657,18 @@
               <a:buChar char="•"/>
             </a:pPr>
             <a:r>
-              <a:rPr lang="vi-VN">
+              <a:rPr lang="vi-VN" smtClean="0">
                 <a:latin typeface="Diavlo Light" panose="02000000000000000000" pitchFamily="2" charset="0"/>
                 <a:cs typeface="Times New Roman" panose="02020603050405020304" pitchFamily="18" charset="0"/>
               </a:rPr>
               <a:t>OpenSSH</a:t>
+            </a:r>
+            <a:r>
+              <a:rPr lang="en-US" smtClean="0">
+                <a:latin typeface="Diavlo Light" panose="02000000000000000000" pitchFamily="2" charset="0"/>
+                <a:cs typeface="Times New Roman" panose="02020603050405020304" pitchFamily="18" charset="0"/>
+              </a:rPr>
+              <a:t>.</a:t>
             </a:r>
             <a:endParaRPr lang="en-US">
               <a:latin typeface="Diavlo Light" panose="02000000000000000000" pitchFamily="2" charset="0"/>
@@ -10976,7 +10685,21 @@
                 <a:latin typeface="Diavlo Light" panose="02000000000000000000" pitchFamily="2" charset="0"/>
                 <a:cs typeface="Times New Roman" panose="02020603050405020304" pitchFamily="18" charset="0"/>
               </a:rPr>
-              <a:t>VPNs (Virtual Private Networks)</a:t>
+              <a:t>VPNs (Virtual Private Networks</a:t>
+            </a:r>
+            <a:r>
+              <a:rPr lang="vi-VN" smtClean="0">
+                <a:latin typeface="Diavlo Light" panose="02000000000000000000" pitchFamily="2" charset="0"/>
+                <a:cs typeface="Times New Roman" panose="02020603050405020304" pitchFamily="18" charset="0"/>
+              </a:rPr>
+              <a:t>)</a:t>
+            </a:r>
+            <a:r>
+              <a:rPr lang="en-US" smtClean="0">
+                <a:latin typeface="Diavlo Light" panose="02000000000000000000" pitchFamily="2" charset="0"/>
+                <a:cs typeface="Times New Roman" panose="02020603050405020304" pitchFamily="18" charset="0"/>
+              </a:rPr>
+              <a:t>.</a:t>
             </a:r>
             <a:endParaRPr lang="en-US">
               <a:latin typeface="Diavlo Light" panose="02000000000000000000" pitchFamily="2" charset="0"/>
@@ -11374,7 +11097,7 @@
 </p:sld>
 </file>
 
-<file path=ppt/slides/slide15.xml><?xml version="1.0" encoding="utf-8"?>
+<file path=ppt/slides/slide14.xml><?xml version="1.0" encoding="utf-8"?>
 <p:sld xmlns:a="http://schemas.openxmlformats.org/drawingml/2006/main" xmlns:r="http://schemas.openxmlformats.org/officeDocument/2006/relationships" xmlns:p="http://schemas.openxmlformats.org/presentationml/2006/main">
   <p:cSld>
     <p:spTree>
@@ -11569,6 +11292,13 @@
               </a:rPr>
               <a:t>SMB/CIFS</a:t>
             </a:r>
+            <a:r>
+              <a:rPr lang="en-US" smtClean="0">
+                <a:latin typeface="Diavlo Light" panose="02000000000000000000" pitchFamily="2" charset="0"/>
+                <a:cs typeface="Times New Roman" panose="02020603050405020304" pitchFamily="18" charset="0"/>
+              </a:rPr>
+              <a:t>.</a:t>
+            </a:r>
             <a:endParaRPr lang="en-US" smtClean="0">
               <a:latin typeface="Diavlo Light" panose="02000000000000000000" pitchFamily="2" charset="0"/>
               <a:cs typeface="Times New Roman" panose="02020603050405020304" pitchFamily="18" charset="0"/>
@@ -11586,6 +11316,13 @@
               </a:rPr>
               <a:t>Keberos</a:t>
             </a:r>
+            <a:r>
+              <a:rPr lang="en-US" smtClean="0">
+                <a:latin typeface="Diavlo Light" panose="02000000000000000000" pitchFamily="2" charset="0"/>
+                <a:cs typeface="Times New Roman" panose="02020603050405020304" pitchFamily="18" charset="0"/>
+              </a:rPr>
+              <a:t>.</a:t>
+            </a:r>
             <a:endParaRPr lang="en-US" smtClean="0">
               <a:latin typeface="Diavlo Light" panose="02000000000000000000" pitchFamily="2" charset="0"/>
               <a:cs typeface="Times New Roman" panose="02020603050405020304" pitchFamily="18" charset="0"/>
@@ -11608,7 +11345,21 @@
                 <a:latin typeface="Diavlo Light" panose="02000000000000000000" pitchFamily="2" charset="0"/>
                 <a:cs typeface="Times New Roman" panose="02020603050405020304" pitchFamily="18" charset="0"/>
               </a:rPr>
-              <a:t>SRP (Secure Remote Password)</a:t>
+              <a:t>SRP (Secure Remote Password</a:t>
+            </a:r>
+            <a:r>
+              <a:rPr lang="vi-VN" smtClean="0">
+                <a:latin typeface="Diavlo Light" panose="02000000000000000000" pitchFamily="2" charset="0"/>
+                <a:cs typeface="Times New Roman" panose="02020603050405020304" pitchFamily="18" charset="0"/>
+              </a:rPr>
+              <a:t>)</a:t>
+            </a:r>
+            <a:r>
+              <a:rPr lang="en-US" smtClean="0">
+                <a:latin typeface="Diavlo Light" panose="02000000000000000000" pitchFamily="2" charset="0"/>
+                <a:cs typeface="Times New Roman" panose="02020603050405020304" pitchFamily="18" charset="0"/>
+              </a:rPr>
+              <a:t>.</a:t>
             </a:r>
             <a:endParaRPr lang="en-GB">
               <a:latin typeface="Diavlo Light" panose="02000000000000000000" pitchFamily="2" charset="0"/>
@@ -11630,1881 +11381,6 @@
     <p:extLst>
       <p:ext uri="{BB962C8B-B14F-4D97-AF65-F5344CB8AC3E}">
         <p14:creationId xmlns:p14="http://schemas.microsoft.com/office/powerpoint/2010/main" val="3671810301"/>
-      </p:ext>
-    </p:extLst>
-  </p:cSld>
-  <p:clrMapOvr>
-    <a:masterClrMapping/>
-  </p:clrMapOvr>
-  <p:timing>
-    <p:tnLst>
-      <p:par>
-        <p:cTn id="1" dur="indefinite" restart="never" nodeType="tmRoot">
-          <p:childTnLst>
-            <p:seq concurrent="1" nextAc="seek">
-              <p:cTn id="2" dur="indefinite" nodeType="mainSeq">
-                <p:childTnLst>
-                  <p:par>
-                    <p:cTn id="3" fill="hold">
-                      <p:stCondLst>
-                        <p:cond delay="indefinite"/>
-                        <p:cond evt="onBegin" delay="0">
-                          <p:tn val="2"/>
-                        </p:cond>
-                      </p:stCondLst>
-                      <p:childTnLst>
-                        <p:par>
-                          <p:cTn id="4" fill="hold">
-                            <p:stCondLst>
-                              <p:cond delay="0"/>
-                            </p:stCondLst>
-                            <p:childTnLst>
-                              <p:par>
-                                <p:cTn id="5" presetID="22" presetClass="entr" presetSubtype="8" fill="hold" grpId="0" nodeType="withEffect">
-                                  <p:stCondLst>
-                                    <p:cond delay="0"/>
-                                  </p:stCondLst>
-                                  <p:childTnLst>
-                                    <p:set>
-                                      <p:cBhvr>
-                                        <p:cTn id="6" dur="1" fill="hold">
-                                          <p:stCondLst>
-                                            <p:cond delay="0"/>
-                                          </p:stCondLst>
-                                        </p:cTn>
-                                        <p:tgtEl>
-                                          <p:spTgt spid="7"/>
-                                        </p:tgtEl>
-                                        <p:attrNameLst>
-                                          <p:attrName>style.visibility</p:attrName>
-                                        </p:attrNameLst>
-                                      </p:cBhvr>
-                                      <p:to>
-                                        <p:strVal val="visible"/>
-                                      </p:to>
-                                    </p:set>
-                                    <p:animEffect transition="in" filter="wipe(left)">
-                                      <p:cBhvr>
-                                        <p:cTn id="7" dur="500"/>
-                                        <p:tgtEl>
-                                          <p:spTgt spid="7"/>
-                                        </p:tgtEl>
-                                      </p:cBhvr>
-                                    </p:animEffect>
-                                  </p:childTnLst>
-                                </p:cTn>
-                              </p:par>
-                            </p:childTnLst>
-                          </p:cTn>
-                        </p:par>
-                        <p:par>
-                          <p:cTn id="8" fill="hold">
-                            <p:stCondLst>
-                              <p:cond delay="500"/>
-                            </p:stCondLst>
-                            <p:childTnLst>
-                              <p:par>
-                                <p:cTn id="9" presetID="10" presetClass="entr" presetSubtype="0" fill="hold" grpId="0" nodeType="afterEffect">
-                                  <p:stCondLst>
-                                    <p:cond delay="0"/>
-                                  </p:stCondLst>
-                                  <p:childTnLst>
-                                    <p:set>
-                                      <p:cBhvr>
-                                        <p:cTn id="10" dur="1" fill="hold">
-                                          <p:stCondLst>
-                                            <p:cond delay="0"/>
-                                          </p:stCondLst>
-                                        </p:cTn>
-                                        <p:tgtEl>
-                                          <p:spTgt spid="9">
-                                            <p:txEl>
-                                              <p:pRg st="0" end="0"/>
-                                            </p:txEl>
-                                          </p:spTgt>
-                                        </p:tgtEl>
-                                        <p:attrNameLst>
-                                          <p:attrName>style.visibility</p:attrName>
-                                        </p:attrNameLst>
-                                      </p:cBhvr>
-                                      <p:to>
-                                        <p:strVal val="visible"/>
-                                      </p:to>
-                                    </p:set>
-                                    <p:animEffect transition="in" filter="fade">
-                                      <p:cBhvr>
-                                        <p:cTn id="11" dur="500"/>
-                                        <p:tgtEl>
-                                          <p:spTgt spid="9">
-                                            <p:txEl>
-                                              <p:pRg st="0" end="0"/>
-                                            </p:txEl>
-                                          </p:spTgt>
-                                        </p:tgtEl>
-                                      </p:cBhvr>
-                                    </p:animEffect>
-                                  </p:childTnLst>
-                                </p:cTn>
-                              </p:par>
-                            </p:childTnLst>
-                          </p:cTn>
-                        </p:par>
-                        <p:par>
-                          <p:cTn id="12" fill="hold">
-                            <p:stCondLst>
-                              <p:cond delay="1000"/>
-                            </p:stCondLst>
-                            <p:childTnLst>
-                              <p:par>
-                                <p:cTn id="13" presetID="10" presetClass="entr" presetSubtype="0" fill="hold" grpId="0" nodeType="afterEffect">
-                                  <p:stCondLst>
-                                    <p:cond delay="0"/>
-                                  </p:stCondLst>
-                                  <p:childTnLst>
-                                    <p:set>
-                                      <p:cBhvr>
-                                        <p:cTn id="14" dur="1" fill="hold">
-                                          <p:stCondLst>
-                                            <p:cond delay="0"/>
-                                          </p:stCondLst>
-                                        </p:cTn>
-                                        <p:tgtEl>
-                                          <p:spTgt spid="9">
-                                            <p:txEl>
-                                              <p:pRg st="1" end="1"/>
-                                            </p:txEl>
-                                          </p:spTgt>
-                                        </p:tgtEl>
-                                        <p:attrNameLst>
-                                          <p:attrName>style.visibility</p:attrName>
-                                        </p:attrNameLst>
-                                      </p:cBhvr>
-                                      <p:to>
-                                        <p:strVal val="visible"/>
-                                      </p:to>
-                                    </p:set>
-                                    <p:animEffect transition="in" filter="fade">
-                                      <p:cBhvr>
-                                        <p:cTn id="15" dur="500"/>
-                                        <p:tgtEl>
-                                          <p:spTgt spid="9">
-                                            <p:txEl>
-                                              <p:pRg st="1" end="1"/>
-                                            </p:txEl>
-                                          </p:spTgt>
-                                        </p:tgtEl>
-                                      </p:cBhvr>
-                                    </p:animEffect>
-                                  </p:childTnLst>
-                                </p:cTn>
-                              </p:par>
-                            </p:childTnLst>
-                          </p:cTn>
-                        </p:par>
-                        <p:par>
-                          <p:cTn id="16" fill="hold">
-                            <p:stCondLst>
-                              <p:cond delay="1500"/>
-                            </p:stCondLst>
-                            <p:childTnLst>
-                              <p:par>
-                                <p:cTn id="17" presetID="10" presetClass="entr" presetSubtype="0" fill="hold" grpId="0" nodeType="afterEffect">
-                                  <p:stCondLst>
-                                    <p:cond delay="0"/>
-                                  </p:stCondLst>
-                                  <p:childTnLst>
-                                    <p:set>
-                                      <p:cBhvr>
-                                        <p:cTn id="18" dur="1" fill="hold">
-                                          <p:stCondLst>
-                                            <p:cond delay="0"/>
-                                          </p:stCondLst>
-                                        </p:cTn>
-                                        <p:tgtEl>
-                                          <p:spTgt spid="9">
-                                            <p:txEl>
-                                              <p:pRg st="2" end="2"/>
-                                            </p:txEl>
-                                          </p:spTgt>
-                                        </p:tgtEl>
-                                        <p:attrNameLst>
-                                          <p:attrName>style.visibility</p:attrName>
-                                        </p:attrNameLst>
-                                      </p:cBhvr>
-                                      <p:to>
-                                        <p:strVal val="visible"/>
-                                      </p:to>
-                                    </p:set>
-                                    <p:animEffect transition="in" filter="fade">
-                                      <p:cBhvr>
-                                        <p:cTn id="19" dur="500"/>
-                                        <p:tgtEl>
-                                          <p:spTgt spid="9">
-                                            <p:txEl>
-                                              <p:pRg st="2" end="2"/>
-                                            </p:txEl>
-                                          </p:spTgt>
-                                        </p:tgtEl>
-                                      </p:cBhvr>
-                                    </p:animEffect>
-                                  </p:childTnLst>
-                                </p:cTn>
-                              </p:par>
-                            </p:childTnLst>
-                          </p:cTn>
-                        </p:par>
-                        <p:par>
-                          <p:cTn id="20" fill="hold">
-                            <p:stCondLst>
-                              <p:cond delay="2000"/>
-                            </p:stCondLst>
-                            <p:childTnLst>
-                              <p:par>
-                                <p:cTn id="21" presetID="10" presetClass="entr" presetSubtype="0" fill="hold" grpId="0" nodeType="afterEffect">
-                                  <p:stCondLst>
-                                    <p:cond delay="0"/>
-                                  </p:stCondLst>
-                                  <p:childTnLst>
-                                    <p:set>
-                                      <p:cBhvr>
-                                        <p:cTn id="22" dur="1" fill="hold">
-                                          <p:stCondLst>
-                                            <p:cond delay="0"/>
-                                          </p:stCondLst>
-                                        </p:cTn>
-                                        <p:tgtEl>
-                                          <p:spTgt spid="9">
-                                            <p:txEl>
-                                              <p:pRg st="3" end="3"/>
-                                            </p:txEl>
-                                          </p:spTgt>
-                                        </p:tgtEl>
-                                        <p:attrNameLst>
-                                          <p:attrName>style.visibility</p:attrName>
-                                        </p:attrNameLst>
-                                      </p:cBhvr>
-                                      <p:to>
-                                        <p:strVal val="visible"/>
-                                      </p:to>
-                                    </p:set>
-                                    <p:animEffect transition="in" filter="fade">
-                                      <p:cBhvr>
-                                        <p:cTn id="23" dur="500"/>
-                                        <p:tgtEl>
-                                          <p:spTgt spid="9">
-                                            <p:txEl>
-                                              <p:pRg st="3" end="3"/>
-                                            </p:txEl>
-                                          </p:spTgt>
-                                        </p:tgtEl>
-                                      </p:cBhvr>
-                                    </p:animEffect>
-                                  </p:childTnLst>
-                                </p:cTn>
-                              </p:par>
-                            </p:childTnLst>
-                          </p:cTn>
-                        </p:par>
-                        <p:par>
-                          <p:cTn id="24" fill="hold">
-                            <p:stCondLst>
-                              <p:cond delay="2500"/>
-                            </p:stCondLst>
-                            <p:childTnLst>
-                              <p:par>
-                                <p:cTn id="25" presetID="10" presetClass="entr" presetSubtype="0" fill="hold" grpId="0" nodeType="afterEffect">
-                                  <p:stCondLst>
-                                    <p:cond delay="0"/>
-                                  </p:stCondLst>
-                                  <p:childTnLst>
-                                    <p:set>
-                                      <p:cBhvr>
-                                        <p:cTn id="26" dur="1" fill="hold">
-                                          <p:stCondLst>
-                                            <p:cond delay="0"/>
-                                          </p:stCondLst>
-                                        </p:cTn>
-                                        <p:tgtEl>
-                                          <p:spTgt spid="9">
-                                            <p:txEl>
-                                              <p:pRg st="4" end="4"/>
-                                            </p:txEl>
-                                          </p:spTgt>
-                                        </p:tgtEl>
-                                        <p:attrNameLst>
-                                          <p:attrName>style.visibility</p:attrName>
-                                        </p:attrNameLst>
-                                      </p:cBhvr>
-                                      <p:to>
-                                        <p:strVal val="visible"/>
-                                      </p:to>
-                                    </p:set>
-                                    <p:animEffect transition="in" filter="fade">
-                                      <p:cBhvr>
-                                        <p:cTn id="27" dur="500"/>
-                                        <p:tgtEl>
-                                          <p:spTgt spid="9">
-                                            <p:txEl>
-                                              <p:pRg st="4" end="4"/>
-                                            </p:txEl>
-                                          </p:spTgt>
-                                        </p:tgtEl>
-                                      </p:cBhvr>
-                                    </p:animEffect>
-                                  </p:childTnLst>
-                                </p:cTn>
-                              </p:par>
-                            </p:childTnLst>
-                          </p:cTn>
-                        </p:par>
-                      </p:childTnLst>
-                    </p:cTn>
-                  </p:par>
-                </p:childTnLst>
-              </p:cTn>
-              <p:prevCondLst>
-                <p:cond evt="onPrev" delay="0">
-                  <p:tgtEl>
-                    <p:sldTgt/>
-                  </p:tgtEl>
-                </p:cond>
-              </p:prevCondLst>
-              <p:nextCondLst>
-                <p:cond evt="onNext" delay="0">
-                  <p:tgtEl>
-                    <p:sldTgt/>
-                  </p:tgtEl>
-                </p:cond>
-              </p:nextCondLst>
-            </p:seq>
-          </p:childTnLst>
-        </p:cTn>
-      </p:par>
-    </p:tnLst>
-    <p:bldLst>
-      <p:bldP spid="7" grpId="0"/>
-      <p:bldP spid="9" grpId="0" uiExpand="1" build="p"/>
-    </p:bldLst>
-  </p:timing>
-</p:sld>
-</file>
-
-<file path=ppt/slides/slide16.xml><?xml version="1.0" encoding="utf-8"?>
-<p:sld xmlns:a="http://schemas.openxmlformats.org/drawingml/2006/main" xmlns:r="http://schemas.openxmlformats.org/officeDocument/2006/relationships" xmlns:p="http://schemas.openxmlformats.org/presentationml/2006/main">
-  <p:cSld>
-    <p:spTree>
-      <p:nvGrpSpPr>
-        <p:cNvPr id="1" name=""/>
-        <p:cNvGrpSpPr/>
-        <p:nvPr/>
-      </p:nvGrpSpPr>
-      <p:grpSpPr>
-        <a:xfrm>
-          <a:off x="0" y="0"/>
-          <a:ext cx="0" cy="0"/>
-          <a:chOff x="0" y="0"/>
-          <a:chExt cx="0" cy="0"/>
-        </a:xfrm>
-      </p:grpSpPr>
-      <p:sp>
-        <p:nvSpPr>
-          <p:cNvPr id="7" name="Title 6"/>
-          <p:cNvSpPr>
-            <a:spLocks noGrp="1"/>
-          </p:cNvSpPr>
-          <p:nvPr>
-            <p:ph type="title"/>
-          </p:nvPr>
-        </p:nvSpPr>
-        <p:spPr/>
-        <p:txBody>
-          <a:bodyPr>
-            <a:normAutofit/>
-          </a:bodyPr>
-          <a:lstStyle/>
-          <a:p>
-            <a:r>
-              <a:rPr lang="vi-VN" smtClean="0">
-                <a:latin typeface="Diavlo Medium" panose="02000000000000000000" pitchFamily="2" charset="0"/>
-                <a:cs typeface="Times New Roman" panose="02020603050405020304" pitchFamily="18" charset="0"/>
-              </a:rPr>
-              <a:t>Cách </a:t>
-            </a:r>
-            <a:r>
-              <a:rPr lang="vi-VN">
-                <a:latin typeface="Diavlo Medium" panose="02000000000000000000" pitchFamily="2" charset="0"/>
-                <a:cs typeface="Times New Roman" panose="02020603050405020304" pitchFamily="18" charset="0"/>
-              </a:rPr>
-              <a:t>phòng </a:t>
-            </a:r>
-            <a:r>
-              <a:rPr lang="vi-VN" smtClean="0">
-                <a:latin typeface="Diavlo Medium" panose="02000000000000000000" pitchFamily="2" charset="0"/>
-                <a:cs typeface="Times New Roman" panose="02020603050405020304" pitchFamily="18" charset="0"/>
-              </a:rPr>
-              <a:t>chống</a:t>
-            </a:r>
-            <a:endParaRPr lang="en-US">
-              <a:latin typeface="Diavlo Medium" panose="02000000000000000000" pitchFamily="2" charset="0"/>
-              <a:cs typeface="Times New Roman" panose="02020603050405020304" pitchFamily="18" charset="0"/>
-            </a:endParaRPr>
-          </a:p>
-        </p:txBody>
-      </p:sp>
-      <p:sp>
-        <p:nvSpPr>
-          <p:cNvPr id="9" name="Content Placeholder 8"/>
-          <p:cNvSpPr>
-            <a:spLocks noGrp="1"/>
-          </p:cNvSpPr>
-          <p:nvPr>
-            <p:ph idx="1"/>
-          </p:nvPr>
-        </p:nvSpPr>
-        <p:spPr>
-          <a:xfrm>
-            <a:off x="457200" y="999745"/>
-            <a:ext cx="8229600" cy="4105392"/>
-          </a:xfrm>
-        </p:spPr>
-        <p:txBody>
-          <a:bodyPr>
-            <a:normAutofit/>
-          </a:bodyPr>
-          <a:lstStyle/>
-          <a:p>
-            <a:pPr>
-              <a:buFont typeface="Wingdings" panose="05000000000000000000" pitchFamily="2" charset="2"/>
-              <a:buChar char="Ø"/>
-            </a:pPr>
-            <a:r>
-              <a:rPr lang="en-US">
-                <a:latin typeface="Diavlo Light" panose="02000000000000000000" pitchFamily="2" charset="0"/>
-                <a:cs typeface="Times New Roman" panose="02020603050405020304" pitchFamily="18" charset="0"/>
-              </a:rPr>
-              <a:t>N</a:t>
-            </a:r>
-            <a:r>
-              <a:rPr lang="vi-VN" smtClean="0">
-                <a:latin typeface="Diavlo Light" panose="02000000000000000000" pitchFamily="2" charset="0"/>
-                <a:cs typeface="Times New Roman" panose="02020603050405020304" pitchFamily="18" charset="0"/>
-              </a:rPr>
-              <a:t>găn </a:t>
-            </a:r>
-            <a:r>
-              <a:rPr lang="vi-VN">
-                <a:latin typeface="Diavlo Light" panose="02000000000000000000" pitchFamily="2" charset="0"/>
-                <a:cs typeface="Times New Roman" panose="02020603050405020304" pitchFamily="18" charset="0"/>
-              </a:rPr>
-              <a:t>chặn hành động sniffer trên những thiết bị phần cứng </a:t>
-            </a:r>
-            <a:r>
-              <a:rPr lang="en-US">
-                <a:latin typeface="Diavlo Light" panose="02000000000000000000" pitchFamily="2" charset="0"/>
-                <a:cs typeface="Times New Roman" panose="02020603050405020304" pitchFamily="18" charset="0"/>
-              </a:rPr>
-              <a:t>:</a:t>
-            </a:r>
-          </a:p>
-          <a:p>
-            <a:pPr lvl="1">
-              <a:buFont typeface="Wingdings" panose="05000000000000000000" pitchFamily="2" charset="2"/>
-              <a:buChar char="§"/>
-            </a:pPr>
-            <a:r>
-              <a:rPr lang="en-US">
-                <a:latin typeface="Diavlo Light" panose="02000000000000000000" pitchFamily="2" charset="0"/>
-                <a:cs typeface="Times New Roman" panose="02020603050405020304" pitchFamily="18" charset="0"/>
-              </a:rPr>
-              <a:t>T</a:t>
-            </a:r>
-            <a:r>
-              <a:rPr lang="vi-VN" smtClean="0">
-                <a:latin typeface="Diavlo Light" panose="02000000000000000000" pitchFamily="2" charset="0"/>
-                <a:cs typeface="Times New Roman" panose="02020603050405020304" pitchFamily="18" charset="0"/>
-              </a:rPr>
-              <a:t>hay </a:t>
-            </a:r>
-            <a:r>
-              <a:rPr lang="vi-VN">
-                <a:latin typeface="Diavlo Light" panose="02000000000000000000" pitchFamily="2" charset="0"/>
-                <a:cs typeface="Times New Roman" panose="02020603050405020304" pitchFamily="18" charset="0"/>
-              </a:rPr>
-              <a:t>thế Hub của bạn bằng những switch</a:t>
-            </a:r>
-            <a:endParaRPr lang="en-US">
-              <a:latin typeface="Diavlo Light" panose="02000000000000000000" pitchFamily="2" charset="0"/>
-              <a:cs typeface="Times New Roman" panose="02020603050405020304" pitchFamily="18" charset="0"/>
-            </a:endParaRPr>
-          </a:p>
-          <a:p>
-            <a:pPr lvl="1">
-              <a:buFont typeface="Wingdings" panose="05000000000000000000" pitchFamily="2" charset="2"/>
-              <a:buChar char="§"/>
-            </a:pPr>
-            <a:r>
-              <a:rPr lang="en-US">
-                <a:latin typeface="Diavlo Light" panose="02000000000000000000" pitchFamily="2" charset="0"/>
-                <a:cs typeface="Times New Roman" panose="02020603050405020304" pitchFamily="18" charset="0"/>
-              </a:rPr>
-              <a:t>S</a:t>
-            </a:r>
-            <a:r>
-              <a:rPr lang="vi-VN" smtClean="0">
-                <a:latin typeface="Diavlo Light" panose="02000000000000000000" pitchFamily="2" charset="0"/>
-                <a:cs typeface="Times New Roman" panose="02020603050405020304" pitchFamily="18" charset="0"/>
-              </a:rPr>
-              <a:t>ử </a:t>
-            </a:r>
-            <a:r>
-              <a:rPr lang="vi-VN">
-                <a:latin typeface="Diavlo Light" panose="02000000000000000000" pitchFamily="2" charset="0"/>
-                <a:cs typeface="Times New Roman" panose="02020603050405020304" pitchFamily="18" charset="0"/>
-              </a:rPr>
-              <a:t>dụng các công cụ IDS (Intrusion Detecte Service)</a:t>
-            </a:r>
-            <a:endParaRPr lang="en-US">
-              <a:latin typeface="Diavlo Light" panose="02000000000000000000" pitchFamily="2" charset="0"/>
-              <a:cs typeface="Times New Roman" panose="02020603050405020304" pitchFamily="18" charset="0"/>
-            </a:endParaRPr>
-          </a:p>
-          <a:p>
-            <a:pPr marL="0" indent="0">
-              <a:buNone/>
-            </a:pPr>
-            <a:endParaRPr lang="en-US" smtClean="0">
-              <a:latin typeface="Diavlo Light" panose="02000000000000000000" pitchFamily="2" charset="0"/>
-              <a:cs typeface="Times New Roman" panose="02020603050405020304" pitchFamily="18" charset="0"/>
-            </a:endParaRPr>
-          </a:p>
-        </p:txBody>
-      </p:sp>
-    </p:spTree>
-    <p:extLst>
-      <p:ext uri="{BB962C8B-B14F-4D97-AF65-F5344CB8AC3E}">
-        <p14:creationId xmlns:p14="http://schemas.microsoft.com/office/powerpoint/2010/main" val="3471134465"/>
-      </p:ext>
-    </p:extLst>
-  </p:cSld>
-  <p:clrMapOvr>
-    <a:masterClrMapping/>
-  </p:clrMapOvr>
-  <p:timing>
-    <p:tnLst>
-      <p:par>
-        <p:cTn id="1" dur="indefinite" restart="never" nodeType="tmRoot">
-          <p:childTnLst>
-            <p:seq concurrent="1" nextAc="seek">
-              <p:cTn id="2" dur="indefinite" nodeType="mainSeq">
-                <p:childTnLst>
-                  <p:par>
-                    <p:cTn id="3" fill="hold">
-                      <p:stCondLst>
-                        <p:cond delay="indefinite"/>
-                        <p:cond evt="onBegin" delay="0">
-                          <p:tn val="2"/>
-                        </p:cond>
-                      </p:stCondLst>
-                      <p:childTnLst>
-                        <p:par>
-                          <p:cTn id="4" fill="hold">
-                            <p:stCondLst>
-                              <p:cond delay="0"/>
-                            </p:stCondLst>
-                            <p:childTnLst>
-                              <p:par>
-                                <p:cTn id="5" presetID="22" presetClass="entr" presetSubtype="8" fill="hold" grpId="0" nodeType="withEffect">
-                                  <p:stCondLst>
-                                    <p:cond delay="0"/>
-                                  </p:stCondLst>
-                                  <p:childTnLst>
-                                    <p:set>
-                                      <p:cBhvr>
-                                        <p:cTn id="6" dur="1" fill="hold">
-                                          <p:stCondLst>
-                                            <p:cond delay="0"/>
-                                          </p:stCondLst>
-                                        </p:cTn>
-                                        <p:tgtEl>
-                                          <p:spTgt spid="7"/>
-                                        </p:tgtEl>
-                                        <p:attrNameLst>
-                                          <p:attrName>style.visibility</p:attrName>
-                                        </p:attrNameLst>
-                                      </p:cBhvr>
-                                      <p:to>
-                                        <p:strVal val="visible"/>
-                                      </p:to>
-                                    </p:set>
-                                    <p:animEffect transition="in" filter="wipe(left)">
-                                      <p:cBhvr>
-                                        <p:cTn id="7" dur="500"/>
-                                        <p:tgtEl>
-                                          <p:spTgt spid="7"/>
-                                        </p:tgtEl>
-                                      </p:cBhvr>
-                                    </p:animEffect>
-                                  </p:childTnLst>
-                                </p:cTn>
-                              </p:par>
-                            </p:childTnLst>
-                          </p:cTn>
-                        </p:par>
-                        <p:par>
-                          <p:cTn id="8" fill="hold">
-                            <p:stCondLst>
-                              <p:cond delay="500"/>
-                            </p:stCondLst>
-                            <p:childTnLst>
-                              <p:par>
-                                <p:cTn id="9" presetID="10" presetClass="entr" presetSubtype="0" fill="hold" grpId="0" nodeType="afterEffect">
-                                  <p:stCondLst>
-                                    <p:cond delay="0"/>
-                                  </p:stCondLst>
-                                  <p:childTnLst>
-                                    <p:set>
-                                      <p:cBhvr>
-                                        <p:cTn id="10" dur="1" fill="hold">
-                                          <p:stCondLst>
-                                            <p:cond delay="0"/>
-                                          </p:stCondLst>
-                                        </p:cTn>
-                                        <p:tgtEl>
-                                          <p:spTgt spid="9">
-                                            <p:txEl>
-                                              <p:pRg st="0" end="0"/>
-                                            </p:txEl>
-                                          </p:spTgt>
-                                        </p:tgtEl>
-                                        <p:attrNameLst>
-                                          <p:attrName>style.visibility</p:attrName>
-                                        </p:attrNameLst>
-                                      </p:cBhvr>
-                                      <p:to>
-                                        <p:strVal val="visible"/>
-                                      </p:to>
-                                    </p:set>
-                                    <p:animEffect transition="in" filter="fade">
-                                      <p:cBhvr>
-                                        <p:cTn id="11" dur="500"/>
-                                        <p:tgtEl>
-                                          <p:spTgt spid="9">
-                                            <p:txEl>
-                                              <p:pRg st="0" end="0"/>
-                                            </p:txEl>
-                                          </p:spTgt>
-                                        </p:tgtEl>
-                                      </p:cBhvr>
-                                    </p:animEffect>
-                                  </p:childTnLst>
-                                </p:cTn>
-                              </p:par>
-                              <p:par>
-                                <p:cTn id="12" presetID="10" presetClass="entr" presetSubtype="0" fill="hold" grpId="0" nodeType="withEffect">
-                                  <p:stCondLst>
-                                    <p:cond delay="0"/>
-                                  </p:stCondLst>
-                                  <p:childTnLst>
-                                    <p:set>
-                                      <p:cBhvr>
-                                        <p:cTn id="13" dur="1" fill="hold">
-                                          <p:stCondLst>
-                                            <p:cond delay="0"/>
-                                          </p:stCondLst>
-                                        </p:cTn>
-                                        <p:tgtEl>
-                                          <p:spTgt spid="9">
-                                            <p:txEl>
-                                              <p:pRg st="1" end="1"/>
-                                            </p:txEl>
-                                          </p:spTgt>
-                                        </p:tgtEl>
-                                        <p:attrNameLst>
-                                          <p:attrName>style.visibility</p:attrName>
-                                        </p:attrNameLst>
-                                      </p:cBhvr>
-                                      <p:to>
-                                        <p:strVal val="visible"/>
-                                      </p:to>
-                                    </p:set>
-                                    <p:animEffect transition="in" filter="fade">
-                                      <p:cBhvr>
-                                        <p:cTn id="14" dur="500"/>
-                                        <p:tgtEl>
-                                          <p:spTgt spid="9">
-                                            <p:txEl>
-                                              <p:pRg st="1" end="1"/>
-                                            </p:txEl>
-                                          </p:spTgt>
-                                        </p:tgtEl>
-                                      </p:cBhvr>
-                                    </p:animEffect>
-                                  </p:childTnLst>
-                                </p:cTn>
-                              </p:par>
-                              <p:par>
-                                <p:cTn id="15" presetID="10" presetClass="entr" presetSubtype="0" fill="hold" grpId="0" nodeType="withEffect">
-                                  <p:stCondLst>
-                                    <p:cond delay="0"/>
-                                  </p:stCondLst>
-                                  <p:childTnLst>
-                                    <p:set>
-                                      <p:cBhvr>
-                                        <p:cTn id="16" dur="1" fill="hold">
-                                          <p:stCondLst>
-                                            <p:cond delay="0"/>
-                                          </p:stCondLst>
-                                        </p:cTn>
-                                        <p:tgtEl>
-                                          <p:spTgt spid="9">
-                                            <p:txEl>
-                                              <p:pRg st="2" end="2"/>
-                                            </p:txEl>
-                                          </p:spTgt>
-                                        </p:tgtEl>
-                                        <p:attrNameLst>
-                                          <p:attrName>style.visibility</p:attrName>
-                                        </p:attrNameLst>
-                                      </p:cBhvr>
-                                      <p:to>
-                                        <p:strVal val="visible"/>
-                                      </p:to>
-                                    </p:set>
-                                    <p:animEffect transition="in" filter="fade">
-                                      <p:cBhvr>
-                                        <p:cTn id="17" dur="500"/>
-                                        <p:tgtEl>
-                                          <p:spTgt spid="9">
-                                            <p:txEl>
-                                              <p:pRg st="2" end="2"/>
-                                            </p:txEl>
-                                          </p:spTgt>
-                                        </p:tgtEl>
-                                      </p:cBhvr>
-                                    </p:animEffect>
-                                  </p:childTnLst>
-                                </p:cTn>
-                              </p:par>
-                            </p:childTnLst>
-                          </p:cTn>
-                        </p:par>
-                      </p:childTnLst>
-                    </p:cTn>
-                  </p:par>
-                </p:childTnLst>
-              </p:cTn>
-              <p:prevCondLst>
-                <p:cond evt="onPrev" delay="0">
-                  <p:tgtEl>
-                    <p:sldTgt/>
-                  </p:tgtEl>
-                </p:cond>
-              </p:prevCondLst>
-              <p:nextCondLst>
-                <p:cond evt="onNext" delay="0">
-                  <p:tgtEl>
-                    <p:sldTgt/>
-                  </p:tgtEl>
-                </p:cond>
-              </p:nextCondLst>
-            </p:seq>
-          </p:childTnLst>
-        </p:cTn>
-      </p:par>
-    </p:tnLst>
-    <p:bldLst>
-      <p:bldP spid="7" grpId="0"/>
-      <p:bldP spid="9" grpId="0" uiExpand="1" build="p"/>
-    </p:bldLst>
-  </p:timing>
-</p:sld>
-</file>
-
-<file path=ppt/slides/slide17.xml><?xml version="1.0" encoding="utf-8"?>
-<p:sld xmlns:a="http://schemas.openxmlformats.org/drawingml/2006/main" xmlns:r="http://schemas.openxmlformats.org/officeDocument/2006/relationships" xmlns:p="http://schemas.openxmlformats.org/presentationml/2006/main">
-  <p:cSld>
-    <p:spTree>
-      <p:nvGrpSpPr>
-        <p:cNvPr id="1" name=""/>
-        <p:cNvGrpSpPr/>
-        <p:nvPr/>
-      </p:nvGrpSpPr>
-      <p:grpSpPr>
-        <a:xfrm>
-          <a:off x="0" y="0"/>
-          <a:ext cx="0" cy="0"/>
-          <a:chOff x="0" y="0"/>
-          <a:chExt cx="0" cy="0"/>
-        </a:xfrm>
-      </p:grpSpPr>
-      <p:sp>
-        <p:nvSpPr>
-          <p:cNvPr id="7" name="Title 6"/>
-          <p:cNvSpPr>
-            <a:spLocks noGrp="1"/>
-          </p:cNvSpPr>
-          <p:nvPr>
-            <p:ph type="title"/>
-          </p:nvPr>
-        </p:nvSpPr>
-        <p:spPr/>
-        <p:txBody>
-          <a:bodyPr>
-            <a:normAutofit/>
-          </a:bodyPr>
-          <a:lstStyle/>
-          <a:p>
-            <a:r>
-              <a:rPr lang="vi-VN" smtClean="0">
-                <a:latin typeface="Diavlo Medium" panose="02000000000000000000" pitchFamily="2" charset="0"/>
-                <a:cs typeface="Times New Roman" panose="02020603050405020304" pitchFamily="18" charset="0"/>
-              </a:rPr>
-              <a:t>Cách </a:t>
-            </a:r>
-            <a:r>
-              <a:rPr lang="vi-VN">
-                <a:latin typeface="Diavlo Medium" panose="02000000000000000000" pitchFamily="2" charset="0"/>
-                <a:cs typeface="Times New Roman" panose="02020603050405020304" pitchFamily="18" charset="0"/>
-              </a:rPr>
-              <a:t>phòng </a:t>
-            </a:r>
-            <a:r>
-              <a:rPr lang="vi-VN" smtClean="0">
-                <a:latin typeface="Diavlo Medium" panose="02000000000000000000" pitchFamily="2" charset="0"/>
-                <a:cs typeface="Times New Roman" panose="02020603050405020304" pitchFamily="18" charset="0"/>
-              </a:rPr>
-              <a:t>chống</a:t>
-            </a:r>
-            <a:endParaRPr lang="en-US">
-              <a:latin typeface="Diavlo Medium" panose="02000000000000000000" pitchFamily="2" charset="0"/>
-              <a:cs typeface="Times New Roman" panose="02020603050405020304" pitchFamily="18" charset="0"/>
-            </a:endParaRPr>
-          </a:p>
-        </p:txBody>
-      </p:sp>
-      <p:sp>
-        <p:nvSpPr>
-          <p:cNvPr id="9" name="Content Placeholder 8"/>
-          <p:cNvSpPr>
-            <a:spLocks noGrp="1"/>
-          </p:cNvSpPr>
-          <p:nvPr>
-            <p:ph idx="1"/>
-          </p:nvPr>
-        </p:nvSpPr>
-        <p:spPr>
-          <a:xfrm>
-            <a:off x="457200" y="999745"/>
-            <a:ext cx="8229600" cy="4105392"/>
-          </a:xfrm>
-        </p:spPr>
-        <p:txBody>
-          <a:bodyPr>
-            <a:normAutofit/>
-          </a:bodyPr>
-          <a:lstStyle/>
-          <a:p>
-            <a:pPr>
-              <a:buFont typeface="Wingdings" panose="05000000000000000000" pitchFamily="2" charset="2"/>
-              <a:buChar char="Ø"/>
-            </a:pPr>
-            <a:r>
-              <a:rPr lang="en-US">
-                <a:latin typeface="Diavlo Light" panose="02000000000000000000" pitchFamily="2" charset="0"/>
-                <a:cs typeface="Times New Roman" panose="02020603050405020304" pitchFamily="18" charset="0"/>
-              </a:rPr>
-              <a:t>Cách </a:t>
-            </a:r>
-            <a:r>
-              <a:rPr lang="vi-VN">
-                <a:latin typeface="Diavlo Light" panose="02000000000000000000" pitchFamily="2" charset="0"/>
-                <a:cs typeface="Times New Roman" panose="02020603050405020304" pitchFamily="18" charset="0"/>
-              </a:rPr>
-              <a:t>phát hiện được sniffer trên hệ thống mạng của </a:t>
-            </a:r>
-            <a:r>
-              <a:rPr lang="vi-VN" smtClean="0">
-                <a:latin typeface="Diavlo Light" panose="02000000000000000000" pitchFamily="2" charset="0"/>
-                <a:cs typeface="Times New Roman" panose="02020603050405020304" pitchFamily="18" charset="0"/>
-              </a:rPr>
-              <a:t>mình</a:t>
-            </a:r>
-            <a:r>
-              <a:rPr lang="en-US" smtClean="0">
-                <a:latin typeface="Diavlo Light" panose="02000000000000000000" pitchFamily="2" charset="0"/>
-                <a:cs typeface="Times New Roman" panose="02020603050405020304" pitchFamily="18" charset="0"/>
-              </a:rPr>
-              <a:t>:</a:t>
-            </a:r>
-            <a:endParaRPr lang="en-US">
-              <a:latin typeface="Diavlo Light" panose="02000000000000000000" pitchFamily="2" charset="0"/>
-              <a:cs typeface="Times New Roman" panose="02020603050405020304" pitchFamily="18" charset="0"/>
-            </a:endParaRPr>
-          </a:p>
-          <a:p>
-            <a:pPr marL="457200" lvl="1" indent="0">
-              <a:buNone/>
-            </a:pPr>
-            <a:r>
-              <a:rPr lang="vi-VN">
-                <a:latin typeface="Diavlo Light" panose="02000000000000000000" pitchFamily="2" charset="0"/>
-                <a:cs typeface="Times New Roman" panose="02020603050405020304" pitchFamily="18" charset="0"/>
-              </a:rPr>
-              <a:t>Khi đứng đơn lẻ trên 1 máy tính không có sự truyền thông tin thì sẽ không có dấu hiệu gì. Tuy nhiên nếu được cài đặt trên một máy tính không đơn lẻ và có sự truyền thông, bản thân sniffer sẽ phát sinh ra lưu lượng thông tin. Bạn có thể truy vấn ngược DNS để tìm thông tin liên quan đến những địa chỉ IP.</a:t>
-            </a:r>
-            <a:endParaRPr lang="en-US">
-              <a:latin typeface="Diavlo Light" panose="02000000000000000000" pitchFamily="2" charset="0"/>
-              <a:cs typeface="Times New Roman" panose="02020603050405020304" pitchFamily="18" charset="0"/>
-            </a:endParaRPr>
-          </a:p>
-          <a:p>
-            <a:pPr lvl="1">
-              <a:buFont typeface="Wingdings" panose="05000000000000000000" pitchFamily="2" charset="2"/>
-              <a:buChar char="Ø"/>
-            </a:pPr>
-            <a:endParaRPr lang="en-US">
-              <a:latin typeface="Diavlo Light" panose="02000000000000000000" pitchFamily="2" charset="0"/>
-              <a:cs typeface="Times New Roman" panose="02020603050405020304" pitchFamily="18" charset="0"/>
-            </a:endParaRPr>
-          </a:p>
-        </p:txBody>
-      </p:sp>
-    </p:spTree>
-    <p:extLst>
-      <p:ext uri="{BB962C8B-B14F-4D97-AF65-F5344CB8AC3E}">
-        <p14:creationId xmlns:p14="http://schemas.microsoft.com/office/powerpoint/2010/main" val="3670476449"/>
-      </p:ext>
-    </p:extLst>
-  </p:cSld>
-  <p:clrMapOvr>
-    <a:masterClrMapping/>
-  </p:clrMapOvr>
-  <p:timing>
-    <p:tnLst>
-      <p:par>
-        <p:cTn id="1" dur="indefinite" restart="never" nodeType="tmRoot">
-          <p:childTnLst>
-            <p:seq concurrent="1" nextAc="seek">
-              <p:cTn id="2" dur="indefinite" nodeType="mainSeq">
-                <p:childTnLst>
-                  <p:par>
-                    <p:cTn id="3" fill="hold">
-                      <p:stCondLst>
-                        <p:cond delay="indefinite"/>
-                        <p:cond evt="onBegin" delay="0">
-                          <p:tn val="2"/>
-                        </p:cond>
-                      </p:stCondLst>
-                      <p:childTnLst>
-                        <p:par>
-                          <p:cTn id="4" fill="hold">
-                            <p:stCondLst>
-                              <p:cond delay="0"/>
-                            </p:stCondLst>
-                            <p:childTnLst>
-                              <p:par>
-                                <p:cTn id="5" presetID="22" presetClass="entr" presetSubtype="8" fill="hold" grpId="0" nodeType="withEffect">
-                                  <p:stCondLst>
-                                    <p:cond delay="0"/>
-                                  </p:stCondLst>
-                                  <p:childTnLst>
-                                    <p:set>
-                                      <p:cBhvr>
-                                        <p:cTn id="6" dur="1" fill="hold">
-                                          <p:stCondLst>
-                                            <p:cond delay="0"/>
-                                          </p:stCondLst>
-                                        </p:cTn>
-                                        <p:tgtEl>
-                                          <p:spTgt spid="7"/>
-                                        </p:tgtEl>
-                                        <p:attrNameLst>
-                                          <p:attrName>style.visibility</p:attrName>
-                                        </p:attrNameLst>
-                                      </p:cBhvr>
-                                      <p:to>
-                                        <p:strVal val="visible"/>
-                                      </p:to>
-                                    </p:set>
-                                    <p:animEffect transition="in" filter="wipe(left)">
-                                      <p:cBhvr>
-                                        <p:cTn id="7" dur="500"/>
-                                        <p:tgtEl>
-                                          <p:spTgt spid="7"/>
-                                        </p:tgtEl>
-                                      </p:cBhvr>
-                                    </p:animEffect>
-                                  </p:childTnLst>
-                                </p:cTn>
-                              </p:par>
-                            </p:childTnLst>
-                          </p:cTn>
-                        </p:par>
-                        <p:par>
-                          <p:cTn id="8" fill="hold">
-                            <p:stCondLst>
-                              <p:cond delay="500"/>
-                            </p:stCondLst>
-                            <p:childTnLst>
-                              <p:par>
-                                <p:cTn id="9" presetID="10" presetClass="entr" presetSubtype="0" fill="hold" grpId="0" nodeType="afterEffect">
-                                  <p:stCondLst>
-                                    <p:cond delay="0"/>
-                                  </p:stCondLst>
-                                  <p:childTnLst>
-                                    <p:set>
-                                      <p:cBhvr>
-                                        <p:cTn id="10" dur="1" fill="hold">
-                                          <p:stCondLst>
-                                            <p:cond delay="0"/>
-                                          </p:stCondLst>
-                                        </p:cTn>
-                                        <p:tgtEl>
-                                          <p:spTgt spid="9">
-                                            <p:txEl>
-                                              <p:pRg st="0" end="0"/>
-                                            </p:txEl>
-                                          </p:spTgt>
-                                        </p:tgtEl>
-                                        <p:attrNameLst>
-                                          <p:attrName>style.visibility</p:attrName>
-                                        </p:attrNameLst>
-                                      </p:cBhvr>
-                                      <p:to>
-                                        <p:strVal val="visible"/>
-                                      </p:to>
-                                    </p:set>
-                                    <p:animEffect transition="in" filter="fade">
-                                      <p:cBhvr>
-                                        <p:cTn id="11" dur="500"/>
-                                        <p:tgtEl>
-                                          <p:spTgt spid="9">
-                                            <p:txEl>
-                                              <p:pRg st="0" end="0"/>
-                                            </p:txEl>
-                                          </p:spTgt>
-                                        </p:tgtEl>
-                                      </p:cBhvr>
-                                    </p:animEffect>
-                                  </p:childTnLst>
-                                </p:cTn>
-                              </p:par>
-                              <p:par>
-                                <p:cTn id="12" presetID="10" presetClass="entr" presetSubtype="0" fill="hold" grpId="0" nodeType="withEffect">
-                                  <p:stCondLst>
-                                    <p:cond delay="0"/>
-                                  </p:stCondLst>
-                                  <p:childTnLst>
-                                    <p:set>
-                                      <p:cBhvr>
-                                        <p:cTn id="13" dur="1" fill="hold">
-                                          <p:stCondLst>
-                                            <p:cond delay="0"/>
-                                          </p:stCondLst>
-                                        </p:cTn>
-                                        <p:tgtEl>
-                                          <p:spTgt spid="9">
-                                            <p:txEl>
-                                              <p:pRg st="1" end="1"/>
-                                            </p:txEl>
-                                          </p:spTgt>
-                                        </p:tgtEl>
-                                        <p:attrNameLst>
-                                          <p:attrName>style.visibility</p:attrName>
-                                        </p:attrNameLst>
-                                      </p:cBhvr>
-                                      <p:to>
-                                        <p:strVal val="visible"/>
-                                      </p:to>
-                                    </p:set>
-                                    <p:animEffect transition="in" filter="fade">
-                                      <p:cBhvr>
-                                        <p:cTn id="14" dur="500"/>
-                                        <p:tgtEl>
-                                          <p:spTgt spid="9">
-                                            <p:txEl>
-                                              <p:pRg st="1" end="1"/>
-                                            </p:txEl>
-                                          </p:spTgt>
-                                        </p:tgtEl>
-                                      </p:cBhvr>
-                                    </p:animEffect>
-                                  </p:childTnLst>
-                                </p:cTn>
-                              </p:par>
-                            </p:childTnLst>
-                          </p:cTn>
-                        </p:par>
-                      </p:childTnLst>
-                    </p:cTn>
-                  </p:par>
-                </p:childTnLst>
-              </p:cTn>
-              <p:prevCondLst>
-                <p:cond evt="onPrev" delay="0">
-                  <p:tgtEl>
-                    <p:sldTgt/>
-                  </p:tgtEl>
-                </p:cond>
-              </p:prevCondLst>
-              <p:nextCondLst>
-                <p:cond evt="onNext" delay="0">
-                  <p:tgtEl>
-                    <p:sldTgt/>
-                  </p:tgtEl>
-                </p:cond>
-              </p:nextCondLst>
-            </p:seq>
-          </p:childTnLst>
-        </p:cTn>
-      </p:par>
-    </p:tnLst>
-    <p:bldLst>
-      <p:bldP spid="7" grpId="0"/>
-      <p:bldP spid="9" grpId="0" uiExpand="1" build="p"/>
-    </p:bldLst>
-  </p:timing>
-</p:sld>
-</file>
-
-<file path=ppt/slides/slide18.xml><?xml version="1.0" encoding="utf-8"?>
-<p:sld xmlns:a="http://schemas.openxmlformats.org/drawingml/2006/main" xmlns:r="http://schemas.openxmlformats.org/officeDocument/2006/relationships" xmlns:p="http://schemas.openxmlformats.org/presentationml/2006/main">
-  <p:cSld>
-    <p:spTree>
-      <p:nvGrpSpPr>
-        <p:cNvPr id="1" name=""/>
-        <p:cNvGrpSpPr/>
-        <p:nvPr/>
-      </p:nvGrpSpPr>
-      <p:grpSpPr>
-        <a:xfrm>
-          <a:off x="0" y="0"/>
-          <a:ext cx="0" cy="0"/>
-          <a:chOff x="0" y="0"/>
-          <a:chExt cx="0" cy="0"/>
-        </a:xfrm>
-      </p:grpSpPr>
-      <p:sp>
-        <p:nvSpPr>
-          <p:cNvPr id="4" name="Title 3"/>
-          <p:cNvSpPr>
-            <a:spLocks noGrp="1"/>
-          </p:cNvSpPr>
-          <p:nvPr>
-            <p:ph type="title"/>
-          </p:nvPr>
-        </p:nvSpPr>
-        <p:spPr>
-          <a:xfrm>
-            <a:off x="395536" y="431036"/>
-            <a:ext cx="7128792" cy="3848356"/>
-          </a:xfrm>
-        </p:spPr>
-        <p:txBody>
-          <a:bodyPr/>
-          <a:lstStyle/>
-          <a:p>
-            <a:r>
-              <a:rPr lang="en-GB" dirty="0" smtClean="0">
-                <a:latin typeface="Diavlo Light" panose="02000000000000000000" pitchFamily="2" charset="0"/>
-              </a:rPr>
-              <a:t>Thank you</a:t>
-            </a:r>
-            <a:br>
-              <a:rPr lang="en-GB" dirty="0" smtClean="0">
-                <a:latin typeface="Diavlo Light" panose="02000000000000000000" pitchFamily="2" charset="0"/>
-              </a:rPr>
-            </a:br>
-            <a:r>
-              <a:rPr lang="en-GB" dirty="0" smtClean="0">
-                <a:solidFill>
-                  <a:srgbClr val="34312E"/>
-                </a:solidFill>
-                <a:latin typeface="Diavlo Light" panose="02000000000000000000" pitchFamily="2" charset="0"/>
-              </a:rPr>
-              <a:t>that’s it</a:t>
-            </a:r>
-            <a:br>
-              <a:rPr lang="en-GB" dirty="0" smtClean="0">
-                <a:solidFill>
-                  <a:srgbClr val="34312E"/>
-                </a:solidFill>
-                <a:latin typeface="Diavlo Light" panose="02000000000000000000" pitchFamily="2" charset="0"/>
-              </a:rPr>
-            </a:br>
-            <a:r>
-              <a:rPr lang="en-GB" smtClean="0">
-                <a:solidFill>
-                  <a:srgbClr val="34312E"/>
-                </a:solidFill>
-                <a:latin typeface="Diavlo Light" panose="02000000000000000000" pitchFamily="2" charset="0"/>
-              </a:rPr>
-              <a:t>for now for demo</a:t>
-            </a:r>
-            <a:endParaRPr lang="en-GB" dirty="0">
-              <a:solidFill>
-                <a:srgbClr val="34312E"/>
-              </a:solidFill>
-              <a:latin typeface="Diavlo Light" panose="02000000000000000000" pitchFamily="2" charset="0"/>
-            </a:endParaRPr>
-          </a:p>
-        </p:txBody>
-      </p:sp>
-      <p:pic>
-        <p:nvPicPr>
-          <p:cNvPr id="3" name="Picture Placeholder 2"/>
-          <p:cNvPicPr>
-            <a:picLocks noGrp="1" noChangeAspect="1"/>
-          </p:cNvPicPr>
-          <p:nvPr>
-            <p:ph type="pic" sz="quarter" idx="10"/>
-          </p:nvPr>
-        </p:nvPicPr>
-        <p:blipFill>
-          <a:blip r:embed="rId2">
-            <a:extLst>
-              <a:ext uri="{28A0092B-C50C-407E-A947-70E740481C1C}">
-                <a14:useLocalDpi xmlns:a14="http://schemas.microsoft.com/office/drawing/2010/main" val="0"/>
-              </a:ext>
-            </a:extLst>
-          </a:blip>
-          <a:srcRect l="42466" r="42466"/>
-          <a:stretch>
-            <a:fillRect/>
-          </a:stretch>
-        </p:blipFill>
-        <p:spPr/>
-      </p:pic>
-    </p:spTree>
-    <p:extLst>
-      <p:ext uri="{BB962C8B-B14F-4D97-AF65-F5344CB8AC3E}">
-        <p14:creationId xmlns:p14="http://schemas.microsoft.com/office/powerpoint/2010/main" val="2714980414"/>
-      </p:ext>
-    </p:extLst>
-  </p:cSld>
-  <p:clrMapOvr>
-    <a:masterClrMapping/>
-  </p:clrMapOvr>
-  <p:timing>
-    <p:tnLst>
-      <p:par>
-        <p:cTn id="1" dur="indefinite" restart="never" nodeType="tmRoot">
-          <p:childTnLst>
-            <p:seq concurrent="1" nextAc="seek">
-              <p:cTn id="2" dur="indefinite" nodeType="mainSeq">
-                <p:childTnLst>
-                  <p:par>
-                    <p:cTn id="3" fill="hold">
-                      <p:stCondLst>
-                        <p:cond delay="indefinite"/>
-                        <p:cond evt="onBegin" delay="0">
-                          <p:tn val="2"/>
-                        </p:cond>
-                      </p:stCondLst>
-                      <p:childTnLst>
-                        <p:par>
-                          <p:cTn id="4" fill="hold">
-                            <p:stCondLst>
-                              <p:cond delay="0"/>
-                            </p:stCondLst>
-                            <p:childTnLst>
-                              <p:par>
-                                <p:cTn id="5" presetID="22" presetClass="entr" presetSubtype="8" fill="hold" grpId="0" nodeType="withEffect">
-                                  <p:stCondLst>
-                                    <p:cond delay="0"/>
-                                  </p:stCondLst>
-                                  <p:iterate type="wd">
-                                    <p:tmPct val="10000"/>
-                                  </p:iterate>
-                                  <p:childTnLst>
-                                    <p:set>
-                                      <p:cBhvr>
-                                        <p:cTn id="6" dur="1" fill="hold">
-                                          <p:stCondLst>
-                                            <p:cond delay="0"/>
-                                          </p:stCondLst>
-                                        </p:cTn>
-                                        <p:tgtEl>
-                                          <p:spTgt spid="4"/>
-                                        </p:tgtEl>
-                                        <p:attrNameLst>
-                                          <p:attrName>style.visibility</p:attrName>
-                                        </p:attrNameLst>
-                                      </p:cBhvr>
-                                      <p:to>
-                                        <p:strVal val="visible"/>
-                                      </p:to>
-                                    </p:set>
-                                    <p:animEffect transition="in" filter="wipe(left)">
-                                      <p:cBhvr>
-                                        <p:cTn id="7" dur="500"/>
-                                        <p:tgtEl>
-                                          <p:spTgt spid="4"/>
-                                        </p:tgtEl>
-                                      </p:cBhvr>
-                                    </p:animEffect>
-                                  </p:childTnLst>
-                                </p:cTn>
-                              </p:par>
-                            </p:childTnLst>
-                          </p:cTn>
-                        </p:par>
-                      </p:childTnLst>
-                    </p:cTn>
-                  </p:par>
-                </p:childTnLst>
-              </p:cTn>
-              <p:prevCondLst>
-                <p:cond evt="onPrev" delay="0">
-                  <p:tgtEl>
-                    <p:sldTgt/>
-                  </p:tgtEl>
-                </p:cond>
-              </p:prevCondLst>
-              <p:nextCondLst>
-                <p:cond evt="onNext" delay="0">
-                  <p:tgtEl>
-                    <p:sldTgt/>
-                  </p:tgtEl>
-                </p:cond>
-              </p:nextCondLst>
-            </p:seq>
-          </p:childTnLst>
-        </p:cTn>
-      </p:par>
-    </p:tnLst>
-    <p:bldLst>
-      <p:bldP spid="4" grpId="0"/>
-    </p:bldLst>
-  </p:timing>
-</p:sld>
-</file>
-
-<file path=ppt/slides/slide2.xml><?xml version="1.0" encoding="utf-8"?>
-<p:sld xmlns:a="http://schemas.openxmlformats.org/drawingml/2006/main" xmlns:r="http://schemas.openxmlformats.org/officeDocument/2006/relationships" xmlns:p="http://schemas.openxmlformats.org/presentationml/2006/main">
-  <p:cSld>
-    <p:spTree>
-      <p:nvGrpSpPr>
-        <p:cNvPr id="1" name=""/>
-        <p:cNvGrpSpPr/>
-        <p:nvPr/>
-      </p:nvGrpSpPr>
-      <p:grpSpPr>
-        <a:xfrm>
-          <a:off x="0" y="0"/>
-          <a:ext cx="0" cy="0"/>
-          <a:chOff x="0" y="0"/>
-          <a:chExt cx="0" cy="0"/>
-        </a:xfrm>
-      </p:grpSpPr>
-      <p:sp>
-        <p:nvSpPr>
-          <p:cNvPr id="2" name="Title 1"/>
-          <p:cNvSpPr>
-            <a:spLocks noGrp="1"/>
-          </p:cNvSpPr>
-          <p:nvPr>
-            <p:ph type="title"/>
-          </p:nvPr>
-        </p:nvSpPr>
-        <p:spPr/>
-        <p:txBody>
-          <a:bodyPr>
-            <a:normAutofit/>
-          </a:bodyPr>
-          <a:lstStyle/>
-          <a:p>
-            <a:r>
-              <a:rPr lang="en-US">
-                <a:latin typeface="Diavlo Medium" panose="02000000000000000000" pitchFamily="2" charset="0"/>
-                <a:ea typeface="+mn-ea"/>
-                <a:cs typeface="+mn-cs"/>
-              </a:rPr>
-              <a:t>Thành viên</a:t>
-            </a:r>
-          </a:p>
-        </p:txBody>
-      </p:sp>
-      <p:sp>
-        <p:nvSpPr>
-          <p:cNvPr id="3" name="Content Placeholder 2"/>
-          <p:cNvSpPr>
-            <a:spLocks noGrp="1"/>
-          </p:cNvSpPr>
-          <p:nvPr>
-            <p:ph idx="1"/>
-          </p:nvPr>
-        </p:nvSpPr>
-        <p:spPr>
-          <a:xfrm>
-            <a:off x="432816" y="1426099"/>
-            <a:ext cx="8229600" cy="3471773"/>
-          </a:xfrm>
-        </p:spPr>
-        <p:txBody>
-          <a:bodyPr>
-            <a:normAutofit/>
-          </a:bodyPr>
-          <a:lstStyle/>
-          <a:p>
-            <a:pPr marL="342900" lvl="1" indent="-342900" defTabSz="913022" fontAlgn="base">
-              <a:lnSpc>
-                <a:spcPct val="90000"/>
-              </a:lnSpc>
-              <a:spcBef>
-                <a:spcPts val="1200"/>
-              </a:spcBef>
-              <a:buClr>
-                <a:srgbClr val="FFFFFF"/>
-              </a:buClr>
-              <a:buSzPct val="130000"/>
-              <a:buFont typeface="Wingdings" panose="05000000000000000000" pitchFamily="2" charset="2"/>
-              <a:buChar char="q"/>
-            </a:pPr>
-            <a:r>
-              <a:rPr lang="en-US" sz="2600" smtClean="0">
-                <a:solidFill>
-                  <a:srgbClr val="797A7D"/>
-                </a:solidFill>
-                <a:latin typeface="Diavlo Light" panose="02000000000000000000" pitchFamily="2" charset="0"/>
-              </a:rPr>
-              <a:t>1. Trịnh Thái Anh</a:t>
-            </a:r>
-            <a:endParaRPr lang="vi-VN" sz="2600" smtClean="0">
-              <a:solidFill>
-                <a:srgbClr val="797A7D"/>
-              </a:solidFill>
-            </a:endParaRPr>
-          </a:p>
-          <a:p>
-            <a:pPr marL="342900" lvl="1" indent="-342900" defTabSz="913022" fontAlgn="base">
-              <a:lnSpc>
-                <a:spcPct val="90000"/>
-              </a:lnSpc>
-              <a:spcBef>
-                <a:spcPts val="1200"/>
-              </a:spcBef>
-              <a:buClr>
-                <a:srgbClr val="FFFFFF"/>
-              </a:buClr>
-              <a:buSzPct val="130000"/>
-              <a:buFont typeface="Wingdings" panose="05000000000000000000" pitchFamily="2" charset="2"/>
-              <a:buChar char="q"/>
-            </a:pPr>
-            <a:r>
-              <a:rPr lang="en-US" sz="2600" smtClean="0">
-                <a:solidFill>
-                  <a:srgbClr val="797A7D"/>
-                </a:solidFill>
-                <a:latin typeface="Diavlo Light" panose="02000000000000000000" pitchFamily="2" charset="0"/>
-              </a:rPr>
-              <a:t>2. Lê Ngọc Châu</a:t>
-            </a:r>
-            <a:endParaRPr lang="vi-VN" sz="2600" smtClean="0">
-              <a:solidFill>
-                <a:srgbClr val="797A7D"/>
-              </a:solidFill>
-            </a:endParaRPr>
-          </a:p>
-          <a:p>
-            <a:pPr marL="342900" lvl="1" indent="-342900" defTabSz="913022" fontAlgn="base">
-              <a:lnSpc>
-                <a:spcPct val="90000"/>
-              </a:lnSpc>
-              <a:spcBef>
-                <a:spcPts val="1200"/>
-              </a:spcBef>
-              <a:buClr>
-                <a:srgbClr val="FFFFFF"/>
-              </a:buClr>
-              <a:buSzPct val="130000"/>
-              <a:buFont typeface="Wingdings" panose="05000000000000000000" pitchFamily="2" charset="2"/>
-              <a:buChar char="q"/>
-            </a:pPr>
-            <a:r>
-              <a:rPr lang="en-US" sz="2600" smtClean="0">
-                <a:solidFill>
-                  <a:srgbClr val="797A7D"/>
-                </a:solidFill>
-                <a:latin typeface="Diavlo Light" panose="02000000000000000000" pitchFamily="2" charset="0"/>
-              </a:rPr>
-              <a:t>3. Khấu Thành Đạo</a:t>
-            </a:r>
-          </a:p>
-          <a:p>
-            <a:pPr marL="342900" lvl="1" indent="-342900" defTabSz="913022" fontAlgn="base">
-              <a:lnSpc>
-                <a:spcPct val="90000"/>
-              </a:lnSpc>
-              <a:spcBef>
-                <a:spcPts val="1200"/>
-              </a:spcBef>
-              <a:buClr>
-                <a:srgbClr val="FFFFFF"/>
-              </a:buClr>
-              <a:buSzPct val="130000"/>
-              <a:buFont typeface="Wingdings" panose="05000000000000000000" pitchFamily="2" charset="2"/>
-              <a:buChar char="q"/>
-            </a:pPr>
-            <a:r>
-              <a:rPr lang="en-US" sz="2600" smtClean="0">
-                <a:solidFill>
-                  <a:srgbClr val="797A7D"/>
-                </a:solidFill>
-                <a:latin typeface="Diavlo Light" panose="02000000000000000000" pitchFamily="2" charset="0"/>
-              </a:rPr>
-              <a:t>4. Huỳnh Trọng Khang</a:t>
-            </a:r>
-            <a:endParaRPr lang="vi-VN" sz="2600" smtClean="0">
-              <a:solidFill>
-                <a:srgbClr val="797A7D"/>
-              </a:solidFill>
-            </a:endParaRPr>
-          </a:p>
-          <a:p>
-            <a:pPr marL="342900" lvl="1" indent="-342900" defTabSz="913022" fontAlgn="base">
-              <a:lnSpc>
-                <a:spcPct val="90000"/>
-              </a:lnSpc>
-              <a:spcBef>
-                <a:spcPts val="1200"/>
-              </a:spcBef>
-              <a:buClr>
-                <a:srgbClr val="FFFFFF"/>
-              </a:buClr>
-              <a:buSzPct val="130000"/>
-              <a:buFont typeface="Wingdings" panose="05000000000000000000" pitchFamily="2" charset="2"/>
-              <a:buChar char="q"/>
-            </a:pPr>
-            <a:r>
-              <a:rPr lang="en-US" sz="2600" smtClean="0">
-                <a:solidFill>
-                  <a:srgbClr val="797A7D"/>
-                </a:solidFill>
-                <a:latin typeface="Diavlo Light" panose="02000000000000000000" pitchFamily="2" charset="0"/>
-              </a:rPr>
-              <a:t>5. Tạ Ngọc Thiên Phú</a:t>
-            </a:r>
-            <a:endParaRPr lang="vi-VN" sz="2600" smtClean="0">
-              <a:solidFill>
-                <a:srgbClr val="797A7D"/>
-              </a:solidFill>
-            </a:endParaRPr>
-          </a:p>
-          <a:p>
-            <a:pPr marL="342900" lvl="1" indent="-342900" defTabSz="913022" fontAlgn="base">
-              <a:lnSpc>
-                <a:spcPct val="90000"/>
-              </a:lnSpc>
-              <a:spcBef>
-                <a:spcPts val="1200"/>
-              </a:spcBef>
-              <a:buClr>
-                <a:srgbClr val="FFFFFF"/>
-              </a:buClr>
-              <a:buSzPct val="130000"/>
-              <a:buFont typeface="Wingdings" panose="05000000000000000000" pitchFamily="2" charset="2"/>
-              <a:buChar char="q"/>
-            </a:pPr>
-            <a:r>
-              <a:rPr lang="en-US" sz="2600" smtClean="0">
-                <a:solidFill>
-                  <a:srgbClr val="797A7D"/>
-                </a:solidFill>
-                <a:latin typeface="Diavlo Light" panose="02000000000000000000" pitchFamily="2" charset="0"/>
-              </a:rPr>
-              <a:t>6. </a:t>
-            </a:r>
-            <a:r>
-              <a:rPr lang="vi-VN" sz="2600" smtClean="0">
-                <a:solidFill>
-                  <a:srgbClr val="797A7D"/>
-                </a:solidFill>
-                <a:latin typeface="Diavlo Light" panose="02000000000000000000" pitchFamily="2" charset="0"/>
-              </a:rPr>
-              <a:t>Nguy</a:t>
-            </a:r>
-            <a:r>
-              <a:rPr lang="en-US" sz="2600" smtClean="0">
-                <a:solidFill>
-                  <a:srgbClr val="797A7D"/>
-                </a:solidFill>
-                <a:latin typeface="Diavlo Light" panose="02000000000000000000" pitchFamily="2" charset="0"/>
-              </a:rPr>
-              <a:t>ễ</a:t>
-            </a:r>
-            <a:r>
-              <a:rPr lang="vi-VN" sz="2600" smtClean="0">
-                <a:solidFill>
-                  <a:srgbClr val="797A7D"/>
-                </a:solidFill>
-                <a:latin typeface="Diavlo Light" panose="02000000000000000000" pitchFamily="2" charset="0"/>
-              </a:rPr>
-              <a:t>n Ho</a:t>
-            </a:r>
-            <a:r>
-              <a:rPr lang="en-US" sz="2600" smtClean="0">
-                <a:solidFill>
-                  <a:srgbClr val="797A7D"/>
-                </a:solidFill>
-                <a:latin typeface="Diavlo Light" panose="02000000000000000000" pitchFamily="2" charset="0"/>
-              </a:rPr>
-              <a:t>à</a:t>
-            </a:r>
-            <a:r>
-              <a:rPr lang="vi-VN" sz="2600" smtClean="0">
-                <a:solidFill>
-                  <a:srgbClr val="797A7D"/>
-                </a:solidFill>
-                <a:latin typeface="Diavlo Light" panose="02000000000000000000" pitchFamily="2" charset="0"/>
-              </a:rPr>
-              <a:t>ng Fa Th</a:t>
-            </a:r>
-            <a:r>
-              <a:rPr lang="en-US" sz="2600" smtClean="0">
-                <a:solidFill>
-                  <a:srgbClr val="797A7D"/>
-                </a:solidFill>
-                <a:latin typeface="Diavlo Light" panose="02000000000000000000" pitchFamily="2" charset="0"/>
-              </a:rPr>
-              <a:t>ứ</a:t>
-            </a:r>
-            <a:endParaRPr lang="en-US" sz="2600">
-              <a:solidFill>
-                <a:srgbClr val="797A7D"/>
-              </a:solidFill>
-              <a:latin typeface="Diavlo Light" panose="02000000000000000000" pitchFamily="2" charset="0"/>
-            </a:endParaRPr>
-          </a:p>
-        </p:txBody>
-      </p:sp>
-      <p:pic>
-        <p:nvPicPr>
-          <p:cNvPr id="4" name="Picture 3"/>
-          <p:cNvPicPr>
-            <a:picLocks noChangeAspect="1"/>
-          </p:cNvPicPr>
-          <p:nvPr/>
-        </p:nvPicPr>
-        <p:blipFill>
-          <a:blip r:embed="rId2">
-            <a:extLst>
-              <a:ext uri="{28A0092B-C50C-407E-A947-70E740481C1C}">
-                <a14:useLocalDpi xmlns:a14="http://schemas.microsoft.com/office/drawing/2010/main" val="0"/>
-              </a:ext>
-            </a:extLst>
-          </a:blip>
-          <a:stretch>
-            <a:fillRect/>
-          </a:stretch>
-        </p:blipFill>
-        <p:spPr>
-          <a:xfrm>
-            <a:off x="4547616" y="1426099"/>
-            <a:ext cx="3938016" cy="2889869"/>
-          </a:xfrm>
-          <a:prstGeom prst="rect">
-            <a:avLst/>
-          </a:prstGeom>
-        </p:spPr>
-      </p:pic>
-    </p:spTree>
-    <p:extLst>
-      <p:ext uri="{BB962C8B-B14F-4D97-AF65-F5344CB8AC3E}">
-        <p14:creationId xmlns:p14="http://schemas.microsoft.com/office/powerpoint/2010/main" val="2914690786"/>
-      </p:ext>
-    </p:extLst>
-  </p:cSld>
-  <p:clrMapOvr>
-    <a:masterClrMapping/>
-  </p:clrMapOvr>
-  <mc:AlternateContent xmlns:mc="http://schemas.openxmlformats.org/markup-compatibility/2006" xmlns:p14="http://schemas.microsoft.com/office/powerpoint/2010/main">
-    <mc:Choice Requires="p14">
-      <p:transition spd="slow" p14:dur="3900">
-        <p14:glitter pattern="hexagon"/>
-      </p:transition>
-    </mc:Choice>
-    <mc:Fallback xmlns="">
-      <p:transition spd="slow">
-        <p:fade/>
-      </p:transition>
-    </mc:Fallback>
-  </mc:AlternateContent>
-  <p:timing>
-    <p:tnLst>
-      <p:par>
-        <p:cTn id="1" dur="indefinite" restart="never" nodeType="tmRoot"/>
-      </p:par>
-    </p:tnLst>
-  </p:timing>
-</p:sld>
-</file>
-
-<file path=ppt/slides/slide3.xml><?xml version="1.0" encoding="utf-8"?>
-<p:sld xmlns:a="http://schemas.openxmlformats.org/drawingml/2006/main" xmlns:r="http://schemas.openxmlformats.org/officeDocument/2006/relationships" xmlns:p="http://schemas.openxmlformats.org/presentationml/2006/main">
-  <p:cSld>
-    <p:spTree>
-      <p:nvGrpSpPr>
-        <p:cNvPr id="1" name=""/>
-        <p:cNvGrpSpPr/>
-        <p:nvPr/>
-      </p:nvGrpSpPr>
-      <p:grpSpPr>
-        <a:xfrm>
-          <a:off x="0" y="0"/>
-          <a:ext cx="0" cy="0"/>
-          <a:chOff x="0" y="0"/>
-          <a:chExt cx="0" cy="0"/>
-        </a:xfrm>
-      </p:grpSpPr>
-      <p:sp>
-        <p:nvSpPr>
-          <p:cNvPr id="7" name="Title 6"/>
-          <p:cNvSpPr>
-            <a:spLocks noGrp="1"/>
-          </p:cNvSpPr>
-          <p:nvPr>
-            <p:ph type="title"/>
-          </p:nvPr>
-        </p:nvSpPr>
-        <p:spPr/>
-        <p:txBody>
-          <a:bodyPr>
-            <a:normAutofit/>
-          </a:bodyPr>
-          <a:lstStyle/>
-          <a:p>
-            <a:r>
-              <a:rPr lang="en-GB">
-                <a:latin typeface="Diavlo Medium" panose="02000000000000000000" pitchFamily="2" charset="0"/>
-                <a:ea typeface="+mn-ea"/>
-                <a:cs typeface="Times New Roman" panose="02020603050405020304" pitchFamily="18" charset="0"/>
-              </a:rPr>
-              <a:t>Nội Dung</a:t>
-            </a:r>
-            <a:endParaRPr lang="en-GB" dirty="0">
-              <a:latin typeface="Diavlo Medium" panose="02000000000000000000" pitchFamily="2" charset="0"/>
-              <a:ea typeface="+mn-ea"/>
-              <a:cs typeface="Times New Roman" panose="02020603050405020304" pitchFamily="18" charset="0"/>
-            </a:endParaRPr>
-          </a:p>
-        </p:txBody>
-      </p:sp>
-      <p:sp>
-        <p:nvSpPr>
-          <p:cNvPr id="9" name="Content Placeholder 8"/>
-          <p:cNvSpPr>
-            <a:spLocks noGrp="1"/>
-          </p:cNvSpPr>
-          <p:nvPr>
-            <p:ph idx="1"/>
-          </p:nvPr>
-        </p:nvSpPr>
-        <p:spPr>
-          <a:xfrm>
-            <a:off x="457200" y="999745"/>
-            <a:ext cx="8229600" cy="4105392"/>
-          </a:xfrm>
-        </p:spPr>
-        <p:txBody>
-          <a:bodyPr>
-            <a:normAutofit/>
-          </a:bodyPr>
-          <a:lstStyle/>
-          <a:p>
-            <a:pPr>
-              <a:buFont typeface="Wingdings" panose="05000000000000000000" pitchFamily="2" charset="2"/>
-              <a:buChar char="Ø"/>
-            </a:pPr>
-            <a:r>
-              <a:rPr lang="en-US" sz="3000" smtClean="0">
-                <a:latin typeface="Diavlo Light" panose="02000000000000000000" pitchFamily="2" charset="0"/>
-                <a:cs typeface="Times New Roman" panose="02020603050405020304" pitchFamily="18" charset="0"/>
-              </a:rPr>
-              <a:t>Giới thiệu c</a:t>
-            </a:r>
-            <a:r>
-              <a:rPr lang="vi-VN" sz="3000" smtClean="0">
-                <a:latin typeface="Diavlo Light" panose="02000000000000000000" pitchFamily="2" charset="0"/>
-                <a:cs typeface="Times New Roman" panose="02020603050405020304" pitchFamily="18" charset="0"/>
-              </a:rPr>
-              <a:t>ơ bản về Cain and Abel</a:t>
-            </a:r>
-            <a:endParaRPr lang="en-US" sz="3000" smtClean="0">
-              <a:latin typeface="Diavlo Light" panose="02000000000000000000" pitchFamily="2" charset="0"/>
-              <a:cs typeface="Times New Roman" panose="02020603050405020304" pitchFamily="18" charset="0"/>
-            </a:endParaRPr>
-          </a:p>
-          <a:p>
-            <a:pPr>
-              <a:buFont typeface="Wingdings" panose="05000000000000000000" pitchFamily="2" charset="2"/>
-              <a:buChar char="Ø"/>
-            </a:pPr>
-            <a:r>
-              <a:rPr lang="vi-VN" sz="3000" smtClean="0">
-                <a:latin typeface="Diavlo Light" panose="02000000000000000000" pitchFamily="2" charset="0"/>
-                <a:cs typeface="Times New Roman" panose="02020603050405020304" pitchFamily="18" charset="0"/>
-              </a:rPr>
-              <a:t>Nguyên tắc hoạt động</a:t>
-            </a:r>
-            <a:r>
-              <a:rPr lang="en-US" sz="3000" smtClean="0">
-                <a:latin typeface="Diavlo Light" panose="02000000000000000000" pitchFamily="2" charset="0"/>
-                <a:cs typeface="Times New Roman" panose="02020603050405020304" pitchFamily="18" charset="0"/>
-              </a:rPr>
-              <a:t>.</a:t>
-            </a:r>
-          </a:p>
-          <a:p>
-            <a:pPr>
-              <a:buFont typeface="Wingdings" panose="05000000000000000000" pitchFamily="2" charset="2"/>
-              <a:buChar char="Ø"/>
-            </a:pPr>
-            <a:r>
-              <a:rPr lang="vi-VN" sz="3000" smtClean="0">
-                <a:latin typeface="Diavlo Light" panose="02000000000000000000" pitchFamily="2" charset="0"/>
-                <a:cs typeface="Times New Roman" panose="02020603050405020304" pitchFamily="18" charset="0"/>
-              </a:rPr>
-              <a:t>Cách phòng chống</a:t>
-            </a:r>
-            <a:r>
-              <a:rPr lang="en-US" sz="3000" smtClean="0">
-                <a:latin typeface="Diavlo Light" panose="02000000000000000000" pitchFamily="2" charset="0"/>
-                <a:cs typeface="Times New Roman" panose="02020603050405020304" pitchFamily="18" charset="0"/>
-              </a:rPr>
-              <a:t>.</a:t>
-            </a:r>
-          </a:p>
-          <a:p>
-            <a:pPr>
-              <a:buFont typeface="Wingdings" panose="05000000000000000000" pitchFamily="2" charset="2"/>
-              <a:buChar char="Ø"/>
-            </a:pPr>
-            <a:r>
-              <a:rPr lang="vi-VN" sz="3000" smtClean="0">
-                <a:latin typeface="Diavlo Light" panose="02000000000000000000" pitchFamily="2" charset="0"/>
-                <a:cs typeface="Times New Roman" panose="02020603050405020304" pitchFamily="18" charset="0"/>
-              </a:rPr>
-              <a:t>Demo</a:t>
-            </a:r>
-            <a:r>
-              <a:rPr lang="en-US" sz="3000" smtClean="0">
-                <a:latin typeface="Diavlo Light" panose="02000000000000000000" pitchFamily="2" charset="0"/>
-                <a:cs typeface="Times New Roman" panose="02020603050405020304" pitchFamily="18" charset="0"/>
-              </a:rPr>
-              <a:t>.</a:t>
-            </a:r>
-            <a:endParaRPr lang="en-GB" sz="3000" dirty="0">
-              <a:latin typeface="Diavlo Light" panose="02000000000000000000" pitchFamily="2" charset="0"/>
-              <a:cs typeface="Times New Roman" panose="02020603050405020304" pitchFamily="18" charset="0"/>
-            </a:endParaRPr>
-          </a:p>
-        </p:txBody>
-      </p:sp>
-    </p:spTree>
-    <p:extLst>
-      <p:ext uri="{BB962C8B-B14F-4D97-AF65-F5344CB8AC3E}">
-        <p14:creationId xmlns:p14="http://schemas.microsoft.com/office/powerpoint/2010/main" val="3519353775"/>
       </p:ext>
     </p:extLst>
   </p:cSld>
@@ -13750,6 +11626,1862 @@
                                   </p:childTnLst>
                                 </p:cTn>
                               </p:par>
+                              <p:par>
+                                <p:cTn id="21" presetID="10" presetClass="entr" presetSubtype="0" fill="hold" nodeType="withEffect">
+                                  <p:stCondLst>
+                                    <p:cond delay="0"/>
+                                  </p:stCondLst>
+                                  <p:childTnLst>
+                                    <p:set>
+                                      <p:cBhvr>
+                                        <p:cTn id="22" dur="1" fill="hold">
+                                          <p:stCondLst>
+                                            <p:cond delay="0"/>
+                                          </p:stCondLst>
+                                        </p:cTn>
+                                        <p:tgtEl>
+                                          <p:spTgt spid="9">
+                                            <p:txEl>
+                                              <p:pRg st="4" end="4"/>
+                                            </p:txEl>
+                                          </p:spTgt>
+                                        </p:tgtEl>
+                                        <p:attrNameLst>
+                                          <p:attrName>style.visibility</p:attrName>
+                                        </p:attrNameLst>
+                                      </p:cBhvr>
+                                      <p:to>
+                                        <p:strVal val="visible"/>
+                                      </p:to>
+                                    </p:set>
+                                    <p:animEffect transition="in" filter="fade">
+                                      <p:cBhvr>
+                                        <p:cTn id="23" dur="500"/>
+                                        <p:tgtEl>
+                                          <p:spTgt spid="9">
+                                            <p:txEl>
+                                              <p:pRg st="4" end="4"/>
+                                            </p:txEl>
+                                          </p:spTgt>
+                                        </p:tgtEl>
+                                      </p:cBhvr>
+                                    </p:animEffect>
+                                  </p:childTnLst>
+                                </p:cTn>
+                              </p:par>
+                            </p:childTnLst>
+                          </p:cTn>
+                        </p:par>
+                      </p:childTnLst>
+                    </p:cTn>
+                  </p:par>
+                </p:childTnLst>
+              </p:cTn>
+              <p:prevCondLst>
+                <p:cond evt="onPrev" delay="0">
+                  <p:tgtEl>
+                    <p:sldTgt/>
+                  </p:tgtEl>
+                </p:cond>
+              </p:prevCondLst>
+              <p:nextCondLst>
+                <p:cond evt="onNext" delay="0">
+                  <p:tgtEl>
+                    <p:sldTgt/>
+                  </p:tgtEl>
+                </p:cond>
+              </p:nextCondLst>
+            </p:seq>
+          </p:childTnLst>
+        </p:cTn>
+      </p:par>
+    </p:tnLst>
+    <p:bldLst>
+      <p:bldP spid="7" grpId="0"/>
+    </p:bldLst>
+  </p:timing>
+</p:sld>
+</file>
+
+<file path=ppt/slides/slide15.xml><?xml version="1.0" encoding="utf-8"?>
+<p:sld xmlns:a="http://schemas.openxmlformats.org/drawingml/2006/main" xmlns:r="http://schemas.openxmlformats.org/officeDocument/2006/relationships" xmlns:p="http://schemas.openxmlformats.org/presentationml/2006/main">
+  <p:cSld>
+    <p:spTree>
+      <p:nvGrpSpPr>
+        <p:cNvPr id="1" name=""/>
+        <p:cNvGrpSpPr/>
+        <p:nvPr/>
+      </p:nvGrpSpPr>
+      <p:grpSpPr>
+        <a:xfrm>
+          <a:off x="0" y="0"/>
+          <a:ext cx="0" cy="0"/>
+          <a:chOff x="0" y="0"/>
+          <a:chExt cx="0" cy="0"/>
+        </a:xfrm>
+      </p:grpSpPr>
+      <p:sp>
+        <p:nvSpPr>
+          <p:cNvPr id="7" name="Title 6"/>
+          <p:cNvSpPr>
+            <a:spLocks noGrp="1"/>
+          </p:cNvSpPr>
+          <p:nvPr>
+            <p:ph type="title"/>
+          </p:nvPr>
+        </p:nvSpPr>
+        <p:spPr/>
+        <p:txBody>
+          <a:bodyPr>
+            <a:normAutofit/>
+          </a:bodyPr>
+          <a:lstStyle/>
+          <a:p>
+            <a:r>
+              <a:rPr lang="vi-VN" smtClean="0">
+                <a:latin typeface="Diavlo Medium" panose="02000000000000000000" pitchFamily="2" charset="0"/>
+                <a:cs typeface="Times New Roman" panose="02020603050405020304" pitchFamily="18" charset="0"/>
+              </a:rPr>
+              <a:t>Cách </a:t>
+            </a:r>
+            <a:r>
+              <a:rPr lang="vi-VN">
+                <a:latin typeface="Diavlo Medium" panose="02000000000000000000" pitchFamily="2" charset="0"/>
+                <a:cs typeface="Times New Roman" panose="02020603050405020304" pitchFamily="18" charset="0"/>
+              </a:rPr>
+              <a:t>phòng </a:t>
+            </a:r>
+            <a:r>
+              <a:rPr lang="vi-VN" smtClean="0">
+                <a:latin typeface="Diavlo Medium" panose="02000000000000000000" pitchFamily="2" charset="0"/>
+                <a:cs typeface="Times New Roman" panose="02020603050405020304" pitchFamily="18" charset="0"/>
+              </a:rPr>
+              <a:t>chống</a:t>
+            </a:r>
+            <a:endParaRPr lang="en-US">
+              <a:latin typeface="Diavlo Medium" panose="02000000000000000000" pitchFamily="2" charset="0"/>
+              <a:cs typeface="Times New Roman" panose="02020603050405020304" pitchFamily="18" charset="0"/>
+            </a:endParaRPr>
+          </a:p>
+        </p:txBody>
+      </p:sp>
+      <p:sp>
+        <p:nvSpPr>
+          <p:cNvPr id="9" name="Content Placeholder 8"/>
+          <p:cNvSpPr>
+            <a:spLocks noGrp="1"/>
+          </p:cNvSpPr>
+          <p:nvPr>
+            <p:ph idx="1"/>
+          </p:nvPr>
+        </p:nvSpPr>
+        <p:spPr>
+          <a:xfrm>
+            <a:off x="457200" y="999745"/>
+            <a:ext cx="8229600" cy="4105392"/>
+          </a:xfrm>
+        </p:spPr>
+        <p:txBody>
+          <a:bodyPr>
+            <a:normAutofit/>
+          </a:bodyPr>
+          <a:lstStyle/>
+          <a:p>
+            <a:pPr>
+              <a:buFont typeface="Wingdings" panose="05000000000000000000" pitchFamily="2" charset="2"/>
+              <a:buChar char="Ø"/>
+            </a:pPr>
+            <a:r>
+              <a:rPr lang="en-US">
+                <a:latin typeface="Diavlo Light" panose="02000000000000000000" pitchFamily="2" charset="0"/>
+                <a:cs typeface="Times New Roman" panose="02020603050405020304" pitchFamily="18" charset="0"/>
+              </a:rPr>
+              <a:t>N</a:t>
+            </a:r>
+            <a:r>
+              <a:rPr lang="vi-VN" smtClean="0">
+                <a:latin typeface="Diavlo Light" panose="02000000000000000000" pitchFamily="2" charset="0"/>
+                <a:cs typeface="Times New Roman" panose="02020603050405020304" pitchFamily="18" charset="0"/>
+              </a:rPr>
+              <a:t>găn </a:t>
+            </a:r>
+            <a:r>
+              <a:rPr lang="vi-VN">
+                <a:latin typeface="Diavlo Light" panose="02000000000000000000" pitchFamily="2" charset="0"/>
+                <a:cs typeface="Times New Roman" panose="02020603050405020304" pitchFamily="18" charset="0"/>
+              </a:rPr>
+              <a:t>chặn hành động sniffer trên những thiết bị phần cứng </a:t>
+            </a:r>
+            <a:r>
+              <a:rPr lang="en-US">
+                <a:latin typeface="Diavlo Light" panose="02000000000000000000" pitchFamily="2" charset="0"/>
+                <a:cs typeface="Times New Roman" panose="02020603050405020304" pitchFamily="18" charset="0"/>
+              </a:rPr>
+              <a:t>:</a:t>
+            </a:r>
+          </a:p>
+          <a:p>
+            <a:pPr lvl="1">
+              <a:buFont typeface="Wingdings" panose="05000000000000000000" pitchFamily="2" charset="2"/>
+              <a:buChar char="§"/>
+            </a:pPr>
+            <a:r>
+              <a:rPr lang="en-US">
+                <a:latin typeface="Diavlo Light" panose="02000000000000000000" pitchFamily="2" charset="0"/>
+                <a:cs typeface="Times New Roman" panose="02020603050405020304" pitchFamily="18" charset="0"/>
+              </a:rPr>
+              <a:t>T</a:t>
+            </a:r>
+            <a:r>
+              <a:rPr lang="vi-VN" smtClean="0">
+                <a:latin typeface="Diavlo Light" panose="02000000000000000000" pitchFamily="2" charset="0"/>
+                <a:cs typeface="Times New Roman" panose="02020603050405020304" pitchFamily="18" charset="0"/>
+              </a:rPr>
+              <a:t>hay </a:t>
+            </a:r>
+            <a:r>
+              <a:rPr lang="vi-VN">
+                <a:latin typeface="Diavlo Light" panose="02000000000000000000" pitchFamily="2" charset="0"/>
+                <a:cs typeface="Times New Roman" panose="02020603050405020304" pitchFamily="18" charset="0"/>
+              </a:rPr>
+              <a:t>thế Hub của bạn bằng những switch</a:t>
+            </a:r>
+            <a:endParaRPr lang="en-US">
+              <a:latin typeface="Diavlo Light" panose="02000000000000000000" pitchFamily="2" charset="0"/>
+              <a:cs typeface="Times New Roman" panose="02020603050405020304" pitchFamily="18" charset="0"/>
+            </a:endParaRPr>
+          </a:p>
+          <a:p>
+            <a:pPr lvl="1">
+              <a:buFont typeface="Wingdings" panose="05000000000000000000" pitchFamily="2" charset="2"/>
+              <a:buChar char="§"/>
+            </a:pPr>
+            <a:r>
+              <a:rPr lang="en-US">
+                <a:latin typeface="Diavlo Light" panose="02000000000000000000" pitchFamily="2" charset="0"/>
+                <a:cs typeface="Times New Roman" panose="02020603050405020304" pitchFamily="18" charset="0"/>
+              </a:rPr>
+              <a:t>S</a:t>
+            </a:r>
+            <a:r>
+              <a:rPr lang="vi-VN" smtClean="0">
+                <a:latin typeface="Diavlo Light" panose="02000000000000000000" pitchFamily="2" charset="0"/>
+                <a:cs typeface="Times New Roman" panose="02020603050405020304" pitchFamily="18" charset="0"/>
+              </a:rPr>
+              <a:t>ử </a:t>
+            </a:r>
+            <a:r>
+              <a:rPr lang="vi-VN">
+                <a:latin typeface="Diavlo Light" panose="02000000000000000000" pitchFamily="2" charset="0"/>
+                <a:cs typeface="Times New Roman" panose="02020603050405020304" pitchFamily="18" charset="0"/>
+              </a:rPr>
+              <a:t>dụng các công cụ IDS (Intrusion Detecte Service)</a:t>
+            </a:r>
+            <a:endParaRPr lang="en-US">
+              <a:latin typeface="Diavlo Light" panose="02000000000000000000" pitchFamily="2" charset="0"/>
+              <a:cs typeface="Times New Roman" panose="02020603050405020304" pitchFamily="18" charset="0"/>
+            </a:endParaRPr>
+          </a:p>
+          <a:p>
+            <a:pPr marL="0" indent="0">
+              <a:buNone/>
+            </a:pPr>
+            <a:endParaRPr lang="en-US" smtClean="0">
+              <a:latin typeface="Diavlo Light" panose="02000000000000000000" pitchFamily="2" charset="0"/>
+              <a:cs typeface="Times New Roman" panose="02020603050405020304" pitchFamily="18" charset="0"/>
+            </a:endParaRPr>
+          </a:p>
+        </p:txBody>
+      </p:sp>
+    </p:spTree>
+    <p:extLst>
+      <p:ext uri="{BB962C8B-B14F-4D97-AF65-F5344CB8AC3E}">
+        <p14:creationId xmlns:p14="http://schemas.microsoft.com/office/powerpoint/2010/main" val="3471134465"/>
+      </p:ext>
+    </p:extLst>
+  </p:cSld>
+  <p:clrMapOvr>
+    <a:masterClrMapping/>
+  </p:clrMapOvr>
+  <p:timing>
+    <p:tnLst>
+      <p:par>
+        <p:cTn id="1" dur="indefinite" restart="never" nodeType="tmRoot">
+          <p:childTnLst>
+            <p:seq concurrent="1" nextAc="seek">
+              <p:cTn id="2" dur="indefinite" nodeType="mainSeq">
+                <p:childTnLst>
+                  <p:par>
+                    <p:cTn id="3" fill="hold">
+                      <p:stCondLst>
+                        <p:cond delay="indefinite"/>
+                        <p:cond evt="onBegin" delay="0">
+                          <p:tn val="2"/>
+                        </p:cond>
+                      </p:stCondLst>
+                      <p:childTnLst>
+                        <p:par>
+                          <p:cTn id="4" fill="hold">
+                            <p:stCondLst>
+                              <p:cond delay="0"/>
+                            </p:stCondLst>
+                            <p:childTnLst>
+                              <p:par>
+                                <p:cTn id="5" presetID="22" presetClass="entr" presetSubtype="8" fill="hold" grpId="0" nodeType="withEffect">
+                                  <p:stCondLst>
+                                    <p:cond delay="0"/>
+                                  </p:stCondLst>
+                                  <p:childTnLst>
+                                    <p:set>
+                                      <p:cBhvr>
+                                        <p:cTn id="6" dur="1" fill="hold">
+                                          <p:stCondLst>
+                                            <p:cond delay="0"/>
+                                          </p:stCondLst>
+                                        </p:cTn>
+                                        <p:tgtEl>
+                                          <p:spTgt spid="7"/>
+                                        </p:tgtEl>
+                                        <p:attrNameLst>
+                                          <p:attrName>style.visibility</p:attrName>
+                                        </p:attrNameLst>
+                                      </p:cBhvr>
+                                      <p:to>
+                                        <p:strVal val="visible"/>
+                                      </p:to>
+                                    </p:set>
+                                    <p:animEffect transition="in" filter="wipe(left)">
+                                      <p:cBhvr>
+                                        <p:cTn id="7" dur="500"/>
+                                        <p:tgtEl>
+                                          <p:spTgt spid="7"/>
+                                        </p:tgtEl>
+                                      </p:cBhvr>
+                                    </p:animEffect>
+                                  </p:childTnLst>
+                                </p:cTn>
+                              </p:par>
+                            </p:childTnLst>
+                          </p:cTn>
+                        </p:par>
+                        <p:par>
+                          <p:cTn id="8" fill="hold">
+                            <p:stCondLst>
+                              <p:cond delay="500"/>
+                            </p:stCondLst>
+                            <p:childTnLst>
+                              <p:par>
+                                <p:cTn id="9" presetID="10" presetClass="entr" presetSubtype="0" fill="hold" grpId="0" nodeType="afterEffect">
+                                  <p:stCondLst>
+                                    <p:cond delay="0"/>
+                                  </p:stCondLst>
+                                  <p:childTnLst>
+                                    <p:set>
+                                      <p:cBhvr>
+                                        <p:cTn id="10" dur="1" fill="hold">
+                                          <p:stCondLst>
+                                            <p:cond delay="0"/>
+                                          </p:stCondLst>
+                                        </p:cTn>
+                                        <p:tgtEl>
+                                          <p:spTgt spid="9">
+                                            <p:txEl>
+                                              <p:pRg st="0" end="0"/>
+                                            </p:txEl>
+                                          </p:spTgt>
+                                        </p:tgtEl>
+                                        <p:attrNameLst>
+                                          <p:attrName>style.visibility</p:attrName>
+                                        </p:attrNameLst>
+                                      </p:cBhvr>
+                                      <p:to>
+                                        <p:strVal val="visible"/>
+                                      </p:to>
+                                    </p:set>
+                                    <p:animEffect transition="in" filter="fade">
+                                      <p:cBhvr>
+                                        <p:cTn id="11" dur="500"/>
+                                        <p:tgtEl>
+                                          <p:spTgt spid="9">
+                                            <p:txEl>
+                                              <p:pRg st="0" end="0"/>
+                                            </p:txEl>
+                                          </p:spTgt>
+                                        </p:tgtEl>
+                                      </p:cBhvr>
+                                    </p:animEffect>
+                                  </p:childTnLst>
+                                </p:cTn>
+                              </p:par>
+                              <p:par>
+                                <p:cTn id="12" presetID="10" presetClass="entr" presetSubtype="0" fill="hold" grpId="0" nodeType="withEffect">
+                                  <p:stCondLst>
+                                    <p:cond delay="0"/>
+                                  </p:stCondLst>
+                                  <p:childTnLst>
+                                    <p:set>
+                                      <p:cBhvr>
+                                        <p:cTn id="13" dur="1" fill="hold">
+                                          <p:stCondLst>
+                                            <p:cond delay="0"/>
+                                          </p:stCondLst>
+                                        </p:cTn>
+                                        <p:tgtEl>
+                                          <p:spTgt spid="9">
+                                            <p:txEl>
+                                              <p:pRg st="1" end="1"/>
+                                            </p:txEl>
+                                          </p:spTgt>
+                                        </p:tgtEl>
+                                        <p:attrNameLst>
+                                          <p:attrName>style.visibility</p:attrName>
+                                        </p:attrNameLst>
+                                      </p:cBhvr>
+                                      <p:to>
+                                        <p:strVal val="visible"/>
+                                      </p:to>
+                                    </p:set>
+                                    <p:animEffect transition="in" filter="fade">
+                                      <p:cBhvr>
+                                        <p:cTn id="14" dur="500"/>
+                                        <p:tgtEl>
+                                          <p:spTgt spid="9">
+                                            <p:txEl>
+                                              <p:pRg st="1" end="1"/>
+                                            </p:txEl>
+                                          </p:spTgt>
+                                        </p:tgtEl>
+                                      </p:cBhvr>
+                                    </p:animEffect>
+                                  </p:childTnLst>
+                                </p:cTn>
+                              </p:par>
+                              <p:par>
+                                <p:cTn id="15" presetID="10" presetClass="entr" presetSubtype="0" fill="hold" grpId="0" nodeType="withEffect">
+                                  <p:stCondLst>
+                                    <p:cond delay="0"/>
+                                  </p:stCondLst>
+                                  <p:childTnLst>
+                                    <p:set>
+                                      <p:cBhvr>
+                                        <p:cTn id="16" dur="1" fill="hold">
+                                          <p:stCondLst>
+                                            <p:cond delay="0"/>
+                                          </p:stCondLst>
+                                        </p:cTn>
+                                        <p:tgtEl>
+                                          <p:spTgt spid="9">
+                                            <p:txEl>
+                                              <p:pRg st="2" end="2"/>
+                                            </p:txEl>
+                                          </p:spTgt>
+                                        </p:tgtEl>
+                                        <p:attrNameLst>
+                                          <p:attrName>style.visibility</p:attrName>
+                                        </p:attrNameLst>
+                                      </p:cBhvr>
+                                      <p:to>
+                                        <p:strVal val="visible"/>
+                                      </p:to>
+                                    </p:set>
+                                    <p:animEffect transition="in" filter="fade">
+                                      <p:cBhvr>
+                                        <p:cTn id="17" dur="500"/>
+                                        <p:tgtEl>
+                                          <p:spTgt spid="9">
+                                            <p:txEl>
+                                              <p:pRg st="2" end="2"/>
+                                            </p:txEl>
+                                          </p:spTgt>
+                                        </p:tgtEl>
+                                      </p:cBhvr>
+                                    </p:animEffect>
+                                  </p:childTnLst>
+                                </p:cTn>
+                              </p:par>
+                            </p:childTnLst>
+                          </p:cTn>
+                        </p:par>
+                      </p:childTnLst>
+                    </p:cTn>
+                  </p:par>
+                </p:childTnLst>
+              </p:cTn>
+              <p:prevCondLst>
+                <p:cond evt="onPrev" delay="0">
+                  <p:tgtEl>
+                    <p:sldTgt/>
+                  </p:tgtEl>
+                </p:cond>
+              </p:prevCondLst>
+              <p:nextCondLst>
+                <p:cond evt="onNext" delay="0">
+                  <p:tgtEl>
+                    <p:sldTgt/>
+                  </p:tgtEl>
+                </p:cond>
+              </p:nextCondLst>
+            </p:seq>
+          </p:childTnLst>
+        </p:cTn>
+      </p:par>
+    </p:tnLst>
+    <p:bldLst>
+      <p:bldP spid="7" grpId="0"/>
+      <p:bldP spid="9" grpId="0" uiExpand="1" build="p"/>
+    </p:bldLst>
+  </p:timing>
+</p:sld>
+</file>
+
+<file path=ppt/slides/slide16.xml><?xml version="1.0" encoding="utf-8"?>
+<p:sld xmlns:a="http://schemas.openxmlformats.org/drawingml/2006/main" xmlns:r="http://schemas.openxmlformats.org/officeDocument/2006/relationships" xmlns:p="http://schemas.openxmlformats.org/presentationml/2006/main">
+  <p:cSld>
+    <p:spTree>
+      <p:nvGrpSpPr>
+        <p:cNvPr id="1" name=""/>
+        <p:cNvGrpSpPr/>
+        <p:nvPr/>
+      </p:nvGrpSpPr>
+      <p:grpSpPr>
+        <a:xfrm>
+          <a:off x="0" y="0"/>
+          <a:ext cx="0" cy="0"/>
+          <a:chOff x="0" y="0"/>
+          <a:chExt cx="0" cy="0"/>
+        </a:xfrm>
+      </p:grpSpPr>
+      <p:sp>
+        <p:nvSpPr>
+          <p:cNvPr id="7" name="Title 6"/>
+          <p:cNvSpPr>
+            <a:spLocks noGrp="1"/>
+          </p:cNvSpPr>
+          <p:nvPr>
+            <p:ph type="title"/>
+          </p:nvPr>
+        </p:nvSpPr>
+        <p:spPr/>
+        <p:txBody>
+          <a:bodyPr>
+            <a:normAutofit/>
+          </a:bodyPr>
+          <a:lstStyle/>
+          <a:p>
+            <a:r>
+              <a:rPr lang="vi-VN" smtClean="0">
+                <a:latin typeface="Diavlo Medium" panose="02000000000000000000" pitchFamily="2" charset="0"/>
+                <a:cs typeface="Times New Roman" panose="02020603050405020304" pitchFamily="18" charset="0"/>
+              </a:rPr>
+              <a:t>Cách </a:t>
+            </a:r>
+            <a:r>
+              <a:rPr lang="vi-VN">
+                <a:latin typeface="Diavlo Medium" panose="02000000000000000000" pitchFamily="2" charset="0"/>
+                <a:cs typeface="Times New Roman" panose="02020603050405020304" pitchFamily="18" charset="0"/>
+              </a:rPr>
+              <a:t>phòng </a:t>
+            </a:r>
+            <a:r>
+              <a:rPr lang="vi-VN" smtClean="0">
+                <a:latin typeface="Diavlo Medium" panose="02000000000000000000" pitchFamily="2" charset="0"/>
+                <a:cs typeface="Times New Roman" panose="02020603050405020304" pitchFamily="18" charset="0"/>
+              </a:rPr>
+              <a:t>chống</a:t>
+            </a:r>
+            <a:endParaRPr lang="en-US">
+              <a:latin typeface="Diavlo Medium" panose="02000000000000000000" pitchFamily="2" charset="0"/>
+              <a:cs typeface="Times New Roman" panose="02020603050405020304" pitchFamily="18" charset="0"/>
+            </a:endParaRPr>
+          </a:p>
+        </p:txBody>
+      </p:sp>
+      <p:sp>
+        <p:nvSpPr>
+          <p:cNvPr id="9" name="Content Placeholder 8"/>
+          <p:cNvSpPr>
+            <a:spLocks noGrp="1"/>
+          </p:cNvSpPr>
+          <p:nvPr>
+            <p:ph idx="1"/>
+          </p:nvPr>
+        </p:nvSpPr>
+        <p:spPr>
+          <a:xfrm>
+            <a:off x="457200" y="999745"/>
+            <a:ext cx="8229600" cy="4105392"/>
+          </a:xfrm>
+        </p:spPr>
+        <p:txBody>
+          <a:bodyPr>
+            <a:normAutofit/>
+          </a:bodyPr>
+          <a:lstStyle/>
+          <a:p>
+            <a:pPr>
+              <a:buFont typeface="Wingdings" panose="05000000000000000000" pitchFamily="2" charset="2"/>
+              <a:buChar char="Ø"/>
+            </a:pPr>
+            <a:r>
+              <a:rPr lang="en-US">
+                <a:latin typeface="Diavlo Light" panose="02000000000000000000" pitchFamily="2" charset="0"/>
+                <a:cs typeface="Times New Roman" panose="02020603050405020304" pitchFamily="18" charset="0"/>
+              </a:rPr>
+              <a:t>Cách </a:t>
+            </a:r>
+            <a:r>
+              <a:rPr lang="vi-VN">
+                <a:latin typeface="Diavlo Light" panose="02000000000000000000" pitchFamily="2" charset="0"/>
+                <a:cs typeface="Times New Roman" panose="02020603050405020304" pitchFamily="18" charset="0"/>
+              </a:rPr>
+              <a:t>phát hiện được sniffer trên hệ thống mạng của </a:t>
+            </a:r>
+            <a:r>
+              <a:rPr lang="vi-VN" smtClean="0">
+                <a:latin typeface="Diavlo Light" panose="02000000000000000000" pitchFamily="2" charset="0"/>
+                <a:cs typeface="Times New Roman" panose="02020603050405020304" pitchFamily="18" charset="0"/>
+              </a:rPr>
+              <a:t>mình</a:t>
+            </a:r>
+            <a:r>
+              <a:rPr lang="en-US" smtClean="0">
+                <a:latin typeface="Diavlo Light" panose="02000000000000000000" pitchFamily="2" charset="0"/>
+                <a:cs typeface="Times New Roman" panose="02020603050405020304" pitchFamily="18" charset="0"/>
+              </a:rPr>
+              <a:t>:</a:t>
+            </a:r>
+            <a:endParaRPr lang="en-US">
+              <a:latin typeface="Diavlo Light" panose="02000000000000000000" pitchFamily="2" charset="0"/>
+              <a:cs typeface="Times New Roman" panose="02020603050405020304" pitchFamily="18" charset="0"/>
+            </a:endParaRPr>
+          </a:p>
+          <a:p>
+            <a:pPr marL="457200" lvl="1" indent="0">
+              <a:buNone/>
+            </a:pPr>
+            <a:r>
+              <a:rPr lang="vi-VN">
+                <a:latin typeface="Diavlo Light" panose="02000000000000000000" pitchFamily="2" charset="0"/>
+                <a:cs typeface="Times New Roman" panose="02020603050405020304" pitchFamily="18" charset="0"/>
+              </a:rPr>
+              <a:t>Khi đứng đơn lẻ trên 1 máy tính không có sự truyền thông tin thì sẽ không có dấu hiệu gì. Tuy nhiên nếu được cài đặt trên một máy tính không đơn lẻ và có sự truyền thông, bản thân sniffer sẽ phát sinh ra lưu lượng thông tin. Bạn có thể truy vấn ngược DNS để tìm thông tin liên quan đến những địa chỉ IP.</a:t>
+            </a:r>
+            <a:endParaRPr lang="en-US">
+              <a:latin typeface="Diavlo Light" panose="02000000000000000000" pitchFamily="2" charset="0"/>
+              <a:cs typeface="Times New Roman" panose="02020603050405020304" pitchFamily="18" charset="0"/>
+            </a:endParaRPr>
+          </a:p>
+          <a:p>
+            <a:pPr lvl="1">
+              <a:buFont typeface="Wingdings" panose="05000000000000000000" pitchFamily="2" charset="2"/>
+              <a:buChar char="Ø"/>
+            </a:pPr>
+            <a:endParaRPr lang="en-US">
+              <a:latin typeface="Diavlo Light" panose="02000000000000000000" pitchFamily="2" charset="0"/>
+              <a:cs typeface="Times New Roman" panose="02020603050405020304" pitchFamily="18" charset="0"/>
+            </a:endParaRPr>
+          </a:p>
+        </p:txBody>
+      </p:sp>
+    </p:spTree>
+    <p:extLst>
+      <p:ext uri="{BB962C8B-B14F-4D97-AF65-F5344CB8AC3E}">
+        <p14:creationId xmlns:p14="http://schemas.microsoft.com/office/powerpoint/2010/main" val="3670476449"/>
+      </p:ext>
+    </p:extLst>
+  </p:cSld>
+  <p:clrMapOvr>
+    <a:masterClrMapping/>
+  </p:clrMapOvr>
+  <p:timing>
+    <p:tnLst>
+      <p:par>
+        <p:cTn id="1" dur="indefinite" restart="never" nodeType="tmRoot">
+          <p:childTnLst>
+            <p:seq concurrent="1" nextAc="seek">
+              <p:cTn id="2" dur="indefinite" nodeType="mainSeq">
+                <p:childTnLst>
+                  <p:par>
+                    <p:cTn id="3" fill="hold">
+                      <p:stCondLst>
+                        <p:cond delay="indefinite"/>
+                        <p:cond evt="onBegin" delay="0">
+                          <p:tn val="2"/>
+                        </p:cond>
+                      </p:stCondLst>
+                      <p:childTnLst>
+                        <p:par>
+                          <p:cTn id="4" fill="hold">
+                            <p:stCondLst>
+                              <p:cond delay="0"/>
+                            </p:stCondLst>
+                            <p:childTnLst>
+                              <p:par>
+                                <p:cTn id="5" presetID="22" presetClass="entr" presetSubtype="8" fill="hold" grpId="0" nodeType="withEffect">
+                                  <p:stCondLst>
+                                    <p:cond delay="0"/>
+                                  </p:stCondLst>
+                                  <p:childTnLst>
+                                    <p:set>
+                                      <p:cBhvr>
+                                        <p:cTn id="6" dur="1" fill="hold">
+                                          <p:stCondLst>
+                                            <p:cond delay="0"/>
+                                          </p:stCondLst>
+                                        </p:cTn>
+                                        <p:tgtEl>
+                                          <p:spTgt spid="7"/>
+                                        </p:tgtEl>
+                                        <p:attrNameLst>
+                                          <p:attrName>style.visibility</p:attrName>
+                                        </p:attrNameLst>
+                                      </p:cBhvr>
+                                      <p:to>
+                                        <p:strVal val="visible"/>
+                                      </p:to>
+                                    </p:set>
+                                    <p:animEffect transition="in" filter="wipe(left)">
+                                      <p:cBhvr>
+                                        <p:cTn id="7" dur="500"/>
+                                        <p:tgtEl>
+                                          <p:spTgt spid="7"/>
+                                        </p:tgtEl>
+                                      </p:cBhvr>
+                                    </p:animEffect>
+                                  </p:childTnLst>
+                                </p:cTn>
+                              </p:par>
+                            </p:childTnLst>
+                          </p:cTn>
+                        </p:par>
+                        <p:par>
+                          <p:cTn id="8" fill="hold">
+                            <p:stCondLst>
+                              <p:cond delay="500"/>
+                            </p:stCondLst>
+                            <p:childTnLst>
+                              <p:par>
+                                <p:cTn id="9" presetID="10" presetClass="entr" presetSubtype="0" fill="hold" grpId="0" nodeType="afterEffect">
+                                  <p:stCondLst>
+                                    <p:cond delay="0"/>
+                                  </p:stCondLst>
+                                  <p:childTnLst>
+                                    <p:set>
+                                      <p:cBhvr>
+                                        <p:cTn id="10" dur="1" fill="hold">
+                                          <p:stCondLst>
+                                            <p:cond delay="0"/>
+                                          </p:stCondLst>
+                                        </p:cTn>
+                                        <p:tgtEl>
+                                          <p:spTgt spid="9">
+                                            <p:txEl>
+                                              <p:pRg st="0" end="0"/>
+                                            </p:txEl>
+                                          </p:spTgt>
+                                        </p:tgtEl>
+                                        <p:attrNameLst>
+                                          <p:attrName>style.visibility</p:attrName>
+                                        </p:attrNameLst>
+                                      </p:cBhvr>
+                                      <p:to>
+                                        <p:strVal val="visible"/>
+                                      </p:to>
+                                    </p:set>
+                                    <p:animEffect transition="in" filter="fade">
+                                      <p:cBhvr>
+                                        <p:cTn id="11" dur="500"/>
+                                        <p:tgtEl>
+                                          <p:spTgt spid="9">
+                                            <p:txEl>
+                                              <p:pRg st="0" end="0"/>
+                                            </p:txEl>
+                                          </p:spTgt>
+                                        </p:tgtEl>
+                                      </p:cBhvr>
+                                    </p:animEffect>
+                                  </p:childTnLst>
+                                </p:cTn>
+                              </p:par>
+                              <p:par>
+                                <p:cTn id="12" presetID="10" presetClass="entr" presetSubtype="0" fill="hold" grpId="0" nodeType="withEffect">
+                                  <p:stCondLst>
+                                    <p:cond delay="0"/>
+                                  </p:stCondLst>
+                                  <p:childTnLst>
+                                    <p:set>
+                                      <p:cBhvr>
+                                        <p:cTn id="13" dur="1" fill="hold">
+                                          <p:stCondLst>
+                                            <p:cond delay="0"/>
+                                          </p:stCondLst>
+                                        </p:cTn>
+                                        <p:tgtEl>
+                                          <p:spTgt spid="9">
+                                            <p:txEl>
+                                              <p:pRg st="1" end="1"/>
+                                            </p:txEl>
+                                          </p:spTgt>
+                                        </p:tgtEl>
+                                        <p:attrNameLst>
+                                          <p:attrName>style.visibility</p:attrName>
+                                        </p:attrNameLst>
+                                      </p:cBhvr>
+                                      <p:to>
+                                        <p:strVal val="visible"/>
+                                      </p:to>
+                                    </p:set>
+                                    <p:animEffect transition="in" filter="fade">
+                                      <p:cBhvr>
+                                        <p:cTn id="14" dur="500"/>
+                                        <p:tgtEl>
+                                          <p:spTgt spid="9">
+                                            <p:txEl>
+                                              <p:pRg st="1" end="1"/>
+                                            </p:txEl>
+                                          </p:spTgt>
+                                        </p:tgtEl>
+                                      </p:cBhvr>
+                                    </p:animEffect>
+                                  </p:childTnLst>
+                                </p:cTn>
+                              </p:par>
+                            </p:childTnLst>
+                          </p:cTn>
+                        </p:par>
+                      </p:childTnLst>
+                    </p:cTn>
+                  </p:par>
+                </p:childTnLst>
+              </p:cTn>
+              <p:prevCondLst>
+                <p:cond evt="onPrev" delay="0">
+                  <p:tgtEl>
+                    <p:sldTgt/>
+                  </p:tgtEl>
+                </p:cond>
+              </p:prevCondLst>
+              <p:nextCondLst>
+                <p:cond evt="onNext" delay="0">
+                  <p:tgtEl>
+                    <p:sldTgt/>
+                  </p:tgtEl>
+                </p:cond>
+              </p:nextCondLst>
+            </p:seq>
+          </p:childTnLst>
+        </p:cTn>
+      </p:par>
+    </p:tnLst>
+    <p:bldLst>
+      <p:bldP spid="7" grpId="0"/>
+      <p:bldP spid="9" grpId="0" uiExpand="1" build="p"/>
+    </p:bldLst>
+  </p:timing>
+</p:sld>
+</file>
+
+<file path=ppt/slides/slide17.xml><?xml version="1.0" encoding="utf-8"?>
+<p:sld xmlns:a="http://schemas.openxmlformats.org/drawingml/2006/main" xmlns:r="http://schemas.openxmlformats.org/officeDocument/2006/relationships" xmlns:p="http://schemas.openxmlformats.org/presentationml/2006/main">
+  <p:cSld>
+    <p:spTree>
+      <p:nvGrpSpPr>
+        <p:cNvPr id="1" name=""/>
+        <p:cNvGrpSpPr/>
+        <p:nvPr/>
+      </p:nvGrpSpPr>
+      <p:grpSpPr>
+        <a:xfrm>
+          <a:off x="0" y="0"/>
+          <a:ext cx="0" cy="0"/>
+          <a:chOff x="0" y="0"/>
+          <a:chExt cx="0" cy="0"/>
+        </a:xfrm>
+      </p:grpSpPr>
+      <p:sp>
+        <p:nvSpPr>
+          <p:cNvPr id="4" name="Title 3"/>
+          <p:cNvSpPr>
+            <a:spLocks noGrp="1"/>
+          </p:cNvSpPr>
+          <p:nvPr>
+            <p:ph type="title"/>
+          </p:nvPr>
+        </p:nvSpPr>
+        <p:spPr>
+          <a:xfrm>
+            <a:off x="395536" y="431036"/>
+            <a:ext cx="7128792" cy="3848356"/>
+          </a:xfrm>
+        </p:spPr>
+        <p:txBody>
+          <a:bodyPr/>
+          <a:lstStyle/>
+          <a:p>
+            <a:r>
+              <a:rPr lang="en-GB" dirty="0" smtClean="0">
+                <a:latin typeface="Diavlo Light" panose="02000000000000000000" pitchFamily="2" charset="0"/>
+              </a:rPr>
+              <a:t>Thank you</a:t>
+            </a:r>
+            <a:br>
+              <a:rPr lang="en-GB" dirty="0" smtClean="0">
+                <a:latin typeface="Diavlo Light" panose="02000000000000000000" pitchFamily="2" charset="0"/>
+              </a:rPr>
+            </a:br>
+            <a:r>
+              <a:rPr lang="en-GB" dirty="0" smtClean="0">
+                <a:solidFill>
+                  <a:srgbClr val="34312E"/>
+                </a:solidFill>
+                <a:latin typeface="Diavlo Light" panose="02000000000000000000" pitchFamily="2" charset="0"/>
+              </a:rPr>
+              <a:t>that’s it</a:t>
+            </a:r>
+            <a:br>
+              <a:rPr lang="en-GB" dirty="0" smtClean="0">
+                <a:solidFill>
+                  <a:srgbClr val="34312E"/>
+                </a:solidFill>
+                <a:latin typeface="Diavlo Light" panose="02000000000000000000" pitchFamily="2" charset="0"/>
+              </a:rPr>
+            </a:br>
+            <a:r>
+              <a:rPr lang="en-GB" smtClean="0">
+                <a:solidFill>
+                  <a:srgbClr val="34312E"/>
+                </a:solidFill>
+                <a:latin typeface="Diavlo Light" panose="02000000000000000000" pitchFamily="2" charset="0"/>
+              </a:rPr>
+              <a:t>for now for demo</a:t>
+            </a:r>
+            <a:endParaRPr lang="en-GB" dirty="0">
+              <a:solidFill>
+                <a:srgbClr val="34312E"/>
+              </a:solidFill>
+              <a:latin typeface="Diavlo Light" panose="02000000000000000000" pitchFamily="2" charset="0"/>
+            </a:endParaRPr>
+          </a:p>
+        </p:txBody>
+      </p:sp>
+      <p:pic>
+        <p:nvPicPr>
+          <p:cNvPr id="3" name="Picture Placeholder 2"/>
+          <p:cNvPicPr>
+            <a:picLocks noGrp="1" noChangeAspect="1"/>
+          </p:cNvPicPr>
+          <p:nvPr>
+            <p:ph type="pic" sz="quarter" idx="10"/>
+          </p:nvPr>
+        </p:nvPicPr>
+        <p:blipFill>
+          <a:blip r:embed="rId2">
+            <a:extLst>
+              <a:ext uri="{28A0092B-C50C-407E-A947-70E740481C1C}">
+                <a14:useLocalDpi xmlns:a14="http://schemas.microsoft.com/office/drawing/2010/main" val="0"/>
+              </a:ext>
+            </a:extLst>
+          </a:blip>
+          <a:srcRect l="42466" r="42466"/>
+          <a:stretch>
+            <a:fillRect/>
+          </a:stretch>
+        </p:blipFill>
+        <p:spPr/>
+      </p:pic>
+    </p:spTree>
+    <p:extLst>
+      <p:ext uri="{BB962C8B-B14F-4D97-AF65-F5344CB8AC3E}">
+        <p14:creationId xmlns:p14="http://schemas.microsoft.com/office/powerpoint/2010/main" val="2714980414"/>
+      </p:ext>
+    </p:extLst>
+  </p:cSld>
+  <p:clrMapOvr>
+    <a:masterClrMapping/>
+  </p:clrMapOvr>
+  <p:timing>
+    <p:tnLst>
+      <p:par>
+        <p:cTn id="1" dur="indefinite" restart="never" nodeType="tmRoot">
+          <p:childTnLst>
+            <p:seq concurrent="1" nextAc="seek">
+              <p:cTn id="2" dur="indefinite" nodeType="mainSeq">
+                <p:childTnLst>
+                  <p:par>
+                    <p:cTn id="3" fill="hold">
+                      <p:stCondLst>
+                        <p:cond delay="indefinite"/>
+                        <p:cond evt="onBegin" delay="0">
+                          <p:tn val="2"/>
+                        </p:cond>
+                      </p:stCondLst>
+                      <p:childTnLst>
+                        <p:par>
+                          <p:cTn id="4" fill="hold">
+                            <p:stCondLst>
+                              <p:cond delay="0"/>
+                            </p:stCondLst>
+                            <p:childTnLst>
+                              <p:par>
+                                <p:cTn id="5" presetID="22" presetClass="entr" presetSubtype="8" fill="hold" grpId="0" nodeType="withEffect">
+                                  <p:stCondLst>
+                                    <p:cond delay="0"/>
+                                  </p:stCondLst>
+                                  <p:iterate type="wd">
+                                    <p:tmPct val="10000"/>
+                                  </p:iterate>
+                                  <p:childTnLst>
+                                    <p:set>
+                                      <p:cBhvr>
+                                        <p:cTn id="6" dur="1" fill="hold">
+                                          <p:stCondLst>
+                                            <p:cond delay="0"/>
+                                          </p:stCondLst>
+                                        </p:cTn>
+                                        <p:tgtEl>
+                                          <p:spTgt spid="4"/>
+                                        </p:tgtEl>
+                                        <p:attrNameLst>
+                                          <p:attrName>style.visibility</p:attrName>
+                                        </p:attrNameLst>
+                                      </p:cBhvr>
+                                      <p:to>
+                                        <p:strVal val="visible"/>
+                                      </p:to>
+                                    </p:set>
+                                    <p:animEffect transition="in" filter="wipe(left)">
+                                      <p:cBhvr>
+                                        <p:cTn id="7" dur="500"/>
+                                        <p:tgtEl>
+                                          <p:spTgt spid="4"/>
+                                        </p:tgtEl>
+                                      </p:cBhvr>
+                                    </p:animEffect>
+                                  </p:childTnLst>
+                                </p:cTn>
+                              </p:par>
+                            </p:childTnLst>
+                          </p:cTn>
+                        </p:par>
+                      </p:childTnLst>
+                    </p:cTn>
+                  </p:par>
+                </p:childTnLst>
+              </p:cTn>
+              <p:prevCondLst>
+                <p:cond evt="onPrev" delay="0">
+                  <p:tgtEl>
+                    <p:sldTgt/>
+                  </p:tgtEl>
+                </p:cond>
+              </p:prevCondLst>
+              <p:nextCondLst>
+                <p:cond evt="onNext" delay="0">
+                  <p:tgtEl>
+                    <p:sldTgt/>
+                  </p:tgtEl>
+                </p:cond>
+              </p:nextCondLst>
+            </p:seq>
+          </p:childTnLst>
+        </p:cTn>
+      </p:par>
+    </p:tnLst>
+    <p:bldLst>
+      <p:bldP spid="4" grpId="0"/>
+    </p:bldLst>
+  </p:timing>
+</p:sld>
+</file>
+
+<file path=ppt/slides/slide2.xml><?xml version="1.0" encoding="utf-8"?>
+<p:sld xmlns:a="http://schemas.openxmlformats.org/drawingml/2006/main" xmlns:r="http://schemas.openxmlformats.org/officeDocument/2006/relationships" xmlns:p="http://schemas.openxmlformats.org/presentationml/2006/main">
+  <p:cSld>
+    <p:spTree>
+      <p:nvGrpSpPr>
+        <p:cNvPr id="1" name=""/>
+        <p:cNvGrpSpPr/>
+        <p:nvPr/>
+      </p:nvGrpSpPr>
+      <p:grpSpPr>
+        <a:xfrm>
+          <a:off x="0" y="0"/>
+          <a:ext cx="0" cy="0"/>
+          <a:chOff x="0" y="0"/>
+          <a:chExt cx="0" cy="0"/>
+        </a:xfrm>
+      </p:grpSpPr>
+      <p:sp>
+        <p:nvSpPr>
+          <p:cNvPr id="2" name="Title 1"/>
+          <p:cNvSpPr>
+            <a:spLocks noGrp="1"/>
+          </p:cNvSpPr>
+          <p:nvPr>
+            <p:ph type="title"/>
+          </p:nvPr>
+        </p:nvSpPr>
+        <p:spPr/>
+        <p:txBody>
+          <a:bodyPr>
+            <a:normAutofit/>
+          </a:bodyPr>
+          <a:lstStyle/>
+          <a:p>
+            <a:r>
+              <a:rPr lang="en-US">
+                <a:latin typeface="Diavlo Medium" panose="02000000000000000000" pitchFamily="2" charset="0"/>
+                <a:ea typeface="+mn-ea"/>
+                <a:cs typeface="+mn-cs"/>
+              </a:rPr>
+              <a:t>Thành viên</a:t>
+            </a:r>
+          </a:p>
+        </p:txBody>
+      </p:sp>
+      <p:sp>
+        <p:nvSpPr>
+          <p:cNvPr id="3" name="Content Placeholder 2"/>
+          <p:cNvSpPr>
+            <a:spLocks noGrp="1"/>
+          </p:cNvSpPr>
+          <p:nvPr>
+            <p:ph idx="1"/>
+          </p:nvPr>
+        </p:nvSpPr>
+        <p:spPr>
+          <a:xfrm>
+            <a:off x="432816" y="1426099"/>
+            <a:ext cx="8229600" cy="3471773"/>
+          </a:xfrm>
+        </p:spPr>
+        <p:txBody>
+          <a:bodyPr>
+            <a:normAutofit/>
+          </a:bodyPr>
+          <a:lstStyle/>
+          <a:p>
+            <a:pPr marL="342900" lvl="1" indent="-342900" defTabSz="913022" fontAlgn="base">
+              <a:lnSpc>
+                <a:spcPct val="90000"/>
+              </a:lnSpc>
+              <a:spcBef>
+                <a:spcPts val="1200"/>
+              </a:spcBef>
+              <a:buClr>
+                <a:srgbClr val="FFFFFF"/>
+              </a:buClr>
+              <a:buSzPct val="130000"/>
+              <a:buFont typeface="Wingdings" panose="05000000000000000000" pitchFamily="2" charset="2"/>
+              <a:buChar char="q"/>
+            </a:pPr>
+            <a:r>
+              <a:rPr lang="en-US" sz="2600" smtClean="0">
+                <a:solidFill>
+                  <a:srgbClr val="797A7D"/>
+                </a:solidFill>
+                <a:latin typeface="Diavlo Light" panose="02000000000000000000" pitchFamily="2" charset="0"/>
+              </a:rPr>
+              <a:t>1. Trịnh Thái Anh</a:t>
+            </a:r>
+            <a:endParaRPr lang="vi-VN" sz="2600" smtClean="0">
+              <a:solidFill>
+                <a:srgbClr val="797A7D"/>
+              </a:solidFill>
+            </a:endParaRPr>
+          </a:p>
+          <a:p>
+            <a:pPr marL="342900" lvl="1" indent="-342900" defTabSz="913022" fontAlgn="base">
+              <a:lnSpc>
+                <a:spcPct val="90000"/>
+              </a:lnSpc>
+              <a:spcBef>
+                <a:spcPts val="1200"/>
+              </a:spcBef>
+              <a:buClr>
+                <a:srgbClr val="FFFFFF"/>
+              </a:buClr>
+              <a:buSzPct val="130000"/>
+              <a:buFont typeface="Wingdings" panose="05000000000000000000" pitchFamily="2" charset="2"/>
+              <a:buChar char="q"/>
+            </a:pPr>
+            <a:r>
+              <a:rPr lang="en-US" sz="2600" smtClean="0">
+                <a:solidFill>
+                  <a:srgbClr val="797A7D"/>
+                </a:solidFill>
+                <a:latin typeface="Diavlo Light" panose="02000000000000000000" pitchFamily="2" charset="0"/>
+              </a:rPr>
+              <a:t>2. Lê Ngọc Châu</a:t>
+            </a:r>
+            <a:endParaRPr lang="vi-VN" sz="2600" smtClean="0">
+              <a:solidFill>
+                <a:srgbClr val="797A7D"/>
+              </a:solidFill>
+            </a:endParaRPr>
+          </a:p>
+          <a:p>
+            <a:pPr marL="342900" lvl="1" indent="-342900" defTabSz="913022" fontAlgn="base">
+              <a:lnSpc>
+                <a:spcPct val="90000"/>
+              </a:lnSpc>
+              <a:spcBef>
+                <a:spcPts val="1200"/>
+              </a:spcBef>
+              <a:buClr>
+                <a:srgbClr val="FFFFFF"/>
+              </a:buClr>
+              <a:buSzPct val="130000"/>
+              <a:buFont typeface="Wingdings" panose="05000000000000000000" pitchFamily="2" charset="2"/>
+              <a:buChar char="q"/>
+            </a:pPr>
+            <a:r>
+              <a:rPr lang="en-US" sz="2600" smtClean="0">
+                <a:solidFill>
+                  <a:srgbClr val="797A7D"/>
+                </a:solidFill>
+                <a:latin typeface="Diavlo Light" panose="02000000000000000000" pitchFamily="2" charset="0"/>
+              </a:rPr>
+              <a:t>3. Khấu Thành Đạo</a:t>
+            </a:r>
+          </a:p>
+          <a:p>
+            <a:pPr marL="342900" lvl="1" indent="-342900" defTabSz="913022" fontAlgn="base">
+              <a:lnSpc>
+                <a:spcPct val="90000"/>
+              </a:lnSpc>
+              <a:spcBef>
+                <a:spcPts val="1200"/>
+              </a:spcBef>
+              <a:buClr>
+                <a:srgbClr val="FFFFFF"/>
+              </a:buClr>
+              <a:buSzPct val="130000"/>
+              <a:buFont typeface="Wingdings" panose="05000000000000000000" pitchFamily="2" charset="2"/>
+              <a:buChar char="q"/>
+            </a:pPr>
+            <a:r>
+              <a:rPr lang="en-US" sz="2600" smtClean="0">
+                <a:solidFill>
+                  <a:srgbClr val="797A7D"/>
+                </a:solidFill>
+                <a:latin typeface="Diavlo Light" panose="02000000000000000000" pitchFamily="2" charset="0"/>
+              </a:rPr>
+              <a:t>4. Huỳnh Trọng Khang</a:t>
+            </a:r>
+            <a:endParaRPr lang="vi-VN" sz="2600" smtClean="0">
+              <a:solidFill>
+                <a:srgbClr val="797A7D"/>
+              </a:solidFill>
+            </a:endParaRPr>
+          </a:p>
+          <a:p>
+            <a:pPr marL="342900" lvl="1" indent="-342900" defTabSz="913022" fontAlgn="base">
+              <a:lnSpc>
+                <a:spcPct val="90000"/>
+              </a:lnSpc>
+              <a:spcBef>
+                <a:spcPts val="1200"/>
+              </a:spcBef>
+              <a:buClr>
+                <a:srgbClr val="FFFFFF"/>
+              </a:buClr>
+              <a:buSzPct val="130000"/>
+              <a:buFont typeface="Wingdings" panose="05000000000000000000" pitchFamily="2" charset="2"/>
+              <a:buChar char="q"/>
+            </a:pPr>
+            <a:r>
+              <a:rPr lang="en-US" sz="2600" smtClean="0">
+                <a:solidFill>
+                  <a:srgbClr val="797A7D"/>
+                </a:solidFill>
+                <a:latin typeface="Diavlo Light" panose="02000000000000000000" pitchFamily="2" charset="0"/>
+              </a:rPr>
+              <a:t>5. Tạ Ngọc Thiên Phú</a:t>
+            </a:r>
+            <a:endParaRPr lang="vi-VN" sz="2600" smtClean="0">
+              <a:solidFill>
+                <a:srgbClr val="797A7D"/>
+              </a:solidFill>
+            </a:endParaRPr>
+          </a:p>
+          <a:p>
+            <a:pPr marL="342900" lvl="1" indent="-342900" defTabSz="913022" fontAlgn="base">
+              <a:lnSpc>
+                <a:spcPct val="90000"/>
+              </a:lnSpc>
+              <a:spcBef>
+                <a:spcPts val="1200"/>
+              </a:spcBef>
+              <a:buClr>
+                <a:srgbClr val="FFFFFF"/>
+              </a:buClr>
+              <a:buSzPct val="130000"/>
+              <a:buFont typeface="Wingdings" panose="05000000000000000000" pitchFamily="2" charset="2"/>
+              <a:buChar char="q"/>
+            </a:pPr>
+            <a:r>
+              <a:rPr lang="en-US" sz="2600" smtClean="0">
+                <a:solidFill>
+                  <a:srgbClr val="797A7D"/>
+                </a:solidFill>
+                <a:latin typeface="Diavlo Light" panose="02000000000000000000" pitchFamily="2" charset="0"/>
+              </a:rPr>
+              <a:t>6. </a:t>
+            </a:r>
+            <a:r>
+              <a:rPr lang="vi-VN" sz="2600" smtClean="0">
+                <a:solidFill>
+                  <a:srgbClr val="797A7D"/>
+                </a:solidFill>
+                <a:latin typeface="Diavlo Light" panose="02000000000000000000" pitchFamily="2" charset="0"/>
+              </a:rPr>
+              <a:t>Nguy</a:t>
+            </a:r>
+            <a:r>
+              <a:rPr lang="en-US" sz="2600" smtClean="0">
+                <a:solidFill>
+                  <a:srgbClr val="797A7D"/>
+                </a:solidFill>
+                <a:latin typeface="Diavlo Light" panose="02000000000000000000" pitchFamily="2" charset="0"/>
+              </a:rPr>
+              <a:t>ễ</a:t>
+            </a:r>
+            <a:r>
+              <a:rPr lang="vi-VN" sz="2600" smtClean="0">
+                <a:solidFill>
+                  <a:srgbClr val="797A7D"/>
+                </a:solidFill>
+                <a:latin typeface="Diavlo Light" panose="02000000000000000000" pitchFamily="2" charset="0"/>
+              </a:rPr>
+              <a:t>n Ho</a:t>
+            </a:r>
+            <a:r>
+              <a:rPr lang="en-US" sz="2600" smtClean="0">
+                <a:solidFill>
+                  <a:srgbClr val="797A7D"/>
+                </a:solidFill>
+                <a:latin typeface="Diavlo Light" panose="02000000000000000000" pitchFamily="2" charset="0"/>
+              </a:rPr>
+              <a:t>à</a:t>
+            </a:r>
+            <a:r>
+              <a:rPr lang="vi-VN" sz="2600" smtClean="0">
+                <a:solidFill>
+                  <a:srgbClr val="797A7D"/>
+                </a:solidFill>
+                <a:latin typeface="Diavlo Light" panose="02000000000000000000" pitchFamily="2" charset="0"/>
+              </a:rPr>
+              <a:t>ng Fa Th</a:t>
+            </a:r>
+            <a:r>
+              <a:rPr lang="en-US" sz="2600" smtClean="0">
+                <a:solidFill>
+                  <a:srgbClr val="797A7D"/>
+                </a:solidFill>
+                <a:latin typeface="Diavlo Light" panose="02000000000000000000" pitchFamily="2" charset="0"/>
+              </a:rPr>
+              <a:t>ứ</a:t>
+            </a:r>
+            <a:endParaRPr lang="en-US" sz="2600">
+              <a:solidFill>
+                <a:srgbClr val="797A7D"/>
+              </a:solidFill>
+              <a:latin typeface="Diavlo Light" panose="02000000000000000000" pitchFamily="2" charset="0"/>
+            </a:endParaRPr>
+          </a:p>
+        </p:txBody>
+      </p:sp>
+      <p:pic>
+        <p:nvPicPr>
+          <p:cNvPr id="4" name="Picture 3"/>
+          <p:cNvPicPr>
+            <a:picLocks noChangeAspect="1"/>
+          </p:cNvPicPr>
+          <p:nvPr/>
+        </p:nvPicPr>
+        <p:blipFill>
+          <a:blip r:embed="rId2">
+            <a:extLst>
+              <a:ext uri="{28A0092B-C50C-407E-A947-70E740481C1C}">
+                <a14:useLocalDpi xmlns:a14="http://schemas.microsoft.com/office/drawing/2010/main" val="0"/>
+              </a:ext>
+            </a:extLst>
+          </a:blip>
+          <a:stretch>
+            <a:fillRect/>
+          </a:stretch>
+        </p:blipFill>
+        <p:spPr>
+          <a:xfrm>
+            <a:off x="4547616" y="1426099"/>
+            <a:ext cx="3938016" cy="2889869"/>
+          </a:xfrm>
+          <a:prstGeom prst="rect">
+            <a:avLst/>
+          </a:prstGeom>
+        </p:spPr>
+      </p:pic>
+    </p:spTree>
+    <p:extLst>
+      <p:ext uri="{BB962C8B-B14F-4D97-AF65-F5344CB8AC3E}">
+        <p14:creationId xmlns:p14="http://schemas.microsoft.com/office/powerpoint/2010/main" val="2914690786"/>
+      </p:ext>
+    </p:extLst>
+  </p:cSld>
+  <p:clrMapOvr>
+    <a:masterClrMapping/>
+  </p:clrMapOvr>
+  <mc:AlternateContent xmlns:mc="http://schemas.openxmlformats.org/markup-compatibility/2006" xmlns:p14="http://schemas.microsoft.com/office/powerpoint/2010/main">
+    <mc:Choice Requires="p14">
+      <p:transition spd="slow" p14:dur="3900">
+        <p14:glitter pattern="hexagon"/>
+      </p:transition>
+    </mc:Choice>
+    <mc:Fallback xmlns="">
+      <p:transition spd="slow">
+        <p:fade/>
+      </p:transition>
+    </mc:Fallback>
+  </mc:AlternateContent>
+  <p:timing>
+    <p:tnLst>
+      <p:par>
+        <p:cTn id="1" dur="indefinite" restart="never" nodeType="tmRoot"/>
+      </p:par>
+    </p:tnLst>
+  </p:timing>
+</p:sld>
+</file>
+
+<file path=ppt/slides/slide3.xml><?xml version="1.0" encoding="utf-8"?>
+<p:sld xmlns:a="http://schemas.openxmlformats.org/drawingml/2006/main" xmlns:r="http://schemas.openxmlformats.org/officeDocument/2006/relationships" xmlns:p="http://schemas.openxmlformats.org/presentationml/2006/main">
+  <p:cSld>
+    <p:spTree>
+      <p:nvGrpSpPr>
+        <p:cNvPr id="1" name=""/>
+        <p:cNvGrpSpPr/>
+        <p:nvPr/>
+      </p:nvGrpSpPr>
+      <p:grpSpPr>
+        <a:xfrm>
+          <a:off x="0" y="0"/>
+          <a:ext cx="0" cy="0"/>
+          <a:chOff x="0" y="0"/>
+          <a:chExt cx="0" cy="0"/>
+        </a:xfrm>
+      </p:grpSpPr>
+      <p:sp>
+        <p:nvSpPr>
+          <p:cNvPr id="7" name="Title 6"/>
+          <p:cNvSpPr>
+            <a:spLocks noGrp="1"/>
+          </p:cNvSpPr>
+          <p:nvPr>
+            <p:ph type="title"/>
+          </p:nvPr>
+        </p:nvSpPr>
+        <p:spPr/>
+        <p:txBody>
+          <a:bodyPr>
+            <a:normAutofit/>
+          </a:bodyPr>
+          <a:lstStyle/>
+          <a:p>
+            <a:r>
+              <a:rPr lang="en-GB">
+                <a:latin typeface="Diavlo Medium" panose="02000000000000000000" pitchFamily="2" charset="0"/>
+                <a:ea typeface="+mn-ea"/>
+                <a:cs typeface="Times New Roman" panose="02020603050405020304" pitchFamily="18" charset="0"/>
+              </a:rPr>
+              <a:t>Nội Dung</a:t>
+            </a:r>
+            <a:endParaRPr lang="en-GB" dirty="0">
+              <a:latin typeface="Diavlo Medium" panose="02000000000000000000" pitchFamily="2" charset="0"/>
+              <a:ea typeface="+mn-ea"/>
+              <a:cs typeface="Times New Roman" panose="02020603050405020304" pitchFamily="18" charset="0"/>
+            </a:endParaRPr>
+          </a:p>
+        </p:txBody>
+      </p:sp>
+      <p:sp>
+        <p:nvSpPr>
+          <p:cNvPr id="9" name="Content Placeholder 8"/>
+          <p:cNvSpPr>
+            <a:spLocks noGrp="1"/>
+          </p:cNvSpPr>
+          <p:nvPr>
+            <p:ph idx="1"/>
+          </p:nvPr>
+        </p:nvSpPr>
+        <p:spPr>
+          <a:xfrm>
+            <a:off x="457200" y="999745"/>
+            <a:ext cx="8229600" cy="4105392"/>
+          </a:xfrm>
+        </p:spPr>
+        <p:txBody>
+          <a:bodyPr>
+            <a:normAutofit/>
+          </a:bodyPr>
+          <a:lstStyle/>
+          <a:p>
+            <a:pPr>
+              <a:buFont typeface="Wingdings" panose="05000000000000000000" pitchFamily="2" charset="2"/>
+              <a:buChar char="Ø"/>
+            </a:pPr>
+            <a:r>
+              <a:rPr lang="en-US" sz="3000" smtClean="0">
+                <a:latin typeface="Diavlo Light" panose="02000000000000000000" pitchFamily="2" charset="0"/>
+                <a:cs typeface="Times New Roman" panose="02020603050405020304" pitchFamily="18" charset="0"/>
+              </a:rPr>
+              <a:t>Giới thiệu c</a:t>
+            </a:r>
+            <a:r>
+              <a:rPr lang="vi-VN" sz="3000" smtClean="0">
+                <a:latin typeface="Diavlo Light" panose="02000000000000000000" pitchFamily="2" charset="0"/>
+                <a:cs typeface="Times New Roman" panose="02020603050405020304" pitchFamily="18" charset="0"/>
+              </a:rPr>
+              <a:t>ơ bản về Cain and Abel</a:t>
+            </a:r>
+            <a:endParaRPr lang="en-US" sz="3000" smtClean="0">
+              <a:latin typeface="Diavlo Light" panose="02000000000000000000" pitchFamily="2" charset="0"/>
+              <a:cs typeface="Times New Roman" panose="02020603050405020304" pitchFamily="18" charset="0"/>
+            </a:endParaRPr>
+          </a:p>
+          <a:p>
+            <a:pPr>
+              <a:buFont typeface="Wingdings" panose="05000000000000000000" pitchFamily="2" charset="2"/>
+              <a:buChar char="Ø"/>
+            </a:pPr>
+            <a:r>
+              <a:rPr lang="vi-VN" sz="3000" smtClean="0">
+                <a:latin typeface="Diavlo Light" panose="02000000000000000000" pitchFamily="2" charset="0"/>
+                <a:cs typeface="Times New Roman" panose="02020603050405020304" pitchFamily="18" charset="0"/>
+              </a:rPr>
+              <a:t>Cách </a:t>
+            </a:r>
+            <a:r>
+              <a:rPr lang="vi-VN" sz="3000" smtClean="0">
+                <a:latin typeface="Diavlo Light" panose="02000000000000000000" pitchFamily="2" charset="0"/>
+                <a:cs typeface="Times New Roman" panose="02020603050405020304" pitchFamily="18" charset="0"/>
+              </a:rPr>
+              <a:t>phòng chống</a:t>
+            </a:r>
+            <a:r>
+              <a:rPr lang="en-US" sz="3000" smtClean="0">
+                <a:latin typeface="Diavlo Light" panose="02000000000000000000" pitchFamily="2" charset="0"/>
+                <a:cs typeface="Times New Roman" panose="02020603050405020304" pitchFamily="18" charset="0"/>
+              </a:rPr>
+              <a:t>.</a:t>
+            </a:r>
+          </a:p>
+          <a:p>
+            <a:pPr>
+              <a:buFont typeface="Wingdings" panose="05000000000000000000" pitchFamily="2" charset="2"/>
+              <a:buChar char="Ø"/>
+            </a:pPr>
+            <a:r>
+              <a:rPr lang="vi-VN" sz="3000" smtClean="0">
+                <a:latin typeface="Diavlo Light" panose="02000000000000000000" pitchFamily="2" charset="0"/>
+                <a:cs typeface="Times New Roman" panose="02020603050405020304" pitchFamily="18" charset="0"/>
+              </a:rPr>
+              <a:t>Demo</a:t>
+            </a:r>
+            <a:r>
+              <a:rPr lang="en-US" sz="3000" smtClean="0">
+                <a:latin typeface="Diavlo Light" panose="02000000000000000000" pitchFamily="2" charset="0"/>
+                <a:cs typeface="Times New Roman" panose="02020603050405020304" pitchFamily="18" charset="0"/>
+              </a:rPr>
+              <a:t>.</a:t>
+            </a:r>
+            <a:endParaRPr lang="en-GB" sz="3000" dirty="0">
+              <a:latin typeface="Diavlo Light" panose="02000000000000000000" pitchFamily="2" charset="0"/>
+              <a:cs typeface="Times New Roman" panose="02020603050405020304" pitchFamily="18" charset="0"/>
+            </a:endParaRPr>
+          </a:p>
+        </p:txBody>
+      </p:sp>
+      <p:pic>
+        <p:nvPicPr>
+          <p:cNvPr id="2" name="Picture 1"/>
+          <p:cNvPicPr>
+            <a:picLocks noChangeAspect="1"/>
+          </p:cNvPicPr>
+          <p:nvPr/>
+        </p:nvPicPr>
+        <p:blipFill>
+          <a:blip r:embed="rId2">
+            <a:extLst>
+              <a:ext uri="{28A0092B-C50C-407E-A947-70E740481C1C}">
+                <a14:useLocalDpi xmlns:a14="http://schemas.microsoft.com/office/drawing/2010/main" val="0"/>
+              </a:ext>
+            </a:extLst>
+          </a:blip>
+          <a:stretch>
+            <a:fillRect/>
+          </a:stretch>
+        </p:blipFill>
+        <p:spPr>
+          <a:xfrm>
+            <a:off x="4084320" y="1511809"/>
+            <a:ext cx="4730496" cy="3873744"/>
+          </a:xfrm>
+          <a:prstGeom prst="rect">
+            <a:avLst/>
+          </a:prstGeom>
+        </p:spPr>
+      </p:pic>
+    </p:spTree>
+    <p:extLst>
+      <p:ext uri="{BB962C8B-B14F-4D97-AF65-F5344CB8AC3E}">
+        <p14:creationId xmlns:p14="http://schemas.microsoft.com/office/powerpoint/2010/main" val="3519353775"/>
+      </p:ext>
+    </p:extLst>
+  </p:cSld>
+  <p:clrMapOvr>
+    <a:masterClrMapping/>
+  </p:clrMapOvr>
+  <p:timing>
+    <p:tnLst>
+      <p:par>
+        <p:cTn id="1" dur="indefinite" restart="never" nodeType="tmRoot">
+          <p:childTnLst>
+            <p:seq concurrent="1" nextAc="seek">
+              <p:cTn id="2" dur="indefinite" nodeType="mainSeq">
+                <p:childTnLst>
+                  <p:par>
+                    <p:cTn id="3" fill="hold">
+                      <p:stCondLst>
+                        <p:cond delay="indefinite"/>
+                        <p:cond evt="onBegin" delay="0">
+                          <p:tn val="2"/>
+                        </p:cond>
+                      </p:stCondLst>
+                      <p:childTnLst>
+                        <p:par>
+                          <p:cTn id="4" fill="hold">
+                            <p:stCondLst>
+                              <p:cond delay="0"/>
+                            </p:stCondLst>
+                            <p:childTnLst>
+                              <p:par>
+                                <p:cTn id="5" presetID="22" presetClass="entr" presetSubtype="8" fill="hold" grpId="0" nodeType="withEffect">
+                                  <p:stCondLst>
+                                    <p:cond delay="0"/>
+                                  </p:stCondLst>
+                                  <p:childTnLst>
+                                    <p:set>
+                                      <p:cBhvr>
+                                        <p:cTn id="6" dur="1" fill="hold">
+                                          <p:stCondLst>
+                                            <p:cond delay="0"/>
+                                          </p:stCondLst>
+                                        </p:cTn>
+                                        <p:tgtEl>
+                                          <p:spTgt spid="7"/>
+                                        </p:tgtEl>
+                                        <p:attrNameLst>
+                                          <p:attrName>style.visibility</p:attrName>
+                                        </p:attrNameLst>
+                                      </p:cBhvr>
+                                      <p:to>
+                                        <p:strVal val="visible"/>
+                                      </p:to>
+                                    </p:set>
+                                    <p:animEffect transition="in" filter="wipe(left)">
+                                      <p:cBhvr>
+                                        <p:cTn id="7" dur="500"/>
+                                        <p:tgtEl>
+                                          <p:spTgt spid="7"/>
+                                        </p:tgtEl>
+                                      </p:cBhvr>
+                                    </p:animEffect>
+                                  </p:childTnLst>
+                                </p:cTn>
+                              </p:par>
+                            </p:childTnLst>
+                          </p:cTn>
+                        </p:par>
+                        <p:par>
+                          <p:cTn id="8" fill="hold">
+                            <p:stCondLst>
+                              <p:cond delay="500"/>
+                            </p:stCondLst>
+                            <p:childTnLst>
+                              <p:par>
+                                <p:cTn id="9" presetID="10" presetClass="entr" presetSubtype="0" fill="hold" nodeType="afterEffect">
+                                  <p:stCondLst>
+                                    <p:cond delay="0"/>
+                                  </p:stCondLst>
+                                  <p:childTnLst>
+                                    <p:set>
+                                      <p:cBhvr>
+                                        <p:cTn id="10" dur="1" fill="hold">
+                                          <p:stCondLst>
+                                            <p:cond delay="0"/>
+                                          </p:stCondLst>
+                                        </p:cTn>
+                                        <p:tgtEl>
+                                          <p:spTgt spid="9">
+                                            <p:txEl>
+                                              <p:pRg st="0" end="0"/>
+                                            </p:txEl>
+                                          </p:spTgt>
+                                        </p:tgtEl>
+                                        <p:attrNameLst>
+                                          <p:attrName>style.visibility</p:attrName>
+                                        </p:attrNameLst>
+                                      </p:cBhvr>
+                                      <p:to>
+                                        <p:strVal val="visible"/>
+                                      </p:to>
+                                    </p:set>
+                                    <p:animEffect transition="in" filter="fade">
+                                      <p:cBhvr>
+                                        <p:cTn id="11" dur="500"/>
+                                        <p:tgtEl>
+                                          <p:spTgt spid="9">
+                                            <p:txEl>
+                                              <p:pRg st="0" end="0"/>
+                                            </p:txEl>
+                                          </p:spTgt>
+                                        </p:tgtEl>
+                                      </p:cBhvr>
+                                    </p:animEffect>
+                                  </p:childTnLst>
+                                </p:cTn>
+                              </p:par>
+                              <p:par>
+                                <p:cTn id="12" presetID="10" presetClass="entr" presetSubtype="0" fill="hold" nodeType="withEffect">
+                                  <p:stCondLst>
+                                    <p:cond delay="0"/>
+                                  </p:stCondLst>
+                                  <p:childTnLst>
+                                    <p:set>
+                                      <p:cBhvr>
+                                        <p:cTn id="13" dur="1" fill="hold">
+                                          <p:stCondLst>
+                                            <p:cond delay="0"/>
+                                          </p:stCondLst>
+                                        </p:cTn>
+                                        <p:tgtEl>
+                                          <p:spTgt spid="9">
+                                            <p:txEl>
+                                              <p:pRg st="1" end="1"/>
+                                            </p:txEl>
+                                          </p:spTgt>
+                                        </p:tgtEl>
+                                        <p:attrNameLst>
+                                          <p:attrName>style.visibility</p:attrName>
+                                        </p:attrNameLst>
+                                      </p:cBhvr>
+                                      <p:to>
+                                        <p:strVal val="visible"/>
+                                      </p:to>
+                                    </p:set>
+                                    <p:animEffect transition="in" filter="fade">
+                                      <p:cBhvr>
+                                        <p:cTn id="14" dur="500"/>
+                                        <p:tgtEl>
+                                          <p:spTgt spid="9">
+                                            <p:txEl>
+                                              <p:pRg st="1" end="1"/>
+                                            </p:txEl>
+                                          </p:spTgt>
+                                        </p:tgtEl>
+                                      </p:cBhvr>
+                                    </p:animEffect>
+                                  </p:childTnLst>
+                                </p:cTn>
+                              </p:par>
+                              <p:par>
+                                <p:cTn id="15" presetID="10" presetClass="entr" presetSubtype="0" fill="hold" nodeType="withEffect">
+                                  <p:stCondLst>
+                                    <p:cond delay="0"/>
+                                  </p:stCondLst>
+                                  <p:childTnLst>
+                                    <p:set>
+                                      <p:cBhvr>
+                                        <p:cTn id="16" dur="1" fill="hold">
+                                          <p:stCondLst>
+                                            <p:cond delay="0"/>
+                                          </p:stCondLst>
+                                        </p:cTn>
+                                        <p:tgtEl>
+                                          <p:spTgt spid="9">
+                                            <p:txEl>
+                                              <p:pRg st="2" end="2"/>
+                                            </p:txEl>
+                                          </p:spTgt>
+                                        </p:tgtEl>
+                                        <p:attrNameLst>
+                                          <p:attrName>style.visibility</p:attrName>
+                                        </p:attrNameLst>
+                                      </p:cBhvr>
+                                      <p:to>
+                                        <p:strVal val="visible"/>
+                                      </p:to>
+                                    </p:set>
+                                    <p:animEffect transition="in" filter="fade">
+                                      <p:cBhvr>
+                                        <p:cTn id="17" dur="500"/>
+                                        <p:tgtEl>
+                                          <p:spTgt spid="9">
+                                            <p:txEl>
+                                              <p:pRg st="2" end="2"/>
+                                            </p:txEl>
+                                          </p:spTgt>
+                                        </p:tgtEl>
+                                      </p:cBhvr>
+                                    </p:animEffect>
+                                  </p:childTnLst>
+                                </p:cTn>
+                              </p:par>
+                            </p:childTnLst>
+                          </p:cTn>
+                        </p:par>
+                        <p:par>
+                          <p:cTn id="18" fill="hold">
+                            <p:stCondLst>
+                              <p:cond delay="1000"/>
+                            </p:stCondLst>
+                            <p:childTnLst>
+                              <p:par>
+                                <p:cTn id="19" presetID="10" presetClass="entr" presetSubtype="0" fill="hold" nodeType="afterEffect">
+                                  <p:stCondLst>
+                                    <p:cond delay="0"/>
+                                  </p:stCondLst>
+                                  <p:childTnLst>
+                                    <p:set>
+                                      <p:cBhvr>
+                                        <p:cTn id="20" dur="1" fill="hold">
+                                          <p:stCondLst>
+                                            <p:cond delay="0"/>
+                                          </p:stCondLst>
+                                        </p:cTn>
+                                        <p:tgtEl>
+                                          <p:spTgt spid="2"/>
+                                        </p:tgtEl>
+                                        <p:attrNameLst>
+                                          <p:attrName>style.visibility</p:attrName>
+                                        </p:attrNameLst>
+                                      </p:cBhvr>
+                                      <p:to>
+                                        <p:strVal val="visible"/>
+                                      </p:to>
+                                    </p:set>
+                                    <p:animEffect transition="in" filter="fade">
+                                      <p:cBhvr>
+                                        <p:cTn id="21" dur="500"/>
+                                        <p:tgtEl>
+                                          <p:spTgt spid="2"/>
+                                        </p:tgtEl>
+                                      </p:cBhvr>
+                                    </p:animEffect>
+                                  </p:childTnLst>
+                                </p:cTn>
+                              </p:par>
                             </p:childTnLst>
                           </p:cTn>
                         </p:par>
@@ -14086,7 +13818,21 @@
                 <a:latin typeface="Diavlo Light" panose="02000000000000000000" pitchFamily="2" charset="0"/>
                 <a:cs typeface="Times New Roman" panose="02020603050405020304" pitchFamily="18" charset="0"/>
               </a:rPr>
-              <a:t>hi âm các cuộc đàm thoại qua đường VoIP</a:t>
+              <a:t>hi âm các cuộc đàm thoại qua đường </a:t>
+            </a:r>
+            <a:r>
+              <a:rPr lang="vi-VN" sz="2400" smtClean="0">
+                <a:latin typeface="Diavlo Light" panose="02000000000000000000" pitchFamily="2" charset="0"/>
+                <a:cs typeface="Times New Roman" panose="02020603050405020304" pitchFamily="18" charset="0"/>
+              </a:rPr>
+              <a:t>VoIP</a:t>
+            </a:r>
+            <a:r>
+              <a:rPr lang="en-US" sz="2400" smtClean="0">
+                <a:latin typeface="Diavlo Light" panose="02000000000000000000" pitchFamily="2" charset="0"/>
+                <a:cs typeface="Times New Roman" panose="02020603050405020304" pitchFamily="18" charset="0"/>
+              </a:rPr>
+              <a:t>.</a:t>
             </a:r>
             <a:endParaRPr lang="en-US" sz="2400" smtClean="0">
               <a:latin typeface="Diavlo Light" panose="02000000000000000000" pitchFamily="2" charset="0"/>
@@ -14548,53 +14294,12 @@
           </a:bodyPr>
           <a:lstStyle/>
           <a:p>
-            <a:pPr marL="457200" indent="-457200">
-              <a:buFont typeface="+mj-lt"/>
-              <a:buAutoNum type="arabicPeriod"/>
-            </a:pPr>
-            <a:r>
-              <a:rPr lang="en-GB" sz="2400" smtClean="0">
-                <a:latin typeface="Diavlo Light" panose="02000000000000000000" pitchFamily="2" charset="0"/>
-                <a:cs typeface="Times New Roman" panose="02020603050405020304" pitchFamily="18" charset="0"/>
-              </a:rPr>
-              <a:t>Giới thiệu tổng quát về </a:t>
-            </a:r>
-            <a:r>
-              <a:rPr lang="vi-VN" sz="2400">
-                <a:latin typeface="Diavlo Light" panose="02000000000000000000" pitchFamily="2" charset="0"/>
-                <a:cs typeface="Times New Roman" panose="02020603050405020304" pitchFamily="18" charset="0"/>
-              </a:rPr>
-              <a:t>Cain </a:t>
-            </a:r>
-            <a:r>
-              <a:rPr lang="en-US" sz="2400">
-                <a:latin typeface="Diavlo Light" panose="02000000000000000000" pitchFamily="2" charset="0"/>
-                <a:cs typeface="Times New Roman" panose="02020603050405020304" pitchFamily="18" charset="0"/>
-              </a:rPr>
-              <a:t>&amp;</a:t>
-            </a:r>
-            <a:r>
-              <a:rPr lang="vi-VN" sz="2400">
-                <a:latin typeface="Diavlo Light" panose="02000000000000000000" pitchFamily="2" charset="0"/>
-                <a:cs typeface="Times New Roman" panose="02020603050405020304" pitchFamily="18" charset="0"/>
-              </a:rPr>
-              <a:t> Abel </a:t>
-            </a:r>
-            <a:r>
-              <a:rPr lang="en-GB" sz="2400" smtClean="0">
-                <a:latin typeface="Diavlo Light" panose="02000000000000000000" pitchFamily="2" charset="0"/>
-                <a:cs typeface="Times New Roman" panose="02020603050405020304" pitchFamily="18" charset="0"/>
-              </a:rPr>
-              <a:t>:</a:t>
-            </a:r>
-          </a:p>
-          <a:p>
             <a:pPr marL="857250" lvl="1" indent="-457200">
               <a:buFont typeface="Wingdings" panose="05000000000000000000" pitchFamily="2" charset="2"/>
               <a:buChar char="Ø"/>
             </a:pPr>
             <a:r>
-              <a:rPr lang="en-US" sz="2400">
+              <a:rPr lang="en-US" sz="2400" smtClean="0">
                 <a:latin typeface="Diavlo Light" panose="02000000000000000000" pitchFamily="2" charset="0"/>
                 <a:cs typeface="Times New Roman" panose="02020603050405020304" pitchFamily="18" charset="0"/>
               </a:rPr>
@@ -14613,6 +14318,13 @@
                 <a:cs typeface="Times New Roman" panose="02020603050405020304" pitchFamily="18" charset="0"/>
               </a:rPr>
               <a:t>đệm</a:t>
+            </a:r>
+            <a:r>
+              <a:rPr lang="en-US" sz="2400" smtClean="0">
+                <a:latin typeface="Diavlo Light" panose="02000000000000000000" pitchFamily="2" charset="0"/>
+                <a:cs typeface="Times New Roman" panose="02020603050405020304" pitchFamily="18" charset="0"/>
+              </a:rPr>
+              <a:t>.</a:t>
             </a:r>
             <a:endParaRPr lang="en-US" sz="2400" smtClean="0">
               <a:latin typeface="Diavlo Light" panose="02000000000000000000" pitchFamily="2" charset="0"/>
@@ -14744,24 +14456,15 @@
                                   </p:childTnLst>
                                 </p:cTn>
                               </p:par>
-                            </p:childTnLst>
-                          </p:cTn>
-                        </p:par>
-                        <p:par>
-                          <p:cTn id="8" fill="hold">
-                            <p:stCondLst>
-                              <p:cond delay="500"/>
-                            </p:stCondLst>
-                            <p:childTnLst>
                               <p:par>
-                                <p:cTn id="9" presetID="10" presetClass="entr" presetSubtype="0" fill="hold" nodeType="afterEffect">
+                                <p:cTn id="8" presetID="10" presetClass="entr" presetSubtype="0" fill="hold" nodeType="withEffect">
                                   <p:stCondLst>
                                     <p:cond delay="0"/>
                                   </p:stCondLst>
                                   <p:childTnLst>
                                     <p:set>
                                       <p:cBhvr>
-                                        <p:cTn id="10" dur="1" fill="hold">
+                                        <p:cTn id="9" dur="1" fill="hold">
                                           <p:stCondLst>
                                             <p:cond delay="0"/>
                                           </p:stCondLst>
@@ -14783,7 +14486,7 @@
                                     </p:set>
                                     <p:animEffect transition="in" filter="fade">
                                       <p:cBhvr>
-                                        <p:cTn id="11" dur="500"/>
+                                        <p:cTn id="10" dur="500"/>
                                         <p:tgtEl>
                                           <p:spTgt spid="9">
                                             <p:txEl>
@@ -14797,14 +14500,14 @@
                                 </p:cTn>
                               </p:par>
                               <p:par>
-                                <p:cTn id="12" presetID="10" presetClass="entr" presetSubtype="0" fill="hold" nodeType="withEffect">
+                                <p:cTn id="11" presetID="10" presetClass="entr" presetSubtype="0" fill="hold" nodeType="withEffect">
                                   <p:stCondLst>
                                     <p:cond delay="0"/>
                                   </p:stCondLst>
                                   <p:childTnLst>
                                     <p:set>
                                       <p:cBhvr>
-                                        <p:cTn id="13" dur="1" fill="hold">
+                                        <p:cTn id="12" dur="1" fill="hold">
                                           <p:stCondLst>
                                             <p:cond delay="0"/>
                                           </p:stCondLst>
@@ -14826,54 +14529,11 @@
                                     </p:set>
                                     <p:animEffect transition="in" filter="fade">
                                       <p:cBhvr>
-                                        <p:cTn id="14" dur="500"/>
+                                        <p:cTn id="13" dur="500"/>
                                         <p:tgtEl>
                                           <p:spTgt spid="9">
                                             <p:txEl>
                                               <p:pRg st="1" end="1"/>
-                                            </p:txEl>
-                                          </p:spTgt>
-                                        </p:tgtEl>
-                                      </p:cBhvr>
-                                    </p:animEffect>
-                                  </p:childTnLst>
-                                </p:cTn>
-                              </p:par>
-                              <p:par>
-                                <p:cTn id="15" presetID="10" presetClass="entr" presetSubtype="0" fill="hold" nodeType="withEffect">
-                                  <p:stCondLst>
-                                    <p:cond delay="0"/>
-                                  </p:stCondLst>
-                                  <p:childTnLst>
-                                    <p:set>
-                                      <p:cBhvr>
-                                        <p:cTn id="16" dur="1" fill="hold">
-                                          <p:stCondLst>
-                                            <p:cond delay="0"/>
-                                          </p:stCondLst>
-                                        </p:cTn>
-                                        <p:tgtEl>
-                                          <p:spTgt spid="9">
-                                            <p:txEl>
-                                              <p:pRg st="2" end="2"/>
-                                            </p:txEl>
-                                          </p:spTgt>
-                                        </p:tgtEl>
-                                        <p:attrNameLst>
-                                          <p:attrName>style.visibility</p:attrName>
-                                        </p:attrNameLst>
-                                      </p:cBhvr>
-                                      <p:to>
-                                        <p:strVal val="visible"/>
-                                      </p:to>
-                                    </p:set>
-                                    <p:animEffect transition="in" filter="fade">
-                                      <p:cBhvr>
-                                        <p:cTn id="17" dur="500"/>
-                                        <p:tgtEl>
-                                          <p:spTgt spid="9">
-                                            <p:txEl>
-                                              <p:pRg st="2" end="2"/>
                                             </p:txEl>
                                           </p:spTgt>
                                         </p:tgtEl>
@@ -15112,7 +14772,21 @@
                 <a:latin typeface="Diavlo Light" panose="02000000000000000000" pitchFamily="2" charset="0"/>
                 <a:cs typeface="Times New Roman" panose="02020603050405020304" pitchFamily="18" charset="0"/>
               </a:rPr>
-              <a:t>Cisco Config Downloader/Uploader (SNMP/TFTP): </a:t>
+              <a:t>Cisco Config Downloader/Uploader (SNMP/TFTP</a:t>
+            </a:r>
+            <a:r>
+              <a:rPr lang="vi-VN" sz="2400" smtClean="0">
+                <a:latin typeface="Diavlo Light" panose="02000000000000000000" pitchFamily="2" charset="0"/>
+                <a:cs typeface="Times New Roman" panose="02020603050405020304" pitchFamily="18" charset="0"/>
+              </a:rPr>
+              <a:t>)</a:t>
+            </a:r>
+            <a:r>
+              <a:rPr lang="en-US" sz="2400" smtClean="0">
+                <a:latin typeface="Diavlo Light" panose="02000000000000000000" pitchFamily="2" charset="0"/>
+                <a:cs typeface="Times New Roman" panose="02020603050405020304" pitchFamily="18" charset="0"/>
+              </a:rPr>
+              <a:t>.</a:t>
             </a:r>
             <a:endParaRPr lang="en-US" sz="2400">
               <a:latin typeface="Diavlo Light" panose="02000000000000000000" pitchFamily="2" charset="0"/>
@@ -15129,7 +14803,21 @@
                 <a:latin typeface="Diavlo Light" panose="02000000000000000000" pitchFamily="2" charset="0"/>
                 <a:cs typeface="Times New Roman" panose="02020603050405020304" pitchFamily="18" charset="0"/>
               </a:rPr>
-              <a:t>Network  Enumerator</a:t>
+              <a:t>Network  </a:t>
+            </a:r>
+            <a:r>
+              <a:rPr lang="vi-VN" sz="2400" smtClean="0">
+                <a:latin typeface="Diavlo Light" panose="02000000000000000000" pitchFamily="2" charset="0"/>
+                <a:cs typeface="Times New Roman" panose="02020603050405020304" pitchFamily="18" charset="0"/>
+              </a:rPr>
+              <a:t>Enumerator</a:t>
+            </a:r>
+            <a:r>
+              <a:rPr lang="en-US" sz="2400" smtClean="0">
+                <a:latin typeface="Diavlo Light" panose="02000000000000000000" pitchFamily="2" charset="0"/>
+                <a:cs typeface="Times New Roman" panose="02020603050405020304" pitchFamily="18" charset="0"/>
+              </a:rPr>
+              <a:t>.</a:t>
             </a:r>
             <a:endParaRPr lang="en-US" sz="2400">
               <a:latin typeface="Diavlo Light" panose="02000000000000000000" pitchFamily="2" charset="0"/>
@@ -15146,7 +14834,21 @@
                 <a:latin typeface="Diavlo Light" panose="02000000000000000000" pitchFamily="2" charset="0"/>
                 <a:cs typeface="Times New Roman" panose="02020603050405020304" pitchFamily="18" charset="0"/>
               </a:rPr>
-              <a:t>MAC Address Scanner with OUI fingerprint</a:t>
+              <a:t>MAC Address Scanner with OUI </a:t>
+            </a:r>
+            <a:r>
+              <a:rPr lang="vi-VN" sz="2400" smtClean="0">
+                <a:latin typeface="Diavlo Light" panose="02000000000000000000" pitchFamily="2" charset="0"/>
+                <a:cs typeface="Times New Roman" panose="02020603050405020304" pitchFamily="18" charset="0"/>
+              </a:rPr>
+              <a:t>fingerprint</a:t>
+            </a:r>
+            <a:r>
+              <a:rPr lang="en-US" sz="2400" smtClean="0">
+                <a:latin typeface="Diavlo Light" panose="02000000000000000000" pitchFamily="2" charset="0"/>
+                <a:cs typeface="Times New Roman" panose="02020603050405020304" pitchFamily="18" charset="0"/>
+              </a:rPr>
+              <a:t>.</a:t>
             </a:r>
             <a:endParaRPr lang="en-US" sz="2400">
               <a:latin typeface="Diavlo Light" panose="02000000000000000000" pitchFamily="2" charset="0"/>
@@ -15171,6 +14873,13 @@
                 <a:cs typeface="Times New Roman" panose="02020603050405020304" pitchFamily="18" charset="0"/>
               </a:rPr>
               <a:t>Manager</a:t>
+            </a:r>
+            <a:r>
+              <a:rPr lang="en-US" sz="2400" smtClean="0">
+                <a:latin typeface="Diavlo Light" panose="02000000000000000000" pitchFamily="2" charset="0"/>
+                <a:cs typeface="Times New Roman" panose="02020603050405020304" pitchFamily="18" charset="0"/>
+              </a:rPr>
+              <a:t>.</a:t>
             </a:r>
             <a:endParaRPr lang="en-US" sz="2400">
               <a:latin typeface="Diavlo Light" panose="02000000000000000000" pitchFamily="2" charset="0"/>
@@ -15643,39 +15352,12 @@
           </a:bodyPr>
           <a:lstStyle/>
           <a:p>
-            <a:pPr marL="457200" indent="-457200">
-              <a:buFont typeface="+mj-lt"/>
-              <a:buAutoNum type="arabicPeriod" startAt="2"/>
-            </a:pPr>
-            <a:r>
-              <a:rPr lang="en-GB" sz="2400" smtClean="0">
-                <a:latin typeface="Diavlo Light" panose="02000000000000000000" pitchFamily="2" charset="0"/>
-                <a:cs typeface="Times New Roman" panose="02020603050405020304" pitchFamily="18" charset="0"/>
-              </a:rPr>
-              <a:t>Giới thiệu </a:t>
-            </a:r>
-            <a:r>
-              <a:rPr lang="en-US" sz="2400" smtClean="0">
-                <a:latin typeface="Diavlo Light" panose="02000000000000000000" pitchFamily="2" charset="0"/>
-                <a:cs typeface="Times New Roman" panose="02020603050405020304" pitchFamily="18" charset="0"/>
-              </a:rPr>
-              <a:t>Chi tiết về Cain</a:t>
-            </a:r>
-            <a:r>
-              <a:rPr lang="en-GB" sz="2400" smtClean="0">
-                <a:latin typeface="Diavlo Light" panose="02000000000000000000" pitchFamily="2" charset="0"/>
-                <a:cs typeface="Times New Roman" panose="02020603050405020304" pitchFamily="18" charset="0"/>
-              </a:rPr>
-              <a:t>:</a:t>
-            </a:r>
-          </a:p>
-          <a:p>
             <a:pPr lvl="1">
               <a:buFont typeface="Wingdings" panose="05000000000000000000" pitchFamily="2" charset="2"/>
               <a:buChar char="Ø"/>
             </a:pPr>
             <a:r>
-              <a:rPr lang="vi-VN" sz="2400">
+              <a:rPr lang="vi-VN" sz="2400" smtClean="0">
                 <a:latin typeface="Diavlo Light" panose="02000000000000000000" pitchFamily="2" charset="0"/>
                 <a:cs typeface="Times New Roman" panose="02020603050405020304" pitchFamily="18" charset="0"/>
               </a:rPr>
@@ -15832,6 +15514,36 @@
           </a:p>
         </p:txBody>
       </p:sp>
+      <p:pic>
+        <p:nvPicPr>
+          <p:cNvPr id="2" name="Picture 1"/>
+          <p:cNvPicPr>
+            <a:picLocks noChangeAspect="1"/>
+          </p:cNvPicPr>
+          <p:nvPr/>
+        </p:nvPicPr>
+        <p:blipFill>
+          <a:blip r:embed="rId2">
+            <a:extLst>
+              <a:ext uri="{28A0092B-C50C-407E-A947-70E740481C1C}">
+                <a14:useLocalDpi xmlns:a14="http://schemas.microsoft.com/office/drawing/2010/main" val="0"/>
+              </a:ext>
+            </a:extLst>
+          </a:blip>
+          <a:stretch>
+            <a:fillRect/>
+          </a:stretch>
+        </p:blipFill>
+        <p:spPr>
+          <a:xfrm>
+            <a:off x="341376" y="999745"/>
+            <a:ext cx="8558784" cy="4268245"/>
+          </a:xfrm>
+          <a:prstGeom prst="rect">
+            <a:avLst/>
+          </a:prstGeom>
+        </p:spPr>
+      </p:pic>
     </p:spTree>
     <p:extLst>
       <p:ext uri="{BB962C8B-B14F-4D97-AF65-F5344CB8AC3E}">
@@ -15900,24 +15612,15 @@
                                   </p:childTnLst>
                                 </p:cTn>
                               </p:par>
-                            </p:childTnLst>
-                          </p:cTn>
-                        </p:par>
-                        <p:par>
-                          <p:cTn id="8" fill="hold">
-                            <p:stCondLst>
-                              <p:cond delay="500"/>
-                            </p:stCondLst>
-                            <p:childTnLst>
                               <p:par>
-                                <p:cTn id="9" presetID="10" presetClass="entr" presetSubtype="0" fill="hold" nodeType="afterEffect">
+                                <p:cTn id="8" presetID="10" presetClass="entr" presetSubtype="0" fill="hold" nodeType="withEffect">
                                   <p:stCondLst>
                                     <p:cond delay="0"/>
                                   </p:stCondLst>
                                   <p:childTnLst>
                                     <p:set>
                                       <p:cBhvr>
-                                        <p:cTn id="10" dur="1" fill="hold">
+                                        <p:cTn id="9" dur="1" fill="hold">
                                           <p:stCondLst>
                                             <p:cond delay="0"/>
                                           </p:stCondLst>
@@ -15939,7 +15642,7 @@
                                     </p:set>
                                     <p:animEffect transition="in" filter="fade">
                                       <p:cBhvr>
-                                        <p:cTn id="11" dur="500"/>
+                                        <p:cTn id="10" dur="500"/>
                                         <p:tgtEl>
                                           <p:spTgt spid="9">
                                             <p:txEl>
@@ -15953,14 +15656,14 @@
                                 </p:cTn>
                               </p:par>
                               <p:par>
-                                <p:cTn id="12" presetID="10" presetClass="entr" presetSubtype="0" fill="hold" nodeType="withEffect">
+                                <p:cTn id="11" presetID="10" presetClass="entr" presetSubtype="0" fill="hold" nodeType="withEffect">
                                   <p:stCondLst>
                                     <p:cond delay="0"/>
                                   </p:stCondLst>
                                   <p:childTnLst>
                                     <p:set>
                                       <p:cBhvr>
-                                        <p:cTn id="13" dur="1" fill="hold">
+                                        <p:cTn id="12" dur="1" fill="hold">
                                           <p:stCondLst>
                                             <p:cond delay="0"/>
                                           </p:stCondLst>
@@ -15982,7 +15685,7 @@
                                     </p:set>
                                     <p:animEffect transition="in" filter="fade">
                                       <p:cBhvr>
-                                        <p:cTn id="14" dur="500"/>
+                                        <p:cTn id="13" dur="500"/>
                                         <p:tgtEl>
                                           <p:spTgt spid="9">
                                             <p:txEl>
@@ -15996,14 +15699,14 @@
                                 </p:cTn>
                               </p:par>
                               <p:par>
-                                <p:cTn id="15" presetID="10" presetClass="entr" presetSubtype="0" fill="hold" nodeType="withEffect">
+                                <p:cTn id="14" presetID="10" presetClass="entr" presetSubtype="0" fill="hold" nodeType="withEffect">
                                   <p:stCondLst>
                                     <p:cond delay="0"/>
                                   </p:stCondLst>
                                   <p:childTnLst>
                                     <p:set>
                                       <p:cBhvr>
-                                        <p:cTn id="16" dur="1" fill="hold">
+                                        <p:cTn id="15" dur="1" fill="hold">
                                           <p:stCondLst>
                                             <p:cond delay="0"/>
                                           </p:stCondLst>
@@ -16025,7 +15728,7 @@
                                     </p:set>
                                     <p:animEffect transition="in" filter="fade">
                                       <p:cBhvr>
-                                        <p:cTn id="17" dur="500"/>
+                                        <p:cTn id="16" dur="500"/>
                                         <p:tgtEl>
                                           <p:spTgt spid="9">
                                             <p:txEl>
@@ -16039,14 +15742,14 @@
                                 </p:cTn>
                               </p:par>
                               <p:par>
-                                <p:cTn id="18" presetID="10" presetClass="entr" presetSubtype="0" fill="hold" nodeType="withEffect">
+                                <p:cTn id="17" presetID="10" presetClass="entr" presetSubtype="0" fill="hold" nodeType="withEffect">
                                   <p:stCondLst>
                                     <p:cond delay="0"/>
                                   </p:stCondLst>
                                   <p:childTnLst>
                                     <p:set>
                                       <p:cBhvr>
-                                        <p:cTn id="19" dur="1" fill="hold">
+                                        <p:cTn id="18" dur="1" fill="hold">
                                           <p:stCondLst>
                                             <p:cond delay="0"/>
                                           </p:stCondLst>
@@ -16068,7 +15771,7 @@
                                     </p:set>
                                     <p:animEffect transition="in" filter="fade">
                                       <p:cBhvr>
-                                        <p:cTn id="20" dur="500"/>
+                                        <p:cTn id="19" dur="500"/>
                                         <p:tgtEl>
                                           <p:spTgt spid="9">
                                             <p:txEl>
@@ -16082,14 +15785,14 @@
                                 </p:cTn>
                               </p:par>
                               <p:par>
-                                <p:cTn id="21" presetID="10" presetClass="entr" presetSubtype="0" fill="hold" nodeType="withEffect">
+                                <p:cTn id="20" presetID="10" presetClass="entr" presetSubtype="0" fill="hold" nodeType="withEffect">
                                   <p:stCondLst>
                                     <p:cond delay="0"/>
                                   </p:stCondLst>
                                   <p:childTnLst>
                                     <p:set>
                                       <p:cBhvr>
-                                        <p:cTn id="22" dur="1" fill="hold">
+                                        <p:cTn id="21" dur="1" fill="hold">
                                           <p:stCondLst>
                                             <p:cond delay="0"/>
                                           </p:stCondLst>
@@ -16111,7 +15814,7 @@
                                     </p:set>
                                     <p:animEffect transition="in" filter="fade">
                                       <p:cBhvr>
-                                        <p:cTn id="23" dur="500"/>
+                                        <p:cTn id="22" dur="500"/>
                                         <p:tgtEl>
                                           <p:spTgt spid="9">
                                             <p:txEl>
@@ -16124,25 +15827,39 @@
                                   </p:childTnLst>
                                 </p:cTn>
                               </p:par>
+                            </p:childTnLst>
+                          </p:cTn>
+                        </p:par>
+                      </p:childTnLst>
+                    </p:cTn>
+                  </p:par>
+                  <p:par>
+                    <p:cTn id="23" fill="hold">
+                      <p:stCondLst>
+                        <p:cond delay="indefinite"/>
+                      </p:stCondLst>
+                      <p:childTnLst>
+                        <p:par>
+                          <p:cTn id="24" fill="hold">
+                            <p:stCondLst>
+                              <p:cond delay="0"/>
+                            </p:stCondLst>
+                            <p:childTnLst>
                               <p:par>
-                                <p:cTn id="24" presetID="10" presetClass="entr" presetSubtype="0" fill="hold" nodeType="withEffect">
+                                <p:cTn id="25" presetID="6" presetClass="entr" presetSubtype="16" fill="hold" nodeType="clickEffect">
                                   <p:stCondLst>
                                     <p:cond delay="0"/>
                                   </p:stCondLst>
                                   <p:childTnLst>
                                     <p:set>
                                       <p:cBhvr>
-                                        <p:cTn id="25" dur="1" fill="hold">
+                                        <p:cTn id="26" dur="1" fill="hold">
                                           <p:stCondLst>
                                             <p:cond delay="0"/>
                                           </p:stCondLst>
                                         </p:cTn>
                                         <p:tgtEl>
-                                          <p:spTgt spid="9">
-                                            <p:txEl>
-                                              <p:pRg st="5" end="5"/>
-                                            </p:txEl>
-                                          </p:spTgt>
+                                          <p:spTgt spid="2"/>
                                         </p:tgtEl>
                                         <p:attrNameLst>
                                           <p:attrName>style.visibility</p:attrName>
@@ -16152,15 +15869,11 @@
                                         <p:strVal val="visible"/>
                                       </p:to>
                                     </p:set>
-                                    <p:animEffect transition="in" filter="fade">
+                                    <p:animEffect transition="in" filter="circle(in)">
                                       <p:cBhvr>
-                                        <p:cTn id="26" dur="500"/>
+                                        <p:cTn id="27" dur="1000"/>
                                         <p:tgtEl>
-                                          <p:spTgt spid="9">
-                                            <p:txEl>
-                                              <p:pRg st="5" end="5"/>
-                                            </p:txEl>
-                                          </p:spTgt>
+                                          <p:spTgt spid="2"/>
                                         </p:tgtEl>
                                       </p:cBhvr>
                                     </p:animEffect>
@@ -16285,39 +15998,12 @@
           </a:bodyPr>
           <a:lstStyle/>
           <a:p>
-            <a:pPr marL="457200" indent="-457200">
-              <a:buFont typeface="+mj-lt"/>
-              <a:buAutoNum type="arabicPeriod" startAt="2"/>
-            </a:pPr>
-            <a:r>
-              <a:rPr lang="en-GB" sz="2400" smtClean="0">
-                <a:latin typeface="Diavlo Light" panose="02000000000000000000" pitchFamily="2" charset="0"/>
-                <a:cs typeface="Times New Roman" panose="02020603050405020304" pitchFamily="18" charset="0"/>
-              </a:rPr>
-              <a:t>Giới thiệu </a:t>
-            </a:r>
-            <a:r>
-              <a:rPr lang="en-US" sz="2400" smtClean="0">
-                <a:latin typeface="Diavlo Light" panose="02000000000000000000" pitchFamily="2" charset="0"/>
-                <a:cs typeface="Times New Roman" panose="02020603050405020304" pitchFamily="18" charset="0"/>
-              </a:rPr>
-              <a:t>Chi tiết về Cain</a:t>
-            </a:r>
-            <a:r>
-              <a:rPr lang="en-GB" sz="2400" smtClean="0">
-                <a:latin typeface="Diavlo Light" panose="02000000000000000000" pitchFamily="2" charset="0"/>
-                <a:cs typeface="Times New Roman" panose="02020603050405020304" pitchFamily="18" charset="0"/>
-              </a:rPr>
-              <a:t>:</a:t>
-            </a:r>
-          </a:p>
-          <a:p>
             <a:pPr lvl="1">
               <a:buFont typeface="Wingdings" panose="05000000000000000000" pitchFamily="2" charset="2"/>
               <a:buChar char="Ø"/>
             </a:pPr>
             <a:r>
-              <a:rPr lang="vi-VN" sz="2400">
+              <a:rPr lang="vi-VN" sz="2400" smtClean="0">
                 <a:latin typeface="Diavlo Light" panose="02000000000000000000" pitchFamily="2" charset="0"/>
                 <a:cs typeface="Times New Roman" panose="02020603050405020304" pitchFamily="18" charset="0"/>
               </a:rPr>
@@ -16508,6 +16194,36 @@
           </a:p>
         </p:txBody>
       </p:sp>
+      <p:pic>
+        <p:nvPicPr>
+          <p:cNvPr id="2" name="Picture 1"/>
+          <p:cNvPicPr>
+            <a:picLocks noChangeAspect="1"/>
+          </p:cNvPicPr>
+          <p:nvPr/>
+        </p:nvPicPr>
+        <p:blipFill>
+          <a:blip r:embed="rId2">
+            <a:extLst>
+              <a:ext uri="{28A0092B-C50C-407E-A947-70E740481C1C}">
+                <a14:useLocalDpi xmlns:a14="http://schemas.microsoft.com/office/drawing/2010/main" val="0"/>
+              </a:ext>
+            </a:extLst>
+          </a:blip>
+          <a:stretch>
+            <a:fillRect/>
+          </a:stretch>
+        </p:blipFill>
+        <p:spPr>
+          <a:xfrm>
+            <a:off x="548640" y="999745"/>
+            <a:ext cx="8010143" cy="4376927"/>
+          </a:xfrm>
+          <a:prstGeom prst="rect">
+            <a:avLst/>
+          </a:prstGeom>
+        </p:spPr>
+      </p:pic>
     </p:spTree>
     <p:extLst>
       <p:ext uri="{BB962C8B-B14F-4D97-AF65-F5344CB8AC3E}">
@@ -16576,24 +16292,15 @@
                                   </p:childTnLst>
                                 </p:cTn>
                               </p:par>
-                            </p:childTnLst>
-                          </p:cTn>
-                        </p:par>
-                        <p:par>
-                          <p:cTn id="8" fill="hold">
-                            <p:stCondLst>
-                              <p:cond delay="500"/>
-                            </p:stCondLst>
-                            <p:childTnLst>
                               <p:par>
-                                <p:cTn id="9" presetID="10" presetClass="entr" presetSubtype="0" fill="hold" nodeType="afterEffect">
+                                <p:cTn id="8" presetID="10" presetClass="entr" presetSubtype="0" fill="hold" nodeType="withEffect">
                                   <p:stCondLst>
                                     <p:cond delay="0"/>
                                   </p:stCondLst>
                                   <p:childTnLst>
                                     <p:set>
                                       <p:cBhvr>
-                                        <p:cTn id="10" dur="1" fill="hold">
+                                        <p:cTn id="9" dur="1" fill="hold">
                                           <p:stCondLst>
                                             <p:cond delay="0"/>
                                           </p:stCondLst>
@@ -16615,7 +16322,7 @@
                                     </p:set>
                                     <p:animEffect transition="in" filter="fade">
                                       <p:cBhvr>
-                                        <p:cTn id="11" dur="500"/>
+                                        <p:cTn id="10" dur="500"/>
                                         <p:tgtEl>
                                           <p:spTgt spid="9">
                                             <p:txEl>
@@ -16629,14 +16336,14 @@
                                 </p:cTn>
                               </p:par>
                               <p:par>
-                                <p:cTn id="12" presetID="10" presetClass="entr" presetSubtype="0" fill="hold" nodeType="withEffect">
+                                <p:cTn id="11" presetID="10" presetClass="entr" presetSubtype="0" fill="hold" nodeType="withEffect">
                                   <p:stCondLst>
                                     <p:cond delay="0"/>
                                   </p:stCondLst>
                                   <p:childTnLst>
                                     <p:set>
                                       <p:cBhvr>
-                                        <p:cTn id="13" dur="1" fill="hold">
+                                        <p:cTn id="12" dur="1" fill="hold">
                                           <p:stCondLst>
                                             <p:cond delay="0"/>
                                           </p:stCondLst>
@@ -16658,7 +16365,7 @@
                                     </p:set>
                                     <p:animEffect transition="in" filter="fade">
                                       <p:cBhvr>
-                                        <p:cTn id="14" dur="500"/>
+                                        <p:cTn id="13" dur="500"/>
                                         <p:tgtEl>
                                           <p:spTgt spid="9">
                                             <p:txEl>
@@ -16672,14 +16379,14 @@
                                 </p:cTn>
                               </p:par>
                               <p:par>
-                                <p:cTn id="15" presetID="10" presetClass="entr" presetSubtype="0" fill="hold" nodeType="withEffect">
+                                <p:cTn id="14" presetID="10" presetClass="entr" presetSubtype="0" fill="hold" nodeType="withEffect">
                                   <p:stCondLst>
                                     <p:cond delay="0"/>
                                   </p:stCondLst>
                                   <p:childTnLst>
                                     <p:set>
                                       <p:cBhvr>
-                                        <p:cTn id="16" dur="1" fill="hold">
+                                        <p:cTn id="15" dur="1" fill="hold">
                                           <p:stCondLst>
                                             <p:cond delay="0"/>
                                           </p:stCondLst>
@@ -16701,7 +16408,7 @@
                                     </p:set>
                                     <p:animEffect transition="in" filter="fade">
                                       <p:cBhvr>
-                                        <p:cTn id="17" dur="500"/>
+                                        <p:cTn id="16" dur="500"/>
                                         <p:tgtEl>
                                           <p:spTgt spid="9">
                                             <p:txEl>
@@ -16715,14 +16422,14 @@
                                 </p:cTn>
                               </p:par>
                               <p:par>
-                                <p:cTn id="18" presetID="10" presetClass="entr" presetSubtype="0" fill="hold" nodeType="withEffect">
+                                <p:cTn id="17" presetID="10" presetClass="entr" presetSubtype="0" fill="hold" nodeType="withEffect">
                                   <p:stCondLst>
                                     <p:cond delay="0"/>
                                   </p:stCondLst>
                                   <p:childTnLst>
                                     <p:set>
                                       <p:cBhvr>
-                                        <p:cTn id="19" dur="1" fill="hold">
+                                        <p:cTn id="18" dur="1" fill="hold">
                                           <p:stCondLst>
                                             <p:cond delay="0"/>
                                           </p:stCondLst>
@@ -16744,7 +16451,7 @@
                                     </p:set>
                                     <p:animEffect transition="in" filter="fade">
                                       <p:cBhvr>
-                                        <p:cTn id="20" dur="500"/>
+                                        <p:cTn id="19" dur="500"/>
                                         <p:tgtEl>
                                           <p:spTgt spid="9">
                                             <p:txEl>
@@ -16758,14 +16465,14 @@
                                 </p:cTn>
                               </p:par>
                               <p:par>
-                                <p:cTn id="21" presetID="10" presetClass="entr" presetSubtype="0" fill="hold" nodeType="withEffect">
+                                <p:cTn id="20" presetID="10" presetClass="entr" presetSubtype="0" fill="hold" nodeType="withEffect">
                                   <p:stCondLst>
                                     <p:cond delay="0"/>
                                   </p:stCondLst>
                                   <p:childTnLst>
                                     <p:set>
                                       <p:cBhvr>
-                                        <p:cTn id="22" dur="1" fill="hold">
+                                        <p:cTn id="21" dur="1" fill="hold">
                                           <p:stCondLst>
                                             <p:cond delay="0"/>
                                           </p:stCondLst>
@@ -16787,7 +16494,7 @@
                                     </p:set>
                                     <p:animEffect transition="in" filter="fade">
                                       <p:cBhvr>
-                                        <p:cTn id="23" dur="500"/>
+                                        <p:cTn id="22" dur="500"/>
                                         <p:tgtEl>
                                           <p:spTgt spid="9">
                                             <p:txEl>
@@ -16801,14 +16508,14 @@
                                 </p:cTn>
                               </p:par>
                               <p:par>
-                                <p:cTn id="24" presetID="10" presetClass="entr" presetSubtype="0" fill="hold" nodeType="withEffect">
+                                <p:cTn id="23" presetID="10" presetClass="entr" presetSubtype="0" fill="hold" nodeType="withEffect">
                                   <p:stCondLst>
                                     <p:cond delay="0"/>
                                   </p:stCondLst>
                                   <p:childTnLst>
                                     <p:set>
                                       <p:cBhvr>
-                                        <p:cTn id="25" dur="1" fill="hold">
+                                        <p:cTn id="24" dur="1" fill="hold">
                                           <p:stCondLst>
                                             <p:cond delay="0"/>
                                           </p:stCondLst>
@@ -16830,7 +16537,7 @@
                                     </p:set>
                                     <p:animEffect transition="in" filter="fade">
                                       <p:cBhvr>
-                                        <p:cTn id="26" dur="500"/>
+                                        <p:cTn id="25" dur="500"/>
                                         <p:tgtEl>
                                           <p:spTgt spid="9">
                                             <p:txEl>
@@ -16844,14 +16551,14 @@
                                 </p:cTn>
                               </p:par>
                               <p:par>
-                                <p:cTn id="27" presetID="10" presetClass="entr" presetSubtype="0" fill="hold" nodeType="withEffect">
+                                <p:cTn id="26" presetID="10" presetClass="entr" presetSubtype="0" fill="hold" nodeType="withEffect">
                                   <p:stCondLst>
                                     <p:cond delay="0"/>
                                   </p:stCondLst>
                                   <p:childTnLst>
                                     <p:set>
                                       <p:cBhvr>
-                                        <p:cTn id="28" dur="1" fill="hold">
+                                        <p:cTn id="27" dur="1" fill="hold">
                                           <p:stCondLst>
                                             <p:cond delay="0"/>
                                           </p:stCondLst>
@@ -16873,7 +16580,7 @@
                                     </p:set>
                                     <p:animEffect transition="in" filter="fade">
                                       <p:cBhvr>
-                                        <p:cTn id="29" dur="500"/>
+                                        <p:cTn id="28" dur="500"/>
                                         <p:tgtEl>
                                           <p:spTgt spid="9">
                                             <p:txEl>
@@ -16886,25 +16593,39 @@
                                   </p:childTnLst>
                                 </p:cTn>
                               </p:par>
+                            </p:childTnLst>
+                          </p:cTn>
+                        </p:par>
+                      </p:childTnLst>
+                    </p:cTn>
+                  </p:par>
+                  <p:par>
+                    <p:cTn id="29" fill="hold">
+                      <p:stCondLst>
+                        <p:cond delay="indefinite"/>
+                      </p:stCondLst>
+                      <p:childTnLst>
+                        <p:par>
+                          <p:cTn id="30" fill="hold">
+                            <p:stCondLst>
+                              <p:cond delay="0"/>
+                            </p:stCondLst>
+                            <p:childTnLst>
                               <p:par>
-                                <p:cTn id="30" presetID="10" presetClass="entr" presetSubtype="0" fill="hold" nodeType="withEffect">
+                                <p:cTn id="31" presetID="6" presetClass="entr" presetSubtype="16" fill="hold" nodeType="clickEffect">
                                   <p:stCondLst>
                                     <p:cond delay="0"/>
                                   </p:stCondLst>
                                   <p:childTnLst>
                                     <p:set>
                                       <p:cBhvr>
-                                        <p:cTn id="31" dur="1" fill="hold">
+                                        <p:cTn id="32" dur="1" fill="hold">
                                           <p:stCondLst>
                                             <p:cond delay="0"/>
                                           </p:stCondLst>
                                         </p:cTn>
                                         <p:tgtEl>
-                                          <p:spTgt spid="9">
-                                            <p:txEl>
-                                              <p:pRg st="7" end="7"/>
-                                            </p:txEl>
-                                          </p:spTgt>
+                                          <p:spTgt spid="2"/>
                                         </p:tgtEl>
                                         <p:attrNameLst>
                                           <p:attrName>style.visibility</p:attrName>
@@ -16914,15 +16635,11 @@
                                         <p:strVal val="visible"/>
                                       </p:to>
                                     </p:set>
-                                    <p:animEffect transition="in" filter="fade">
+                                    <p:animEffect transition="in" filter="circle(in)">
                                       <p:cBhvr>
-                                        <p:cTn id="32" dur="500"/>
+                                        <p:cTn id="33" dur="1000"/>
                                         <p:tgtEl>
-                                          <p:spTgt spid="9">
-                                            <p:txEl>
-                                              <p:pRg st="7" end="7"/>
-                                            </p:txEl>
-                                          </p:spTgt>
+                                          <p:spTgt spid="2"/>
                                         </p:tgtEl>
                                       </p:cBhvr>
                                     </p:animEffect>
@@ -17047,33 +16764,6 @@
           </a:bodyPr>
           <a:lstStyle/>
           <a:p>
-            <a:pPr marL="457200" indent="-457200">
-              <a:buFont typeface="+mj-lt"/>
-              <a:buAutoNum type="arabicPeriod" startAt="2"/>
-            </a:pPr>
-            <a:r>
-              <a:rPr lang="en-GB" sz="2400" smtClean="0">
-                <a:latin typeface="Diavlo Light" panose="02000000000000000000" pitchFamily="2" charset="0"/>
-                <a:cs typeface="Times New Roman" panose="02020603050405020304" pitchFamily="18" charset="0"/>
-              </a:rPr>
-              <a:t>Giới thiệu </a:t>
-            </a:r>
-            <a:r>
-              <a:rPr lang="en-US" sz="2400" smtClean="0">
-                <a:latin typeface="Diavlo Light" panose="02000000000000000000" pitchFamily="2" charset="0"/>
-                <a:cs typeface="Times New Roman" panose="02020603050405020304" pitchFamily="18" charset="0"/>
-              </a:rPr>
-              <a:t>Chi tiết về Cain</a:t>
-            </a:r>
-            <a:r>
-              <a:rPr lang="en-GB" sz="2400" smtClean="0">
-                <a:latin typeface="Diavlo Light" panose="02000000000000000000" pitchFamily="2" charset="0"/>
-                <a:cs typeface="Times New Roman" panose="02020603050405020304" pitchFamily="18" charset="0"/>
-              </a:rPr>
-              <a:t>:</a:t>
-            </a:r>
-          </a:p>
-          <a:p>
             <a:pPr lvl="1">
               <a:buFont typeface="Wingdings" panose="05000000000000000000" pitchFamily="2" charset="2"/>
               <a:buChar char="Ø"/>
@@ -17245,6 +16935,36 @@
           </a:p>
         </p:txBody>
       </p:sp>
+      <p:pic>
+        <p:nvPicPr>
+          <p:cNvPr id="2" name="Picture 1"/>
+          <p:cNvPicPr>
+            <a:picLocks noChangeAspect="1"/>
+          </p:cNvPicPr>
+          <p:nvPr/>
+        </p:nvPicPr>
+        <p:blipFill>
+          <a:blip r:embed="rId2">
+            <a:extLst>
+              <a:ext uri="{28A0092B-C50C-407E-A947-70E740481C1C}">
+                <a14:useLocalDpi xmlns:a14="http://schemas.microsoft.com/office/drawing/2010/main" val="0"/>
+              </a:ext>
+            </a:extLst>
+          </a:blip>
+          <a:stretch>
+            <a:fillRect/>
+          </a:stretch>
+        </p:blipFill>
+        <p:spPr>
+          <a:xfrm>
+            <a:off x="571283" y="1024129"/>
+            <a:ext cx="7855130" cy="4242816"/>
+          </a:xfrm>
+          <a:prstGeom prst="rect">
+            <a:avLst/>
+          </a:prstGeom>
+        </p:spPr>
+      </p:pic>
     </p:spTree>
     <p:extLst>
       <p:ext uri="{BB962C8B-B14F-4D97-AF65-F5344CB8AC3E}">
@@ -17313,24 +17033,15 @@
                                   </p:childTnLst>
                                 </p:cTn>
                               </p:par>
-                            </p:childTnLst>
-                          </p:cTn>
-                        </p:par>
-                        <p:par>
-                          <p:cTn id="8" fill="hold">
-                            <p:stCondLst>
-                              <p:cond delay="500"/>
-                            </p:stCondLst>
-                            <p:childTnLst>
                               <p:par>
-                                <p:cTn id="9" presetID="10" presetClass="entr" presetSubtype="0" fill="hold" nodeType="afterEffect">
+                                <p:cTn id="8" presetID="10" presetClass="entr" presetSubtype="0" fill="hold" nodeType="withEffect">
                                   <p:stCondLst>
                                     <p:cond delay="0"/>
                                   </p:stCondLst>
                                   <p:childTnLst>
                                     <p:set>
                                       <p:cBhvr>
-                                        <p:cTn id="10" dur="1" fill="hold">
+                                        <p:cTn id="9" dur="1" fill="hold">
                                           <p:stCondLst>
                                             <p:cond delay="0"/>
                                           </p:stCondLst>
@@ -17352,7 +17063,7 @@
                                     </p:set>
                                     <p:animEffect transition="in" filter="fade">
                                       <p:cBhvr>
-                                        <p:cTn id="11" dur="500"/>
+                                        <p:cTn id="10" dur="500"/>
                                         <p:tgtEl>
                                           <p:spTgt spid="9">
                                             <p:txEl>
@@ -17366,14 +17077,14 @@
                                 </p:cTn>
                               </p:par>
                               <p:par>
-                                <p:cTn id="12" presetID="10" presetClass="entr" presetSubtype="0" fill="hold" nodeType="withEffect">
+                                <p:cTn id="11" presetID="10" presetClass="entr" presetSubtype="0" fill="hold" nodeType="withEffect">
                                   <p:stCondLst>
                                     <p:cond delay="0"/>
                                   </p:stCondLst>
                                   <p:childTnLst>
                                     <p:set>
                                       <p:cBhvr>
-                                        <p:cTn id="13" dur="1" fill="hold">
+                                        <p:cTn id="12" dur="1" fill="hold">
                                           <p:stCondLst>
                                             <p:cond delay="0"/>
                                           </p:stCondLst>
@@ -17395,7 +17106,7 @@
                                     </p:set>
                                     <p:animEffect transition="in" filter="fade">
                                       <p:cBhvr>
-                                        <p:cTn id="14" dur="500"/>
+                                        <p:cTn id="13" dur="500"/>
                                         <p:tgtEl>
                                           <p:spTgt spid="9">
                                             <p:txEl>
@@ -17409,14 +17120,14 @@
                                 </p:cTn>
                               </p:par>
                               <p:par>
-                                <p:cTn id="15" presetID="10" presetClass="entr" presetSubtype="0" fill="hold" nodeType="withEffect">
+                                <p:cTn id="14" presetID="10" presetClass="entr" presetSubtype="0" fill="hold" nodeType="withEffect">
                                   <p:stCondLst>
                                     <p:cond delay="0"/>
                                   </p:stCondLst>
                                   <p:childTnLst>
                                     <p:set>
                                       <p:cBhvr>
-                                        <p:cTn id="16" dur="1" fill="hold">
+                                        <p:cTn id="15" dur="1" fill="hold">
                                           <p:stCondLst>
                                             <p:cond delay="0"/>
                                           </p:stCondLst>
@@ -17438,7 +17149,7 @@
                                     </p:set>
                                     <p:animEffect transition="in" filter="fade">
                                       <p:cBhvr>
-                                        <p:cTn id="17" dur="500"/>
+                                        <p:cTn id="16" dur="500"/>
                                         <p:tgtEl>
                                           <p:spTgt spid="9">
                                             <p:txEl>
@@ -17452,14 +17163,14 @@
                                 </p:cTn>
                               </p:par>
                               <p:par>
-                                <p:cTn id="18" presetID="10" presetClass="entr" presetSubtype="0" fill="hold" nodeType="withEffect">
+                                <p:cTn id="17" presetID="10" presetClass="entr" presetSubtype="0" fill="hold" nodeType="withEffect">
                                   <p:stCondLst>
                                     <p:cond delay="0"/>
                                   </p:stCondLst>
                                   <p:childTnLst>
                                     <p:set>
                                       <p:cBhvr>
-                                        <p:cTn id="19" dur="1" fill="hold">
+                                        <p:cTn id="18" dur="1" fill="hold">
                                           <p:stCondLst>
                                             <p:cond delay="0"/>
                                           </p:stCondLst>
@@ -17481,7 +17192,7 @@
                                     </p:set>
                                     <p:animEffect transition="in" filter="fade">
                                       <p:cBhvr>
-                                        <p:cTn id="20" dur="500"/>
+                                        <p:cTn id="19" dur="500"/>
                                         <p:tgtEl>
                                           <p:spTgt spid="9">
                                             <p:txEl>
@@ -17495,14 +17206,14 @@
                                 </p:cTn>
                               </p:par>
                               <p:par>
-                                <p:cTn id="21" presetID="10" presetClass="entr" presetSubtype="0" fill="hold" nodeType="withEffect">
+                                <p:cTn id="20" presetID="10" presetClass="entr" presetSubtype="0" fill="hold" nodeType="withEffect">
                                   <p:stCondLst>
                                     <p:cond delay="0"/>
                                   </p:stCondLst>
                                   <p:childTnLst>
                                     <p:set>
                                       <p:cBhvr>
-                                        <p:cTn id="22" dur="1" fill="hold">
+                                        <p:cTn id="21" dur="1" fill="hold">
                                           <p:stCondLst>
                                             <p:cond delay="0"/>
                                           </p:stCondLst>
@@ -17524,7 +17235,7 @@
                                     </p:set>
                                     <p:animEffect transition="in" filter="fade">
                                       <p:cBhvr>
-                                        <p:cTn id="23" dur="500"/>
+                                        <p:cTn id="22" dur="500"/>
                                         <p:tgtEl>
                                           <p:spTgt spid="9">
                                             <p:txEl>
@@ -17538,14 +17249,14 @@
                                 </p:cTn>
                               </p:par>
                               <p:par>
-                                <p:cTn id="24" presetID="10" presetClass="entr" presetSubtype="0" fill="hold" nodeType="withEffect">
+                                <p:cTn id="23" presetID="10" presetClass="entr" presetSubtype="0" fill="hold" nodeType="withEffect">
                                   <p:stCondLst>
                                     <p:cond delay="0"/>
                                   </p:stCondLst>
                                   <p:childTnLst>
                                     <p:set>
                                       <p:cBhvr>
-                                        <p:cTn id="25" dur="1" fill="hold">
+                                        <p:cTn id="24" dur="1" fill="hold">
                                           <p:stCondLst>
                                             <p:cond delay="0"/>
                                           </p:stCondLst>
@@ -17567,7 +17278,7 @@
                                     </p:set>
                                     <p:animEffect transition="in" filter="fade">
                                       <p:cBhvr>
-                                        <p:cTn id="26" dur="500"/>
+                                        <p:cTn id="25" dur="500"/>
                                         <p:tgtEl>
                                           <p:spTgt spid="9">
                                             <p:txEl>
@@ -17580,25 +17291,39 @@
                                   </p:childTnLst>
                                 </p:cTn>
                               </p:par>
+                            </p:childTnLst>
+                          </p:cTn>
+                        </p:par>
+                      </p:childTnLst>
+                    </p:cTn>
+                  </p:par>
+                  <p:par>
+                    <p:cTn id="26" fill="hold">
+                      <p:stCondLst>
+                        <p:cond delay="indefinite"/>
+                      </p:stCondLst>
+                      <p:childTnLst>
+                        <p:par>
+                          <p:cTn id="27" fill="hold">
+                            <p:stCondLst>
+                              <p:cond delay="0"/>
+                            </p:stCondLst>
+                            <p:childTnLst>
                               <p:par>
-                                <p:cTn id="27" presetID="10" presetClass="entr" presetSubtype="0" fill="hold" nodeType="withEffect">
+                                <p:cTn id="28" presetID="6" presetClass="entr" presetSubtype="16" fill="hold" nodeType="clickEffect">
                                   <p:stCondLst>
                                     <p:cond delay="0"/>
                                   </p:stCondLst>
                                   <p:childTnLst>
                                     <p:set>
                                       <p:cBhvr>
-                                        <p:cTn id="28" dur="1" fill="hold">
+                                        <p:cTn id="29" dur="1" fill="hold">
                                           <p:stCondLst>
                                             <p:cond delay="0"/>
                                           </p:stCondLst>
                                         </p:cTn>
                                         <p:tgtEl>
-                                          <p:spTgt spid="9">
-                                            <p:txEl>
-                                              <p:pRg st="6" end="6"/>
-                                            </p:txEl>
-                                          </p:spTgt>
+                                          <p:spTgt spid="2"/>
                                         </p:tgtEl>
                                         <p:attrNameLst>
                                           <p:attrName>style.visibility</p:attrName>
@@ -17608,15 +17333,11 @@
                                         <p:strVal val="visible"/>
                                       </p:to>
                                     </p:set>
-                                    <p:animEffect transition="in" filter="fade">
+                                    <p:animEffect transition="in" filter="circle(in)">
                                       <p:cBhvr>
-                                        <p:cTn id="29" dur="500"/>
+                                        <p:cTn id="30" dur="1000"/>
                                         <p:tgtEl>
-                                          <p:spTgt spid="9">
-                                            <p:txEl>
-                                              <p:pRg st="6" end="6"/>
-                                            </p:txEl>
-                                          </p:spTgt>
+                                          <p:spTgt spid="2"/>
                                         </p:tgtEl>
                                       </p:cBhvr>
                                     </p:animEffect>

--- a/CDBM/Team Assignment 01/Team02.pptx
+++ b/CDBM/Team Assignment 01/Team02.pptx
@@ -26,7 +26,7 @@
     <p:sldId id="300" r:id="rId17"/>
     <p:sldId id="276" r:id="rId18"/>
   </p:sldIdLst>
-  <p:sldSz cx="9144000" cy="5715000" type="screen16x10"/>
+  <p:sldSz cx="7620000" cy="5715000"/>
   <p:notesSz cx="6858000" cy="9144000"/>
   <p:defaultTextStyle>
     <a:defPPr>
@@ -126,27 +126,27 @@
   <p:extLst>
     <p:ext uri="{EFAFB233-063F-42B5-8137-9DF3F51BA10A}">
       <p15:sldGuideLst xmlns:p15="http://schemas.microsoft.com/office/powerpoint/2012/main">
-        <p15:guide id="1" orient="horz" pos="1800">
+        <p15:guide id="1" orient="horz" pos="1800" userDrawn="1">
           <p15:clr>
             <a:srgbClr val="A4A3A4"/>
           </p15:clr>
         </p15:guide>
-        <p15:guide id="2" orient="horz" pos="666">
+        <p15:guide id="2" orient="horz" pos="666" userDrawn="1">
           <p15:clr>
             <a:srgbClr val="A4A3A4"/>
           </p15:clr>
         </p15:guide>
-        <p15:guide id="3" orient="horz" pos="1135">
+        <p15:guide id="3" orient="horz" pos="1135" userDrawn="1">
           <p15:clr>
             <a:srgbClr val="A4A3A4"/>
           </p15:clr>
         </p15:guide>
-        <p15:guide id="4" pos="2880">
+        <p15:guide id="4" pos="2400" userDrawn="1">
           <p15:clr>
             <a:srgbClr val="A4A3A4"/>
           </p15:clr>
         </p15:guide>
-        <p15:guide id="5" pos="359">
+        <p15:guide id="5" pos="299" userDrawn="1">
           <p15:clr>
             <a:srgbClr val="A4A3A4"/>
           </p15:clr>
@@ -239,7 +239,7 @@
           <a:p>
             <a:fld id="{D68B8E7A-0CAD-4211-A8B4-4904BFD6EA77}" type="datetimeFigureOut">
               <a:rPr lang="en-US" smtClean="0"/>
-              <a:t>10/4/2013</a:t>
+              <a:t>10/5/2013</a:t>
             </a:fld>
             <a:endParaRPr lang="en-US"/>
           </a:p>
@@ -257,8 +257,8 @@
         </p:nvSpPr>
         <p:spPr>
           <a:xfrm>
-            <a:off x="960438" y="1143000"/>
-            <a:ext cx="4937125" cy="3086100"/>
+            <a:off x="1371600" y="1143000"/>
+            <a:ext cx="4114800" cy="3086100"/>
           </a:xfrm>
           <a:prstGeom prst="rect">
             <a:avLst/>
@@ -534,7 +534,12 @@
             <p:ph type="sldImg"/>
           </p:nvPr>
         </p:nvSpPr>
-        <p:spPr/>
+        <p:spPr>
+          <a:xfrm>
+            <a:off x="1371600" y="1143000"/>
+            <a:ext cx="4114800" cy="3086100"/>
+          </a:xfrm>
+        </p:spPr>
       </p:sp>
       <p:sp>
         <p:nvSpPr>
@@ -616,8 +621,8 @@
         </p:nvSpPr>
         <p:spPr>
           <a:xfrm>
-            <a:off x="-3365" y="-15893"/>
-            <a:ext cx="7743717" cy="3420000"/>
+            <a:off x="-2804" y="-15893"/>
+            <a:ext cx="6453098" cy="3420000"/>
           </a:xfrm>
           <a:prstGeom prst="rect">
             <a:avLst/>
@@ -650,7 +655,7 @@
           <a:lstStyle/>
           <a:p>
             <a:pPr algn="ctr"/>
-            <a:endParaRPr lang="en-GB"/>
+            <a:endParaRPr lang="en-GB" sz="1800"/>
           </a:p>
         </p:txBody>
       </p:sp>
@@ -662,8 +667,8 @@
         </p:nvSpPr>
         <p:spPr>
           <a:xfrm>
-            <a:off x="7781914" y="3420001"/>
-            <a:ext cx="1362086" cy="2295000"/>
+            <a:off x="6484928" y="3420001"/>
+            <a:ext cx="1135072" cy="2295000"/>
           </a:xfrm>
           <a:prstGeom prst="rect">
             <a:avLst/>
@@ -696,7 +701,7 @@
           <a:lstStyle/>
           <a:p>
             <a:pPr algn="ctr"/>
-            <a:endParaRPr lang="en-GB"/>
+            <a:endParaRPr lang="en-GB" sz="1800"/>
           </a:p>
         </p:txBody>
       </p:sp>
@@ -709,7 +714,7 @@
         <p:spPr>
           <a:xfrm>
             <a:off x="0" y="3440442"/>
-            <a:ext cx="7781914" cy="2295000"/>
+            <a:ext cx="6484928" cy="2295000"/>
           </a:xfrm>
           <a:prstGeom prst="rect">
             <a:avLst/>
@@ -742,7 +747,7 @@
           <a:lstStyle/>
           <a:p>
             <a:pPr algn="ctr"/>
-            <a:endParaRPr lang="en-GB"/>
+            <a:endParaRPr lang="en-GB" sz="1800"/>
           </a:p>
         </p:txBody>
       </p:sp>
@@ -754,8 +759,8 @@
         </p:nvSpPr>
         <p:spPr>
           <a:xfrm>
-            <a:off x="7781914" y="-1"/>
-            <a:ext cx="1362086" cy="3420001"/>
+            <a:off x="6484928" y="0"/>
+            <a:ext cx="1135072" cy="3420001"/>
           </a:xfrm>
           <a:prstGeom prst="rect">
             <a:avLst/>
@@ -788,7 +793,7 @@
           <a:lstStyle/>
           <a:p>
             <a:pPr algn="ctr"/>
-            <a:endParaRPr lang="en-GB"/>
+            <a:endParaRPr lang="en-GB" sz="1800"/>
           </a:p>
         </p:txBody>
       </p:sp>
@@ -804,8 +809,8 @@
         </p:nvSpPr>
         <p:spPr>
           <a:xfrm>
-            <a:off x="403448" y="3649588"/>
-            <a:ext cx="6400800" cy="1460500"/>
+            <a:off x="336207" y="3649588"/>
+            <a:ext cx="5334000" cy="1460500"/>
           </a:xfrm>
         </p:spPr>
         <p:txBody>
@@ -923,8 +928,8 @@
         </p:nvCxnSpPr>
         <p:spPr>
           <a:xfrm>
-            <a:off x="-3365" y="3440491"/>
-            <a:ext cx="9147365" cy="0"/>
+            <a:off x="-2804" y="3440491"/>
+            <a:ext cx="7622804" cy="0"/>
           </a:xfrm>
           <a:prstGeom prst="line">
             <a:avLst/>
@@ -958,7 +963,7 @@
         </p:nvCxnSpPr>
         <p:spPr>
           <a:xfrm>
-            <a:off x="7781914" y="0"/>
+            <a:off x="6484928" y="0"/>
             <a:ext cx="0" cy="5715000"/>
           </a:xfrm>
           <a:prstGeom prst="line">
@@ -997,8 +1002,8 @@
         </p:nvSpPr>
         <p:spPr>
           <a:xfrm>
-            <a:off x="395536" y="431036"/>
-            <a:ext cx="7128792" cy="2916666"/>
+            <a:off x="329613" y="431036"/>
+            <a:ext cx="5940660" cy="2916666"/>
           </a:xfrm>
         </p:spPr>
         <p:txBody>
@@ -1071,8 +1076,8 @@
         </p:nvSpPr>
         <p:spPr>
           <a:xfrm>
-            <a:off x="-1072" y="762020"/>
-            <a:ext cx="9147365" cy="68544"/>
+            <a:off x="-893" y="762020"/>
+            <a:ext cx="7622804" cy="68544"/>
           </a:xfrm>
           <a:prstGeom prst="rect">
             <a:avLst/>
@@ -1105,7 +1110,7 @@
           <a:lstStyle/>
           <a:p>
             <a:pPr algn="ctr"/>
-            <a:endParaRPr lang="en-GB">
+            <a:endParaRPr lang="en-GB" sz="1800">
               <a:solidFill>
                 <a:srgbClr val="34312E"/>
               </a:solidFill>
@@ -1121,8 +1126,8 @@
         </p:nvSpPr>
         <p:spPr>
           <a:xfrm>
-            <a:off x="-3365" y="-15893"/>
-            <a:ext cx="9147365" cy="785161"/>
+            <a:off x="-2804" y="-15893"/>
+            <a:ext cx="7622804" cy="785161"/>
           </a:xfrm>
           <a:prstGeom prst="rect">
             <a:avLst/>
@@ -1155,7 +1160,7 @@
           <a:lstStyle/>
           <a:p>
             <a:pPr algn="ctr"/>
-            <a:endParaRPr lang="en-GB"/>
+            <a:endParaRPr lang="en-GB" sz="1800"/>
           </a:p>
         </p:txBody>
       </p:sp>
@@ -1171,8 +1176,8 @@
         </p:nvSpPr>
         <p:spPr>
           <a:xfrm>
-            <a:off x="457200" y="-115609"/>
-            <a:ext cx="8229600" cy="952500"/>
+            <a:off x="381000" y="-115609"/>
+            <a:ext cx="6858000" cy="952500"/>
           </a:xfrm>
         </p:spPr>
         <p:txBody>
@@ -1207,8 +1212,8 @@
         </p:nvSpPr>
         <p:spPr>
           <a:xfrm>
-            <a:off x="4211960" y="1633363"/>
-            <a:ext cx="4474840" cy="3471773"/>
+            <a:off x="3509967" y="1633364"/>
+            <a:ext cx="3729033" cy="3471773"/>
           </a:xfrm>
         </p:spPr>
         <p:txBody>
@@ -1297,8 +1302,8 @@
         </p:nvSpPr>
         <p:spPr>
           <a:xfrm>
-            <a:off x="468313" y="985838"/>
-            <a:ext cx="8207375" cy="575518"/>
+            <a:off x="390261" y="985838"/>
+            <a:ext cx="6839479" cy="575518"/>
           </a:xfrm>
         </p:spPr>
         <p:txBody>
@@ -1358,8 +1363,8 @@
         </p:nvSpPr>
         <p:spPr>
           <a:xfrm>
-            <a:off x="-2293" y="5449788"/>
-            <a:ext cx="9147365" cy="288032"/>
+            <a:off x="-1910" y="5449788"/>
+            <a:ext cx="7622804" cy="288032"/>
           </a:xfrm>
           <a:prstGeom prst="rect">
             <a:avLst/>
@@ -1392,7 +1397,7 @@
           <a:lstStyle/>
           <a:p>
             <a:pPr algn="ctr"/>
-            <a:endParaRPr lang="en-GB">
+            <a:endParaRPr lang="en-GB" sz="1800">
               <a:solidFill>
                 <a:srgbClr val="34312E"/>
               </a:solidFill>
@@ -1412,8 +1417,8 @@
         </p:nvSpPr>
         <p:spPr>
           <a:xfrm>
-            <a:off x="468313" y="5428624"/>
-            <a:ext cx="3095625" cy="265112"/>
+            <a:off x="390261" y="5428624"/>
+            <a:ext cx="2579688" cy="265112"/>
           </a:xfrm>
         </p:spPr>
         <p:txBody>
@@ -1489,8 +1494,8 @@
         </p:nvSpPr>
         <p:spPr>
           <a:xfrm>
-            <a:off x="2267744" y="5422080"/>
-            <a:ext cx="2133600" cy="304271"/>
+            <a:off x="1889787" y="5422081"/>
+            <a:ext cx="1778000" cy="304271"/>
           </a:xfrm>
         </p:spPr>
         <p:txBody>
@@ -1509,7 +1514,7 @@
             <a:fld id="{58F9BFDF-4CE1-48F8-B8FC-2855FFBFC5D7}" type="datetimeFigureOut">
               <a:rPr lang="en-GB" smtClean="0"/>
               <a:pPr/>
-              <a:t>04/10/2013</a:t>
+              <a:t>05/10/2013</a:t>
             </a:fld>
             <a:endParaRPr lang="en-GB" dirty="0"/>
           </a:p>
@@ -1527,8 +1532,8 @@
         </p:nvSpPr>
         <p:spPr>
           <a:xfrm>
-            <a:off x="586072" y="1777381"/>
-            <a:ext cx="3311599" cy="3024336"/>
+            <a:off x="488394" y="1777381"/>
+            <a:ext cx="2759666" cy="3024336"/>
           </a:xfrm>
         </p:spPr>
         <p:txBody>
@@ -1563,8 +1568,8 @@
         </p:blipFill>
         <p:spPr>
           <a:xfrm>
-            <a:off x="8469487" y="5510679"/>
-            <a:ext cx="505330" cy="178809"/>
+            <a:off x="7057906" y="5510680"/>
+            <a:ext cx="421108" cy="178809"/>
           </a:xfrm>
           <a:prstGeom prst="rect">
             <a:avLst/>
@@ -1595,8 +1600,8 @@
         </p:blipFill>
         <p:spPr>
           <a:xfrm>
-            <a:off x="7655378" y="5510678"/>
-            <a:ext cx="668590" cy="178809"/>
+            <a:off x="6379482" y="5510679"/>
+            <a:ext cx="557158" cy="178809"/>
           </a:xfrm>
           <a:prstGeom prst="rect">
             <a:avLst/>
@@ -1648,8 +1653,8 @@
         </p:nvSpPr>
         <p:spPr>
           <a:xfrm>
-            <a:off x="-1072" y="762020"/>
-            <a:ext cx="9147365" cy="68544"/>
+            <a:off x="-893" y="762020"/>
+            <a:ext cx="7622804" cy="68544"/>
           </a:xfrm>
           <a:prstGeom prst="rect">
             <a:avLst/>
@@ -1682,7 +1687,7 @@
           <a:lstStyle/>
           <a:p>
             <a:pPr algn="ctr"/>
-            <a:endParaRPr lang="en-GB"/>
+            <a:endParaRPr lang="en-GB" sz="1800"/>
           </a:p>
         </p:txBody>
       </p:sp>
@@ -1694,8 +1699,8 @@
         </p:nvSpPr>
         <p:spPr>
           <a:xfrm>
-            <a:off x="-3365" y="-15893"/>
-            <a:ext cx="9147365" cy="785161"/>
+            <a:off x="-2804" y="-15893"/>
+            <a:ext cx="7622804" cy="785161"/>
           </a:xfrm>
           <a:prstGeom prst="rect">
             <a:avLst/>
@@ -1728,7 +1733,7 @@
           <a:lstStyle/>
           <a:p>
             <a:pPr algn="ctr"/>
-            <a:endParaRPr lang="en-GB"/>
+            <a:endParaRPr lang="en-GB" sz="1800"/>
           </a:p>
         </p:txBody>
       </p:sp>
@@ -1744,8 +1749,8 @@
         </p:nvSpPr>
         <p:spPr>
           <a:xfrm>
-            <a:off x="457200" y="-115609"/>
-            <a:ext cx="8229600" cy="952500"/>
+            <a:off x="381000" y="-115609"/>
+            <a:ext cx="6858000" cy="952500"/>
           </a:xfrm>
         </p:spPr>
         <p:txBody>
@@ -1780,8 +1785,8 @@
         </p:nvSpPr>
         <p:spPr>
           <a:xfrm>
-            <a:off x="4211960" y="1633363"/>
-            <a:ext cx="4474840" cy="3471773"/>
+            <a:off x="3509967" y="1633364"/>
+            <a:ext cx="3729033" cy="3471773"/>
           </a:xfrm>
         </p:spPr>
         <p:txBody>
@@ -1870,8 +1875,8 @@
         </p:nvSpPr>
         <p:spPr>
           <a:xfrm>
-            <a:off x="468313" y="985838"/>
-            <a:ext cx="8207375" cy="575518"/>
+            <a:off x="390261" y="985838"/>
+            <a:ext cx="6839479" cy="575518"/>
           </a:xfrm>
         </p:spPr>
         <p:txBody>
@@ -1931,8 +1936,8 @@
         </p:nvSpPr>
         <p:spPr>
           <a:xfrm>
-            <a:off x="-2293" y="5449788"/>
-            <a:ext cx="9147365" cy="288032"/>
+            <a:off x="-1910" y="5449788"/>
+            <a:ext cx="7622804" cy="288032"/>
           </a:xfrm>
           <a:prstGeom prst="rect">
             <a:avLst/>
@@ -1965,7 +1970,7 @@
           <a:lstStyle/>
           <a:p>
             <a:pPr algn="ctr"/>
-            <a:endParaRPr lang="en-GB"/>
+            <a:endParaRPr lang="en-GB" sz="1800"/>
           </a:p>
         </p:txBody>
       </p:sp>
@@ -1981,8 +1986,8 @@
         </p:nvSpPr>
         <p:spPr>
           <a:xfrm>
-            <a:off x="468313" y="5428624"/>
-            <a:ext cx="3095625" cy="265112"/>
+            <a:off x="390261" y="5428624"/>
+            <a:ext cx="2579688" cy="265112"/>
           </a:xfrm>
         </p:spPr>
         <p:txBody>
@@ -2058,8 +2063,8 @@
         </p:nvSpPr>
         <p:spPr>
           <a:xfrm>
-            <a:off x="2267744" y="5422080"/>
-            <a:ext cx="2133600" cy="304271"/>
+            <a:off x="1889787" y="5422081"/>
+            <a:ext cx="1778000" cy="304271"/>
           </a:xfrm>
         </p:spPr>
         <p:txBody>
@@ -2078,7 +2083,7 @@
             <a:fld id="{58F9BFDF-4CE1-48F8-B8FC-2855FFBFC5D7}" type="datetimeFigureOut">
               <a:rPr lang="en-GB" smtClean="0"/>
               <a:pPr/>
-              <a:t>04/10/2013</a:t>
+              <a:t>05/10/2013</a:t>
             </a:fld>
             <a:endParaRPr lang="en-GB" dirty="0"/>
           </a:p>
@@ -2096,8 +2101,8 @@
         </p:nvSpPr>
         <p:spPr>
           <a:xfrm>
-            <a:off x="468313" y="1814356"/>
-            <a:ext cx="3671887" cy="2376661"/>
+            <a:off x="390261" y="1814357"/>
+            <a:ext cx="3059906" cy="2376661"/>
           </a:xfrm>
         </p:spPr>
         <p:txBody>
@@ -2132,8 +2137,8 @@
         </p:blipFill>
         <p:spPr>
           <a:xfrm>
-            <a:off x="8469487" y="5510679"/>
-            <a:ext cx="505330" cy="178809"/>
+            <a:off x="7057906" y="5510680"/>
+            <a:ext cx="421108" cy="178809"/>
           </a:xfrm>
           <a:prstGeom prst="rect">
             <a:avLst/>
@@ -2164,8 +2169,8 @@
         </p:blipFill>
         <p:spPr>
           <a:xfrm>
-            <a:off x="7655378" y="5510678"/>
-            <a:ext cx="668590" cy="178809"/>
+            <a:off x="6379482" y="5510679"/>
+            <a:ext cx="557158" cy="178809"/>
           </a:xfrm>
           <a:prstGeom prst="rect">
             <a:avLst/>
@@ -2217,8 +2222,8 @@
         </p:nvSpPr>
         <p:spPr>
           <a:xfrm>
-            <a:off x="-1072" y="762020"/>
-            <a:ext cx="9147365" cy="68544"/>
+            <a:off x="-893" y="762020"/>
+            <a:ext cx="7622804" cy="68544"/>
           </a:xfrm>
           <a:prstGeom prst="rect">
             <a:avLst/>
@@ -2251,7 +2256,7 @@
           <a:lstStyle/>
           <a:p>
             <a:pPr algn="ctr"/>
-            <a:endParaRPr lang="en-GB"/>
+            <a:endParaRPr lang="en-GB" sz="1800"/>
           </a:p>
         </p:txBody>
       </p:sp>
@@ -2263,8 +2268,8 @@
         </p:nvSpPr>
         <p:spPr>
           <a:xfrm>
-            <a:off x="-3365" y="-15893"/>
-            <a:ext cx="9147365" cy="785161"/>
+            <a:off x="-2804" y="-15893"/>
+            <a:ext cx="7622804" cy="785161"/>
           </a:xfrm>
           <a:prstGeom prst="rect">
             <a:avLst/>
@@ -2297,7 +2302,7 @@
           <a:lstStyle/>
           <a:p>
             <a:pPr algn="ctr"/>
-            <a:endParaRPr lang="en-GB"/>
+            <a:endParaRPr lang="en-GB" sz="1800"/>
           </a:p>
         </p:txBody>
       </p:sp>
@@ -2313,8 +2318,8 @@
         </p:nvSpPr>
         <p:spPr>
           <a:xfrm>
-            <a:off x="457200" y="-115609"/>
-            <a:ext cx="8229600" cy="952500"/>
+            <a:off x="381000" y="-115609"/>
+            <a:ext cx="6858000" cy="952500"/>
           </a:xfrm>
         </p:spPr>
         <p:txBody>
@@ -2349,8 +2354,8 @@
         </p:nvSpPr>
         <p:spPr>
           <a:xfrm>
-            <a:off x="457200" y="1633363"/>
-            <a:ext cx="8229600" cy="3471773"/>
+            <a:off x="381000" y="1633364"/>
+            <a:ext cx="6858000" cy="3471773"/>
           </a:xfrm>
         </p:spPr>
         <p:txBody>
@@ -2435,8 +2440,8 @@
         </p:nvSpPr>
         <p:spPr>
           <a:xfrm>
-            <a:off x="-2293" y="5449788"/>
-            <a:ext cx="9147365" cy="288032"/>
+            <a:off x="-1910" y="5449788"/>
+            <a:ext cx="7622804" cy="288032"/>
           </a:xfrm>
           <a:prstGeom prst="rect">
             <a:avLst/>
@@ -2469,7 +2474,7 @@
           <a:lstStyle/>
           <a:p>
             <a:pPr algn="ctr"/>
-            <a:endParaRPr lang="en-GB"/>
+            <a:endParaRPr lang="en-GB" sz="1800"/>
           </a:p>
         </p:txBody>
       </p:sp>
@@ -2485,8 +2490,8 @@
         </p:nvSpPr>
         <p:spPr>
           <a:xfrm>
-            <a:off x="468313" y="5428624"/>
-            <a:ext cx="3095625" cy="265112"/>
+            <a:off x="390261" y="5428624"/>
+            <a:ext cx="2579688" cy="265112"/>
           </a:xfrm>
         </p:spPr>
         <p:txBody>
@@ -2562,8 +2567,8 @@
         </p:nvSpPr>
         <p:spPr>
           <a:xfrm>
-            <a:off x="3147473" y="5422080"/>
-            <a:ext cx="2133600" cy="304271"/>
+            <a:off x="2622894" y="5422081"/>
+            <a:ext cx="1778000" cy="304271"/>
           </a:xfrm>
         </p:spPr>
         <p:txBody>
@@ -2582,7 +2587,7 @@
             <a:fld id="{58F9BFDF-4CE1-48F8-B8FC-2855FFBFC5D7}" type="datetimeFigureOut">
               <a:rPr lang="en-GB" smtClean="0"/>
               <a:pPr/>
-              <a:t>04/10/2013</a:t>
+              <a:t>05/10/2013</a:t>
             </a:fld>
             <a:endParaRPr lang="en-GB" dirty="0"/>
           </a:p>
@@ -2612,8 +2617,8 @@
         </p:blipFill>
         <p:spPr>
           <a:xfrm>
-            <a:off x="8469487" y="5510679"/>
-            <a:ext cx="505330" cy="178809"/>
+            <a:off x="7057906" y="5510680"/>
+            <a:ext cx="421108" cy="178809"/>
           </a:xfrm>
           <a:prstGeom prst="rect">
             <a:avLst/>
@@ -2644,8 +2649,8 @@
         </p:blipFill>
         <p:spPr>
           <a:xfrm>
-            <a:off x="7655378" y="5510678"/>
-            <a:ext cx="668590" cy="178809"/>
+            <a:off x="6379482" y="5510679"/>
+            <a:ext cx="557158" cy="178809"/>
           </a:xfrm>
           <a:prstGeom prst="rect">
             <a:avLst/>
@@ -2697,8 +2702,8 @@
         </p:nvSpPr>
         <p:spPr>
           <a:xfrm>
-            <a:off x="-1072" y="762020"/>
-            <a:ext cx="9147365" cy="68544"/>
+            <a:off x="-893" y="762020"/>
+            <a:ext cx="7622804" cy="68544"/>
           </a:xfrm>
           <a:prstGeom prst="rect">
             <a:avLst/>
@@ -2731,7 +2736,7 @@
           <a:lstStyle/>
           <a:p>
             <a:pPr algn="ctr"/>
-            <a:endParaRPr lang="en-GB"/>
+            <a:endParaRPr lang="en-GB" sz="1800"/>
           </a:p>
         </p:txBody>
       </p:sp>
@@ -2743,8 +2748,8 @@
         </p:nvSpPr>
         <p:spPr>
           <a:xfrm>
-            <a:off x="-3365" y="-15893"/>
-            <a:ext cx="9147365" cy="785161"/>
+            <a:off x="-2804" y="-15893"/>
+            <a:ext cx="7622804" cy="785161"/>
           </a:xfrm>
           <a:prstGeom prst="rect">
             <a:avLst/>
@@ -2777,7 +2782,7 @@
           <a:lstStyle/>
           <a:p>
             <a:pPr algn="ctr"/>
-            <a:endParaRPr lang="en-GB"/>
+            <a:endParaRPr lang="en-GB" sz="1800"/>
           </a:p>
         </p:txBody>
       </p:sp>
@@ -2793,8 +2798,8 @@
         </p:nvSpPr>
         <p:spPr>
           <a:xfrm>
-            <a:off x="457200" y="-115609"/>
-            <a:ext cx="8229600" cy="952500"/>
+            <a:off x="381000" y="-115609"/>
+            <a:ext cx="6858000" cy="952500"/>
           </a:xfrm>
         </p:spPr>
         <p:txBody>
@@ -2829,8 +2834,8 @@
         </p:nvSpPr>
         <p:spPr>
           <a:xfrm>
-            <a:off x="2627784" y="1978015"/>
-            <a:ext cx="6059016" cy="3255749"/>
+            <a:off x="2189820" y="1978015"/>
+            <a:ext cx="5049180" cy="3255749"/>
           </a:xfrm>
         </p:spPr>
         <p:txBody>
@@ -2915,8 +2920,8 @@
         </p:nvSpPr>
         <p:spPr>
           <a:xfrm>
-            <a:off x="-2293" y="5449788"/>
-            <a:ext cx="9147365" cy="288032"/>
+            <a:off x="-1910" y="5449788"/>
+            <a:ext cx="7622804" cy="288032"/>
           </a:xfrm>
           <a:prstGeom prst="rect">
             <a:avLst/>
@@ -2949,7 +2954,7 @@
           <a:lstStyle/>
           <a:p>
             <a:pPr algn="ctr"/>
-            <a:endParaRPr lang="en-GB"/>
+            <a:endParaRPr lang="en-GB" sz="1800"/>
           </a:p>
         </p:txBody>
       </p:sp>
@@ -2965,8 +2970,8 @@
         </p:nvSpPr>
         <p:spPr>
           <a:xfrm>
-            <a:off x="468313" y="5428624"/>
-            <a:ext cx="3095625" cy="265112"/>
+            <a:off x="390261" y="5428624"/>
+            <a:ext cx="2579688" cy="265112"/>
           </a:xfrm>
         </p:spPr>
         <p:txBody>
@@ -3042,8 +3047,8 @@
         </p:nvSpPr>
         <p:spPr>
           <a:xfrm>
-            <a:off x="2267744" y="5422080"/>
-            <a:ext cx="2133600" cy="304271"/>
+            <a:off x="1889787" y="5422081"/>
+            <a:ext cx="1778000" cy="304271"/>
           </a:xfrm>
         </p:spPr>
         <p:txBody>
@@ -3062,7 +3067,7 @@
             <a:fld id="{58F9BFDF-4CE1-48F8-B8FC-2855FFBFC5D7}" type="datetimeFigureOut">
               <a:rPr lang="en-GB" smtClean="0"/>
               <a:pPr/>
-              <a:t>04/10/2013</a:t>
+              <a:t>05/10/2013</a:t>
             </a:fld>
             <a:endParaRPr lang="en-GB" dirty="0"/>
           </a:p>
@@ -3080,8 +3085,8 @@
         </p:nvSpPr>
         <p:spPr>
           <a:xfrm>
-            <a:off x="2738715" y="1401927"/>
-            <a:ext cx="6051311" cy="504825"/>
+            <a:off x="2282263" y="1401928"/>
+            <a:ext cx="5042759" cy="504825"/>
           </a:xfrm>
           <a:solidFill>
             <a:srgbClr val="422F20"/>
@@ -3158,8 +3163,8 @@
         </p:blipFill>
         <p:spPr>
           <a:xfrm>
-            <a:off x="8469487" y="5510679"/>
-            <a:ext cx="505330" cy="178809"/>
+            <a:off x="7057906" y="5510680"/>
+            <a:ext cx="421108" cy="178809"/>
           </a:xfrm>
           <a:prstGeom prst="rect">
             <a:avLst/>
@@ -3190,8 +3195,8 @@
         </p:blipFill>
         <p:spPr>
           <a:xfrm>
-            <a:off x="7655378" y="5510678"/>
-            <a:ext cx="668590" cy="178809"/>
+            <a:off x="6379482" y="5510679"/>
+            <a:ext cx="557158" cy="178809"/>
           </a:xfrm>
           <a:prstGeom prst="rect">
             <a:avLst/>
@@ -3243,8 +3248,8 @@
         </p:nvSpPr>
         <p:spPr>
           <a:xfrm>
-            <a:off x="-1072" y="762020"/>
-            <a:ext cx="9147365" cy="68544"/>
+            <a:off x="-893" y="762020"/>
+            <a:ext cx="7622804" cy="68544"/>
           </a:xfrm>
           <a:prstGeom prst="rect">
             <a:avLst/>
@@ -3277,7 +3282,7 @@
           <a:lstStyle/>
           <a:p>
             <a:pPr algn="ctr"/>
-            <a:endParaRPr lang="en-GB"/>
+            <a:endParaRPr lang="en-GB" sz="1800"/>
           </a:p>
         </p:txBody>
       </p:sp>
@@ -3289,8 +3294,8 @@
         </p:nvSpPr>
         <p:spPr>
           <a:xfrm>
-            <a:off x="-3365" y="-15893"/>
-            <a:ext cx="9147365" cy="785161"/>
+            <a:off x="-2804" y="-15893"/>
+            <a:ext cx="7622804" cy="785161"/>
           </a:xfrm>
           <a:prstGeom prst="rect">
             <a:avLst/>
@@ -3323,7 +3328,7 @@
           <a:lstStyle/>
           <a:p>
             <a:pPr algn="ctr"/>
-            <a:endParaRPr lang="en-GB"/>
+            <a:endParaRPr lang="en-GB" sz="1800"/>
           </a:p>
         </p:txBody>
       </p:sp>
@@ -3339,8 +3344,8 @@
         </p:nvSpPr>
         <p:spPr>
           <a:xfrm>
-            <a:off x="457200" y="-115609"/>
-            <a:ext cx="8229600" cy="952500"/>
+            <a:off x="381000" y="-115609"/>
+            <a:ext cx="6858000" cy="952500"/>
           </a:xfrm>
         </p:spPr>
         <p:txBody>
@@ -3371,8 +3376,8 @@
         </p:nvSpPr>
         <p:spPr>
           <a:xfrm>
-            <a:off x="-2293" y="5449788"/>
-            <a:ext cx="9147365" cy="288032"/>
+            <a:off x="-1910" y="5449788"/>
+            <a:ext cx="7622804" cy="288032"/>
           </a:xfrm>
           <a:prstGeom prst="rect">
             <a:avLst/>
@@ -3405,7 +3410,7 @@
           <a:lstStyle/>
           <a:p>
             <a:pPr algn="ctr"/>
-            <a:endParaRPr lang="en-GB"/>
+            <a:endParaRPr lang="en-GB" sz="1800"/>
           </a:p>
         </p:txBody>
       </p:sp>
@@ -3421,8 +3426,8 @@
         </p:nvSpPr>
         <p:spPr>
           <a:xfrm>
-            <a:off x="468313" y="5428624"/>
-            <a:ext cx="3095625" cy="265112"/>
+            <a:off x="390261" y="5428624"/>
+            <a:ext cx="2579688" cy="265112"/>
           </a:xfrm>
         </p:spPr>
         <p:txBody>
@@ -3498,8 +3503,8 @@
         </p:nvSpPr>
         <p:spPr>
           <a:xfrm>
-            <a:off x="2267744" y="5422080"/>
-            <a:ext cx="2133600" cy="304271"/>
+            <a:off x="1889787" y="5422081"/>
+            <a:ext cx="1778000" cy="304271"/>
           </a:xfrm>
         </p:spPr>
         <p:txBody>
@@ -3518,7 +3523,7 @@
             <a:fld id="{58F9BFDF-4CE1-48F8-B8FC-2855FFBFC5D7}" type="datetimeFigureOut">
               <a:rPr lang="en-GB" smtClean="0"/>
               <a:pPr/>
-              <a:t>04/10/2013</a:t>
+              <a:t>05/10/2013</a:t>
             </a:fld>
             <a:endParaRPr lang="en-GB" dirty="0"/>
           </a:p>
@@ -3536,8 +3541,8 @@
         </p:nvSpPr>
         <p:spPr>
           <a:xfrm>
-            <a:off x="-3365" y="1705372"/>
-            <a:ext cx="6015525" cy="1008112"/>
+            <a:off x="-2804" y="1705372"/>
+            <a:ext cx="5012938" cy="1008112"/>
           </a:xfrm>
           <a:solidFill>
             <a:srgbClr val="94C255"/>
@@ -3604,8 +3609,8 @@
         </p:nvSpPr>
         <p:spPr>
           <a:xfrm>
-            <a:off x="-8804" y="830564"/>
-            <a:ext cx="9144000" cy="4619625"/>
+            <a:off x="-7337" y="830564"/>
+            <a:ext cx="7620000" cy="4619625"/>
           </a:xfrm>
         </p:spPr>
         <p:txBody>
@@ -3640,8 +3645,8 @@
         </p:blipFill>
         <p:spPr>
           <a:xfrm>
-            <a:off x="8469487" y="5510679"/>
-            <a:ext cx="505330" cy="178809"/>
+            <a:off x="7057906" y="5510680"/>
+            <a:ext cx="421108" cy="178809"/>
           </a:xfrm>
           <a:prstGeom prst="rect">
             <a:avLst/>
@@ -3672,8 +3677,8 @@
         </p:blipFill>
         <p:spPr>
           <a:xfrm>
-            <a:off x="7655378" y="5510678"/>
-            <a:ext cx="668590" cy="178809"/>
+            <a:off x="6379482" y="5510679"/>
+            <a:ext cx="557158" cy="178809"/>
           </a:xfrm>
           <a:prstGeom prst="rect">
             <a:avLst/>
@@ -3725,8 +3730,8 @@
         </p:nvSpPr>
         <p:spPr>
           <a:xfrm>
-            <a:off x="-1072" y="762020"/>
-            <a:ext cx="9147365" cy="68544"/>
+            <a:off x="-893" y="762020"/>
+            <a:ext cx="7622804" cy="68544"/>
           </a:xfrm>
           <a:prstGeom prst="rect">
             <a:avLst/>
@@ -3759,7 +3764,7 @@
           <a:lstStyle/>
           <a:p>
             <a:pPr algn="ctr"/>
-            <a:endParaRPr lang="en-GB"/>
+            <a:endParaRPr lang="en-GB" sz="1800"/>
           </a:p>
         </p:txBody>
       </p:sp>
@@ -3771,8 +3776,8 @@
         </p:nvSpPr>
         <p:spPr>
           <a:xfrm>
-            <a:off x="-3365" y="-15893"/>
-            <a:ext cx="9147365" cy="785161"/>
+            <a:off x="-2804" y="-15893"/>
+            <a:ext cx="7622804" cy="785161"/>
           </a:xfrm>
           <a:prstGeom prst="rect">
             <a:avLst/>
@@ -3805,7 +3810,7 @@
           <a:lstStyle/>
           <a:p>
             <a:pPr algn="ctr"/>
-            <a:endParaRPr lang="en-GB"/>
+            <a:endParaRPr lang="en-GB" sz="1800"/>
           </a:p>
         </p:txBody>
       </p:sp>
@@ -3821,8 +3826,8 @@
         </p:nvSpPr>
         <p:spPr>
           <a:xfrm>
-            <a:off x="457200" y="-115609"/>
-            <a:ext cx="8229600" cy="952500"/>
+            <a:off x="381000" y="-115609"/>
+            <a:ext cx="6858000" cy="952500"/>
           </a:xfrm>
         </p:spPr>
         <p:txBody>
@@ -3857,8 +3862,8 @@
         </p:nvSpPr>
         <p:spPr>
           <a:xfrm>
-            <a:off x="457200" y="2181720"/>
-            <a:ext cx="3898776" cy="2895708"/>
+            <a:off x="381000" y="2181720"/>
+            <a:ext cx="3248980" cy="2895708"/>
           </a:xfrm>
         </p:spPr>
         <p:txBody>
@@ -3945,8 +3950,8 @@
         </p:nvSpPr>
         <p:spPr>
           <a:xfrm>
-            <a:off x="468313" y="985838"/>
-            <a:ext cx="8207375" cy="575518"/>
+            <a:off x="390261" y="985838"/>
+            <a:ext cx="6839479" cy="575518"/>
           </a:xfrm>
         </p:spPr>
         <p:txBody>
@@ -4010,8 +4015,8 @@
         </p:nvSpPr>
         <p:spPr>
           <a:xfrm>
-            <a:off x="468313" y="1689400"/>
-            <a:ext cx="3887663" cy="431800"/>
+            <a:off x="390261" y="1689400"/>
+            <a:ext cx="3239719" cy="431800"/>
           </a:xfrm>
         </p:spPr>
         <p:txBody>
@@ -4067,8 +4072,8 @@
         </p:nvSpPr>
         <p:spPr>
           <a:xfrm>
-            <a:off x="4633093" y="2181100"/>
-            <a:ext cx="4042792" cy="2895708"/>
+            <a:off x="3860911" y="2181100"/>
+            <a:ext cx="3368993" cy="2895708"/>
           </a:xfrm>
         </p:spPr>
         <p:txBody>
@@ -4155,8 +4160,8 @@
         </p:nvSpPr>
         <p:spPr>
           <a:xfrm>
-            <a:off x="4644206" y="1688780"/>
-            <a:ext cx="4032250" cy="431800"/>
+            <a:off x="3870172" y="1688780"/>
+            <a:ext cx="3360208" cy="431800"/>
           </a:xfrm>
         </p:spPr>
         <p:txBody>
@@ -4208,8 +4213,8 @@
         </p:nvSpPr>
         <p:spPr>
           <a:xfrm>
-            <a:off x="-2293" y="5449788"/>
-            <a:ext cx="9147365" cy="288032"/>
+            <a:off x="-1910" y="5449788"/>
+            <a:ext cx="7622804" cy="288032"/>
           </a:xfrm>
           <a:prstGeom prst="rect">
             <a:avLst/>
@@ -4242,7 +4247,7 @@
           <a:lstStyle/>
           <a:p>
             <a:pPr algn="ctr"/>
-            <a:endParaRPr lang="en-GB"/>
+            <a:endParaRPr lang="en-GB" sz="1800"/>
           </a:p>
         </p:txBody>
       </p:sp>
@@ -4258,8 +4263,8 @@
         </p:nvSpPr>
         <p:spPr>
           <a:xfrm>
-            <a:off x="468313" y="5428624"/>
-            <a:ext cx="3095625" cy="265112"/>
+            <a:off x="390261" y="5428624"/>
+            <a:ext cx="2579688" cy="265112"/>
           </a:xfrm>
         </p:spPr>
         <p:txBody>
@@ -4335,8 +4340,8 @@
         </p:nvSpPr>
         <p:spPr>
           <a:xfrm>
-            <a:off x="2267744" y="5422080"/>
-            <a:ext cx="2133600" cy="304271"/>
+            <a:off x="1889787" y="5422081"/>
+            <a:ext cx="1778000" cy="304271"/>
           </a:xfrm>
         </p:spPr>
         <p:txBody>
@@ -4355,7 +4360,7 @@
             <a:fld id="{58F9BFDF-4CE1-48F8-B8FC-2855FFBFC5D7}" type="datetimeFigureOut">
               <a:rPr lang="en-GB" smtClean="0"/>
               <a:pPr/>
-              <a:t>04/10/2013</a:t>
+              <a:t>05/10/2013</a:t>
             </a:fld>
             <a:endParaRPr lang="en-GB" dirty="0"/>
           </a:p>
@@ -4385,8 +4390,8 @@
         </p:blipFill>
         <p:spPr>
           <a:xfrm>
-            <a:off x="8469487" y="5510679"/>
-            <a:ext cx="505330" cy="178809"/>
+            <a:off x="7057906" y="5510680"/>
+            <a:ext cx="421108" cy="178809"/>
           </a:xfrm>
           <a:prstGeom prst="rect">
             <a:avLst/>
@@ -4417,8 +4422,8 @@
         </p:blipFill>
         <p:spPr>
           <a:xfrm>
-            <a:off x="7655378" y="5510678"/>
-            <a:ext cx="668590" cy="178809"/>
+            <a:off x="6379482" y="5510679"/>
+            <a:ext cx="557158" cy="178809"/>
           </a:xfrm>
           <a:prstGeom prst="rect">
             <a:avLst/>
@@ -4470,8 +4475,8 @@
         </p:nvSpPr>
         <p:spPr>
           <a:xfrm>
-            <a:off x="-1072" y="762020"/>
-            <a:ext cx="9147365" cy="68544"/>
+            <a:off x="-893" y="762020"/>
+            <a:ext cx="7622804" cy="68544"/>
           </a:xfrm>
           <a:prstGeom prst="rect">
             <a:avLst/>
@@ -4504,7 +4509,7 @@
           <a:lstStyle/>
           <a:p>
             <a:pPr algn="ctr"/>
-            <a:endParaRPr lang="en-GB"/>
+            <a:endParaRPr lang="en-GB" sz="1800"/>
           </a:p>
         </p:txBody>
       </p:sp>
@@ -4516,8 +4521,8 @@
         </p:nvSpPr>
         <p:spPr>
           <a:xfrm>
-            <a:off x="-3365" y="-15893"/>
-            <a:ext cx="9147365" cy="785161"/>
+            <a:off x="-2804" y="-15893"/>
+            <a:ext cx="7622804" cy="785161"/>
           </a:xfrm>
           <a:prstGeom prst="rect">
             <a:avLst/>
@@ -4550,7 +4555,7 @@
           <a:lstStyle/>
           <a:p>
             <a:pPr algn="ctr"/>
-            <a:endParaRPr lang="en-GB"/>
+            <a:endParaRPr lang="en-GB" sz="1800"/>
           </a:p>
         </p:txBody>
       </p:sp>
@@ -4566,8 +4571,8 @@
         </p:nvSpPr>
         <p:spPr>
           <a:xfrm>
-            <a:off x="457200" y="-115609"/>
-            <a:ext cx="8229600" cy="952500"/>
+            <a:off x="381000" y="-115609"/>
+            <a:ext cx="6858000" cy="952500"/>
           </a:xfrm>
         </p:spPr>
         <p:txBody>
@@ -4602,8 +4607,8 @@
         </p:nvSpPr>
         <p:spPr>
           <a:xfrm>
-            <a:off x="457200" y="2181720"/>
-            <a:ext cx="2458616" cy="2895708"/>
+            <a:off x="381000" y="2181720"/>
+            <a:ext cx="2048847" cy="2895708"/>
           </a:xfrm>
         </p:spPr>
         <p:txBody>
@@ -4707,8 +4712,8 @@
         </p:nvSpPr>
         <p:spPr>
           <a:xfrm>
-            <a:off x="468313" y="985838"/>
-            <a:ext cx="8207375" cy="575518"/>
+            <a:off x="390261" y="985838"/>
+            <a:ext cx="6839479" cy="575518"/>
           </a:xfrm>
         </p:spPr>
         <p:txBody>
@@ -4772,8 +4777,8 @@
         </p:nvSpPr>
         <p:spPr>
           <a:xfrm>
-            <a:off x="468314" y="1689400"/>
-            <a:ext cx="2448118" cy="431800"/>
+            <a:off x="390262" y="1689400"/>
+            <a:ext cx="2040098" cy="431800"/>
           </a:xfrm>
         </p:spPr>
         <p:txBody>
@@ -4829,8 +4834,8 @@
         </p:nvSpPr>
         <p:spPr>
           <a:xfrm>
-            <a:off x="3245410" y="2181100"/>
-            <a:ext cx="2664296" cy="2895708"/>
+            <a:off x="2704508" y="2181100"/>
+            <a:ext cx="2220247" cy="2895708"/>
           </a:xfrm>
         </p:spPr>
         <p:txBody>
@@ -4934,8 +4939,8 @@
         </p:nvSpPr>
         <p:spPr>
           <a:xfrm>
-            <a:off x="3245410" y="1688780"/>
-            <a:ext cx="2664296" cy="431800"/>
+            <a:off x="2704508" y="1688780"/>
+            <a:ext cx="2220247" cy="431800"/>
           </a:xfrm>
         </p:spPr>
         <p:txBody>
@@ -4991,8 +4996,8 @@
         </p:nvSpPr>
         <p:spPr>
           <a:xfrm>
-            <a:off x="6146511" y="2188027"/>
-            <a:ext cx="2664296" cy="2895708"/>
+            <a:off x="5122092" y="2188027"/>
+            <a:ext cx="2220247" cy="2895708"/>
           </a:xfrm>
         </p:spPr>
         <p:txBody>
@@ -5096,8 +5101,8 @@
         </p:nvSpPr>
         <p:spPr>
           <a:xfrm>
-            <a:off x="6146511" y="1695707"/>
-            <a:ext cx="2664296" cy="431800"/>
+            <a:off x="5122092" y="1695707"/>
+            <a:ext cx="2220247" cy="431800"/>
           </a:xfrm>
         </p:spPr>
         <p:txBody>
@@ -5149,8 +5154,8 @@
         </p:nvSpPr>
         <p:spPr>
           <a:xfrm>
-            <a:off x="-2293" y="5449788"/>
-            <a:ext cx="9147365" cy="288032"/>
+            <a:off x="-1910" y="5449788"/>
+            <a:ext cx="7622804" cy="288032"/>
           </a:xfrm>
           <a:prstGeom prst="rect">
             <a:avLst/>
@@ -5183,7 +5188,7 @@
           <a:lstStyle/>
           <a:p>
             <a:pPr algn="ctr"/>
-            <a:endParaRPr lang="en-GB"/>
+            <a:endParaRPr lang="en-GB" sz="1800"/>
           </a:p>
         </p:txBody>
       </p:sp>
@@ -5199,8 +5204,8 @@
         </p:nvSpPr>
         <p:spPr>
           <a:xfrm>
-            <a:off x="468313" y="5428624"/>
-            <a:ext cx="3095625" cy="265112"/>
+            <a:off x="390261" y="5428624"/>
+            <a:ext cx="2579688" cy="265112"/>
           </a:xfrm>
         </p:spPr>
         <p:txBody>
@@ -5276,8 +5281,8 @@
         </p:nvSpPr>
         <p:spPr>
           <a:xfrm>
-            <a:off x="2267744" y="5422080"/>
-            <a:ext cx="2133600" cy="304271"/>
+            <a:off x="1889787" y="5422081"/>
+            <a:ext cx="1778000" cy="304271"/>
           </a:xfrm>
         </p:spPr>
         <p:txBody>
@@ -5296,7 +5301,7 @@
             <a:fld id="{58F9BFDF-4CE1-48F8-B8FC-2855FFBFC5D7}" type="datetimeFigureOut">
               <a:rPr lang="en-GB" smtClean="0"/>
               <a:pPr/>
-              <a:t>04/10/2013</a:t>
+              <a:t>05/10/2013</a:t>
             </a:fld>
             <a:endParaRPr lang="en-GB" dirty="0"/>
           </a:p>
@@ -5326,8 +5331,8 @@
         </p:blipFill>
         <p:spPr>
           <a:xfrm>
-            <a:off x="8469487" y="5510679"/>
-            <a:ext cx="505330" cy="178809"/>
+            <a:off x="7057906" y="5510680"/>
+            <a:ext cx="421108" cy="178809"/>
           </a:xfrm>
           <a:prstGeom prst="rect">
             <a:avLst/>
@@ -5358,8 +5363,8 @@
         </p:blipFill>
         <p:spPr>
           <a:xfrm>
-            <a:off x="7655378" y="5510678"/>
-            <a:ext cx="668590" cy="178809"/>
+            <a:off x="6379482" y="5510679"/>
+            <a:ext cx="557158" cy="178809"/>
           </a:xfrm>
           <a:prstGeom prst="rect">
             <a:avLst/>
@@ -5411,8 +5416,8 @@
         </p:nvSpPr>
         <p:spPr>
           <a:xfrm>
-            <a:off x="-3365" y="-2040"/>
-            <a:ext cx="7743717" cy="4371707"/>
+            <a:off x="-2804" y="-2040"/>
+            <a:ext cx="6453098" cy="4371707"/>
           </a:xfrm>
           <a:prstGeom prst="rect">
             <a:avLst/>
@@ -5445,7 +5450,7 @@
           <a:lstStyle/>
           <a:p>
             <a:pPr algn="ctr"/>
-            <a:endParaRPr lang="en-GB"/>
+            <a:endParaRPr lang="en-GB" sz="1800"/>
           </a:p>
         </p:txBody>
       </p:sp>
@@ -5457,8 +5462,8 @@
         </p:nvSpPr>
         <p:spPr>
           <a:xfrm>
-            <a:off x="7781914" y="4369667"/>
-            <a:ext cx="1362086" cy="1345334"/>
+            <a:off x="6484928" y="4369667"/>
+            <a:ext cx="1135072" cy="1345334"/>
           </a:xfrm>
           <a:prstGeom prst="rect">
             <a:avLst/>
@@ -5491,7 +5496,7 @@
           <a:lstStyle/>
           <a:p>
             <a:pPr algn="ctr"/>
-            <a:endParaRPr lang="en-GB"/>
+            <a:endParaRPr lang="en-GB" sz="1800"/>
           </a:p>
         </p:txBody>
       </p:sp>
@@ -5504,7 +5509,7 @@
         <p:spPr>
           <a:xfrm>
             <a:off x="0" y="4441677"/>
-            <a:ext cx="7781914" cy="1273324"/>
+            <a:ext cx="6484928" cy="1273324"/>
           </a:xfrm>
           <a:prstGeom prst="rect">
             <a:avLst/>
@@ -5537,7 +5542,7 @@
           <a:lstStyle/>
           <a:p>
             <a:pPr algn="ctr"/>
-            <a:endParaRPr lang="en-GB"/>
+            <a:endParaRPr lang="en-GB" sz="1800"/>
           </a:p>
         </p:txBody>
       </p:sp>
@@ -5549,8 +5554,8 @@
         </p:nvSpPr>
         <p:spPr>
           <a:xfrm>
-            <a:off x="7781914" y="-1"/>
-            <a:ext cx="1362086" cy="4369668"/>
+            <a:off x="6484928" y="-1"/>
+            <a:ext cx="1135072" cy="4369668"/>
           </a:xfrm>
           <a:prstGeom prst="rect">
             <a:avLst/>
@@ -5583,7 +5588,7 @@
           <a:lstStyle/>
           <a:p>
             <a:pPr algn="ctr"/>
-            <a:endParaRPr lang="en-GB"/>
+            <a:endParaRPr lang="en-GB" sz="1800"/>
           </a:p>
         </p:txBody>
       </p:sp>
@@ -5599,8 +5604,8 @@
         </p:nvSpPr>
         <p:spPr>
           <a:xfrm>
-            <a:off x="403448" y="4687968"/>
-            <a:ext cx="6400800" cy="576064"/>
+            <a:off x="336207" y="4687968"/>
+            <a:ext cx="5334000" cy="576064"/>
           </a:xfrm>
         </p:spPr>
         <p:txBody>
@@ -5718,8 +5723,8 @@
         </p:nvCxnSpPr>
         <p:spPr>
           <a:xfrm>
-            <a:off x="-3365" y="4390449"/>
-            <a:ext cx="7785279" cy="0"/>
+            <a:off x="-2804" y="4390449"/>
+            <a:ext cx="6487733" cy="0"/>
           </a:xfrm>
           <a:prstGeom prst="line">
             <a:avLst/>
@@ -5753,7 +5758,7 @@
         </p:nvCxnSpPr>
         <p:spPr>
           <a:xfrm>
-            <a:off x="7781914" y="0"/>
+            <a:off x="6484928" y="0"/>
             <a:ext cx="0" cy="5715000"/>
           </a:xfrm>
           <a:prstGeom prst="line">
@@ -5792,8 +5797,8 @@
         </p:nvSpPr>
         <p:spPr>
           <a:xfrm>
-            <a:off x="395536" y="431036"/>
-            <a:ext cx="7128792" cy="2916666"/>
+            <a:off x="329613" y="431036"/>
+            <a:ext cx="5940660" cy="2916666"/>
           </a:xfrm>
         </p:spPr>
         <p:txBody>
@@ -5833,8 +5838,8 @@
         </p:nvSpPr>
         <p:spPr>
           <a:xfrm>
-            <a:off x="7812359" y="-1"/>
-            <a:ext cx="1368153" cy="5715001"/>
+            <a:off x="6510299" y="-1"/>
+            <a:ext cx="1140128" cy="5715001"/>
           </a:xfrm>
           <a:solidFill>
             <a:srgbClr val="94C255"/>
@@ -5893,8 +5898,8 @@
         </p:nvSpPr>
         <p:spPr>
           <a:xfrm>
-            <a:off x="-3365" y="-15894"/>
-            <a:ext cx="9147365" cy="4745601"/>
+            <a:off x="-2804" y="-15894"/>
+            <a:ext cx="7622804" cy="4745601"/>
           </a:xfrm>
           <a:prstGeom prst="rect">
             <a:avLst/>
@@ -5927,7 +5932,7 @@
           <a:lstStyle/>
           <a:p>
             <a:pPr algn="ctr"/>
-            <a:endParaRPr lang="en-GB"/>
+            <a:endParaRPr lang="en-GB" sz="1800"/>
           </a:p>
         </p:txBody>
       </p:sp>
@@ -5940,7 +5945,7 @@
         <p:spPr>
           <a:xfrm>
             <a:off x="0" y="4729708"/>
-            <a:ext cx="9144000" cy="1005734"/>
+            <a:ext cx="7620000" cy="1005734"/>
           </a:xfrm>
           <a:prstGeom prst="rect">
             <a:avLst/>
@@ -5973,7 +5978,7 @@
           <a:lstStyle/>
           <a:p>
             <a:pPr algn="ctr"/>
-            <a:endParaRPr lang="en-GB"/>
+            <a:endParaRPr lang="en-GB" sz="1800"/>
           </a:p>
         </p:txBody>
       </p:sp>
@@ -5989,8 +5994,8 @@
         </p:nvSpPr>
         <p:spPr>
           <a:xfrm>
-            <a:off x="403448" y="5110970"/>
-            <a:ext cx="8201000" cy="524396"/>
+            <a:off x="336207" y="5110970"/>
+            <a:ext cx="6834167" cy="524396"/>
           </a:xfrm>
         </p:spPr>
         <p:txBody>
@@ -6108,8 +6113,8 @@
         </p:nvCxnSpPr>
         <p:spPr>
           <a:xfrm>
-            <a:off x="-3365" y="4729708"/>
-            <a:ext cx="9147365" cy="0"/>
+            <a:off x="-2804" y="4729708"/>
+            <a:ext cx="7622804" cy="0"/>
           </a:xfrm>
           <a:prstGeom prst="line">
             <a:avLst/>
@@ -6147,8 +6152,8 @@
         </p:nvSpPr>
         <p:spPr>
           <a:xfrm>
-            <a:off x="395536" y="431036"/>
-            <a:ext cx="7128792" cy="2916666"/>
+            <a:off x="329613" y="431036"/>
+            <a:ext cx="5940660" cy="2916666"/>
           </a:xfrm>
         </p:spPr>
         <p:txBody>
@@ -6226,7 +6231,7 @@
         <p:spPr>
           <a:xfrm>
             <a:off x="0" y="0"/>
-            <a:ext cx="9144000" cy="4729708"/>
+            <a:ext cx="7620000" cy="4729708"/>
           </a:xfrm>
         </p:spPr>
         <p:txBody>
@@ -6246,7 +6251,7 @@
         <p:spPr>
           <a:xfrm>
             <a:off x="0" y="4729708"/>
-            <a:ext cx="9144000" cy="1005734"/>
+            <a:ext cx="7620000" cy="1005734"/>
           </a:xfrm>
           <a:prstGeom prst="rect">
             <a:avLst/>
@@ -6279,7 +6284,7 @@
           <a:lstStyle/>
           <a:p>
             <a:pPr algn="ctr"/>
-            <a:endParaRPr lang="en-GB"/>
+            <a:endParaRPr lang="en-GB" sz="1800"/>
           </a:p>
         </p:txBody>
       </p:sp>
@@ -6295,8 +6300,8 @@
         </p:nvSpPr>
         <p:spPr>
           <a:xfrm>
-            <a:off x="403448" y="5110970"/>
-            <a:ext cx="8201000" cy="524396"/>
+            <a:off x="336207" y="5110970"/>
+            <a:ext cx="6834167" cy="524396"/>
           </a:xfrm>
         </p:spPr>
         <p:txBody>
@@ -6414,8 +6419,8 @@
         </p:nvCxnSpPr>
         <p:spPr>
           <a:xfrm>
-            <a:off x="-3365" y="4729708"/>
-            <a:ext cx="9147365" cy="0"/>
+            <a:off x="-2804" y="4729708"/>
+            <a:ext cx="7622804" cy="0"/>
           </a:xfrm>
           <a:prstGeom prst="line">
             <a:avLst/>
@@ -6491,7 +6496,7 @@
         <p:spPr>
           <a:xfrm>
             <a:off x="0" y="0"/>
-            <a:ext cx="9144000" cy="5715000"/>
+            <a:ext cx="7620000" cy="5715000"/>
           </a:xfrm>
         </p:spPr>
         <p:txBody>
@@ -6515,7 +6520,7 @@
         <p:spPr>
           <a:xfrm>
             <a:off x="0" y="1202060"/>
-            <a:ext cx="5219700" cy="1511424"/>
+            <a:ext cx="4349750" cy="1511424"/>
           </a:xfrm>
           <a:solidFill>
             <a:srgbClr val="FFFFFF"/>
@@ -6593,8 +6598,8 @@
         </p:nvSpPr>
         <p:spPr>
           <a:xfrm>
-            <a:off x="3347864" y="3001516"/>
-            <a:ext cx="5795764" cy="864096"/>
+            <a:off x="2789887" y="3001516"/>
+            <a:ext cx="4829803" cy="864096"/>
           </a:xfrm>
           <a:solidFill>
             <a:srgbClr val="94C255"/>
@@ -6716,7 +6721,7 @@
         <p:spPr>
           <a:xfrm>
             <a:off x="0" y="0"/>
-            <a:ext cx="9144000" cy="5715000"/>
+            <a:ext cx="7620000" cy="5715000"/>
           </a:xfrm>
         </p:spPr>
         <p:txBody>
@@ -6740,7 +6745,7 @@
         <p:spPr>
           <a:xfrm>
             <a:off x="0" y="1202060"/>
-            <a:ext cx="5219700" cy="1511424"/>
+            <a:ext cx="4349750" cy="1511424"/>
           </a:xfrm>
           <a:solidFill>
             <a:srgbClr val="FFFFFF"/>
@@ -6855,8 +6860,8 @@
         </p:nvSpPr>
         <p:spPr>
           <a:xfrm>
-            <a:off x="395536" y="359028"/>
-            <a:ext cx="7128792" cy="3060682"/>
+            <a:off x="329613" y="359028"/>
+            <a:ext cx="5940660" cy="3060682"/>
           </a:xfrm>
         </p:spPr>
         <p:txBody>
@@ -6893,7 +6898,7 @@
         <p:spPr>
           <a:xfrm>
             <a:off x="0" y="4729708"/>
-            <a:ext cx="9144000" cy="1005734"/>
+            <a:ext cx="7620000" cy="1005734"/>
           </a:xfrm>
           <a:prstGeom prst="rect">
             <a:avLst/>
@@ -6926,7 +6931,7 @@
           <a:lstStyle/>
           <a:p>
             <a:pPr algn="ctr"/>
-            <a:endParaRPr lang="en-GB"/>
+            <a:endParaRPr lang="en-GB" sz="1800"/>
           </a:p>
         </p:txBody>
       </p:sp>
@@ -6942,8 +6947,8 @@
         </p:nvSpPr>
         <p:spPr>
           <a:xfrm>
-            <a:off x="403448" y="5048627"/>
-            <a:ext cx="8201000" cy="524396"/>
+            <a:off x="336207" y="5048627"/>
+            <a:ext cx="6834167" cy="524396"/>
           </a:xfrm>
         </p:spPr>
         <p:txBody>
@@ -7061,8 +7066,8 @@
         </p:nvCxnSpPr>
         <p:spPr>
           <a:xfrm>
-            <a:off x="-3365" y="4729708"/>
-            <a:ext cx="9147365" cy="0"/>
+            <a:off x="-2804" y="4729708"/>
+            <a:ext cx="7622804" cy="0"/>
           </a:xfrm>
           <a:prstGeom prst="line">
             <a:avLst/>
@@ -7138,7 +7143,7 @@
         <p:spPr>
           <a:xfrm>
             <a:off x="0" y="1079447"/>
-            <a:ext cx="9144000" cy="3060682"/>
+            <a:ext cx="7620000" cy="3060682"/>
           </a:xfrm>
         </p:spPr>
         <p:txBody>
@@ -7181,8 +7186,8 @@
         </p:nvCxnSpPr>
         <p:spPr>
           <a:xfrm>
-            <a:off x="-3365" y="5249242"/>
-            <a:ext cx="9147365" cy="0"/>
+            <a:off x="-2804" y="5249242"/>
+            <a:ext cx="7622804" cy="0"/>
           </a:xfrm>
           <a:prstGeom prst="line">
             <a:avLst/>
@@ -7253,8 +7258,8 @@
         </p:nvSpPr>
         <p:spPr>
           <a:xfrm>
-            <a:off x="-1072" y="762020"/>
-            <a:ext cx="9147365" cy="68544"/>
+            <a:off x="-893" y="762020"/>
+            <a:ext cx="7622804" cy="68544"/>
           </a:xfrm>
           <a:prstGeom prst="rect">
             <a:avLst/>
@@ -7287,7 +7292,7 @@
           <a:lstStyle/>
           <a:p>
             <a:pPr algn="ctr"/>
-            <a:endParaRPr lang="en-GB"/>
+            <a:endParaRPr lang="en-GB" sz="1800"/>
           </a:p>
         </p:txBody>
       </p:sp>
@@ -7299,8 +7304,8 @@
         </p:nvSpPr>
         <p:spPr>
           <a:xfrm>
-            <a:off x="-3365" y="-15893"/>
-            <a:ext cx="9147365" cy="785161"/>
+            <a:off x="-2804" y="-15893"/>
+            <a:ext cx="7622804" cy="785161"/>
           </a:xfrm>
           <a:prstGeom prst="rect">
             <a:avLst/>
@@ -7333,7 +7338,7 @@
           <a:lstStyle/>
           <a:p>
             <a:pPr algn="ctr"/>
-            <a:endParaRPr lang="en-GB"/>
+            <a:endParaRPr lang="en-GB" sz="1800"/>
           </a:p>
         </p:txBody>
       </p:sp>
@@ -7349,8 +7354,8 @@
         </p:nvSpPr>
         <p:spPr>
           <a:xfrm>
-            <a:off x="457200" y="-115609"/>
-            <a:ext cx="8229600" cy="952500"/>
+            <a:off x="381000" y="-115609"/>
+            <a:ext cx="6858000" cy="952500"/>
           </a:xfrm>
         </p:spPr>
         <p:txBody>
@@ -7385,8 +7390,8 @@
         </p:nvSpPr>
         <p:spPr>
           <a:xfrm>
-            <a:off x="457200" y="1633363"/>
-            <a:ext cx="8229600" cy="3471773"/>
+            <a:off x="381000" y="1633364"/>
+            <a:ext cx="6858000" cy="3471773"/>
           </a:xfrm>
         </p:spPr>
         <p:txBody>
@@ -7473,8 +7478,8 @@
         </p:nvSpPr>
         <p:spPr>
           <a:xfrm>
-            <a:off x="468313" y="985838"/>
-            <a:ext cx="8207375" cy="575518"/>
+            <a:off x="390261" y="985838"/>
+            <a:ext cx="6839479" cy="575518"/>
           </a:xfrm>
         </p:spPr>
         <p:txBody>
@@ -7534,8 +7539,8 @@
         </p:nvSpPr>
         <p:spPr>
           <a:xfrm>
-            <a:off x="-2293" y="5449788"/>
-            <a:ext cx="9147365" cy="288032"/>
+            <a:off x="-1910" y="5449788"/>
+            <a:ext cx="7622804" cy="288032"/>
           </a:xfrm>
           <a:prstGeom prst="rect">
             <a:avLst/>
@@ -7568,7 +7573,7 @@
           <a:lstStyle/>
           <a:p>
             <a:pPr algn="ctr"/>
-            <a:endParaRPr lang="en-GB"/>
+            <a:endParaRPr lang="en-GB" sz="1800"/>
           </a:p>
         </p:txBody>
       </p:sp>
@@ -7584,8 +7589,8 @@
         </p:nvSpPr>
         <p:spPr>
           <a:xfrm>
-            <a:off x="468313" y="5428624"/>
-            <a:ext cx="3095625" cy="265112"/>
+            <a:off x="390261" y="5428624"/>
+            <a:ext cx="2579688" cy="265112"/>
           </a:xfrm>
         </p:spPr>
         <p:txBody>
@@ -7661,8 +7666,8 @@
         </p:nvSpPr>
         <p:spPr>
           <a:xfrm>
-            <a:off x="2267744" y="5422080"/>
-            <a:ext cx="2133600" cy="304271"/>
+            <a:off x="1889787" y="5422081"/>
+            <a:ext cx="1778000" cy="304271"/>
           </a:xfrm>
         </p:spPr>
         <p:txBody>
@@ -7681,7 +7686,7 @@
             <a:fld id="{58F9BFDF-4CE1-48F8-B8FC-2855FFBFC5D7}" type="datetimeFigureOut">
               <a:rPr lang="en-GB" smtClean="0"/>
               <a:pPr/>
-              <a:t>04/10/2013</a:t>
+              <a:t>05/10/2013</a:t>
             </a:fld>
             <a:endParaRPr lang="en-GB" dirty="0"/>
           </a:p>
@@ -7711,8 +7716,8 @@
         </p:blipFill>
         <p:spPr>
           <a:xfrm>
-            <a:off x="8469487" y="5510679"/>
-            <a:ext cx="505330" cy="178809"/>
+            <a:off x="7057906" y="5510680"/>
+            <a:ext cx="421108" cy="178809"/>
           </a:xfrm>
           <a:prstGeom prst="rect">
             <a:avLst/>
@@ -7743,8 +7748,8 @@
         </p:blipFill>
         <p:spPr>
           <a:xfrm>
-            <a:off x="7655378" y="5510678"/>
-            <a:ext cx="668590" cy="178809"/>
+            <a:off x="6379482" y="5510679"/>
+            <a:ext cx="557158" cy="178809"/>
           </a:xfrm>
           <a:prstGeom prst="rect">
             <a:avLst/>
@@ -7808,8 +7813,8 @@
         </p:nvSpPr>
         <p:spPr>
           <a:xfrm>
-            <a:off x="457200" y="228866"/>
-            <a:ext cx="8229600" cy="952500"/>
+            <a:off x="381000" y="228866"/>
+            <a:ext cx="6858000" cy="952500"/>
           </a:xfrm>
           <a:prstGeom prst="rect">
             <a:avLst/>
@@ -7841,8 +7846,8 @@
         </p:nvSpPr>
         <p:spPr>
           <a:xfrm>
-            <a:off x="457200" y="1333501"/>
-            <a:ext cx="8229600" cy="3771636"/>
+            <a:off x="381000" y="1333501"/>
+            <a:ext cx="6858000" cy="3771636"/>
           </a:xfrm>
           <a:prstGeom prst="rect">
             <a:avLst/>
@@ -7903,8 +7908,8 @@
         </p:nvSpPr>
         <p:spPr>
           <a:xfrm>
-            <a:off x="457200" y="5296959"/>
-            <a:ext cx="2133600" cy="304271"/>
+            <a:off x="381000" y="5296960"/>
+            <a:ext cx="1778000" cy="304271"/>
           </a:xfrm>
           <a:prstGeom prst="rect">
             <a:avLst/>
@@ -7927,7 +7932,7 @@
             <a:fld id="{58F9BFDF-4CE1-48F8-B8FC-2855FFBFC5D7}" type="datetimeFigureOut">
               <a:rPr lang="en-GB" smtClean="0"/>
               <a:pPr/>
-              <a:t>04/10/2013</a:t>
+              <a:t>05/10/2013</a:t>
             </a:fld>
             <a:endParaRPr lang="en-GB"/>
           </a:p>
@@ -7945,8 +7950,8 @@
         </p:nvSpPr>
         <p:spPr>
           <a:xfrm>
-            <a:off x="3124200" y="5296959"/>
-            <a:ext cx="2895600" cy="304271"/>
+            <a:off x="2603500" y="5296960"/>
+            <a:ext cx="2413000" cy="304271"/>
           </a:xfrm>
           <a:prstGeom prst="rect">
             <a:avLst/>
@@ -7982,8 +7987,8 @@
         </p:nvSpPr>
         <p:spPr>
           <a:xfrm>
-            <a:off x="6553200" y="5296959"/>
-            <a:ext cx="2133600" cy="304271"/>
+            <a:off x="5461000" y="5296960"/>
+            <a:ext cx="1778000" cy="304271"/>
           </a:xfrm>
           <a:prstGeom prst="rect">
             <a:avLst/>
@@ -8036,8 +8041,8 @@
         </p:blipFill>
         <p:spPr>
           <a:xfrm>
-            <a:off x="8434852" y="5455263"/>
-            <a:ext cx="505330" cy="178809"/>
+            <a:off x="7029044" y="5455264"/>
+            <a:ext cx="421108" cy="178809"/>
           </a:xfrm>
           <a:prstGeom prst="rect">
             <a:avLst/>
@@ -8068,8 +8073,8 @@
         </p:blipFill>
         <p:spPr>
           <a:xfrm>
-            <a:off x="7620743" y="5455262"/>
-            <a:ext cx="668590" cy="178809"/>
+            <a:off x="6350619" y="5455263"/>
+            <a:ext cx="557158" cy="178809"/>
           </a:xfrm>
           <a:prstGeom prst="rect">
             <a:avLst/>
@@ -8384,7 +8389,7 @@
         </p:nvSpPr>
         <p:spPr>
           <a:xfrm>
-            <a:off x="281528" y="4035552"/>
+            <a:off x="-480472" y="4035552"/>
             <a:ext cx="7131208" cy="1584960"/>
           </a:xfrm>
         </p:spPr>
@@ -8395,7 +8400,7 @@
           <a:lstStyle/>
           <a:p>
             <a:pPr algn="ctr"/>
-            <a:endParaRPr lang="en-US" sz="4000" smtClean="0">
+            <a:endParaRPr lang="en-US" sz="4000">
               <a:latin typeface="Diavlo Light" panose="02000000000000000000" pitchFamily="2" charset="0"/>
             </a:endParaRPr>
           </a:p>
@@ -8426,7 +8431,7 @@
         <p:spPr>
           <a:xfrm>
             <a:off x="0" y="0"/>
-            <a:ext cx="7827264" cy="3413760"/>
+            <a:ext cx="7620000" cy="3413760"/>
           </a:xfrm>
         </p:spPr>
         <p:txBody>
@@ -8473,8 +8478,8 @@
         </p:blipFill>
         <p:spPr>
           <a:xfrm>
-            <a:off x="7721600" y="3413760"/>
-            <a:ext cx="1422400" cy="2301240"/>
+            <a:off x="6437376" y="3413760"/>
+            <a:ext cx="1176528" cy="2301240"/>
           </a:xfrm>
           <a:prstGeom prst="rect">
             <a:avLst/>
@@ -8669,7 +8674,7 @@
         <p:spPr/>
         <p:txBody>
           <a:bodyPr>
-            <a:normAutofit/>
+            <a:normAutofit fontScale="90000"/>
           </a:bodyPr>
           <a:lstStyle/>
           <a:p>
@@ -8713,8 +8718,8 @@
         </p:nvSpPr>
         <p:spPr>
           <a:xfrm>
-            <a:off x="182880" y="999745"/>
-            <a:ext cx="8717280" cy="4105392"/>
+            <a:off x="219456" y="1011937"/>
+            <a:ext cx="7092696" cy="4105392"/>
           </a:xfrm>
         </p:spPr>
         <p:txBody>
@@ -8728,7 +8733,7 @@
               <a:buChar char="Ø"/>
             </a:pPr>
             <a:r>
-              <a:rPr lang="vi-VN" sz="2400" smtClean="0">
+              <a:rPr lang="vi-VN" sz="2400">
                 <a:latin typeface="Diavlo Light" panose="02000000000000000000" pitchFamily="2" charset="0"/>
                 <a:cs typeface="Times New Roman" panose="02020603050405020304" pitchFamily="18" charset="0"/>
               </a:rPr>
@@ -9049,7 +9054,7 @@
         <p:spPr/>
         <p:txBody>
           <a:bodyPr>
-            <a:normAutofit/>
+            <a:normAutofit fontScale="90000"/>
           </a:bodyPr>
           <a:lstStyle/>
           <a:p>
@@ -9093,8 +9098,8 @@
         </p:nvSpPr>
         <p:spPr>
           <a:xfrm>
-            <a:off x="182880" y="999745"/>
-            <a:ext cx="8717280" cy="4105392"/>
+            <a:off x="-231648" y="999745"/>
+            <a:ext cx="8058912" cy="4105392"/>
           </a:xfrm>
         </p:spPr>
         <p:txBody>
@@ -9108,7 +9113,7 @@
               <a:buChar char="Ø"/>
             </a:pPr>
             <a:r>
-              <a:rPr lang="vi-VN" sz="2400" smtClean="0">
+              <a:rPr lang="vi-VN" sz="2400">
                 <a:latin typeface="Diavlo Light" panose="02000000000000000000" pitchFamily="2" charset="0"/>
                 <a:cs typeface="Times New Roman" panose="02020603050405020304" pitchFamily="18" charset="0"/>
               </a:rPr>
@@ -9132,7 +9137,7 @@
               <a:t>APR (ARP Poison Routing</a:t>
             </a:r>
             <a:r>
-              <a:rPr lang="en-US" sz="2400" smtClean="0">
+              <a:rPr lang="en-US" sz="2400">
                 <a:latin typeface="Diavlo Light" panose="02000000000000000000" pitchFamily="2" charset="0"/>
                 <a:cs typeface="Times New Roman" panose="02020603050405020304" pitchFamily="18" charset="0"/>
               </a:rPr>
@@ -9156,14 +9161,14 @@
               <a:t>Full HTTPS sessions sniffer for APR (</a:t>
             </a:r>
             <a:r>
-              <a:rPr lang="vi-VN" sz="2400" smtClean="0">
+              <a:rPr lang="vi-VN" sz="2400">
                 <a:latin typeface="Diavlo Light" panose="02000000000000000000" pitchFamily="2" charset="0"/>
                 <a:cs typeface="Times New Roman" panose="02020603050405020304" pitchFamily="18" charset="0"/>
               </a:rPr>
               <a:t>APR-HTTPS</a:t>
             </a:r>
             <a:r>
-              <a:rPr lang="en-US" sz="2400" smtClean="0">
+              <a:rPr lang="en-US" sz="2400">
                 <a:latin typeface="Diavlo Light" panose="02000000000000000000" pitchFamily="2" charset="0"/>
                 <a:cs typeface="Times New Roman" panose="02020603050405020304" pitchFamily="18" charset="0"/>
               </a:rPr>
@@ -9227,7 +9232,7 @@
               <a:t>Full POP3S sessions sniffer for APR (APR-POP3S</a:t>
             </a:r>
             <a:r>
-              <a:rPr lang="en-US" sz="2400" smtClean="0">
+              <a:rPr lang="en-US" sz="2400">
                 <a:latin typeface="Diavlo Light" panose="02000000000000000000" pitchFamily="2" charset="0"/>
                 <a:cs typeface="Times New Roman" panose="02020603050405020304" pitchFamily="18" charset="0"/>
               </a:rPr>
@@ -9244,14 +9249,14 @@
               <a:buChar char="§"/>
             </a:pPr>
             <a:r>
-              <a:rPr lang="vi-VN" sz="2400" smtClean="0">
+              <a:rPr lang="vi-VN" sz="2400">
                 <a:latin typeface="Diavlo Light" panose="02000000000000000000" pitchFamily="2" charset="0"/>
                 <a:cs typeface="Times New Roman" panose="02020603050405020304" pitchFamily="18" charset="0"/>
               </a:rPr>
               <a:t>Wireless Scanner</a:t>
             </a:r>
             <a:r>
-              <a:rPr lang="en-US" sz="2400" smtClean="0">
+              <a:rPr lang="en-US" sz="2400">
                 <a:latin typeface="Diavlo Light" panose="02000000000000000000" pitchFamily="2" charset="0"/>
                 <a:cs typeface="Times New Roman" panose="02020603050405020304" pitchFamily="18" charset="0"/>
               </a:rPr>
@@ -9286,8 +9291,8 @@
         </p:blipFill>
         <p:spPr>
           <a:xfrm>
-            <a:off x="755904" y="1060705"/>
-            <a:ext cx="7510272" cy="4105392"/>
+            <a:off x="274320" y="1060705"/>
+            <a:ext cx="7162800" cy="4105392"/>
           </a:xfrm>
           <a:prstGeom prst="rect">
             <a:avLst/>
@@ -9780,7 +9785,7 @@
         <p:spPr/>
         <p:txBody>
           <a:bodyPr>
-            <a:normAutofit/>
+            <a:normAutofit fontScale="90000"/>
           </a:bodyPr>
           <a:lstStyle/>
           <a:p>
@@ -9824,8 +9829,8 @@
         </p:nvSpPr>
         <p:spPr>
           <a:xfrm>
-            <a:off x="182880" y="999745"/>
-            <a:ext cx="8717280" cy="4105392"/>
+            <a:off x="109728" y="950977"/>
+            <a:ext cx="7315200" cy="4105392"/>
           </a:xfrm>
         </p:spPr>
         <p:txBody>
@@ -9839,21 +9844,21 @@
               <a:buAutoNum type="arabicPeriod" startAt="3"/>
             </a:pPr>
             <a:r>
-              <a:rPr lang="en-GB" sz="2400" smtClean="0">
+              <a:rPr lang="en-GB" sz="2400">
                 <a:latin typeface="Diavlo Light" panose="02000000000000000000" pitchFamily="2" charset="0"/>
                 <a:cs typeface="Times New Roman" panose="02020603050405020304" pitchFamily="18" charset="0"/>
               </a:rPr>
               <a:t>Giới thiệu </a:t>
             </a:r>
             <a:r>
-              <a:rPr lang="en-US" sz="2400" smtClean="0">
+              <a:rPr lang="en-US" sz="2400">
                 <a:latin typeface="Diavlo Light" panose="02000000000000000000" pitchFamily="2" charset="0"/>
                 <a:cs typeface="Times New Roman" panose="02020603050405020304" pitchFamily="18" charset="0"/>
               </a:rPr>
               <a:t>Chi tiết về Abel</a:t>
             </a:r>
             <a:r>
-              <a:rPr lang="en-GB" sz="2400" smtClean="0">
+              <a:rPr lang="en-GB" sz="2400">
                 <a:latin typeface="Diavlo Light" panose="02000000000000000000" pitchFamily="2" charset="0"/>
                 <a:cs typeface="Times New Roman" panose="02020603050405020304" pitchFamily="18" charset="0"/>
               </a:rPr>
@@ -9873,21 +9878,21 @@
               <a:t>Abel: là phần thứ hai của phần mềm, được thiết kế như một dịch vụ dành cho Windows </a:t>
             </a:r>
             <a:r>
-              <a:rPr lang="vi-VN" sz="2400" smtClean="0">
+              <a:rPr lang="vi-VN" sz="2400">
                 <a:latin typeface="Diavlo Light" panose="02000000000000000000" pitchFamily="2" charset="0"/>
                 <a:cs typeface="Times New Roman" panose="02020603050405020304" pitchFamily="18" charset="0"/>
               </a:rPr>
               <a:t>NT.</a:t>
             </a:r>
             <a:r>
-              <a:rPr lang="en-US" sz="2400" smtClean="0">
+              <a:rPr lang="en-US" sz="2400">
                 <a:latin typeface="Diavlo Light" panose="02000000000000000000" pitchFamily="2" charset="0"/>
                 <a:cs typeface="Times New Roman" panose="02020603050405020304" pitchFamily="18" charset="0"/>
               </a:rPr>
               <a:t> T</a:t>
             </a:r>
             <a:r>
-              <a:rPr lang="vi-VN" sz="2400" smtClean="0">
+              <a:rPr lang="vi-VN" sz="2400">
                 <a:latin typeface="Diavlo Light" panose="02000000000000000000" pitchFamily="2" charset="0"/>
                 <a:cs typeface="Times New Roman" panose="02020603050405020304" pitchFamily="18" charset="0"/>
               </a:rPr>
@@ -9901,14 +9906,14 @@
               <a:t>cả dữ liệu truyền qua đường dẫn này đều được mã hóa bằng thuật toán mã hóa đối xứng RC4 với khóa là “Cain&amp;Abel</a:t>
             </a:r>
             <a:r>
-              <a:rPr lang="vi-VN" sz="2400" smtClean="0">
+              <a:rPr lang="vi-VN" sz="2400">
                 <a:latin typeface="Diavlo Light" panose="02000000000000000000" pitchFamily="2" charset="0"/>
                 <a:cs typeface="Times New Roman" panose="02020603050405020304" pitchFamily="18" charset="0"/>
               </a:rPr>
               <a:t>”</a:t>
             </a:r>
             <a:r>
-              <a:rPr lang="en-US" sz="2400" smtClean="0">
+              <a:rPr lang="en-US" sz="2400">
                 <a:latin typeface="Diavlo Light" panose="02000000000000000000" pitchFamily="2" charset="0"/>
                 <a:cs typeface="Times New Roman" panose="02020603050405020304" pitchFamily="18" charset="0"/>
               </a:rPr>
@@ -9928,14 +9933,14 @@
               <a:t>Remote </a:t>
             </a:r>
             <a:r>
-              <a:rPr lang="vi-VN" sz="2400" smtClean="0">
+              <a:rPr lang="vi-VN" sz="2400">
                 <a:latin typeface="Diavlo Light" panose="02000000000000000000" pitchFamily="2" charset="0"/>
                 <a:cs typeface="Times New Roman" panose="02020603050405020304" pitchFamily="18" charset="0"/>
               </a:rPr>
               <a:t>Console</a:t>
             </a:r>
             <a:r>
-              <a:rPr lang="en-US" sz="2400" smtClean="0">
+              <a:rPr lang="en-US" sz="2400">
                 <a:latin typeface="Diavlo Light" panose="02000000000000000000" pitchFamily="2" charset="0"/>
                 <a:cs typeface="Times New Roman" panose="02020603050405020304" pitchFamily="18" charset="0"/>
               </a:rPr>
@@ -9959,14 +9964,14 @@
               <a:t>Remote LSA Secrets </a:t>
             </a:r>
             <a:r>
-              <a:rPr lang="vi-VN" sz="2400" smtClean="0">
+              <a:rPr lang="vi-VN" sz="2400">
                 <a:latin typeface="Diavlo Light" panose="02000000000000000000" pitchFamily="2" charset="0"/>
                 <a:cs typeface="Times New Roman" panose="02020603050405020304" pitchFamily="18" charset="0"/>
               </a:rPr>
               <a:t>Dumper</a:t>
             </a:r>
             <a:r>
-              <a:rPr lang="en-US" sz="2400" smtClean="0">
+              <a:rPr lang="en-US" sz="2400">
                 <a:latin typeface="Diavlo Light" panose="02000000000000000000" pitchFamily="2" charset="0"/>
                 <a:cs typeface="Times New Roman" panose="02020603050405020304" pitchFamily="18" charset="0"/>
               </a:rPr>
@@ -9990,14 +9995,14 @@
               <a:t>Remote Route Table </a:t>
             </a:r>
             <a:r>
-              <a:rPr lang="vi-VN" sz="2400" smtClean="0">
+              <a:rPr lang="vi-VN" sz="2400">
                 <a:latin typeface="Diavlo Light" panose="02000000000000000000" pitchFamily="2" charset="0"/>
                 <a:cs typeface="Times New Roman" panose="02020603050405020304" pitchFamily="18" charset="0"/>
               </a:rPr>
               <a:t>Manager</a:t>
             </a:r>
             <a:r>
-              <a:rPr lang="en-US" sz="2400" smtClean="0">
+              <a:rPr lang="en-US" sz="2400">
                 <a:latin typeface="Diavlo Light" panose="02000000000000000000" pitchFamily="2" charset="0"/>
                 <a:cs typeface="Times New Roman" panose="02020603050405020304" pitchFamily="18" charset="0"/>
               </a:rPr>
@@ -10021,14 +10026,14 @@
               <a:t>Remote TCP/UDP Table </a:t>
             </a:r>
             <a:r>
-              <a:rPr lang="vi-VN" sz="2400" smtClean="0">
+              <a:rPr lang="vi-VN" sz="2400">
                 <a:latin typeface="Diavlo Light" panose="02000000000000000000" pitchFamily="2" charset="0"/>
                 <a:cs typeface="Times New Roman" panose="02020603050405020304" pitchFamily="18" charset="0"/>
               </a:rPr>
               <a:t>Viewer</a:t>
             </a:r>
             <a:r>
-              <a:rPr lang="en-US" sz="2400" smtClean="0">
+              <a:rPr lang="en-US" sz="2400">
                 <a:latin typeface="Diavlo Light" panose="02000000000000000000" pitchFamily="2" charset="0"/>
                 <a:cs typeface="Times New Roman" panose="02020603050405020304" pitchFamily="18" charset="0"/>
               </a:rPr>
@@ -10044,7 +10049,7 @@
               <a:buFont typeface="+mj-lt"/>
               <a:buAutoNum type="arabicPeriod" startAt="3"/>
             </a:pPr>
-            <a:endParaRPr lang="en-GB" sz="2400" smtClean="0">
+            <a:endParaRPr lang="en-GB" sz="2400">
               <a:latin typeface="Diavlo Light" panose="02000000000000000000" pitchFamily="2" charset="0"/>
               <a:cs typeface="Times New Roman" panose="02020603050405020304" pitchFamily="18" charset="0"/>
             </a:endParaRPr>
@@ -10494,8 +10499,8 @@
         </p:nvSpPr>
         <p:spPr>
           <a:xfrm>
-            <a:off x="457200" y="999745"/>
-            <a:ext cx="8229600" cy="4105392"/>
+            <a:off x="96256" y="1035841"/>
+            <a:ext cx="7471611" cy="4105392"/>
           </a:xfrm>
         </p:spPr>
         <p:txBody>
@@ -10584,10 +10589,6 @@
               </a:rPr>
               <a:t>ó.</a:t>
             </a:r>
-            <a:endParaRPr lang="en-US" smtClean="0">
-              <a:latin typeface="Diavlo Light" panose="02000000000000000000" pitchFamily="2" charset="0"/>
-              <a:cs typeface="Times New Roman" panose="02020603050405020304" pitchFamily="18" charset="0"/>
-            </a:endParaRPr>
           </a:p>
           <a:p>
             <a:pPr lvl="2" indent="-342900">
@@ -11171,8 +11172,8 @@
         </p:nvSpPr>
         <p:spPr>
           <a:xfrm>
-            <a:off x="457200" y="999745"/>
-            <a:ext cx="8229600" cy="4105392"/>
+            <a:off x="204541" y="1120065"/>
+            <a:ext cx="7142748" cy="4105392"/>
           </a:xfrm>
         </p:spPr>
         <p:txBody>
@@ -11299,10 +11300,6 @@
               </a:rPr>
               <a:t>.</a:t>
             </a:r>
-            <a:endParaRPr lang="en-US" smtClean="0">
-              <a:latin typeface="Diavlo Light" panose="02000000000000000000" pitchFamily="2" charset="0"/>
-              <a:cs typeface="Times New Roman" panose="02020603050405020304" pitchFamily="18" charset="0"/>
-            </a:endParaRPr>
           </a:p>
           <a:p>
             <a:pPr lvl="2">
@@ -11323,10 +11320,6 @@
               </a:rPr>
               <a:t>.</a:t>
             </a:r>
-            <a:endParaRPr lang="en-US" smtClean="0">
-              <a:latin typeface="Diavlo Light" panose="02000000000000000000" pitchFamily="2" charset="0"/>
-              <a:cs typeface="Times New Roman" panose="02020603050405020304" pitchFamily="18" charset="0"/>
-            </a:endParaRPr>
           </a:p>
           <a:p>
             <a:pPr lvl="2">
@@ -11777,8 +11770,8 @@
         </p:nvSpPr>
         <p:spPr>
           <a:xfrm>
-            <a:off x="457200" y="999745"/>
-            <a:ext cx="8229600" cy="4105392"/>
+            <a:off x="132347" y="999745"/>
+            <a:ext cx="7279106" cy="4105392"/>
           </a:xfrm>
         </p:spPr>
         <p:txBody>
@@ -12208,8 +12201,8 @@
         </p:nvSpPr>
         <p:spPr>
           <a:xfrm>
-            <a:off x="457200" y="999745"/>
-            <a:ext cx="8229600" cy="4105392"/>
+            <a:off x="288758" y="1023809"/>
+            <a:ext cx="7134727" cy="4105392"/>
           </a:xfrm>
         </p:spPr>
         <p:txBody>
@@ -12510,8 +12503,8 @@
         </p:nvSpPr>
         <p:spPr>
           <a:xfrm>
-            <a:off x="395536" y="431036"/>
-            <a:ext cx="7128792" cy="3848356"/>
+            <a:off x="84220" y="431036"/>
+            <a:ext cx="6821906" cy="3848356"/>
           </a:xfrm>
         </p:spPr>
         <p:txBody>
@@ -12751,7 +12744,7 @@
         </p:nvSpPr>
         <p:spPr>
           <a:xfrm>
-            <a:off x="432816" y="1426099"/>
+            <a:off x="-329184" y="1426100"/>
             <a:ext cx="8229600" cy="3471773"/>
           </a:xfrm>
         </p:spPr>
@@ -12776,7 +12769,7 @@
               <a:buChar char="q"/>
             </a:pPr>
             <a:r>
-              <a:rPr lang="en-US" sz="2600" smtClean="0">
+              <a:rPr lang="en-US" sz="2600">
                 <a:solidFill>
                   <a:srgbClr val="797A7D"/>
                 </a:solidFill>
@@ -12784,7 +12777,7 @@
               </a:rPr>
               <a:t>1. Trịnh Thái Anh</a:t>
             </a:r>
-            <a:endParaRPr lang="vi-VN" sz="2600" smtClean="0">
+            <a:endParaRPr lang="vi-VN" sz="2600">
               <a:solidFill>
                 <a:srgbClr val="797A7D"/>
               </a:solidFill>
@@ -12806,7 +12799,7 @@
               <a:buChar char="q"/>
             </a:pPr>
             <a:r>
-              <a:rPr lang="en-US" sz="2600" smtClean="0">
+              <a:rPr lang="en-US" sz="2600">
                 <a:solidFill>
                   <a:srgbClr val="797A7D"/>
                 </a:solidFill>
@@ -12814,7 +12807,7 @@
               </a:rPr>
               <a:t>2. Lê Ngọc Châu</a:t>
             </a:r>
-            <a:endParaRPr lang="vi-VN" sz="2600" smtClean="0">
+            <a:endParaRPr lang="vi-VN" sz="2600">
               <a:solidFill>
                 <a:srgbClr val="797A7D"/>
               </a:solidFill>
@@ -12836,7 +12829,7 @@
               <a:buChar char="q"/>
             </a:pPr>
             <a:r>
-              <a:rPr lang="en-US" sz="2600" smtClean="0">
+              <a:rPr lang="en-US" sz="2600">
                 <a:solidFill>
                   <a:srgbClr val="797A7D"/>
                 </a:solidFill>
@@ -12861,7 +12854,7 @@
               <a:buChar char="q"/>
             </a:pPr>
             <a:r>
-              <a:rPr lang="en-US" sz="2600" smtClean="0">
+              <a:rPr lang="en-US" sz="2600">
                 <a:solidFill>
                   <a:srgbClr val="797A7D"/>
                 </a:solidFill>
@@ -12869,7 +12862,7 @@
               </a:rPr>
               <a:t>4. Huỳnh Trọng Khang</a:t>
             </a:r>
-            <a:endParaRPr lang="vi-VN" sz="2600" smtClean="0">
+            <a:endParaRPr lang="vi-VN" sz="2600">
               <a:solidFill>
                 <a:srgbClr val="797A7D"/>
               </a:solidFill>
@@ -12891,7 +12884,7 @@
               <a:buChar char="q"/>
             </a:pPr>
             <a:r>
-              <a:rPr lang="en-US" sz="2600" smtClean="0">
+              <a:rPr lang="en-US" sz="2600">
                 <a:solidFill>
                   <a:srgbClr val="797A7D"/>
                 </a:solidFill>
@@ -12899,7 +12892,7 @@
               </a:rPr>
               <a:t>5. Tạ Ngọc Thiên Phú</a:t>
             </a:r>
-            <a:endParaRPr lang="vi-VN" sz="2600" smtClean="0">
+            <a:endParaRPr lang="vi-VN" sz="2600">
               <a:solidFill>
                 <a:srgbClr val="797A7D"/>
               </a:solidFill>
@@ -12921,7 +12914,7 @@
               <a:buChar char="q"/>
             </a:pPr>
             <a:r>
-              <a:rPr lang="en-US" sz="2600" smtClean="0">
+              <a:rPr lang="en-US" sz="2600">
                 <a:solidFill>
                   <a:srgbClr val="797A7D"/>
                 </a:solidFill>
@@ -12930,7 +12923,7 @@
               <a:t>6. </a:t>
             </a:r>
             <a:r>
-              <a:rPr lang="vi-VN" sz="2600" smtClean="0">
+              <a:rPr lang="vi-VN" sz="2600">
                 <a:solidFill>
                   <a:srgbClr val="797A7D"/>
                 </a:solidFill>
@@ -12939,7 +12932,7 @@
               <a:t>Nguy</a:t>
             </a:r>
             <a:r>
-              <a:rPr lang="en-US" sz="2600" smtClean="0">
+              <a:rPr lang="en-US" sz="2600">
                 <a:solidFill>
                   <a:srgbClr val="797A7D"/>
                 </a:solidFill>
@@ -12948,7 +12941,7 @@
               <a:t>ễ</a:t>
             </a:r>
             <a:r>
-              <a:rPr lang="vi-VN" sz="2600" smtClean="0">
+              <a:rPr lang="vi-VN" sz="2600">
                 <a:solidFill>
                   <a:srgbClr val="797A7D"/>
                 </a:solidFill>
@@ -12957,7 +12950,7 @@
               <a:t>n Ho</a:t>
             </a:r>
             <a:r>
-              <a:rPr lang="en-US" sz="2600" smtClean="0">
+              <a:rPr lang="en-US" sz="2600">
                 <a:solidFill>
                   <a:srgbClr val="797A7D"/>
                 </a:solidFill>
@@ -12966,7 +12959,7 @@
               <a:t>à</a:t>
             </a:r>
             <a:r>
-              <a:rPr lang="vi-VN" sz="2600" smtClean="0">
+              <a:rPr lang="vi-VN" sz="2600">
                 <a:solidFill>
                   <a:srgbClr val="797A7D"/>
                 </a:solidFill>
@@ -12975,7 +12968,7 @@
               <a:t>ng Fa Th</a:t>
             </a:r>
             <a:r>
-              <a:rPr lang="en-US" sz="2600" smtClean="0">
+              <a:rPr lang="en-US" sz="2600">
                 <a:solidFill>
                   <a:srgbClr val="797A7D"/>
                 </a:solidFill>
@@ -13014,8 +13007,8 @@
         </p:blipFill>
         <p:spPr>
           <a:xfrm>
-            <a:off x="4547616" y="1426099"/>
-            <a:ext cx="3938016" cy="2889869"/>
+            <a:off x="3785616" y="1426100"/>
+            <a:ext cx="3453384" cy="2889869"/>
           </a:xfrm>
           <a:prstGeom prst="rect">
             <a:avLst/>
@@ -13116,8 +13109,8 @@
         </p:nvSpPr>
         <p:spPr>
           <a:xfrm>
-            <a:off x="457200" y="999745"/>
-            <a:ext cx="8229600" cy="4105392"/>
+            <a:off x="219456" y="999745"/>
+            <a:ext cx="7705344" cy="4105392"/>
           </a:xfrm>
         </p:spPr>
         <p:txBody>
@@ -13131,20 +13124,20 @@
               <a:buChar char="Ø"/>
             </a:pPr>
             <a:r>
-              <a:rPr lang="en-US" sz="3000" smtClean="0">
+              <a:rPr lang="en-US" sz="3000">
                 <a:latin typeface="Diavlo Light" panose="02000000000000000000" pitchFamily="2" charset="0"/>
                 <a:cs typeface="Times New Roman" panose="02020603050405020304" pitchFamily="18" charset="0"/>
               </a:rPr>
               <a:t>Giới thiệu c</a:t>
             </a:r>
             <a:r>
-              <a:rPr lang="vi-VN" sz="3000" smtClean="0">
+              <a:rPr lang="vi-VN" sz="3000">
                 <a:latin typeface="Diavlo Light" panose="02000000000000000000" pitchFamily="2" charset="0"/>
                 <a:cs typeface="Times New Roman" panose="02020603050405020304" pitchFamily="18" charset="0"/>
               </a:rPr>
               <a:t>ơ bản về Cain and Abel</a:t>
             </a:r>
-            <a:endParaRPr lang="en-US" sz="3000" smtClean="0">
+            <a:endParaRPr lang="en-US" sz="3000">
               <a:latin typeface="Diavlo Light" panose="02000000000000000000" pitchFamily="2" charset="0"/>
               <a:cs typeface="Times New Roman" panose="02020603050405020304" pitchFamily="18" charset="0"/>
             </a:endParaRPr>
@@ -13155,21 +13148,14 @@
               <a:buChar char="Ø"/>
             </a:pPr>
             <a:r>
-              <a:rPr lang="vi-VN" sz="3000" smtClean="0">
-                <a:latin typeface="Diavlo Light" panose="02000000000000000000" pitchFamily="2" charset="0"/>
-                <a:cs typeface="Times New Roman" panose="02020603050405020304" pitchFamily="18" charset="0"/>
-              </a:rPr>
-              <a:t>Cách </a:t>
-            </a:r>
-            <a:r>
-              <a:rPr lang="vi-VN" sz="3000" smtClean="0">
-                <a:latin typeface="Diavlo Light" panose="02000000000000000000" pitchFamily="2" charset="0"/>
-                <a:cs typeface="Times New Roman" panose="02020603050405020304" pitchFamily="18" charset="0"/>
-              </a:rPr>
-              <a:t>phòng chống</a:t>
-            </a:r>
-            <a:r>
-              <a:rPr lang="en-US" sz="3000" smtClean="0">
+              <a:rPr lang="vi-VN" sz="3000">
+                <a:latin typeface="Diavlo Light" panose="02000000000000000000" pitchFamily="2" charset="0"/>
+                <a:cs typeface="Times New Roman" panose="02020603050405020304" pitchFamily="18" charset="0"/>
+              </a:rPr>
+              <a:t>Cách phòng chống</a:t>
+            </a:r>
+            <a:r>
+              <a:rPr lang="en-US" sz="3000">
                 <a:latin typeface="Diavlo Light" panose="02000000000000000000" pitchFamily="2" charset="0"/>
                 <a:cs typeface="Times New Roman" panose="02020603050405020304" pitchFamily="18" charset="0"/>
               </a:rPr>
@@ -13182,14 +13168,14 @@
               <a:buChar char="Ø"/>
             </a:pPr>
             <a:r>
-              <a:rPr lang="vi-VN" sz="3000" smtClean="0">
+              <a:rPr lang="vi-VN" sz="3000">
                 <a:latin typeface="Diavlo Light" panose="02000000000000000000" pitchFamily="2" charset="0"/>
                 <a:cs typeface="Times New Roman" panose="02020603050405020304" pitchFamily="18" charset="0"/>
               </a:rPr>
               <a:t>Demo</a:t>
             </a:r>
             <a:r>
-              <a:rPr lang="en-US" sz="3000" smtClean="0">
+              <a:rPr lang="en-US" sz="3000">
                 <a:latin typeface="Diavlo Light" panose="02000000000000000000" pitchFamily="2" charset="0"/>
                 <a:cs typeface="Times New Roman" panose="02020603050405020304" pitchFamily="18" charset="0"/>
               </a:rPr>
@@ -13224,8 +13210,8 @@
         </p:blipFill>
         <p:spPr>
           <a:xfrm>
-            <a:off x="4084320" y="1511809"/>
-            <a:ext cx="4730496" cy="3873744"/>
+            <a:off x="3822192" y="1511809"/>
+            <a:ext cx="3517392" cy="3873744"/>
           </a:xfrm>
           <a:prstGeom prst="rect">
             <a:avLst/>
@@ -13546,7 +13532,7 @@
         <p:spPr/>
         <p:txBody>
           <a:bodyPr>
-            <a:normAutofit/>
+            <a:normAutofit fontScale="90000"/>
           </a:bodyPr>
           <a:lstStyle/>
           <a:p>
@@ -13590,8 +13576,8 @@
         </p:nvSpPr>
         <p:spPr>
           <a:xfrm>
-            <a:off x="182880" y="999745"/>
-            <a:ext cx="8717280" cy="4105392"/>
+            <a:off x="146304" y="999745"/>
+            <a:ext cx="7339584" cy="4105392"/>
           </a:xfrm>
         </p:spPr>
         <p:txBody>
@@ -13605,7 +13591,7 @@
               <a:buAutoNum type="arabicPeriod"/>
             </a:pPr>
             <a:r>
-              <a:rPr lang="en-GB" sz="2400" smtClean="0">
+              <a:rPr lang="en-GB" sz="2400">
                 <a:latin typeface="Diavlo Light" panose="02000000000000000000" pitchFamily="2" charset="0"/>
                 <a:cs typeface="Times New Roman" panose="02020603050405020304" pitchFamily="18" charset="0"/>
               </a:rPr>
@@ -13633,7 +13619,7 @@
               <a:t> Abel </a:t>
             </a:r>
             <a:r>
-              <a:rPr lang="en-GB" sz="2400" smtClean="0">
+              <a:rPr lang="en-GB" sz="2400">
                 <a:latin typeface="Diavlo Light" panose="02000000000000000000" pitchFamily="2" charset="0"/>
                 <a:cs typeface="Times New Roman" panose="02020603050405020304" pitchFamily="18" charset="0"/>
               </a:rPr>
@@ -13646,49 +13632,77 @@
               <a:buChar char="Ø"/>
             </a:pPr>
             <a:r>
+              <a:rPr lang="en-US" sz="2400">
+                <a:latin typeface="Diavlo Light" panose="02000000000000000000" pitchFamily="2" charset="0"/>
+                <a:cs typeface="Times New Roman" panose="02020603050405020304" pitchFamily="18" charset="0"/>
+              </a:rPr>
+              <a:t>T</a:t>
+            </a:r>
+            <a:r>
+              <a:rPr lang="vi-VN" sz="2400">
+                <a:latin typeface="Diavlo Light" panose="02000000000000000000" pitchFamily="2" charset="0"/>
+                <a:cs typeface="Times New Roman" panose="02020603050405020304" pitchFamily="18" charset="0"/>
+              </a:rPr>
+              <a:t>ác gi</a:t>
+            </a:r>
+            <a:r>
+              <a:rPr lang="en-US" sz="2400">
+                <a:latin typeface="Diavlo Light" panose="02000000000000000000" pitchFamily="2" charset="0"/>
+                <a:cs typeface="Times New Roman" panose="02020603050405020304" pitchFamily="18" charset="0"/>
+              </a:rPr>
+              <a:t>ả</a:t>
+            </a:r>
+            <a:r>
+              <a:rPr lang="vi-VN" sz="2400">
+                <a:latin typeface="Diavlo Light" panose="02000000000000000000" pitchFamily="2" charset="0"/>
+                <a:cs typeface="Times New Roman" panose="02020603050405020304" pitchFamily="18" charset="0"/>
+              </a:rPr>
+              <a:t> </a:t>
+            </a:r>
+            <a:r>
+              <a:rPr lang="vi-VN" sz="2400">
+                <a:latin typeface="Diavlo Light" panose="02000000000000000000" pitchFamily="2" charset="0"/>
+                <a:cs typeface="Times New Roman" panose="02020603050405020304" pitchFamily="18" charset="0"/>
+              </a:rPr>
+              <a:t>của công cụ phá mã </a:t>
+            </a:r>
+            <a:r>
+              <a:rPr lang="vi-VN" sz="2400">
+                <a:latin typeface="Diavlo Light" panose="02000000000000000000" pitchFamily="2" charset="0"/>
+                <a:cs typeface="Times New Roman" panose="02020603050405020304" pitchFamily="18" charset="0"/>
+              </a:rPr>
+              <a:t>này </a:t>
+            </a:r>
+            <a:r>
               <a:rPr lang="en-US" sz="2400" smtClean="0">
                 <a:latin typeface="Diavlo Light" panose="02000000000000000000" pitchFamily="2" charset="0"/>
                 <a:cs typeface="Times New Roman" panose="02020603050405020304" pitchFamily="18" charset="0"/>
               </a:rPr>
-              <a:t>T</a:t>
+              <a:t>l</a:t>
             </a:r>
             <a:r>
               <a:rPr lang="vi-VN" sz="2400" smtClean="0">
                 <a:latin typeface="Diavlo Light" panose="02000000000000000000" pitchFamily="2" charset="0"/>
                 <a:cs typeface="Times New Roman" panose="02020603050405020304" pitchFamily="18" charset="0"/>
               </a:rPr>
-              <a:t>ác gi</a:t>
+              <a:t>à</a:t>
+            </a:r>
+            <a:r>
+              <a:rPr lang="vi-VN" sz="2400">
+                <a:latin typeface="Diavlo Light" panose="02000000000000000000" pitchFamily="2" charset="0"/>
+                <a:cs typeface="Times New Roman" panose="02020603050405020304" pitchFamily="18" charset="0"/>
+              </a:rPr>
+              <a:t>  Massimiliano </a:t>
+            </a:r>
+            <a:r>
+              <a:rPr lang="vi-VN" sz="2400">
+                <a:latin typeface="Diavlo Light" panose="02000000000000000000" pitchFamily="2" charset="0"/>
+                <a:cs typeface="Times New Roman" panose="02020603050405020304" pitchFamily="18" charset="0"/>
+              </a:rPr>
+              <a:t>Montoro</a:t>
             </a:r>
             <a:r>
               <a:rPr lang="en-US" sz="2400">
-                <a:latin typeface="Diavlo Light" panose="02000000000000000000" pitchFamily="2" charset="0"/>
-                <a:cs typeface="Times New Roman" panose="02020603050405020304" pitchFamily="18" charset="0"/>
-              </a:rPr>
-              <a:t>ả</a:t>
-            </a:r>
-            <a:r>
-              <a:rPr lang="vi-VN" sz="2400" smtClean="0">
-                <a:latin typeface="Diavlo Light" panose="02000000000000000000" pitchFamily="2" charset="0"/>
-                <a:cs typeface="Times New Roman" panose="02020603050405020304" pitchFamily="18" charset="0"/>
-              </a:rPr>
-              <a:t> </a:t>
-            </a:r>
-            <a:r>
-              <a:rPr lang="vi-VN" sz="2400">
-                <a:latin typeface="Diavlo Light" panose="02000000000000000000" pitchFamily="2" charset="0"/>
-                <a:cs typeface="Times New Roman" panose="02020603050405020304" pitchFamily="18" charset="0"/>
-              </a:rPr>
-              <a:t>của công cụ phá mã này là  Massimiliano </a:t>
-            </a:r>
-            <a:r>
-              <a:rPr lang="vi-VN" sz="2400" smtClean="0">
-                <a:latin typeface="Diavlo Light" panose="02000000000000000000" pitchFamily="2" charset="0"/>
-                <a:cs typeface="Times New Roman" panose="02020603050405020304" pitchFamily="18" charset="0"/>
-              </a:rPr>
-              <a:t>Montoro</a:t>
-            </a:r>
-            <a:r>
-              <a:rPr lang="en-US" sz="2400" smtClean="0">
                 <a:latin typeface="Diavlo Light" panose="02000000000000000000" pitchFamily="2" charset="0"/>
                 <a:cs typeface="Times New Roman" panose="02020603050405020304" pitchFamily="18" charset="0"/>
               </a:rPr>
@@ -13705,14 +13719,14 @@
               <a:buChar char="Ø"/>
             </a:pPr>
             <a:r>
-              <a:rPr lang="en-US" sz="2400" smtClean="0">
+              <a:rPr lang="en-US" sz="2400">
                 <a:latin typeface="Diavlo Light" panose="02000000000000000000" pitchFamily="2" charset="0"/>
                 <a:cs typeface="Times New Roman" panose="02020603050405020304" pitchFamily="18" charset="0"/>
               </a:rPr>
               <a:t>L</a:t>
             </a:r>
             <a:r>
-              <a:rPr lang="vi-VN" sz="2400" smtClean="0">
+              <a:rPr lang="vi-VN" sz="2400">
                 <a:latin typeface="Diavlo Light" panose="02000000000000000000" pitchFamily="2" charset="0"/>
                 <a:cs typeface="Times New Roman" panose="02020603050405020304" pitchFamily="18" charset="0"/>
               </a:rPr>
@@ -13726,21 +13740,21 @@
               <a:t>chương trình tìm mật khẩu chạy trên hệ điều hành </a:t>
             </a:r>
             <a:r>
-              <a:rPr lang="en-US" sz="2400" smtClean="0">
+              <a:rPr lang="en-US" sz="2400">
                 <a:latin typeface="Diavlo Light" panose="02000000000000000000" pitchFamily="2" charset="0"/>
                 <a:cs typeface="Times New Roman" panose="02020603050405020304" pitchFamily="18" charset="0"/>
               </a:rPr>
               <a:t>M</a:t>
             </a:r>
             <a:r>
-              <a:rPr lang="vi-VN" sz="2400" smtClean="0">
+              <a:rPr lang="vi-VN" sz="2400">
                 <a:latin typeface="Diavlo Light" panose="02000000000000000000" pitchFamily="2" charset="0"/>
                 <a:cs typeface="Times New Roman" panose="02020603050405020304" pitchFamily="18" charset="0"/>
               </a:rPr>
               <a:t>icrosoft</a:t>
             </a:r>
             <a:r>
-              <a:rPr lang="en-US" sz="2400" smtClean="0">
+              <a:rPr lang="en-US" sz="2400">
                 <a:latin typeface="Diavlo Light" panose="02000000000000000000" pitchFamily="2" charset="0"/>
                 <a:cs typeface="Times New Roman" panose="02020603050405020304" pitchFamily="18" charset="0"/>
               </a:rPr>
@@ -13753,7 +13767,7 @@
               <a:buChar char="Ø"/>
             </a:pPr>
             <a:r>
-              <a:rPr lang="en-US" sz="2400" smtClean="0">
+              <a:rPr lang="en-US" sz="2400">
                 <a:latin typeface="Diavlo Light" panose="02000000000000000000" pitchFamily="2" charset="0"/>
                 <a:cs typeface="Times New Roman" panose="02020603050405020304" pitchFamily="18" charset="0"/>
               </a:rPr>
@@ -13766,75 +13780,41 @@
               <a:buChar char="Ø"/>
             </a:pPr>
             <a:r>
+              <a:rPr lang="en-US" sz="2400">
+                <a:latin typeface="Diavlo Light" panose="02000000000000000000" pitchFamily="2" charset="0"/>
+                <a:cs typeface="Times New Roman" panose="02020603050405020304" pitchFamily="18" charset="0"/>
+              </a:rPr>
+              <a:t>P</a:t>
+            </a:r>
+            <a:r>
+              <a:rPr lang="vi-VN" sz="2400">
+                <a:latin typeface="Diavlo Light" panose="02000000000000000000" pitchFamily="2" charset="0"/>
+                <a:cs typeface="Times New Roman" panose="02020603050405020304" pitchFamily="18" charset="0"/>
+              </a:rPr>
+              <a:t>há </a:t>
+            </a:r>
+            <a:r>
+              <a:rPr lang="vi-VN" sz="2400">
+                <a:latin typeface="Diavlo Light" panose="02000000000000000000" pitchFamily="2" charset="0"/>
+                <a:cs typeface="Times New Roman" panose="02020603050405020304" pitchFamily="18" charset="0"/>
+              </a:rPr>
+              <a:t>các mật khẩu đã mã hóa bằng các phương pháp Dictionary, Brute-Force and </a:t>
+            </a:r>
+            <a:r>
+              <a:rPr lang="vi-VN" sz="2400">
+                <a:latin typeface="Diavlo Light" panose="02000000000000000000" pitchFamily="2" charset="0"/>
+                <a:cs typeface="Times New Roman" panose="02020603050405020304" pitchFamily="18" charset="0"/>
+              </a:rPr>
+              <a:t>Cryptanalysis</a:t>
+            </a:r>
+            <a:r>
               <a:rPr lang="en-US" sz="2400" smtClean="0">
                 <a:latin typeface="Diavlo Light" panose="02000000000000000000" pitchFamily="2" charset="0"/>
                 <a:cs typeface="Times New Roman" panose="02020603050405020304" pitchFamily="18" charset="0"/>
               </a:rPr>
-              <a:t>P</a:t>
-            </a:r>
-            <a:r>
-              <a:rPr lang="vi-VN" sz="2400" smtClean="0">
-                <a:latin typeface="Diavlo Light" panose="02000000000000000000" pitchFamily="2" charset="0"/>
-                <a:cs typeface="Times New Roman" panose="02020603050405020304" pitchFamily="18" charset="0"/>
-              </a:rPr>
-              <a:t>há </a:t>
-            </a:r>
-            <a:r>
-              <a:rPr lang="vi-VN" sz="2400">
-                <a:latin typeface="Diavlo Light" panose="02000000000000000000" pitchFamily="2" charset="0"/>
-                <a:cs typeface="Times New Roman" panose="02020603050405020304" pitchFamily="18" charset="0"/>
-              </a:rPr>
-              <a:t>các mật khẩu đã mã hóa bằng các phương pháp Dictionary, Brute-Force and </a:t>
-            </a:r>
-            <a:r>
-              <a:rPr lang="vi-VN" sz="2400" smtClean="0">
-                <a:latin typeface="Diavlo Light" panose="02000000000000000000" pitchFamily="2" charset="0"/>
-                <a:cs typeface="Times New Roman" panose="02020603050405020304" pitchFamily="18" charset="0"/>
-              </a:rPr>
-              <a:t>Cryptanalysis</a:t>
-            </a:r>
-            <a:r>
-              <a:rPr lang="en-US" sz="2400" smtClean="0">
-                <a:latin typeface="Diavlo Light" panose="02000000000000000000" pitchFamily="2" charset="0"/>
-                <a:cs typeface="Times New Roman" panose="02020603050405020304" pitchFamily="18" charset="0"/>
-              </a:rPr>
               <a:t>.</a:t>
             </a:r>
-          </a:p>
-          <a:p>
-            <a:pPr marL="857250" lvl="1" indent="-457200">
-              <a:buFont typeface="Wingdings" panose="05000000000000000000" pitchFamily="2" charset="2"/>
-              <a:buChar char="Ø"/>
-            </a:pPr>
-            <a:r>
-              <a:rPr lang="en-US" sz="2400" smtClean="0">
-                <a:latin typeface="Diavlo Light" panose="02000000000000000000" pitchFamily="2" charset="0"/>
-                <a:cs typeface="Times New Roman" panose="02020603050405020304" pitchFamily="18" charset="0"/>
-              </a:rPr>
-              <a:t>G</a:t>
-            </a:r>
-            <a:r>
-              <a:rPr lang="vi-VN" sz="2400" smtClean="0">
-                <a:latin typeface="Diavlo Light" panose="02000000000000000000" pitchFamily="2" charset="0"/>
-                <a:cs typeface="Times New Roman" panose="02020603050405020304" pitchFamily="18" charset="0"/>
-              </a:rPr>
-              <a:t>hi âm các cuộc đàm thoại qua đường </a:t>
-            </a:r>
-            <a:r>
-              <a:rPr lang="vi-VN" sz="2400" smtClean="0">
-                <a:latin typeface="Diavlo Light" panose="02000000000000000000" pitchFamily="2" charset="0"/>
-                <a:cs typeface="Times New Roman" panose="02020603050405020304" pitchFamily="18" charset="0"/>
-              </a:rPr>
-              <a:t>VoIP</a:t>
-            </a:r>
-            <a:r>
-              <a:rPr lang="en-US" sz="2400" smtClean="0">
-                <a:latin typeface="Diavlo Light" panose="02000000000000000000" pitchFamily="2" charset="0"/>
-                <a:cs typeface="Times New Roman" panose="02020603050405020304" pitchFamily="18" charset="0"/>
-              </a:rPr>
-              <a:t>.</a:t>
-            </a:r>
-            <a:endParaRPr lang="en-US" sz="2400" smtClean="0">
+            <a:endParaRPr lang="en-US" sz="2400">
               <a:latin typeface="Diavlo Light" panose="02000000000000000000" pitchFamily="2" charset="0"/>
               <a:cs typeface="Times New Roman" panose="02020603050405020304" pitchFamily="18" charset="0"/>
             </a:endParaRPr>
@@ -14133,49 +14113,6 @@
                                   </p:childTnLst>
                                 </p:cTn>
                               </p:par>
-                              <p:par>
-                                <p:cTn id="24" presetID="10" presetClass="entr" presetSubtype="0" fill="hold" nodeType="withEffect">
-                                  <p:stCondLst>
-                                    <p:cond delay="0"/>
-                                  </p:stCondLst>
-                                  <p:childTnLst>
-                                    <p:set>
-                                      <p:cBhvr>
-                                        <p:cTn id="25" dur="1" fill="hold">
-                                          <p:stCondLst>
-                                            <p:cond delay="0"/>
-                                          </p:stCondLst>
-                                        </p:cTn>
-                                        <p:tgtEl>
-                                          <p:spTgt spid="9">
-                                            <p:txEl>
-                                              <p:pRg st="5" end="5"/>
-                                            </p:txEl>
-                                          </p:spTgt>
-                                        </p:tgtEl>
-                                        <p:attrNameLst>
-                                          <p:attrName>style.visibility</p:attrName>
-                                        </p:attrNameLst>
-                                      </p:cBhvr>
-                                      <p:to>
-                                        <p:strVal val="visible"/>
-                                      </p:to>
-                                    </p:set>
-                                    <p:animEffect transition="in" filter="fade">
-                                      <p:cBhvr>
-                                        <p:cTn id="26" dur="500"/>
-                                        <p:tgtEl>
-                                          <p:spTgt spid="9">
-                                            <p:txEl>
-                                              <p:pRg st="5" end="5"/>
-                                            </p:txEl>
-                                          </p:spTgt>
-                                        </p:tgtEl>
-                                      </p:cBhvr>
-                                    </p:animEffect>
-                                  </p:childTnLst>
-                                </p:cTn>
-                              </p:par>
                             </p:childTnLst>
                           </p:cTn>
                         </p:par>
@@ -14240,7 +14177,7 @@
         <p:spPr/>
         <p:txBody>
           <a:bodyPr>
-            <a:normAutofit/>
+            <a:normAutofit fontScale="90000"/>
           </a:bodyPr>
           <a:lstStyle/>
           <a:p>
@@ -14284,8 +14221,8 @@
         </p:nvSpPr>
         <p:spPr>
           <a:xfrm>
-            <a:off x="182880" y="999745"/>
-            <a:ext cx="8717280" cy="4105392"/>
+            <a:off x="140208" y="1133857"/>
+            <a:ext cx="7354824" cy="4105392"/>
           </a:xfrm>
         </p:spPr>
         <p:txBody>
@@ -14299,37 +14236,33 @@
               <a:buChar char="Ø"/>
             </a:pPr>
             <a:r>
+              <a:rPr lang="en-US" sz="2400">
+                <a:latin typeface="Diavlo Light" panose="02000000000000000000" pitchFamily="2" charset="0"/>
+                <a:cs typeface="Times New Roman" panose="02020603050405020304" pitchFamily="18" charset="0"/>
+              </a:rPr>
+              <a:t>G</a:t>
+            </a:r>
+            <a:r>
+              <a:rPr lang="vi-VN" sz="2400">
+                <a:latin typeface="Diavlo Light" panose="02000000000000000000" pitchFamily="2" charset="0"/>
+                <a:cs typeface="Times New Roman" panose="02020603050405020304" pitchFamily="18" charset="0"/>
+              </a:rPr>
+              <a:t>hi âm các cuộc đàm thoại qua đường </a:t>
+            </a:r>
+            <a:r>
+              <a:rPr lang="vi-VN" sz="2400">
+                <a:latin typeface="Diavlo Light" panose="02000000000000000000" pitchFamily="2" charset="0"/>
+                <a:cs typeface="Times New Roman" panose="02020603050405020304" pitchFamily="18" charset="0"/>
+              </a:rPr>
+              <a:t>VoIP</a:t>
+            </a:r>
+            <a:r>
               <a:rPr lang="en-US" sz="2400" smtClean="0">
                 <a:latin typeface="Diavlo Light" panose="02000000000000000000" pitchFamily="2" charset="0"/>
                 <a:cs typeface="Times New Roman" panose="02020603050405020304" pitchFamily="18" charset="0"/>
               </a:rPr>
-              <a:t>T</a:t>
-            </a:r>
-            <a:r>
-              <a:rPr lang="vi-VN" sz="2400">
-                <a:latin typeface="Diavlo Light" panose="02000000000000000000" pitchFamily="2" charset="0"/>
-                <a:cs typeface="Times New Roman" panose="02020603050405020304" pitchFamily="18" charset="0"/>
-              </a:rPr>
-              <a:t>ìm ra file nơi chứa mật khẩu, phát hiện mật khẩu có trong bộ </a:t>
-            </a:r>
-            <a:r>
-              <a:rPr lang="vi-VN" sz="2400" smtClean="0">
-                <a:latin typeface="Diavlo Light" panose="02000000000000000000" pitchFamily="2" charset="0"/>
-                <a:cs typeface="Times New Roman" panose="02020603050405020304" pitchFamily="18" charset="0"/>
-              </a:rPr>
-              <a:t>đệm</a:t>
-            </a:r>
-            <a:r>
-              <a:rPr lang="en-US" sz="2400" smtClean="0">
-                <a:latin typeface="Diavlo Light" panose="02000000000000000000" pitchFamily="2" charset="0"/>
-                <a:cs typeface="Times New Roman" panose="02020603050405020304" pitchFamily="18" charset="0"/>
-              </a:rPr>
               <a:t>.</a:t>
             </a:r>
-            <a:endParaRPr lang="en-US" sz="2400" smtClean="0">
-              <a:latin typeface="Diavlo Light" panose="02000000000000000000" pitchFamily="2" charset="0"/>
-              <a:cs typeface="Times New Roman" panose="02020603050405020304" pitchFamily="18" charset="0"/>
-            </a:endParaRPr>
           </a:p>
           <a:p>
             <a:pPr marL="857250" lvl="1" indent="-457200">
@@ -14337,14 +14270,48 @@
               <a:buChar char="Ø"/>
             </a:pPr>
             <a:r>
+              <a:rPr lang="en-US" sz="2400" smtClean="0">
+                <a:latin typeface="Diavlo Light" panose="02000000000000000000" pitchFamily="2" charset="0"/>
+                <a:cs typeface="Times New Roman" panose="02020603050405020304" pitchFamily="18" charset="0"/>
+              </a:rPr>
+              <a:t>T</a:t>
+            </a:r>
+            <a:r>
+              <a:rPr lang="vi-VN" sz="2400">
+                <a:latin typeface="Diavlo Light" panose="02000000000000000000" pitchFamily="2" charset="0"/>
+                <a:cs typeface="Times New Roman" panose="02020603050405020304" pitchFamily="18" charset="0"/>
+              </a:rPr>
+              <a:t>ìm ra file nơi chứa mật khẩu, phát hiện mật khẩu có trong bộ </a:t>
+            </a:r>
+            <a:r>
+              <a:rPr lang="vi-VN" sz="2400">
+                <a:latin typeface="Diavlo Light" panose="02000000000000000000" pitchFamily="2" charset="0"/>
+                <a:cs typeface="Times New Roman" panose="02020603050405020304" pitchFamily="18" charset="0"/>
+              </a:rPr>
+              <a:t>đệm</a:t>
+            </a:r>
+            <a:r>
               <a:rPr lang="en-US" sz="2400">
                 <a:latin typeface="Diavlo Light" panose="02000000000000000000" pitchFamily="2" charset="0"/>
                 <a:cs typeface="Times New Roman" panose="02020603050405020304" pitchFamily="18" charset="0"/>
               </a:rPr>
+              <a:t>.</a:t>
+            </a:r>
+          </a:p>
+          <a:p>
+            <a:pPr marL="857250" lvl="1" indent="-457200">
+              <a:buFont typeface="Wingdings" panose="05000000000000000000" pitchFamily="2" charset="2"/>
+              <a:buChar char="Ø"/>
+            </a:pPr>
+            <a:r>
+              <a:rPr lang="en-US" sz="2400">
+                <a:latin typeface="Diavlo Light" panose="02000000000000000000" pitchFamily="2" charset="0"/>
+                <a:cs typeface="Times New Roman" panose="02020603050405020304" pitchFamily="18" charset="0"/>
+              </a:rPr>
               <a:t>Đ</a:t>
             </a:r>
             <a:r>
-              <a:rPr lang="vi-VN" sz="2400" smtClean="0">
+              <a:rPr lang="vi-VN" sz="2400">
                 <a:latin typeface="Diavlo Light" panose="02000000000000000000" pitchFamily="2" charset="0"/>
                 <a:cs typeface="Times New Roman" panose="02020603050405020304" pitchFamily="18" charset="0"/>
               </a:rPr>
@@ -14358,7 +14325,7 @@
               <a:t>phát triển với hy vọng </a:t>
             </a:r>
             <a:r>
-              <a:rPr lang="vi-VN" sz="2400" smtClean="0">
+              <a:rPr lang="vi-VN" sz="2400">
                 <a:latin typeface="Diavlo Light" panose="02000000000000000000" pitchFamily="2" charset="0"/>
                 <a:cs typeface="Times New Roman" panose="02020603050405020304" pitchFamily="18" charset="0"/>
               </a:rPr>
@@ -14372,14 +14339,14 @@
               <a:t>công cụ đắc lực cho các quản trị mạng, các nhân viên điều tra có thể truy cập dễ dàng vào các hệ thống máy tính bị mã khóa do hacker tấn </a:t>
             </a:r>
             <a:r>
-              <a:rPr lang="vi-VN" sz="2400" smtClean="0">
+              <a:rPr lang="vi-VN" sz="2400">
                 <a:latin typeface="Diavlo Light" panose="02000000000000000000" pitchFamily="2" charset="0"/>
                 <a:cs typeface="Times New Roman" panose="02020603050405020304" pitchFamily="18" charset="0"/>
               </a:rPr>
               <a:t>công</a:t>
             </a:r>
             <a:r>
-              <a:rPr lang="en-US" sz="2400" smtClean="0">
+              <a:rPr lang="en-US" sz="2400">
                 <a:latin typeface="Diavlo Light" panose="02000000000000000000" pitchFamily="2" charset="0"/>
                 <a:cs typeface="Times New Roman" panose="02020603050405020304" pitchFamily="18" charset="0"/>
               </a:rPr>
@@ -14472,7 +14439,7 @@
                                         <p:tgtEl>
                                           <p:spTgt spid="9">
                                             <p:txEl>
-                                              <p:pRg st="0" end="0"/>
+                                              <p:pRg st="1" end="1"/>
                                             </p:txEl>
                                           </p:spTgt>
                                         </p:tgtEl>
@@ -14490,7 +14457,7 @@
                                         <p:tgtEl>
                                           <p:spTgt spid="9">
                                             <p:txEl>
-                                              <p:pRg st="0" end="0"/>
+                                              <p:pRg st="1" end="1"/>
                                             </p:txEl>
                                           </p:spTgt>
                                         </p:tgtEl>
@@ -14515,7 +14482,7 @@
                                         <p:tgtEl>
                                           <p:spTgt spid="9">
                                             <p:txEl>
-                                              <p:pRg st="1" end="1"/>
+                                              <p:pRg st="0" end="0"/>
                                             </p:txEl>
                                           </p:spTgt>
                                         </p:tgtEl>
@@ -14533,7 +14500,50 @@
                                         <p:tgtEl>
                                           <p:spTgt spid="9">
                                             <p:txEl>
-                                              <p:pRg st="1" end="1"/>
+                                              <p:pRg st="0" end="0"/>
+                                            </p:txEl>
+                                          </p:spTgt>
+                                        </p:tgtEl>
+                                      </p:cBhvr>
+                                    </p:animEffect>
+                                  </p:childTnLst>
+                                </p:cTn>
+                              </p:par>
+                              <p:par>
+                                <p:cTn id="14" presetID="10" presetClass="entr" presetSubtype="0" fill="hold" nodeType="withEffect">
+                                  <p:stCondLst>
+                                    <p:cond delay="0"/>
+                                  </p:stCondLst>
+                                  <p:childTnLst>
+                                    <p:set>
+                                      <p:cBhvr>
+                                        <p:cTn id="15" dur="1" fill="hold">
+                                          <p:stCondLst>
+                                            <p:cond delay="0"/>
+                                          </p:stCondLst>
+                                        </p:cTn>
+                                        <p:tgtEl>
+                                          <p:spTgt spid="9">
+                                            <p:txEl>
+                                              <p:pRg st="2" end="2"/>
+                                            </p:txEl>
+                                          </p:spTgt>
+                                        </p:tgtEl>
+                                        <p:attrNameLst>
+                                          <p:attrName>style.visibility</p:attrName>
+                                        </p:attrNameLst>
+                                      </p:cBhvr>
+                                      <p:to>
+                                        <p:strVal val="visible"/>
+                                      </p:to>
+                                    </p:set>
+                                    <p:animEffect transition="in" filter="fade">
+                                      <p:cBhvr>
+                                        <p:cTn id="16" dur="500"/>
+                                        <p:tgtEl>
+                                          <p:spTgt spid="9">
+                                            <p:txEl>
+                                              <p:pRg st="2" end="2"/>
                                             </p:txEl>
                                           </p:spTgt>
                                         </p:tgtEl>
@@ -14606,7 +14616,7 @@
         <p:spPr/>
         <p:txBody>
           <a:bodyPr>
-            <a:normAutofit/>
+            <a:normAutofit fontScale="90000"/>
           </a:bodyPr>
           <a:lstStyle/>
           <a:p>
@@ -14650,8 +14660,8 @@
         </p:nvSpPr>
         <p:spPr>
           <a:xfrm>
-            <a:off x="182880" y="999745"/>
-            <a:ext cx="8717280" cy="4105392"/>
+            <a:off x="0" y="999745"/>
+            <a:ext cx="7473696" cy="4105392"/>
           </a:xfrm>
         </p:spPr>
         <p:txBody>
@@ -14665,21 +14675,21 @@
               <a:buAutoNum type="arabicPeriod" startAt="2"/>
             </a:pPr>
             <a:r>
-              <a:rPr lang="en-GB" sz="2400" smtClean="0">
+              <a:rPr lang="en-GB" sz="2400">
                 <a:latin typeface="Diavlo Light" panose="02000000000000000000" pitchFamily="2" charset="0"/>
                 <a:cs typeface="Times New Roman" panose="02020603050405020304" pitchFamily="18" charset="0"/>
               </a:rPr>
               <a:t>Giới thiệu </a:t>
             </a:r>
             <a:r>
-              <a:rPr lang="en-US" sz="2400" smtClean="0">
+              <a:rPr lang="en-US" sz="2400">
                 <a:latin typeface="Diavlo Light" panose="02000000000000000000" pitchFamily="2" charset="0"/>
                 <a:cs typeface="Times New Roman" panose="02020603050405020304" pitchFamily="18" charset="0"/>
               </a:rPr>
               <a:t>Chi tiết về Cain</a:t>
             </a:r>
             <a:r>
-              <a:rPr lang="en-GB" sz="2400" smtClean="0">
+              <a:rPr lang="en-GB" sz="2400">
                 <a:latin typeface="Diavlo Light" panose="02000000000000000000" pitchFamily="2" charset="0"/>
                 <a:cs typeface="Times New Roman" panose="02020603050405020304" pitchFamily="18" charset="0"/>
               </a:rPr>
@@ -14692,14 +14702,14 @@
               <a:buChar char="Ø"/>
             </a:pPr>
             <a:r>
-              <a:rPr lang="en-US" sz="2400" smtClean="0">
+              <a:rPr lang="en-US" sz="2400">
                 <a:latin typeface="Diavlo Light" panose="02000000000000000000" pitchFamily="2" charset="0"/>
                 <a:cs typeface="Times New Roman" panose="02020603050405020304" pitchFamily="18" charset="0"/>
               </a:rPr>
               <a:t>L</a:t>
             </a:r>
             <a:r>
-              <a:rPr lang="vi-VN" sz="2400" smtClean="0">
+              <a:rPr lang="vi-VN" sz="2400">
                 <a:latin typeface="Diavlo Light" panose="02000000000000000000" pitchFamily="2" charset="0"/>
                 <a:cs typeface="Times New Roman" panose="02020603050405020304" pitchFamily="18" charset="0"/>
               </a:rPr>
@@ -14713,7 +14723,7 @@
               <a:t>phần đầu tiên của phần mềm, với một giao diện người dùng đơn giản, mục đích </a:t>
             </a:r>
             <a:r>
-              <a:rPr lang="vi-VN" sz="2400" smtClean="0">
+              <a:rPr lang="vi-VN" sz="2400">
                 <a:latin typeface="Diavlo Light" panose="02000000000000000000" pitchFamily="2" charset="0"/>
                 <a:cs typeface="Times New Roman" panose="02020603050405020304" pitchFamily="18" charset="0"/>
               </a:rPr>
@@ -14727,14 +14737,14 @@
               <a:t>tập trung vào một số kỹ thuật xâm nhập và những công cụ giúp phục hồi mật khẩu </a:t>
             </a:r>
             <a:r>
-              <a:rPr lang="en-US" sz="2400" smtClean="0">
+              <a:rPr lang="en-US" sz="2400">
                 <a:latin typeface="Diavlo Light" panose="02000000000000000000" pitchFamily="2" charset="0"/>
                 <a:cs typeface="Times New Roman" panose="02020603050405020304" pitchFamily="18" charset="0"/>
               </a:rPr>
               <a:t>n</a:t>
             </a:r>
             <a:r>
-              <a:rPr lang="vi-VN" sz="2400" smtClean="0">
+              <a:rPr lang="vi-VN" sz="2400">
                 <a:latin typeface="Diavlo Light" panose="02000000000000000000" pitchFamily="2" charset="0"/>
                 <a:cs typeface="Times New Roman" panose="02020603050405020304" pitchFamily="18" charset="0"/>
               </a:rPr>
@@ -14748,14 +14758,14 @@
               <a:t>nguồn khác </a:t>
             </a:r>
             <a:r>
-              <a:rPr lang="vi-VN" sz="2400" smtClean="0">
+              <a:rPr lang="vi-VN" sz="2400">
                 <a:latin typeface="Diavlo Light" panose="02000000000000000000" pitchFamily="2" charset="0"/>
                 <a:cs typeface="Times New Roman" panose="02020603050405020304" pitchFamily="18" charset="0"/>
               </a:rPr>
               <a:t>nhau</a:t>
             </a:r>
             <a:r>
-              <a:rPr lang="en-US" sz="2400" smtClean="0">
+              <a:rPr lang="en-US" sz="2400">
                 <a:latin typeface="Diavlo Light" panose="02000000000000000000" pitchFamily="2" charset="0"/>
                 <a:cs typeface="Times New Roman" panose="02020603050405020304" pitchFamily="18" charset="0"/>
               </a:rPr>
@@ -14775,14 +14785,14 @@
               <a:t>Cisco Config Downloader/Uploader (SNMP/TFTP</a:t>
             </a:r>
             <a:r>
-              <a:rPr lang="vi-VN" sz="2400" smtClean="0">
+              <a:rPr lang="vi-VN" sz="2400">
                 <a:latin typeface="Diavlo Light" panose="02000000000000000000" pitchFamily="2" charset="0"/>
                 <a:cs typeface="Times New Roman" panose="02020603050405020304" pitchFamily="18" charset="0"/>
               </a:rPr>
               <a:t>)</a:t>
             </a:r>
             <a:r>
-              <a:rPr lang="en-US" sz="2400" smtClean="0">
+              <a:rPr lang="en-US" sz="2400">
                 <a:latin typeface="Diavlo Light" panose="02000000000000000000" pitchFamily="2" charset="0"/>
                 <a:cs typeface="Times New Roman" panose="02020603050405020304" pitchFamily="18" charset="0"/>
               </a:rPr>
@@ -14806,14 +14816,14 @@
               <a:t>Network  </a:t>
             </a:r>
             <a:r>
-              <a:rPr lang="vi-VN" sz="2400" smtClean="0">
+              <a:rPr lang="vi-VN" sz="2400">
                 <a:latin typeface="Diavlo Light" panose="02000000000000000000" pitchFamily="2" charset="0"/>
                 <a:cs typeface="Times New Roman" panose="02020603050405020304" pitchFamily="18" charset="0"/>
               </a:rPr>
               <a:t>Enumerator</a:t>
             </a:r>
             <a:r>
-              <a:rPr lang="en-US" sz="2400" smtClean="0">
+              <a:rPr lang="en-US" sz="2400">
                 <a:latin typeface="Diavlo Light" panose="02000000000000000000" pitchFamily="2" charset="0"/>
                 <a:cs typeface="Times New Roman" panose="02020603050405020304" pitchFamily="18" charset="0"/>
               </a:rPr>
@@ -14837,14 +14847,14 @@
               <a:t>MAC Address Scanner with OUI </a:t>
             </a:r>
             <a:r>
-              <a:rPr lang="vi-VN" sz="2400" smtClean="0">
+              <a:rPr lang="vi-VN" sz="2400">
                 <a:latin typeface="Diavlo Light" panose="02000000000000000000" pitchFamily="2" charset="0"/>
                 <a:cs typeface="Times New Roman" panose="02020603050405020304" pitchFamily="18" charset="0"/>
               </a:rPr>
               <a:t>fingerprint</a:t>
             </a:r>
             <a:r>
-              <a:rPr lang="en-US" sz="2400" smtClean="0">
+              <a:rPr lang="en-US" sz="2400">
                 <a:latin typeface="Diavlo Light" panose="02000000000000000000" pitchFamily="2" charset="0"/>
                 <a:cs typeface="Times New Roman" panose="02020603050405020304" pitchFamily="18" charset="0"/>
               </a:rPr>
@@ -14868,14 +14878,14 @@
               <a:t>Service </a:t>
             </a:r>
             <a:r>
-              <a:rPr lang="vi-VN" sz="2400" smtClean="0">
+              <a:rPr lang="vi-VN" sz="2400">
                 <a:latin typeface="Diavlo Light" panose="02000000000000000000" pitchFamily="2" charset="0"/>
                 <a:cs typeface="Times New Roman" panose="02020603050405020304" pitchFamily="18" charset="0"/>
               </a:rPr>
               <a:t>Manager</a:t>
             </a:r>
             <a:r>
-              <a:rPr lang="en-US" sz="2400" smtClean="0">
+              <a:rPr lang="en-US" sz="2400">
                 <a:latin typeface="Diavlo Light" panose="02000000000000000000" pitchFamily="2" charset="0"/>
                 <a:cs typeface="Times New Roman" panose="02020603050405020304" pitchFamily="18" charset="0"/>
               </a:rPr>
@@ -14891,7 +14901,7 @@
               <a:buFont typeface="+mj-lt"/>
               <a:buAutoNum type="arabicPeriod" startAt="2"/>
             </a:pPr>
-            <a:endParaRPr lang="en-GB" sz="2400" smtClean="0">
+            <a:endParaRPr lang="en-GB" sz="2400">
               <a:latin typeface="Diavlo Light" panose="02000000000000000000" pitchFamily="2" charset="0"/>
               <a:cs typeface="Times New Roman" panose="02020603050405020304" pitchFamily="18" charset="0"/>
             </a:endParaRPr>
@@ -15298,7 +15308,7 @@
         <p:spPr/>
         <p:txBody>
           <a:bodyPr>
-            <a:normAutofit/>
+            <a:normAutofit fontScale="90000"/>
           </a:bodyPr>
           <a:lstStyle/>
           <a:p>
@@ -15342,8 +15352,8 @@
         </p:nvSpPr>
         <p:spPr>
           <a:xfrm>
-            <a:off x="182880" y="999745"/>
-            <a:ext cx="8717280" cy="4105392"/>
+            <a:off x="146304" y="1085089"/>
+            <a:ext cx="7141464" cy="4105392"/>
           </a:xfrm>
         </p:spPr>
         <p:txBody>
@@ -15357,18 +15367,11 @@
               <a:buChar char="Ø"/>
             </a:pPr>
             <a:r>
-              <a:rPr lang="vi-VN" sz="2400" smtClean="0">
-                <a:latin typeface="Diavlo Light" panose="02000000000000000000" pitchFamily="2" charset="0"/>
-                <a:cs typeface="Times New Roman" panose="02020603050405020304" pitchFamily="18" charset="0"/>
-              </a:rPr>
-              <a:t>Password </a:t>
-            </a:r>
-            <a:r>
-              <a:rPr lang="vi-VN" sz="2400" smtClean="0">
-                <a:latin typeface="Diavlo Light" panose="02000000000000000000" pitchFamily="2" charset="0"/>
-                <a:cs typeface="Times New Roman" panose="02020603050405020304" pitchFamily="18" charset="0"/>
-              </a:rPr>
-              <a:t>Crackers</a:t>
+              <a:rPr lang="vi-VN" sz="2400">
+                <a:latin typeface="Diavlo Light" panose="02000000000000000000" pitchFamily="2" charset="0"/>
+                <a:cs typeface="Times New Roman" panose="02020603050405020304" pitchFamily="18" charset="0"/>
+              </a:rPr>
+              <a:t>Password Crackers</a:t>
             </a:r>
             <a:r>
               <a:rPr lang="en-US" sz="2400">
@@ -15391,14 +15394,14 @@
               <a:t>Password </a:t>
             </a:r>
             <a:r>
-              <a:rPr lang="vi-VN" sz="2400" smtClean="0">
+              <a:rPr lang="vi-VN" sz="2400">
                 <a:latin typeface="Diavlo Light" panose="02000000000000000000" pitchFamily="2" charset="0"/>
                 <a:cs typeface="Times New Roman" panose="02020603050405020304" pitchFamily="18" charset="0"/>
               </a:rPr>
               <a:t>Crackers</a:t>
             </a:r>
             <a:r>
-              <a:rPr lang="en-US" sz="2400" smtClean="0">
+              <a:rPr lang="en-US" sz="2400">
                 <a:latin typeface="Diavlo Light" panose="02000000000000000000" pitchFamily="2" charset="0"/>
                 <a:cs typeface="Times New Roman" panose="02020603050405020304" pitchFamily="18" charset="0"/>
               </a:rPr>
@@ -15422,14 +15425,14 @@
               <a:t>Cryptanalysis </a:t>
             </a:r>
             <a:r>
-              <a:rPr lang="vi-VN" sz="2400" smtClean="0">
+              <a:rPr lang="vi-VN" sz="2400">
                 <a:latin typeface="Diavlo Light" panose="02000000000000000000" pitchFamily="2" charset="0"/>
                 <a:cs typeface="Times New Roman" panose="02020603050405020304" pitchFamily="18" charset="0"/>
               </a:rPr>
               <a:t>attacks</a:t>
             </a:r>
             <a:r>
-              <a:rPr lang="en-US" sz="2400" smtClean="0">
+              <a:rPr lang="en-US" sz="2400">
                 <a:latin typeface="Diavlo Light" panose="02000000000000000000" pitchFamily="2" charset="0"/>
                 <a:cs typeface="Times New Roman" panose="02020603050405020304" pitchFamily="18" charset="0"/>
               </a:rPr>
@@ -15453,14 +15456,14 @@
               <a:t>Rainbowcrack-online </a:t>
             </a:r>
             <a:r>
-              <a:rPr lang="vi-VN" sz="2400" smtClean="0">
+              <a:rPr lang="vi-VN" sz="2400">
                 <a:latin typeface="Diavlo Light" panose="02000000000000000000" pitchFamily="2" charset="0"/>
                 <a:cs typeface="Times New Roman" panose="02020603050405020304" pitchFamily="18" charset="0"/>
               </a:rPr>
               <a:t>client</a:t>
             </a:r>
             <a:r>
-              <a:rPr lang="en-US" sz="2400" smtClean="0">
+              <a:rPr lang="en-US" sz="2400">
                 <a:latin typeface="Diavlo Light" panose="02000000000000000000" pitchFamily="2" charset="0"/>
                 <a:cs typeface="Times New Roman" panose="02020603050405020304" pitchFamily="18" charset="0"/>
               </a:rPr>
@@ -15484,14 +15487,14 @@
               <a:t>WEP </a:t>
             </a:r>
             <a:r>
-              <a:rPr lang="vi-VN" sz="2400" smtClean="0">
+              <a:rPr lang="vi-VN" sz="2400">
                 <a:latin typeface="Diavlo Light" panose="02000000000000000000" pitchFamily="2" charset="0"/>
                 <a:cs typeface="Times New Roman" panose="02020603050405020304" pitchFamily="18" charset="0"/>
               </a:rPr>
               <a:t>Cracker</a:t>
             </a:r>
             <a:r>
-              <a:rPr lang="en-US" sz="2400" smtClean="0">
+              <a:rPr lang="en-US" sz="2400">
                 <a:latin typeface="Diavlo Light" panose="02000000000000000000" pitchFamily="2" charset="0"/>
                 <a:cs typeface="Times New Roman" panose="02020603050405020304" pitchFamily="18" charset="0"/>
               </a:rPr>
@@ -15507,7 +15510,7 @@
               <a:buFont typeface="+mj-lt"/>
               <a:buAutoNum type="arabicPeriod" startAt="2"/>
             </a:pPr>
-            <a:endParaRPr lang="en-GB" sz="2400" smtClean="0">
+            <a:endParaRPr lang="en-GB" sz="2400">
               <a:latin typeface="Diavlo Light" panose="02000000000000000000" pitchFamily="2" charset="0"/>
               <a:cs typeface="Times New Roman" panose="02020603050405020304" pitchFamily="18" charset="0"/>
             </a:endParaRPr>
@@ -15536,8 +15539,8 @@
         </p:blipFill>
         <p:spPr>
           <a:xfrm>
-            <a:off x="341376" y="999745"/>
-            <a:ext cx="8558784" cy="4268245"/>
+            <a:off x="429768" y="1003662"/>
+            <a:ext cx="6858000" cy="4268245"/>
           </a:xfrm>
           <a:prstGeom prst="rect">
             <a:avLst/>
@@ -15944,7 +15947,7 @@
         <p:spPr/>
         <p:txBody>
           <a:bodyPr>
-            <a:normAutofit/>
+            <a:normAutofit fontScale="90000"/>
           </a:bodyPr>
           <a:lstStyle/>
           <a:p>
@@ -15988,8 +15991,8 @@
         </p:nvSpPr>
         <p:spPr>
           <a:xfrm>
-            <a:off x="182880" y="999745"/>
-            <a:ext cx="8717280" cy="4105392"/>
+            <a:off x="-97536" y="999745"/>
+            <a:ext cx="7632192" cy="4105392"/>
           </a:xfrm>
         </p:spPr>
         <p:txBody>
@@ -16003,21 +16006,14 @@
               <a:buChar char="Ø"/>
             </a:pPr>
             <a:r>
-              <a:rPr lang="vi-VN" sz="2400" smtClean="0">
-                <a:latin typeface="Diavlo Light" panose="02000000000000000000" pitchFamily="2" charset="0"/>
-                <a:cs typeface="Times New Roman" panose="02020603050405020304" pitchFamily="18" charset="0"/>
-              </a:rPr>
-              <a:t>Password </a:t>
-            </a:r>
-            <a:r>
-              <a:rPr lang="vi-VN" sz="2400" smtClean="0">
-                <a:latin typeface="Diavlo Light" panose="02000000000000000000" pitchFamily="2" charset="0"/>
-                <a:cs typeface="Times New Roman" panose="02020603050405020304" pitchFamily="18" charset="0"/>
-              </a:rPr>
-              <a:t>Decoders</a:t>
-            </a:r>
-            <a:r>
-              <a:rPr lang="en-US" sz="2400" smtClean="0">
+              <a:rPr lang="vi-VN" sz="2400">
+                <a:latin typeface="Diavlo Light" panose="02000000000000000000" pitchFamily="2" charset="0"/>
+                <a:cs typeface="Times New Roman" panose="02020603050405020304" pitchFamily="18" charset="0"/>
+              </a:rPr>
+              <a:t>Password Decoders</a:t>
+            </a:r>
+            <a:r>
+              <a:rPr lang="en-US" sz="2400">
                 <a:latin typeface="Diavlo Light" panose="02000000000000000000" pitchFamily="2" charset="0"/>
                 <a:cs typeface="Times New Roman" panose="02020603050405020304" pitchFamily="18" charset="0"/>
               </a:rPr>
@@ -16041,14 +16037,14 @@
               <a:t>Access (9x/2000/XP) Database Passwords </a:t>
             </a:r>
             <a:r>
-              <a:rPr lang="vi-VN" sz="2400" smtClean="0">
+              <a:rPr lang="vi-VN" sz="2400">
                 <a:latin typeface="Diavlo Light" panose="02000000000000000000" pitchFamily="2" charset="0"/>
                 <a:cs typeface="Times New Roman" panose="02020603050405020304" pitchFamily="18" charset="0"/>
               </a:rPr>
               <a:t>Decoder</a:t>
             </a:r>
             <a:r>
-              <a:rPr lang="en-US" sz="2400" smtClean="0">
+              <a:rPr lang="en-US" sz="2400">
                 <a:latin typeface="Diavlo Light" panose="02000000000000000000" pitchFamily="2" charset="0"/>
                 <a:cs typeface="Times New Roman" panose="02020603050405020304" pitchFamily="18" charset="0"/>
               </a:rPr>
@@ -16092,14 +16088,14 @@
               <a:t>Box </a:t>
             </a:r>
             <a:r>
-              <a:rPr lang="vi-VN" sz="2400" smtClean="0">
+              <a:rPr lang="vi-VN" sz="2400">
                 <a:latin typeface="Diavlo Light" panose="02000000000000000000" pitchFamily="2" charset="0"/>
                 <a:cs typeface="Times New Roman" panose="02020603050405020304" pitchFamily="18" charset="0"/>
               </a:rPr>
               <a:t>Revealer</a:t>
             </a:r>
             <a:r>
-              <a:rPr lang="en-US" sz="2400" smtClean="0">
+              <a:rPr lang="en-US" sz="2400">
                 <a:latin typeface="Diavlo Light" panose="02000000000000000000" pitchFamily="2" charset="0"/>
                 <a:cs typeface="Times New Roman" panose="02020603050405020304" pitchFamily="18" charset="0"/>
               </a:rPr>
@@ -16123,14 +16119,14 @@
               <a:t>Cisco Type-7 Password </a:t>
             </a:r>
             <a:r>
-              <a:rPr lang="vi-VN" sz="2400" smtClean="0">
+              <a:rPr lang="vi-VN" sz="2400">
                 <a:latin typeface="Diavlo Light" panose="02000000000000000000" pitchFamily="2" charset="0"/>
                 <a:cs typeface="Times New Roman" panose="02020603050405020304" pitchFamily="18" charset="0"/>
               </a:rPr>
               <a:t>Decoder</a:t>
             </a:r>
             <a:r>
-              <a:rPr lang="en-US" sz="2400" smtClean="0">
+              <a:rPr lang="en-US" sz="2400">
                 <a:latin typeface="Diavlo Light" panose="02000000000000000000" pitchFamily="2" charset="0"/>
                 <a:cs typeface="Times New Roman" panose="02020603050405020304" pitchFamily="18" charset="0"/>
               </a:rPr>
@@ -16154,14 +16150,14 @@
               <a:t>Cisco VPN Client Password </a:t>
             </a:r>
             <a:r>
-              <a:rPr lang="vi-VN" sz="2400" smtClean="0">
+              <a:rPr lang="vi-VN" sz="2400">
                 <a:latin typeface="Diavlo Light" panose="02000000000000000000" pitchFamily="2" charset="0"/>
                 <a:cs typeface="Times New Roman" panose="02020603050405020304" pitchFamily="18" charset="0"/>
               </a:rPr>
               <a:t>Decoder</a:t>
             </a:r>
             <a:r>
-              <a:rPr lang="en-US" sz="2400" smtClean="0">
+              <a:rPr lang="en-US" sz="2400">
                 <a:latin typeface="Diavlo Light" panose="02000000000000000000" pitchFamily="2" charset="0"/>
                 <a:cs typeface="Times New Roman" panose="02020603050405020304" pitchFamily="18" charset="0"/>
               </a:rPr>
@@ -16216,8 +16212,8 @@
         </p:blipFill>
         <p:spPr>
           <a:xfrm>
-            <a:off x="548640" y="999745"/>
-            <a:ext cx="8010143" cy="4376927"/>
+            <a:off x="463296" y="1024129"/>
+            <a:ext cx="6510528" cy="4376927"/>
           </a:xfrm>
           <a:prstGeom prst="rect">
             <a:avLst/>
@@ -16710,7 +16706,7 @@
         <p:spPr/>
         <p:txBody>
           <a:bodyPr>
-            <a:normAutofit/>
+            <a:normAutofit fontScale="90000"/>
           </a:bodyPr>
           <a:lstStyle/>
           <a:p>
@@ -16754,8 +16750,8 @@
         </p:nvSpPr>
         <p:spPr>
           <a:xfrm>
-            <a:off x="182880" y="999745"/>
-            <a:ext cx="8717280" cy="4105392"/>
+            <a:off x="24384" y="1036321"/>
+            <a:ext cx="7546848" cy="4105392"/>
           </a:xfrm>
         </p:spPr>
         <p:txBody>
@@ -16769,7 +16765,7 @@
               <a:buChar char="Ø"/>
             </a:pPr>
             <a:r>
-              <a:rPr lang="vi-VN" sz="2400" smtClean="0">
+              <a:rPr lang="vi-VN" sz="2400">
                 <a:latin typeface="Diavlo Light" panose="02000000000000000000" pitchFamily="2" charset="0"/>
                 <a:cs typeface="Times New Roman" panose="02020603050405020304" pitchFamily="18" charset="0"/>
               </a:rPr>
@@ -16800,7 +16796,7 @@
               <a:t>LSA Secrets </a:t>
             </a:r>
             <a:r>
-              <a:rPr lang="vi-VN" sz="2400" smtClean="0">
+              <a:rPr lang="vi-VN" sz="2400">
                 <a:latin typeface="Diavlo Light" panose="02000000000000000000" pitchFamily="2" charset="0"/>
                 <a:cs typeface="Times New Roman" panose="02020603050405020304" pitchFamily="18" charset="0"/>
               </a:rPr>
@@ -16813,7 +16809,7 @@
               </a:rPr>
               <a:t>.</a:t>
             </a:r>
-            <a:endParaRPr lang="en-US" sz="2400" smtClean="0">
+            <a:endParaRPr lang="en-US" sz="2400">
               <a:latin typeface="Diavlo Light" panose="02000000000000000000" pitchFamily="2" charset="0"/>
               <a:cs typeface="Times New Roman" panose="02020603050405020304" pitchFamily="18" charset="0"/>
             </a:endParaRPr>
@@ -16824,7 +16820,7 @@
               <a:buChar char="§"/>
             </a:pPr>
             <a:r>
-              <a:rPr lang="vi-VN" sz="2400" smtClean="0">
+              <a:rPr lang="vi-VN" sz="2400">
                 <a:latin typeface="Diavlo Light" panose="02000000000000000000" pitchFamily="2" charset="0"/>
                 <a:cs typeface="Times New Roman" panose="02020603050405020304" pitchFamily="18" charset="0"/>
               </a:rPr>
@@ -16838,14 +16834,14 @@
               <a:t>Hashes </a:t>
             </a:r>
             <a:r>
-              <a:rPr lang="vi-VN" sz="2400" smtClean="0">
+              <a:rPr lang="vi-VN" sz="2400">
                 <a:latin typeface="Diavlo Light" panose="02000000000000000000" pitchFamily="2" charset="0"/>
                 <a:cs typeface="Times New Roman" panose="02020603050405020304" pitchFamily="18" charset="0"/>
               </a:rPr>
               <a:t>Dumper</a:t>
             </a:r>
             <a:r>
-              <a:rPr lang="en-US" sz="2400" smtClean="0">
+              <a:rPr lang="en-US" sz="2400">
                 <a:latin typeface="Diavlo Light" panose="02000000000000000000" pitchFamily="2" charset="0"/>
                 <a:cs typeface="Times New Roman" panose="02020603050405020304" pitchFamily="18" charset="0"/>
               </a:rPr>
@@ -16858,7 +16854,7 @@
               <a:buChar char="§"/>
             </a:pPr>
             <a:r>
-              <a:rPr lang="vi-VN" sz="2400" smtClean="0">
+              <a:rPr lang="vi-VN" sz="2400">
                 <a:latin typeface="Diavlo Light" panose="02000000000000000000" pitchFamily="2" charset="0"/>
                 <a:cs typeface="Times New Roman" panose="02020603050405020304" pitchFamily="18" charset="0"/>
               </a:rPr>
@@ -16872,14 +16868,14 @@
               <a:t>Password Extractor via </a:t>
             </a:r>
             <a:r>
-              <a:rPr lang="vi-VN" sz="2400" smtClean="0">
+              <a:rPr lang="vi-VN" sz="2400">
                 <a:latin typeface="Diavlo Light" panose="02000000000000000000" pitchFamily="2" charset="0"/>
                 <a:cs typeface="Times New Roman" panose="02020603050405020304" pitchFamily="18" charset="0"/>
               </a:rPr>
               <a:t>ODBC</a:t>
             </a:r>
             <a:r>
-              <a:rPr lang="en-US" sz="2400" smtClean="0">
+              <a:rPr lang="en-US" sz="2400">
                 <a:latin typeface="Diavlo Light" panose="02000000000000000000" pitchFamily="2" charset="0"/>
                 <a:cs typeface="Times New Roman" panose="02020603050405020304" pitchFamily="18" charset="0"/>
               </a:rPr>
@@ -16892,7 +16888,7 @@
               <a:buChar char="§"/>
             </a:pPr>
             <a:r>
-              <a:rPr lang="vi-VN" sz="2400" smtClean="0">
+              <a:rPr lang="vi-VN" sz="2400">
                 <a:latin typeface="Diavlo Light" panose="02000000000000000000" pitchFamily="2" charset="0"/>
                 <a:cs typeface="Times New Roman" panose="02020603050405020304" pitchFamily="18" charset="0"/>
               </a:rPr>
@@ -16957,8 +16953,8 @@
         </p:blipFill>
         <p:spPr>
           <a:xfrm>
-            <a:off x="571283" y="1024129"/>
-            <a:ext cx="7855130" cy="4242816"/>
+            <a:off x="211619" y="1040761"/>
+            <a:ext cx="7262077" cy="4242816"/>
           </a:xfrm>
           <a:prstGeom prst="rect">
             <a:avLst/>

--- a/CDBM/Team Assignment 01/Team02.pptx
+++ b/CDBM/Team Assignment 01/Team02.pptx
@@ -8401,19 +8401,22 @@
           <a:p>
             <a:pPr algn="ctr"/>
             <a:endParaRPr lang="en-US" sz="4000">
-              <a:latin typeface="Diavlo Light" panose="02000000000000000000" pitchFamily="2" charset="0"/>
+              <a:latin typeface="Times New Roman" panose="02020603050405020304" pitchFamily="18" charset="0"/>
+              <a:cs typeface="Times New Roman" panose="02020603050405020304" pitchFamily="18" charset="0"/>
             </a:endParaRPr>
           </a:p>
           <a:p>
             <a:pPr algn="ctr"/>
             <a:r>
               <a:rPr lang="vi-VN" sz="6000">
-                <a:latin typeface="Diavlo Light" panose="02000000000000000000" pitchFamily="2" charset="0"/>
+                <a:latin typeface="Times New Roman" panose="02020603050405020304" pitchFamily="18" charset="0"/>
+                <a:cs typeface="Times New Roman" panose="02020603050405020304" pitchFamily="18" charset="0"/>
               </a:rPr>
               <a:t>Cain and Abel</a:t>
             </a:r>
             <a:endParaRPr lang="en-US" sz="6000">
-              <a:latin typeface="Diavlo Light" panose="02000000000000000000" pitchFamily="2" charset="0"/>
+              <a:latin typeface="Times New Roman" panose="02020603050405020304" pitchFamily="18" charset="0"/>
+              <a:cs typeface="Times New Roman" panose="02020603050405020304" pitchFamily="18" charset="0"/>
             </a:endParaRPr>
           </a:p>
         </p:txBody>
@@ -8443,7 +8446,8 @@
                 <a:solidFill>
                   <a:srgbClr val="94C255"/>
                 </a:solidFill>
-                <a:latin typeface="Diavlo Medium" panose="02000000000000000000" pitchFamily="2" charset="0"/>
+                <a:latin typeface="Times New Roman" panose="02020603050405020304" pitchFamily="18" charset="0"/>
+                <a:cs typeface="Times New Roman" panose="02020603050405020304" pitchFamily="18" charset="0"/>
               </a:rPr>
               <a:t>Chuyên Đề Bảo Mật</a:t>
             </a:r>
@@ -8451,7 +8455,8 @@
               <a:solidFill>
                 <a:srgbClr val="94C255"/>
               </a:solidFill>
-              <a:latin typeface="Diavlo Medium" panose="02000000000000000000" pitchFamily="2" charset="0"/>
+              <a:latin typeface="Times New Roman" panose="02020603050405020304" pitchFamily="18" charset="0"/>
+              <a:cs typeface="Times New Roman" panose="02020603050405020304" pitchFamily="18" charset="0"/>
             </a:endParaRPr>
           </a:p>
         </p:txBody>
@@ -8674,33 +8679,33 @@
         <p:spPr/>
         <p:txBody>
           <a:bodyPr>
-            <a:normAutofit fontScale="90000"/>
+            <a:normAutofit/>
           </a:bodyPr>
           <a:lstStyle/>
           <a:p>
             <a:r>
-              <a:rPr lang="en-US">
-                <a:latin typeface="Diavlo Medium" panose="02000000000000000000" pitchFamily="2" charset="0"/>
+              <a:rPr lang="en-US" b="1">
+                <a:latin typeface="Times New Roman" panose="02020603050405020304" pitchFamily="18" charset="0"/>
                 <a:cs typeface="Times New Roman" panose="02020603050405020304" pitchFamily="18" charset="0"/>
               </a:rPr>
               <a:t>Giới thiệu </a:t>
             </a:r>
             <a:r>
-              <a:rPr lang="vi-VN" smtClean="0">
-                <a:latin typeface="Diavlo Medium" panose="02000000000000000000" pitchFamily="2" charset="0"/>
+              <a:rPr lang="vi-VN" b="1" smtClean="0">
+                <a:latin typeface="Times New Roman" panose="02020603050405020304" pitchFamily="18" charset="0"/>
                 <a:cs typeface="Times New Roman" panose="02020603050405020304" pitchFamily="18" charset="0"/>
               </a:rPr>
               <a:t>về </a:t>
             </a:r>
             <a:r>
-              <a:rPr lang="vi-VN">
-                <a:latin typeface="Diavlo Medium" panose="02000000000000000000" pitchFamily="2" charset="0"/>
+              <a:rPr lang="vi-VN" b="1">
+                <a:latin typeface="Times New Roman" panose="02020603050405020304" pitchFamily="18" charset="0"/>
                 <a:cs typeface="Times New Roman" panose="02020603050405020304" pitchFamily="18" charset="0"/>
               </a:rPr>
               <a:t>Cain and Abel</a:t>
             </a:r>
-            <a:endParaRPr lang="en-US">
-              <a:latin typeface="Diavlo Medium" panose="02000000000000000000" pitchFamily="2" charset="0"/>
+            <a:endParaRPr lang="en-US" b="1">
+              <a:latin typeface="Times New Roman" panose="02020603050405020304" pitchFamily="18" charset="0"/>
               <a:cs typeface="Times New Roman" panose="02020603050405020304" pitchFamily="18" charset="0"/>
             </a:endParaRPr>
           </a:p>
@@ -8734,20 +8739,13 @@
             </a:pPr>
             <a:r>
               <a:rPr lang="vi-VN" sz="2400">
-                <a:latin typeface="Diavlo Light" panose="02000000000000000000" pitchFamily="2" charset="0"/>
-                <a:cs typeface="Times New Roman" panose="02020603050405020304" pitchFamily="18" charset="0"/>
-              </a:rPr>
-              <a:t>Password/Hash </a:t>
-            </a:r>
-            <a:r>
-              <a:rPr lang="vi-VN" sz="2400">
-                <a:latin typeface="Diavlo Light" panose="02000000000000000000" pitchFamily="2" charset="0"/>
-                <a:cs typeface="Times New Roman" panose="02020603050405020304" pitchFamily="18" charset="0"/>
-              </a:rPr>
-              <a:t>Calculators</a:t>
+                <a:latin typeface="Times New Roman" panose="02020603050405020304" pitchFamily="18" charset="0"/>
+                <a:cs typeface="Times New Roman" panose="02020603050405020304" pitchFamily="18" charset="0"/>
+              </a:rPr>
+              <a:t>Password/Hash Calculators</a:t>
             </a:r>
             <a:endParaRPr lang="en-US" sz="2400">
-              <a:latin typeface="Diavlo Light" panose="02000000000000000000" pitchFamily="2" charset="0"/>
+              <a:latin typeface="Times New Roman" panose="02020603050405020304" pitchFamily="18" charset="0"/>
               <a:cs typeface="Times New Roman" panose="02020603050405020304" pitchFamily="18" charset="0"/>
             </a:endParaRPr>
           </a:p>
@@ -8758,14 +8756,14 @@
             </a:pPr>
             <a:r>
               <a:rPr lang="vi-VN" sz="2400">
-                <a:latin typeface="Diavlo Light" panose="02000000000000000000" pitchFamily="2" charset="0"/>
+                <a:latin typeface="Times New Roman" panose="02020603050405020304" pitchFamily="18" charset="0"/>
                 <a:cs typeface="Times New Roman" panose="02020603050405020304" pitchFamily="18" charset="0"/>
               </a:rPr>
               <a:t>Hash Calculator</a:t>
             </a:r>
             <a:r>
               <a:rPr lang="en-US" sz="2400">
-                <a:latin typeface="Diavlo Light" panose="02000000000000000000" pitchFamily="2" charset="0"/>
+                <a:latin typeface="Times New Roman" panose="02020603050405020304" pitchFamily="18" charset="0"/>
                 <a:cs typeface="Times New Roman" panose="02020603050405020304" pitchFamily="18" charset="0"/>
               </a:rPr>
               <a:t>.</a:t>
@@ -8778,14 +8776,14 @@
             </a:pPr>
             <a:r>
               <a:rPr lang="vi-VN" sz="2400">
-                <a:latin typeface="Diavlo Light" panose="02000000000000000000" pitchFamily="2" charset="0"/>
+                <a:latin typeface="Times New Roman" panose="02020603050405020304" pitchFamily="18" charset="0"/>
                 <a:cs typeface="Times New Roman" panose="02020603050405020304" pitchFamily="18" charset="0"/>
               </a:rPr>
               <a:t>RSA SecurID Token Calculator</a:t>
             </a:r>
             <a:r>
               <a:rPr lang="en-US" sz="2400">
-                <a:latin typeface="Diavlo Light" panose="02000000000000000000" pitchFamily="2" charset="0"/>
+                <a:latin typeface="Times New Roman" panose="02020603050405020304" pitchFamily="18" charset="0"/>
                 <a:cs typeface="Times New Roman" panose="02020603050405020304" pitchFamily="18" charset="0"/>
               </a:rPr>
               <a:t>.</a:t>
@@ -9054,33 +9052,33 @@
         <p:spPr/>
         <p:txBody>
           <a:bodyPr>
-            <a:normAutofit fontScale="90000"/>
+            <a:normAutofit/>
           </a:bodyPr>
           <a:lstStyle/>
           <a:p>
             <a:r>
-              <a:rPr lang="en-US">
-                <a:latin typeface="Diavlo Medium" panose="02000000000000000000" pitchFamily="2" charset="0"/>
+              <a:rPr lang="en-US" b="1">
+                <a:latin typeface="Times New Roman" panose="02020603050405020304" pitchFamily="18" charset="0"/>
                 <a:cs typeface="Times New Roman" panose="02020603050405020304" pitchFamily="18" charset="0"/>
               </a:rPr>
               <a:t>Giới thiệu </a:t>
             </a:r>
             <a:r>
-              <a:rPr lang="vi-VN" smtClean="0">
-                <a:latin typeface="Diavlo Medium" panose="02000000000000000000" pitchFamily="2" charset="0"/>
+              <a:rPr lang="vi-VN" b="1" smtClean="0">
+                <a:latin typeface="Times New Roman" panose="02020603050405020304" pitchFamily="18" charset="0"/>
                 <a:cs typeface="Times New Roman" panose="02020603050405020304" pitchFamily="18" charset="0"/>
               </a:rPr>
               <a:t>về </a:t>
             </a:r>
             <a:r>
-              <a:rPr lang="vi-VN">
-                <a:latin typeface="Diavlo Medium" panose="02000000000000000000" pitchFamily="2" charset="0"/>
+              <a:rPr lang="vi-VN" b="1">
+                <a:latin typeface="Times New Roman" panose="02020603050405020304" pitchFamily="18" charset="0"/>
                 <a:cs typeface="Times New Roman" panose="02020603050405020304" pitchFamily="18" charset="0"/>
               </a:rPr>
               <a:t>Cain and Abel</a:t>
             </a:r>
-            <a:endParaRPr lang="en-US">
-              <a:latin typeface="Diavlo Medium" panose="02000000000000000000" pitchFamily="2" charset="0"/>
+            <a:endParaRPr lang="en-US" b="1">
+              <a:latin typeface="Times New Roman" panose="02020603050405020304" pitchFamily="18" charset="0"/>
               <a:cs typeface="Times New Roman" panose="02020603050405020304" pitchFamily="18" charset="0"/>
             </a:endParaRPr>
           </a:p>
@@ -9114,13 +9112,13 @@
             </a:pPr>
             <a:r>
               <a:rPr lang="vi-VN" sz="2400">
-                <a:latin typeface="Diavlo Light" panose="02000000000000000000" pitchFamily="2" charset="0"/>
+                <a:latin typeface="Times New Roman" panose="02020603050405020304" pitchFamily="18" charset="0"/>
                 <a:cs typeface="Times New Roman" panose="02020603050405020304" pitchFamily="18" charset="0"/>
               </a:rPr>
               <a:t>Sniffer</a:t>
             </a:r>
             <a:endParaRPr lang="en-US" sz="2400">
-              <a:latin typeface="Diavlo Light" panose="02000000000000000000" pitchFamily="2" charset="0"/>
+              <a:latin typeface="Times New Roman" panose="02020603050405020304" pitchFamily="18" charset="0"/>
               <a:cs typeface="Times New Roman" panose="02020603050405020304" pitchFamily="18" charset="0"/>
             </a:endParaRPr>
           </a:p>
@@ -9131,22 +9129,18 @@
             </a:pPr>
             <a:r>
               <a:rPr lang="vi-VN" sz="2400">
-                <a:latin typeface="Diavlo Light" panose="02000000000000000000" pitchFamily="2" charset="0"/>
+                <a:latin typeface="Times New Roman" panose="02020603050405020304" pitchFamily="18" charset="0"/>
                 <a:cs typeface="Times New Roman" panose="02020603050405020304" pitchFamily="18" charset="0"/>
               </a:rPr>
               <a:t>APR (ARP Poison Routing</a:t>
             </a:r>
             <a:r>
               <a:rPr lang="en-US" sz="2400">
-                <a:latin typeface="Diavlo Light" panose="02000000000000000000" pitchFamily="2" charset="0"/>
+                <a:latin typeface="Times New Roman" panose="02020603050405020304" pitchFamily="18" charset="0"/>
                 <a:cs typeface="Times New Roman" panose="02020603050405020304" pitchFamily="18" charset="0"/>
               </a:rPr>
               <a:t>).</a:t>
             </a:r>
-            <a:endParaRPr lang="en-US" sz="2400">
-              <a:latin typeface="Diavlo Light" panose="02000000000000000000" pitchFamily="2" charset="0"/>
-              <a:cs typeface="Times New Roman" panose="02020603050405020304" pitchFamily="18" charset="0"/>
-            </a:endParaRPr>
           </a:p>
           <a:p>
             <a:pPr lvl="2">
@@ -9155,29 +9149,18 @@
             </a:pPr>
             <a:r>
               <a:rPr lang="vi-VN" sz="2400">
-                <a:latin typeface="Diavlo Light" panose="02000000000000000000" pitchFamily="2" charset="0"/>
-                <a:cs typeface="Times New Roman" panose="02020603050405020304" pitchFamily="18" charset="0"/>
-              </a:rPr>
-              <a:t>Full HTTPS sessions sniffer for APR (</a:t>
-            </a:r>
-            <a:r>
-              <a:rPr lang="vi-VN" sz="2400">
-                <a:latin typeface="Diavlo Light" panose="02000000000000000000" pitchFamily="2" charset="0"/>
-                <a:cs typeface="Times New Roman" panose="02020603050405020304" pitchFamily="18" charset="0"/>
-              </a:rPr>
-              <a:t>APR-HTTPS</a:t>
+                <a:latin typeface="Times New Roman" panose="02020603050405020304" pitchFamily="18" charset="0"/>
+                <a:cs typeface="Times New Roman" panose="02020603050405020304" pitchFamily="18" charset="0"/>
+              </a:rPr>
+              <a:t>Full HTTPS sessions sniffer for APR (APR-HTTPS</a:t>
             </a:r>
             <a:r>
               <a:rPr lang="en-US" sz="2400">
-                <a:latin typeface="Diavlo Light" panose="02000000000000000000" pitchFamily="2" charset="0"/>
+                <a:latin typeface="Times New Roman" panose="02020603050405020304" pitchFamily="18" charset="0"/>
                 <a:cs typeface="Times New Roman" panose="02020603050405020304" pitchFamily="18" charset="0"/>
               </a:rPr>
               <a:t>).</a:t>
             </a:r>
-            <a:endParaRPr lang="en-US" sz="2400">
-              <a:latin typeface="Diavlo Light" panose="02000000000000000000" pitchFamily="2" charset="0"/>
-              <a:cs typeface="Times New Roman" panose="02020603050405020304" pitchFamily="18" charset="0"/>
-            </a:endParaRPr>
           </a:p>
           <a:p>
             <a:pPr lvl="2">
@@ -9186,14 +9169,14 @@
             </a:pPr>
             <a:r>
               <a:rPr lang="vi-VN" sz="2400">
-                <a:latin typeface="Diavlo Light" panose="02000000000000000000" pitchFamily="2" charset="0"/>
+                <a:latin typeface="Times New Roman" panose="02020603050405020304" pitchFamily="18" charset="0"/>
                 <a:cs typeface="Times New Roman" panose="02020603050405020304" pitchFamily="18" charset="0"/>
               </a:rPr>
               <a:t>Full IMAPS sessions sniffer for APR (APR-IMAPS)</a:t>
             </a:r>
             <a:r>
               <a:rPr lang="en-US" sz="2400">
-                <a:latin typeface="Diavlo Light" panose="02000000000000000000" pitchFamily="2" charset="0"/>
+                <a:latin typeface="Times New Roman" panose="02020603050405020304" pitchFamily="18" charset="0"/>
                 <a:cs typeface="Times New Roman" panose="02020603050405020304" pitchFamily="18" charset="0"/>
               </a:rPr>
               <a:t>.</a:t>
@@ -9206,14 +9189,14 @@
             </a:pPr>
             <a:r>
               <a:rPr lang="vi-VN" sz="2400">
-                <a:latin typeface="Diavlo Light" panose="02000000000000000000" pitchFamily="2" charset="0"/>
+                <a:latin typeface="Times New Roman" panose="02020603050405020304" pitchFamily="18" charset="0"/>
                 <a:cs typeface="Times New Roman" panose="02020603050405020304" pitchFamily="18" charset="0"/>
               </a:rPr>
               <a:t>Full LDAPS sessions sniffer for APR (APR-LDAPS</a:t>
             </a:r>
             <a:r>
               <a:rPr lang="en-US" sz="2400">
-                <a:latin typeface="Diavlo Light" panose="02000000000000000000" pitchFamily="2" charset="0"/>
+                <a:latin typeface="Times New Roman" panose="02020603050405020304" pitchFamily="18" charset="0"/>
                 <a:cs typeface="Times New Roman" panose="02020603050405020304" pitchFamily="18" charset="0"/>
               </a:rPr>
               <a:t>.</a:t>
@@ -9226,22 +9209,18 @@
             </a:pPr>
             <a:r>
               <a:rPr lang="vi-VN" sz="2400">
-                <a:latin typeface="Diavlo Light" panose="02000000000000000000" pitchFamily="2" charset="0"/>
+                <a:latin typeface="Times New Roman" panose="02020603050405020304" pitchFamily="18" charset="0"/>
                 <a:cs typeface="Times New Roman" panose="02020603050405020304" pitchFamily="18" charset="0"/>
               </a:rPr>
               <a:t>Full POP3S sessions sniffer for APR (APR-POP3S</a:t>
             </a:r>
             <a:r>
               <a:rPr lang="en-US" sz="2400">
-                <a:latin typeface="Diavlo Light" panose="02000000000000000000" pitchFamily="2" charset="0"/>
+                <a:latin typeface="Times New Roman" panose="02020603050405020304" pitchFamily="18" charset="0"/>
                 <a:cs typeface="Times New Roman" panose="02020603050405020304" pitchFamily="18" charset="0"/>
               </a:rPr>
               <a:t>).</a:t>
             </a:r>
-            <a:endParaRPr lang="en-US" sz="2400">
-              <a:latin typeface="Diavlo Light" panose="02000000000000000000" pitchFamily="2" charset="0"/>
-              <a:cs typeface="Times New Roman" panose="02020603050405020304" pitchFamily="18" charset="0"/>
-            </a:endParaRPr>
           </a:p>
           <a:p>
             <a:pPr lvl="2">
@@ -9250,22 +9229,18 @@
             </a:pPr>
             <a:r>
               <a:rPr lang="vi-VN" sz="2400">
-                <a:latin typeface="Diavlo Light" panose="02000000000000000000" pitchFamily="2" charset="0"/>
+                <a:latin typeface="Times New Roman" panose="02020603050405020304" pitchFamily="18" charset="0"/>
                 <a:cs typeface="Times New Roman" panose="02020603050405020304" pitchFamily="18" charset="0"/>
               </a:rPr>
               <a:t>Wireless Scanner</a:t>
             </a:r>
             <a:r>
               <a:rPr lang="en-US" sz="2400">
-                <a:latin typeface="Diavlo Light" panose="02000000000000000000" pitchFamily="2" charset="0"/>
+                <a:latin typeface="Times New Roman" panose="02020603050405020304" pitchFamily="18" charset="0"/>
                 <a:cs typeface="Times New Roman" panose="02020603050405020304" pitchFamily="18" charset="0"/>
               </a:rPr>
               <a:t>.</a:t>
             </a:r>
-            <a:endParaRPr lang="en-US" sz="2400">
-              <a:latin typeface="Diavlo Light" panose="02000000000000000000" pitchFamily="2" charset="0"/>
-              <a:cs typeface="Times New Roman" panose="02020603050405020304" pitchFamily="18" charset="0"/>
-            </a:endParaRPr>
           </a:p>
         </p:txBody>
       </p:sp>
@@ -9785,33 +9760,33 @@
         <p:spPr/>
         <p:txBody>
           <a:bodyPr>
-            <a:normAutofit fontScale="90000"/>
+            <a:normAutofit/>
           </a:bodyPr>
           <a:lstStyle/>
           <a:p>
             <a:r>
-              <a:rPr lang="en-US">
-                <a:latin typeface="Diavlo Medium" panose="02000000000000000000" pitchFamily="2" charset="0"/>
+              <a:rPr lang="en-US" b="1">
+                <a:latin typeface="Times New Roman" panose="02020603050405020304" pitchFamily="18" charset="0"/>
                 <a:cs typeface="Times New Roman" panose="02020603050405020304" pitchFamily="18" charset="0"/>
               </a:rPr>
               <a:t>Giới thiệu </a:t>
             </a:r>
             <a:r>
-              <a:rPr lang="vi-VN" smtClean="0">
-                <a:latin typeface="Diavlo Medium" panose="02000000000000000000" pitchFamily="2" charset="0"/>
+              <a:rPr lang="vi-VN" b="1" smtClean="0">
+                <a:latin typeface="Times New Roman" panose="02020603050405020304" pitchFamily="18" charset="0"/>
                 <a:cs typeface="Times New Roman" panose="02020603050405020304" pitchFamily="18" charset="0"/>
               </a:rPr>
               <a:t>về </a:t>
             </a:r>
             <a:r>
-              <a:rPr lang="vi-VN">
-                <a:latin typeface="Diavlo Medium" panose="02000000000000000000" pitchFamily="2" charset="0"/>
+              <a:rPr lang="vi-VN" b="1">
+                <a:latin typeface="Times New Roman" panose="02020603050405020304" pitchFamily="18" charset="0"/>
                 <a:cs typeface="Times New Roman" panose="02020603050405020304" pitchFamily="18" charset="0"/>
               </a:rPr>
               <a:t>Cain and Abel</a:t>
             </a:r>
-            <a:endParaRPr lang="en-US">
-              <a:latin typeface="Diavlo Medium" panose="02000000000000000000" pitchFamily="2" charset="0"/>
+            <a:endParaRPr lang="en-US" b="1">
+              <a:latin typeface="Times New Roman" panose="02020603050405020304" pitchFamily="18" charset="0"/>
               <a:cs typeface="Times New Roman" panose="02020603050405020304" pitchFamily="18" charset="0"/>
             </a:endParaRPr>
           </a:p>
@@ -9845,21 +9820,21 @@
             </a:pPr>
             <a:r>
               <a:rPr lang="en-GB" sz="2400">
-                <a:latin typeface="Diavlo Light" panose="02000000000000000000" pitchFamily="2" charset="0"/>
+                <a:latin typeface="Times New Roman" panose="02020603050405020304" pitchFamily="18" charset="0"/>
                 <a:cs typeface="Times New Roman" panose="02020603050405020304" pitchFamily="18" charset="0"/>
               </a:rPr>
               <a:t>Giới thiệu </a:t>
             </a:r>
             <a:r>
               <a:rPr lang="en-US" sz="2400">
-                <a:latin typeface="Diavlo Light" panose="02000000000000000000" pitchFamily="2" charset="0"/>
+                <a:latin typeface="Times New Roman" panose="02020603050405020304" pitchFamily="18" charset="0"/>
                 <a:cs typeface="Times New Roman" panose="02020603050405020304" pitchFamily="18" charset="0"/>
               </a:rPr>
               <a:t>Chi tiết về Abel</a:t>
             </a:r>
             <a:r>
               <a:rPr lang="en-GB" sz="2400">
-                <a:latin typeface="Diavlo Light" panose="02000000000000000000" pitchFamily="2" charset="0"/>
+                <a:latin typeface="Times New Roman" panose="02020603050405020304" pitchFamily="18" charset="0"/>
                 <a:cs typeface="Times New Roman" panose="02020603050405020304" pitchFamily="18" charset="0"/>
               </a:rPr>
               <a:t>:</a:t>
@@ -9872,49 +9847,28 @@
             </a:pPr>
             <a:r>
               <a:rPr lang="vi-VN" sz="2400">
-                <a:latin typeface="Diavlo Light" panose="02000000000000000000" pitchFamily="2" charset="0"/>
-                <a:cs typeface="Times New Roman" panose="02020603050405020304" pitchFamily="18" charset="0"/>
-              </a:rPr>
-              <a:t>Abel: là phần thứ hai của phần mềm, được thiết kế như một dịch vụ dành cho Windows </a:t>
+                <a:latin typeface="Times New Roman" panose="02020603050405020304" pitchFamily="18" charset="0"/>
+                <a:cs typeface="Times New Roman" panose="02020603050405020304" pitchFamily="18" charset="0"/>
+              </a:rPr>
+              <a:t>Abel: là phần thứ hai của phần mềm, được thiết kế như một dịch vụ dành cho Windows NT.</a:t>
+            </a:r>
+            <a:r>
+              <a:rPr lang="en-US" sz="2400">
+                <a:latin typeface="Times New Roman" panose="02020603050405020304" pitchFamily="18" charset="0"/>
+                <a:cs typeface="Times New Roman" panose="02020603050405020304" pitchFamily="18" charset="0"/>
+              </a:rPr>
+              <a:t> T</a:t>
             </a:r>
             <a:r>
               <a:rPr lang="vi-VN" sz="2400">
-                <a:latin typeface="Diavlo Light" panose="02000000000000000000" pitchFamily="2" charset="0"/>
-                <a:cs typeface="Times New Roman" panose="02020603050405020304" pitchFamily="18" charset="0"/>
-              </a:rPr>
-              <a:t>NT.</a:t>
+                <a:latin typeface="Times New Roman" panose="02020603050405020304" pitchFamily="18" charset="0"/>
+                <a:cs typeface="Times New Roman" panose="02020603050405020304" pitchFamily="18" charset="0"/>
+              </a:rPr>
+              <a:t>ất cả dữ liệu truyền qua đường dẫn này đều được mã hóa bằng thuật toán mã hóa đối xứng RC4 với khóa là “Cain&amp;Abel”</a:t>
             </a:r>
             <a:r>
               <a:rPr lang="en-US" sz="2400">
-                <a:latin typeface="Diavlo Light" panose="02000000000000000000" pitchFamily="2" charset="0"/>
-                <a:cs typeface="Times New Roman" panose="02020603050405020304" pitchFamily="18" charset="0"/>
-              </a:rPr>
-              <a:t> T</a:t>
-            </a:r>
-            <a:r>
-              <a:rPr lang="vi-VN" sz="2400">
-                <a:latin typeface="Diavlo Light" panose="02000000000000000000" pitchFamily="2" charset="0"/>
-                <a:cs typeface="Times New Roman" panose="02020603050405020304" pitchFamily="18" charset="0"/>
-              </a:rPr>
-              <a:t>ất </a:t>
-            </a:r>
-            <a:r>
-              <a:rPr lang="vi-VN" sz="2400">
-                <a:latin typeface="Diavlo Light" panose="02000000000000000000" pitchFamily="2" charset="0"/>
-                <a:cs typeface="Times New Roman" panose="02020603050405020304" pitchFamily="18" charset="0"/>
-              </a:rPr>
-              <a:t>cả dữ liệu truyền qua đường dẫn này đều được mã hóa bằng thuật toán mã hóa đối xứng RC4 với khóa là “Cain&amp;Abel</a:t>
-            </a:r>
-            <a:r>
-              <a:rPr lang="vi-VN" sz="2400">
-                <a:latin typeface="Diavlo Light" panose="02000000000000000000" pitchFamily="2" charset="0"/>
-                <a:cs typeface="Times New Roman" panose="02020603050405020304" pitchFamily="18" charset="0"/>
-              </a:rPr>
-              <a:t>”</a:t>
-            </a:r>
-            <a:r>
-              <a:rPr lang="en-US" sz="2400">
-                <a:latin typeface="Diavlo Light" panose="02000000000000000000" pitchFamily="2" charset="0"/>
+                <a:latin typeface="Times New Roman" panose="02020603050405020304" pitchFamily="18" charset="0"/>
                 <a:cs typeface="Times New Roman" panose="02020603050405020304" pitchFamily="18" charset="0"/>
               </a:rPr>
               <a:t>:</a:t>
@@ -9927,29 +9881,18 @@
             </a:pPr>
             <a:r>
               <a:rPr lang="vi-VN" sz="2400">
-                <a:latin typeface="Diavlo Light" panose="02000000000000000000" pitchFamily="2" charset="0"/>
-                <a:cs typeface="Times New Roman" panose="02020603050405020304" pitchFamily="18" charset="0"/>
-              </a:rPr>
-              <a:t>Remote </a:t>
-            </a:r>
-            <a:r>
-              <a:rPr lang="vi-VN" sz="2400">
-                <a:latin typeface="Diavlo Light" panose="02000000000000000000" pitchFamily="2" charset="0"/>
-                <a:cs typeface="Times New Roman" panose="02020603050405020304" pitchFamily="18" charset="0"/>
-              </a:rPr>
-              <a:t>Console</a:t>
+                <a:latin typeface="Times New Roman" panose="02020603050405020304" pitchFamily="18" charset="0"/>
+                <a:cs typeface="Times New Roman" panose="02020603050405020304" pitchFamily="18" charset="0"/>
+              </a:rPr>
+              <a:t>Remote Console</a:t>
             </a:r>
             <a:r>
               <a:rPr lang="en-US" sz="2400">
-                <a:latin typeface="Diavlo Light" panose="02000000000000000000" pitchFamily="2" charset="0"/>
+                <a:latin typeface="Times New Roman" panose="02020603050405020304" pitchFamily="18" charset="0"/>
                 <a:cs typeface="Times New Roman" panose="02020603050405020304" pitchFamily="18" charset="0"/>
               </a:rPr>
               <a:t>.</a:t>
             </a:r>
-            <a:endParaRPr lang="en-US" sz="2400">
-              <a:latin typeface="Diavlo Light" panose="02000000000000000000" pitchFamily="2" charset="0"/>
-              <a:cs typeface="Times New Roman" panose="02020603050405020304" pitchFamily="18" charset="0"/>
-            </a:endParaRPr>
           </a:p>
           <a:p>
             <a:pPr lvl="2">
@@ -9958,29 +9901,18 @@
             </a:pPr>
             <a:r>
               <a:rPr lang="vi-VN" sz="2400">
-                <a:latin typeface="Diavlo Light" panose="02000000000000000000" pitchFamily="2" charset="0"/>
-                <a:cs typeface="Times New Roman" panose="02020603050405020304" pitchFamily="18" charset="0"/>
-              </a:rPr>
-              <a:t>Remote LSA Secrets </a:t>
-            </a:r>
-            <a:r>
-              <a:rPr lang="vi-VN" sz="2400">
-                <a:latin typeface="Diavlo Light" panose="02000000000000000000" pitchFamily="2" charset="0"/>
-                <a:cs typeface="Times New Roman" panose="02020603050405020304" pitchFamily="18" charset="0"/>
-              </a:rPr>
-              <a:t>Dumper</a:t>
+                <a:latin typeface="Times New Roman" panose="02020603050405020304" pitchFamily="18" charset="0"/>
+                <a:cs typeface="Times New Roman" panose="02020603050405020304" pitchFamily="18" charset="0"/>
+              </a:rPr>
+              <a:t>Remote LSA Secrets Dumper</a:t>
             </a:r>
             <a:r>
               <a:rPr lang="en-US" sz="2400">
-                <a:latin typeface="Diavlo Light" panose="02000000000000000000" pitchFamily="2" charset="0"/>
+                <a:latin typeface="Times New Roman" panose="02020603050405020304" pitchFamily="18" charset="0"/>
                 <a:cs typeface="Times New Roman" panose="02020603050405020304" pitchFamily="18" charset="0"/>
               </a:rPr>
               <a:t>.</a:t>
             </a:r>
-            <a:endParaRPr lang="en-US" sz="2400">
-              <a:latin typeface="Diavlo Light" panose="02000000000000000000" pitchFamily="2" charset="0"/>
-              <a:cs typeface="Times New Roman" panose="02020603050405020304" pitchFamily="18" charset="0"/>
-            </a:endParaRPr>
           </a:p>
           <a:p>
             <a:pPr lvl="2">
@@ -9989,29 +9921,18 @@
             </a:pPr>
             <a:r>
               <a:rPr lang="vi-VN" sz="2400">
-                <a:latin typeface="Diavlo Light" panose="02000000000000000000" pitchFamily="2" charset="0"/>
-                <a:cs typeface="Times New Roman" panose="02020603050405020304" pitchFamily="18" charset="0"/>
-              </a:rPr>
-              <a:t>Remote Route Table </a:t>
-            </a:r>
-            <a:r>
-              <a:rPr lang="vi-VN" sz="2400">
-                <a:latin typeface="Diavlo Light" panose="02000000000000000000" pitchFamily="2" charset="0"/>
-                <a:cs typeface="Times New Roman" panose="02020603050405020304" pitchFamily="18" charset="0"/>
-              </a:rPr>
-              <a:t>Manager</a:t>
+                <a:latin typeface="Times New Roman" panose="02020603050405020304" pitchFamily="18" charset="0"/>
+                <a:cs typeface="Times New Roman" panose="02020603050405020304" pitchFamily="18" charset="0"/>
+              </a:rPr>
+              <a:t>Remote Route Table Manager</a:t>
             </a:r>
             <a:r>
               <a:rPr lang="en-US" sz="2400">
-                <a:latin typeface="Diavlo Light" panose="02000000000000000000" pitchFamily="2" charset="0"/>
+                <a:latin typeface="Times New Roman" panose="02020603050405020304" pitchFamily="18" charset="0"/>
                 <a:cs typeface="Times New Roman" panose="02020603050405020304" pitchFamily="18" charset="0"/>
               </a:rPr>
               <a:t>.</a:t>
             </a:r>
-            <a:endParaRPr lang="en-US" sz="2400">
-              <a:latin typeface="Diavlo Light" panose="02000000000000000000" pitchFamily="2" charset="0"/>
-              <a:cs typeface="Times New Roman" panose="02020603050405020304" pitchFamily="18" charset="0"/>
-            </a:endParaRPr>
           </a:p>
           <a:p>
             <a:pPr lvl="2">
@@ -10020,29 +9941,18 @@
             </a:pPr>
             <a:r>
               <a:rPr lang="vi-VN" sz="2400">
-                <a:latin typeface="Diavlo Light" panose="02000000000000000000" pitchFamily="2" charset="0"/>
-                <a:cs typeface="Times New Roman" panose="02020603050405020304" pitchFamily="18" charset="0"/>
-              </a:rPr>
-              <a:t>Remote TCP/UDP Table </a:t>
-            </a:r>
-            <a:r>
-              <a:rPr lang="vi-VN" sz="2400">
-                <a:latin typeface="Diavlo Light" panose="02000000000000000000" pitchFamily="2" charset="0"/>
-                <a:cs typeface="Times New Roman" panose="02020603050405020304" pitchFamily="18" charset="0"/>
-              </a:rPr>
-              <a:t>Viewer</a:t>
+                <a:latin typeface="Times New Roman" panose="02020603050405020304" pitchFamily="18" charset="0"/>
+                <a:cs typeface="Times New Roman" panose="02020603050405020304" pitchFamily="18" charset="0"/>
+              </a:rPr>
+              <a:t>Remote TCP/UDP Table Viewer</a:t>
             </a:r>
             <a:r>
               <a:rPr lang="en-US" sz="2400">
-                <a:latin typeface="Diavlo Light" panose="02000000000000000000" pitchFamily="2" charset="0"/>
+                <a:latin typeface="Times New Roman" panose="02020603050405020304" pitchFamily="18" charset="0"/>
                 <a:cs typeface="Times New Roman" panose="02020603050405020304" pitchFamily="18" charset="0"/>
               </a:rPr>
               <a:t>.</a:t>
             </a:r>
-            <a:endParaRPr lang="en-US" sz="2400">
-              <a:latin typeface="Diavlo Light" panose="02000000000000000000" pitchFamily="2" charset="0"/>
-              <a:cs typeface="Times New Roman" panose="02020603050405020304" pitchFamily="18" charset="0"/>
-            </a:endParaRPr>
           </a:p>
           <a:p>
             <a:pPr marL="457200" indent="-457200">
@@ -10050,7 +9960,7 @@
               <a:buAutoNum type="arabicPeriod" startAt="3"/>
             </a:pPr>
             <a:endParaRPr lang="en-GB" sz="2400">
-              <a:latin typeface="Diavlo Light" panose="02000000000000000000" pitchFamily="2" charset="0"/>
+              <a:latin typeface="Times New Roman" panose="02020603050405020304" pitchFamily="18" charset="0"/>
               <a:cs typeface="Times New Roman" panose="02020603050405020304" pitchFamily="18" charset="0"/>
             </a:endParaRPr>
           </a:p>
@@ -10460,28 +10370,28 @@
           <a:lstStyle/>
           <a:p>
             <a:r>
-              <a:rPr lang="vi-VN" smtClean="0">
-                <a:latin typeface="Diavlo Medium" panose="02000000000000000000" pitchFamily="2" charset="0"/>
+              <a:rPr lang="vi-VN" b="1" smtClean="0">
+                <a:latin typeface="Times New Roman" panose="02020603050405020304" pitchFamily="18" charset="0"/>
                 <a:cs typeface="Times New Roman" panose="02020603050405020304" pitchFamily="18" charset="0"/>
               </a:rPr>
               <a:t>Cách </a:t>
             </a:r>
             <a:r>
-              <a:rPr lang="vi-VN">
-                <a:latin typeface="Diavlo Medium" panose="02000000000000000000" pitchFamily="2" charset="0"/>
+              <a:rPr lang="vi-VN" b="1">
+                <a:latin typeface="Times New Roman" panose="02020603050405020304" pitchFamily="18" charset="0"/>
                 <a:cs typeface="Times New Roman" panose="02020603050405020304" pitchFamily="18" charset="0"/>
               </a:rPr>
               <a:t>phòng </a:t>
             </a:r>
             <a:r>
-              <a:rPr lang="vi-VN" smtClean="0">
-                <a:latin typeface="Diavlo Medium" panose="02000000000000000000" pitchFamily="2" charset="0"/>
+              <a:rPr lang="vi-VN" b="1" smtClean="0">
+                <a:latin typeface="Times New Roman" panose="02020603050405020304" pitchFamily="18" charset="0"/>
                 <a:cs typeface="Times New Roman" panose="02020603050405020304" pitchFamily="18" charset="0"/>
               </a:rPr>
               <a:t>chống</a:t>
             </a:r>
-            <a:endParaRPr lang="en-US">
-              <a:latin typeface="Diavlo Medium" panose="02000000000000000000" pitchFamily="2" charset="0"/>
+            <a:endParaRPr lang="en-US" b="1">
+              <a:latin typeface="Times New Roman" panose="02020603050405020304" pitchFamily="18" charset="0"/>
               <a:cs typeface="Times New Roman" panose="02020603050405020304" pitchFamily="18" charset="0"/>
             </a:endParaRPr>
           </a:p>
@@ -10515,35 +10425,35 @@
             </a:pPr>
             <a:r>
               <a:rPr lang="en-US">
-                <a:latin typeface="Diavlo Light" panose="02000000000000000000" pitchFamily="2" charset="0"/>
+                <a:latin typeface="Times New Roman" panose="02020603050405020304" pitchFamily="18" charset="0"/>
                 <a:cs typeface="Times New Roman" panose="02020603050405020304" pitchFamily="18" charset="0"/>
               </a:rPr>
               <a:t>N</a:t>
             </a:r>
             <a:r>
               <a:rPr lang="vi-VN" smtClean="0">
-                <a:latin typeface="Diavlo Light" panose="02000000000000000000" pitchFamily="2" charset="0"/>
+                <a:latin typeface="Times New Roman" panose="02020603050405020304" pitchFamily="18" charset="0"/>
                 <a:cs typeface="Times New Roman" panose="02020603050405020304" pitchFamily="18" charset="0"/>
               </a:rPr>
               <a:t>găn </a:t>
             </a:r>
             <a:r>
               <a:rPr lang="vi-VN">
-                <a:latin typeface="Diavlo Light" panose="02000000000000000000" pitchFamily="2" charset="0"/>
+                <a:latin typeface="Times New Roman" panose="02020603050405020304" pitchFamily="18" charset="0"/>
                 <a:cs typeface="Times New Roman" panose="02020603050405020304" pitchFamily="18" charset="0"/>
               </a:rPr>
               <a:t>chặn những kẻ muốn sniffer dữ </a:t>
             </a:r>
             <a:r>
               <a:rPr lang="vi-VN" smtClean="0">
-                <a:latin typeface="Diavlo Light" panose="02000000000000000000" pitchFamily="2" charset="0"/>
+                <a:latin typeface="Times New Roman" panose="02020603050405020304" pitchFamily="18" charset="0"/>
                 <a:cs typeface="Times New Roman" panose="02020603050405020304" pitchFamily="18" charset="0"/>
               </a:rPr>
               <a:t>liệu</a:t>
             </a:r>
             <a:r>
               <a:rPr lang="en-US" smtClean="0">
-                <a:latin typeface="Diavlo Light" panose="02000000000000000000" pitchFamily="2" charset="0"/>
+                <a:latin typeface="Times New Roman" panose="02020603050405020304" pitchFamily="18" charset="0"/>
                 <a:cs typeface="Times New Roman" panose="02020603050405020304" pitchFamily="18" charset="0"/>
               </a:rPr>
               <a:t>:</a:t>
@@ -10556,35 +10466,35 @@
             </a:pPr>
             <a:r>
               <a:rPr lang="en-US" smtClean="0">
-                <a:latin typeface="Diavlo Light" panose="02000000000000000000" pitchFamily="2" charset="0"/>
+                <a:latin typeface="Times New Roman" panose="02020603050405020304" pitchFamily="18" charset="0"/>
                 <a:cs typeface="Times New Roman" panose="02020603050405020304" pitchFamily="18" charset="0"/>
               </a:rPr>
               <a:t>S</a:t>
             </a:r>
             <a:r>
               <a:rPr lang="vi-VN" smtClean="0">
-                <a:latin typeface="Diavlo Light" panose="02000000000000000000" pitchFamily="2" charset="0"/>
+                <a:latin typeface="Times New Roman" panose="02020603050405020304" pitchFamily="18" charset="0"/>
                 <a:cs typeface="Times New Roman" panose="02020603050405020304" pitchFamily="18" charset="0"/>
               </a:rPr>
               <a:t>ử </a:t>
             </a:r>
             <a:r>
               <a:rPr lang="vi-VN">
-                <a:latin typeface="Diavlo Light" panose="02000000000000000000" pitchFamily="2" charset="0"/>
+                <a:latin typeface="Times New Roman" panose="02020603050405020304" pitchFamily="18" charset="0"/>
                 <a:cs typeface="Times New Roman" panose="02020603050405020304" pitchFamily="18" charset="0"/>
               </a:rPr>
               <a:t>dụng các giao thức mã hóa chuẩn cho dữ liệu trên đường truyền. Khi bạn mã hóa dữ liệu, những kẻ tấn công ác ý có thể sniffer được dữ liệu của bạn, nhưng chúng lại không thể đọc được </a:t>
             </a:r>
             <a:r>
               <a:rPr lang="vi-VN" smtClean="0">
-                <a:latin typeface="Diavlo Light" panose="02000000000000000000" pitchFamily="2" charset="0"/>
+                <a:latin typeface="Times New Roman" panose="02020603050405020304" pitchFamily="18" charset="0"/>
                 <a:cs typeface="Times New Roman" panose="02020603050405020304" pitchFamily="18" charset="0"/>
               </a:rPr>
               <a:t>n</a:t>
             </a:r>
             <a:r>
               <a:rPr lang="en-US" smtClean="0">
-                <a:latin typeface="Diavlo Light" panose="02000000000000000000" pitchFamily="2" charset="0"/>
+                <a:latin typeface="Times New Roman" panose="02020603050405020304" pitchFamily="18" charset="0"/>
                 <a:cs typeface="Times New Roman" panose="02020603050405020304" pitchFamily="18" charset="0"/>
               </a:rPr>
               <a:t>ó.</a:t>
@@ -10597,27 +10507,27 @@
             </a:pPr>
             <a:r>
               <a:rPr lang="vi-VN">
-                <a:latin typeface="Diavlo Light" panose="02000000000000000000" pitchFamily="2" charset="0"/>
+                <a:latin typeface="Times New Roman" panose="02020603050405020304" pitchFamily="18" charset="0"/>
                 <a:cs typeface="Times New Roman" panose="02020603050405020304" pitchFamily="18" charset="0"/>
               </a:rPr>
               <a:t>SSL (Secure Socket Layer</a:t>
             </a:r>
             <a:r>
               <a:rPr lang="vi-VN" smtClean="0">
-                <a:latin typeface="Diavlo Light" panose="02000000000000000000" pitchFamily="2" charset="0"/>
+                <a:latin typeface="Times New Roman" panose="02020603050405020304" pitchFamily="18" charset="0"/>
                 <a:cs typeface="Times New Roman" panose="02020603050405020304" pitchFamily="18" charset="0"/>
               </a:rPr>
               <a:t>)</a:t>
             </a:r>
             <a:r>
               <a:rPr lang="en-US" smtClean="0">
-                <a:latin typeface="Diavlo Light" panose="02000000000000000000" pitchFamily="2" charset="0"/>
+                <a:latin typeface="Times New Roman" panose="02020603050405020304" pitchFamily="18" charset="0"/>
                 <a:cs typeface="Times New Roman" panose="02020603050405020304" pitchFamily="18" charset="0"/>
               </a:rPr>
               <a:t>.</a:t>
             </a:r>
             <a:endParaRPr lang="en-US">
-              <a:latin typeface="Diavlo Light" panose="02000000000000000000" pitchFamily="2" charset="0"/>
+              <a:latin typeface="Times New Roman" panose="02020603050405020304" pitchFamily="18" charset="0"/>
               <a:cs typeface="Times New Roman" panose="02020603050405020304" pitchFamily="18" charset="0"/>
             </a:endParaRPr>
           </a:p>
@@ -10628,27 +10538,27 @@
             </a:pPr>
             <a:r>
               <a:rPr lang="vi-VN">
-                <a:latin typeface="Diavlo Light" panose="02000000000000000000" pitchFamily="2" charset="0"/>
+                <a:latin typeface="Times New Roman" panose="02020603050405020304" pitchFamily="18" charset="0"/>
                 <a:cs typeface="Times New Roman" panose="02020603050405020304" pitchFamily="18" charset="0"/>
               </a:rPr>
               <a:t>PGP và </a:t>
             </a:r>
             <a:r>
               <a:rPr lang="vi-VN" smtClean="0">
-                <a:latin typeface="Diavlo Light" panose="02000000000000000000" pitchFamily="2" charset="0"/>
+                <a:latin typeface="Times New Roman" panose="02020603050405020304" pitchFamily="18" charset="0"/>
                 <a:cs typeface="Times New Roman" panose="02020603050405020304" pitchFamily="18" charset="0"/>
               </a:rPr>
               <a:t>S/MIME</a:t>
             </a:r>
             <a:r>
               <a:rPr lang="en-US" smtClean="0">
-                <a:latin typeface="Diavlo Light" panose="02000000000000000000" pitchFamily="2" charset="0"/>
+                <a:latin typeface="Times New Roman" panose="02020603050405020304" pitchFamily="18" charset="0"/>
                 <a:cs typeface="Times New Roman" panose="02020603050405020304" pitchFamily="18" charset="0"/>
               </a:rPr>
               <a:t>.</a:t>
             </a:r>
             <a:endParaRPr lang="en-US">
-              <a:latin typeface="Diavlo Light" panose="02000000000000000000" pitchFamily="2" charset="0"/>
+              <a:latin typeface="Times New Roman" panose="02020603050405020304" pitchFamily="18" charset="0"/>
               <a:cs typeface="Times New Roman" panose="02020603050405020304" pitchFamily="18" charset="0"/>
             </a:endParaRPr>
           </a:p>
@@ -10659,20 +10569,20 @@
             </a:pPr>
             <a:r>
               <a:rPr lang="vi-VN" smtClean="0">
-                <a:latin typeface="Diavlo Light" panose="02000000000000000000" pitchFamily="2" charset="0"/>
+                <a:latin typeface="Times New Roman" panose="02020603050405020304" pitchFamily="18" charset="0"/>
                 <a:cs typeface="Times New Roman" panose="02020603050405020304" pitchFamily="18" charset="0"/>
               </a:rPr>
               <a:t>OpenSSH</a:t>
             </a:r>
             <a:r>
               <a:rPr lang="en-US" smtClean="0">
-                <a:latin typeface="Diavlo Light" panose="02000000000000000000" pitchFamily="2" charset="0"/>
+                <a:latin typeface="Times New Roman" panose="02020603050405020304" pitchFamily="18" charset="0"/>
                 <a:cs typeface="Times New Roman" panose="02020603050405020304" pitchFamily="18" charset="0"/>
               </a:rPr>
               <a:t>.</a:t>
             </a:r>
             <a:endParaRPr lang="en-US">
-              <a:latin typeface="Diavlo Light" panose="02000000000000000000" pitchFamily="2" charset="0"/>
+              <a:latin typeface="Times New Roman" panose="02020603050405020304" pitchFamily="18" charset="0"/>
               <a:cs typeface="Times New Roman" panose="02020603050405020304" pitchFamily="18" charset="0"/>
             </a:endParaRPr>
           </a:p>
@@ -10683,27 +10593,27 @@
             </a:pPr>
             <a:r>
               <a:rPr lang="vi-VN">
-                <a:latin typeface="Diavlo Light" panose="02000000000000000000" pitchFamily="2" charset="0"/>
+                <a:latin typeface="Times New Roman" panose="02020603050405020304" pitchFamily="18" charset="0"/>
                 <a:cs typeface="Times New Roman" panose="02020603050405020304" pitchFamily="18" charset="0"/>
               </a:rPr>
               <a:t>VPNs (Virtual Private Networks</a:t>
             </a:r>
             <a:r>
               <a:rPr lang="vi-VN" smtClean="0">
-                <a:latin typeface="Diavlo Light" panose="02000000000000000000" pitchFamily="2" charset="0"/>
+                <a:latin typeface="Times New Roman" panose="02020603050405020304" pitchFamily="18" charset="0"/>
                 <a:cs typeface="Times New Roman" panose="02020603050405020304" pitchFamily="18" charset="0"/>
               </a:rPr>
               <a:t>)</a:t>
             </a:r>
             <a:r>
               <a:rPr lang="en-US" smtClean="0">
-                <a:latin typeface="Diavlo Light" panose="02000000000000000000" pitchFamily="2" charset="0"/>
+                <a:latin typeface="Times New Roman" panose="02020603050405020304" pitchFamily="18" charset="0"/>
                 <a:cs typeface="Times New Roman" panose="02020603050405020304" pitchFamily="18" charset="0"/>
               </a:rPr>
               <a:t>.</a:t>
             </a:r>
             <a:endParaRPr lang="en-US">
-              <a:latin typeface="Diavlo Light" panose="02000000000000000000" pitchFamily="2" charset="0"/>
+              <a:latin typeface="Times New Roman" panose="02020603050405020304" pitchFamily="18" charset="0"/>
               <a:cs typeface="Times New Roman" panose="02020603050405020304" pitchFamily="18" charset="0"/>
             </a:endParaRPr>
           </a:p>
@@ -10713,7 +10623,7 @@
               <a:buChar char="Ø"/>
             </a:pPr>
             <a:endParaRPr lang="en-GB">
-              <a:latin typeface="Diavlo Light" panose="02000000000000000000" pitchFamily="2" charset="0"/>
+              <a:latin typeface="Times New Roman" panose="02020603050405020304" pitchFamily="18" charset="0"/>
               <a:cs typeface="Times New Roman" panose="02020603050405020304" pitchFamily="18" charset="0"/>
             </a:endParaRPr>
           </a:p>
@@ -10722,7 +10632,7 @@
               <a:buNone/>
             </a:pPr>
             <a:endParaRPr lang="en-US" smtClean="0">
-              <a:latin typeface="Diavlo Light" panose="02000000000000000000" pitchFamily="2" charset="0"/>
+              <a:latin typeface="Times New Roman" panose="02020603050405020304" pitchFamily="18" charset="0"/>
               <a:cs typeface="Times New Roman" panose="02020603050405020304" pitchFamily="18" charset="0"/>
             </a:endParaRPr>
           </a:p>
@@ -11133,28 +11043,28 @@
           <a:lstStyle/>
           <a:p>
             <a:r>
-              <a:rPr lang="vi-VN" smtClean="0">
-                <a:latin typeface="Diavlo Medium" panose="02000000000000000000" pitchFamily="2" charset="0"/>
+              <a:rPr lang="vi-VN" b="1" smtClean="0">
+                <a:latin typeface="Times New Roman" panose="02020603050405020304" pitchFamily="18" charset="0"/>
                 <a:cs typeface="Times New Roman" panose="02020603050405020304" pitchFamily="18" charset="0"/>
               </a:rPr>
               <a:t>Cách </a:t>
             </a:r>
             <a:r>
-              <a:rPr lang="vi-VN">
-                <a:latin typeface="Diavlo Medium" panose="02000000000000000000" pitchFamily="2" charset="0"/>
+              <a:rPr lang="vi-VN" b="1">
+                <a:latin typeface="Times New Roman" panose="02020603050405020304" pitchFamily="18" charset="0"/>
                 <a:cs typeface="Times New Roman" panose="02020603050405020304" pitchFamily="18" charset="0"/>
               </a:rPr>
               <a:t>phòng </a:t>
             </a:r>
             <a:r>
-              <a:rPr lang="vi-VN" smtClean="0">
-                <a:latin typeface="Diavlo Medium" panose="02000000000000000000" pitchFamily="2" charset="0"/>
+              <a:rPr lang="vi-VN" b="1" smtClean="0">
+                <a:latin typeface="Times New Roman" panose="02020603050405020304" pitchFamily="18" charset="0"/>
                 <a:cs typeface="Times New Roman" panose="02020603050405020304" pitchFamily="18" charset="0"/>
               </a:rPr>
               <a:t>chống</a:t>
             </a:r>
-            <a:endParaRPr lang="en-US">
-              <a:latin typeface="Diavlo Medium" panose="02000000000000000000" pitchFamily="2" charset="0"/>
+            <a:endParaRPr lang="en-US" b="1">
+              <a:latin typeface="Times New Roman" panose="02020603050405020304" pitchFamily="18" charset="0"/>
               <a:cs typeface="Times New Roman" panose="02020603050405020304" pitchFamily="18" charset="0"/>
             </a:endParaRPr>
           </a:p>
@@ -11188,41 +11098,41 @@
             </a:pPr>
             <a:r>
               <a:rPr lang="en-US">
-                <a:latin typeface="Diavlo Light" panose="02000000000000000000" pitchFamily="2" charset="0"/>
+                <a:latin typeface="Times New Roman" panose="02020603050405020304" pitchFamily="18" charset="0"/>
                 <a:cs typeface="Times New Roman" panose="02020603050405020304" pitchFamily="18" charset="0"/>
               </a:rPr>
               <a:t>N</a:t>
             </a:r>
             <a:r>
               <a:rPr lang="vi-VN" smtClean="0">
-                <a:latin typeface="Diavlo Light" panose="02000000000000000000" pitchFamily="2" charset="0"/>
+                <a:latin typeface="Times New Roman" panose="02020603050405020304" pitchFamily="18" charset="0"/>
                 <a:cs typeface="Times New Roman" panose="02020603050405020304" pitchFamily="18" charset="0"/>
               </a:rPr>
               <a:t>găn </a:t>
             </a:r>
             <a:r>
               <a:rPr lang="vi-VN">
-                <a:latin typeface="Diavlo Light" panose="02000000000000000000" pitchFamily="2" charset="0"/>
+                <a:latin typeface="Times New Roman" panose="02020603050405020304" pitchFamily="18" charset="0"/>
                 <a:cs typeface="Times New Roman" panose="02020603050405020304" pitchFamily="18" charset="0"/>
               </a:rPr>
               <a:t>chặn những kẻ muốn sniffer </a:t>
             </a:r>
             <a:r>
               <a:rPr lang="vi-VN" smtClean="0">
-                <a:latin typeface="Diavlo Light" panose="02000000000000000000" pitchFamily="2" charset="0"/>
+                <a:latin typeface="Times New Roman" panose="02020603050405020304" pitchFamily="18" charset="0"/>
                 <a:cs typeface="Times New Roman" panose="02020603050405020304" pitchFamily="18" charset="0"/>
               </a:rPr>
               <a:t>password</a:t>
             </a:r>
             <a:r>
               <a:rPr lang="en-US" smtClean="0">
-                <a:latin typeface="Diavlo Light" panose="02000000000000000000" pitchFamily="2" charset="0"/>
+                <a:latin typeface="Times New Roman" panose="02020603050405020304" pitchFamily="18" charset="0"/>
                 <a:cs typeface="Times New Roman" panose="02020603050405020304" pitchFamily="18" charset="0"/>
               </a:rPr>
               <a:t>:</a:t>
             </a:r>
             <a:endParaRPr lang="en-US">
-              <a:latin typeface="Diavlo Light" panose="02000000000000000000" pitchFamily="2" charset="0"/>
+              <a:latin typeface="Times New Roman" panose="02020603050405020304" pitchFamily="18" charset="0"/>
               <a:cs typeface="Times New Roman" panose="02020603050405020304" pitchFamily="18" charset="0"/>
             </a:endParaRPr>
           </a:p>
@@ -11233,49 +11143,49 @@
             </a:pPr>
             <a:r>
               <a:rPr lang="en-US" smtClean="0">
-                <a:latin typeface="Diavlo Light" panose="02000000000000000000" pitchFamily="2" charset="0"/>
+                <a:latin typeface="Times New Roman" panose="02020603050405020304" pitchFamily="18" charset="0"/>
                 <a:cs typeface="Times New Roman" panose="02020603050405020304" pitchFamily="18" charset="0"/>
               </a:rPr>
               <a:t>S</a:t>
             </a:r>
             <a:r>
               <a:rPr lang="vi-VN" smtClean="0">
-                <a:latin typeface="Diavlo Light" panose="02000000000000000000" pitchFamily="2" charset="0"/>
+                <a:latin typeface="Times New Roman" panose="02020603050405020304" pitchFamily="18" charset="0"/>
                 <a:cs typeface="Times New Roman" panose="02020603050405020304" pitchFamily="18" charset="0"/>
               </a:rPr>
               <a:t>ử </a:t>
             </a:r>
             <a:r>
               <a:rPr lang="vi-VN">
-                <a:latin typeface="Diavlo Light" panose="02000000000000000000" pitchFamily="2" charset="0"/>
+                <a:latin typeface="Times New Roman" panose="02020603050405020304" pitchFamily="18" charset="0"/>
                 <a:cs typeface="Times New Roman" panose="02020603050405020304" pitchFamily="18" charset="0"/>
               </a:rPr>
               <a:t>dụng đồng thời </a:t>
             </a:r>
             <a:r>
               <a:rPr lang="vi-VN" smtClean="0">
-                <a:latin typeface="Diavlo Light" panose="02000000000000000000" pitchFamily="2" charset="0"/>
+                <a:latin typeface="Times New Roman" panose="02020603050405020304" pitchFamily="18" charset="0"/>
                 <a:cs typeface="Times New Roman" panose="02020603050405020304" pitchFamily="18" charset="0"/>
               </a:rPr>
               <a:t>các </a:t>
             </a:r>
             <a:r>
               <a:rPr lang="vi-VN">
-                <a:latin typeface="Diavlo Light" panose="02000000000000000000" pitchFamily="2" charset="0"/>
+                <a:latin typeface="Times New Roman" panose="02020603050405020304" pitchFamily="18" charset="0"/>
                 <a:cs typeface="Times New Roman" panose="02020603050405020304" pitchFamily="18" charset="0"/>
               </a:rPr>
               <a:t>giao thức, phương pháp để mã hóa password cũng như sử dụng một giải pháp chứng thực an </a:t>
             </a:r>
             <a:r>
               <a:rPr lang="vi-VN" smtClean="0">
-                <a:latin typeface="Diavlo Light" panose="02000000000000000000" pitchFamily="2" charset="0"/>
+                <a:latin typeface="Times New Roman" panose="02020603050405020304" pitchFamily="18" charset="0"/>
                 <a:cs typeface="Times New Roman" panose="02020603050405020304" pitchFamily="18" charset="0"/>
               </a:rPr>
               <a:t>toàn</a:t>
             </a:r>
             <a:r>
               <a:rPr lang="en-US" smtClean="0">
-                <a:latin typeface="Diavlo Light" panose="02000000000000000000" pitchFamily="2" charset="0"/>
+                <a:latin typeface="Times New Roman" panose="02020603050405020304" pitchFamily="18" charset="0"/>
                 <a:cs typeface="Times New Roman" panose="02020603050405020304" pitchFamily="18" charset="0"/>
               </a:rPr>
               <a:t>.</a:t>
@@ -11288,14 +11198,14 @@
             </a:pPr>
             <a:r>
               <a:rPr lang="vi-VN" smtClean="0">
-                <a:latin typeface="Diavlo Light" panose="02000000000000000000" pitchFamily="2" charset="0"/>
+                <a:latin typeface="Times New Roman" panose="02020603050405020304" pitchFamily="18" charset="0"/>
                 <a:cs typeface="Times New Roman" panose="02020603050405020304" pitchFamily="18" charset="0"/>
               </a:rPr>
               <a:t>SMB/CIFS</a:t>
             </a:r>
             <a:r>
               <a:rPr lang="en-US" smtClean="0">
-                <a:latin typeface="Diavlo Light" panose="02000000000000000000" pitchFamily="2" charset="0"/>
+                <a:latin typeface="Times New Roman" panose="02020603050405020304" pitchFamily="18" charset="0"/>
                 <a:cs typeface="Times New Roman" panose="02020603050405020304" pitchFamily="18" charset="0"/>
               </a:rPr>
               <a:t>.</a:t>
@@ -11308,14 +11218,14 @@
             </a:pPr>
             <a:r>
               <a:rPr lang="vi-VN" smtClean="0">
-                <a:latin typeface="Diavlo Light" panose="02000000000000000000" pitchFamily="2" charset="0"/>
+                <a:latin typeface="Times New Roman" panose="02020603050405020304" pitchFamily="18" charset="0"/>
                 <a:cs typeface="Times New Roman" panose="02020603050405020304" pitchFamily="18" charset="0"/>
               </a:rPr>
               <a:t>Keberos</a:t>
             </a:r>
             <a:r>
               <a:rPr lang="en-US" smtClean="0">
-                <a:latin typeface="Diavlo Light" panose="02000000000000000000" pitchFamily="2" charset="0"/>
+                <a:latin typeface="Times New Roman" panose="02020603050405020304" pitchFamily="18" charset="0"/>
                 <a:cs typeface="Times New Roman" panose="02020603050405020304" pitchFamily="18" charset="0"/>
               </a:rPr>
               <a:t>.</a:t>
@@ -11328,34 +11238,34 @@
             </a:pPr>
             <a:r>
               <a:rPr lang="vi-VN" smtClean="0">
-                <a:latin typeface="Diavlo Light" panose="02000000000000000000" pitchFamily="2" charset="0"/>
+                <a:latin typeface="Times New Roman" panose="02020603050405020304" pitchFamily="18" charset="0"/>
                 <a:cs typeface="Times New Roman" panose="02020603050405020304" pitchFamily="18" charset="0"/>
               </a:rPr>
               <a:t>Stanford </a:t>
             </a:r>
             <a:r>
               <a:rPr lang="vi-VN">
-                <a:latin typeface="Diavlo Light" panose="02000000000000000000" pitchFamily="2" charset="0"/>
+                <a:latin typeface="Times New Roman" panose="02020603050405020304" pitchFamily="18" charset="0"/>
                 <a:cs typeface="Times New Roman" panose="02020603050405020304" pitchFamily="18" charset="0"/>
               </a:rPr>
               <a:t>SRP (Secure Remote Password</a:t>
             </a:r>
             <a:r>
               <a:rPr lang="vi-VN" smtClean="0">
-                <a:latin typeface="Diavlo Light" panose="02000000000000000000" pitchFamily="2" charset="0"/>
+                <a:latin typeface="Times New Roman" panose="02020603050405020304" pitchFamily="18" charset="0"/>
                 <a:cs typeface="Times New Roman" panose="02020603050405020304" pitchFamily="18" charset="0"/>
               </a:rPr>
               <a:t>)</a:t>
             </a:r>
             <a:r>
               <a:rPr lang="en-US" smtClean="0">
-                <a:latin typeface="Diavlo Light" panose="02000000000000000000" pitchFamily="2" charset="0"/>
+                <a:latin typeface="Times New Roman" panose="02020603050405020304" pitchFamily="18" charset="0"/>
                 <a:cs typeface="Times New Roman" panose="02020603050405020304" pitchFamily="18" charset="0"/>
               </a:rPr>
               <a:t>.</a:t>
             </a:r>
             <a:endParaRPr lang="en-GB">
-              <a:latin typeface="Diavlo Light" panose="02000000000000000000" pitchFamily="2" charset="0"/>
+              <a:latin typeface="Times New Roman" panose="02020603050405020304" pitchFamily="18" charset="0"/>
               <a:cs typeface="Times New Roman" panose="02020603050405020304" pitchFamily="18" charset="0"/>
             </a:endParaRPr>
           </a:p>
@@ -11364,7 +11274,7 @@
               <a:buNone/>
             </a:pPr>
             <a:endParaRPr lang="en-US" smtClean="0">
-              <a:latin typeface="Diavlo Light" panose="02000000000000000000" pitchFamily="2" charset="0"/>
+              <a:latin typeface="Times New Roman" panose="02020603050405020304" pitchFamily="18" charset="0"/>
               <a:cs typeface="Times New Roman" panose="02020603050405020304" pitchFamily="18" charset="0"/>
             </a:endParaRPr>
           </a:p>
@@ -11732,27 +11642,27 @@
           <a:p>
             <a:r>
               <a:rPr lang="vi-VN" smtClean="0">
-                <a:latin typeface="Diavlo Medium" panose="02000000000000000000" pitchFamily="2" charset="0"/>
+                <a:latin typeface="Times New Roman" panose="02020603050405020304" pitchFamily="18" charset="0"/>
                 <a:cs typeface="Times New Roman" panose="02020603050405020304" pitchFamily="18" charset="0"/>
               </a:rPr>
               <a:t>Cách </a:t>
             </a:r>
             <a:r>
               <a:rPr lang="vi-VN">
-                <a:latin typeface="Diavlo Medium" panose="02000000000000000000" pitchFamily="2" charset="0"/>
+                <a:latin typeface="Times New Roman" panose="02020603050405020304" pitchFamily="18" charset="0"/>
                 <a:cs typeface="Times New Roman" panose="02020603050405020304" pitchFamily="18" charset="0"/>
               </a:rPr>
               <a:t>phòng </a:t>
             </a:r>
             <a:r>
               <a:rPr lang="vi-VN" smtClean="0">
-                <a:latin typeface="Diavlo Medium" panose="02000000000000000000" pitchFamily="2" charset="0"/>
+                <a:latin typeface="Times New Roman" panose="02020603050405020304" pitchFamily="18" charset="0"/>
                 <a:cs typeface="Times New Roman" panose="02020603050405020304" pitchFamily="18" charset="0"/>
               </a:rPr>
               <a:t>chống</a:t>
             </a:r>
             <a:endParaRPr lang="en-US">
-              <a:latin typeface="Diavlo Medium" panose="02000000000000000000" pitchFamily="2" charset="0"/>
+              <a:latin typeface="Times New Roman" panose="02020603050405020304" pitchFamily="18" charset="0"/>
               <a:cs typeface="Times New Roman" panose="02020603050405020304" pitchFamily="18" charset="0"/>
             </a:endParaRPr>
           </a:p>
@@ -11770,8 +11680,8 @@
         </p:nvSpPr>
         <p:spPr>
           <a:xfrm>
-            <a:off x="132347" y="999745"/>
-            <a:ext cx="7279106" cy="4105392"/>
+            <a:off x="132346" y="999745"/>
+            <a:ext cx="7487653" cy="4105392"/>
           </a:xfrm>
         </p:spPr>
         <p:txBody>
@@ -11786,28 +11696,28 @@
             </a:pPr>
             <a:r>
               <a:rPr lang="en-US">
-                <a:latin typeface="Diavlo Light" panose="02000000000000000000" pitchFamily="2" charset="0"/>
+                <a:latin typeface="Times New Roman" panose="02020603050405020304" pitchFamily="18" charset="0"/>
                 <a:cs typeface="Times New Roman" panose="02020603050405020304" pitchFamily="18" charset="0"/>
               </a:rPr>
               <a:t>N</a:t>
             </a:r>
             <a:r>
               <a:rPr lang="vi-VN" smtClean="0">
-                <a:latin typeface="Diavlo Light" panose="02000000000000000000" pitchFamily="2" charset="0"/>
+                <a:latin typeface="Times New Roman" panose="02020603050405020304" pitchFamily="18" charset="0"/>
                 <a:cs typeface="Times New Roman" panose="02020603050405020304" pitchFamily="18" charset="0"/>
               </a:rPr>
               <a:t>găn </a:t>
             </a:r>
             <a:r>
               <a:rPr lang="vi-VN">
-                <a:latin typeface="Diavlo Light" panose="02000000000000000000" pitchFamily="2" charset="0"/>
+                <a:latin typeface="Times New Roman" panose="02020603050405020304" pitchFamily="18" charset="0"/>
                 <a:cs typeface="Times New Roman" panose="02020603050405020304" pitchFamily="18" charset="0"/>
               </a:rPr>
               <a:t>chặn hành động sniffer trên những thiết bị phần cứng </a:t>
             </a:r>
             <a:r>
               <a:rPr lang="en-US">
-                <a:latin typeface="Diavlo Light" panose="02000000000000000000" pitchFamily="2" charset="0"/>
+                <a:latin typeface="Times New Roman" panose="02020603050405020304" pitchFamily="18" charset="0"/>
                 <a:cs typeface="Times New Roman" panose="02020603050405020304" pitchFamily="18" charset="0"/>
               </a:rPr>
               <a:t>:</a:t>
@@ -11820,27 +11730,27 @@
             </a:pPr>
             <a:r>
               <a:rPr lang="en-US">
-                <a:latin typeface="Diavlo Light" panose="02000000000000000000" pitchFamily="2" charset="0"/>
+                <a:latin typeface="Times New Roman" panose="02020603050405020304" pitchFamily="18" charset="0"/>
                 <a:cs typeface="Times New Roman" panose="02020603050405020304" pitchFamily="18" charset="0"/>
               </a:rPr>
               <a:t>T</a:t>
             </a:r>
             <a:r>
               <a:rPr lang="vi-VN" smtClean="0">
-                <a:latin typeface="Diavlo Light" panose="02000000000000000000" pitchFamily="2" charset="0"/>
+                <a:latin typeface="Times New Roman" panose="02020603050405020304" pitchFamily="18" charset="0"/>
                 <a:cs typeface="Times New Roman" panose="02020603050405020304" pitchFamily="18" charset="0"/>
               </a:rPr>
               <a:t>hay </a:t>
             </a:r>
             <a:r>
               <a:rPr lang="vi-VN">
-                <a:latin typeface="Diavlo Light" panose="02000000000000000000" pitchFamily="2" charset="0"/>
+                <a:latin typeface="Times New Roman" panose="02020603050405020304" pitchFamily="18" charset="0"/>
                 <a:cs typeface="Times New Roman" panose="02020603050405020304" pitchFamily="18" charset="0"/>
               </a:rPr>
               <a:t>thế Hub của bạn bằng những switch</a:t>
             </a:r>
             <a:endParaRPr lang="en-US">
-              <a:latin typeface="Diavlo Light" panose="02000000000000000000" pitchFamily="2" charset="0"/>
+              <a:latin typeface="Times New Roman" panose="02020603050405020304" pitchFamily="18" charset="0"/>
               <a:cs typeface="Times New Roman" panose="02020603050405020304" pitchFamily="18" charset="0"/>
             </a:endParaRPr>
           </a:p>
@@ -11851,27 +11761,27 @@
             </a:pPr>
             <a:r>
               <a:rPr lang="en-US">
-                <a:latin typeface="Diavlo Light" panose="02000000000000000000" pitchFamily="2" charset="0"/>
+                <a:latin typeface="Times New Roman" panose="02020603050405020304" pitchFamily="18" charset="0"/>
                 <a:cs typeface="Times New Roman" panose="02020603050405020304" pitchFamily="18" charset="0"/>
               </a:rPr>
               <a:t>S</a:t>
             </a:r>
             <a:r>
               <a:rPr lang="vi-VN" smtClean="0">
-                <a:latin typeface="Diavlo Light" panose="02000000000000000000" pitchFamily="2" charset="0"/>
+                <a:latin typeface="Times New Roman" panose="02020603050405020304" pitchFamily="18" charset="0"/>
                 <a:cs typeface="Times New Roman" panose="02020603050405020304" pitchFamily="18" charset="0"/>
               </a:rPr>
               <a:t>ử </a:t>
             </a:r>
             <a:r>
               <a:rPr lang="vi-VN">
-                <a:latin typeface="Diavlo Light" panose="02000000000000000000" pitchFamily="2" charset="0"/>
+                <a:latin typeface="Times New Roman" panose="02020603050405020304" pitchFamily="18" charset="0"/>
                 <a:cs typeface="Times New Roman" panose="02020603050405020304" pitchFamily="18" charset="0"/>
               </a:rPr>
               <a:t>dụng các công cụ IDS (Intrusion Detecte Service)</a:t>
             </a:r>
             <a:endParaRPr lang="en-US">
-              <a:latin typeface="Diavlo Light" panose="02000000000000000000" pitchFamily="2" charset="0"/>
+              <a:latin typeface="Times New Roman" panose="02020603050405020304" pitchFamily="18" charset="0"/>
               <a:cs typeface="Times New Roman" panose="02020603050405020304" pitchFamily="18" charset="0"/>
             </a:endParaRPr>
           </a:p>
@@ -11880,7 +11790,7 @@
               <a:buNone/>
             </a:pPr>
             <a:endParaRPr lang="en-US" smtClean="0">
-              <a:latin typeface="Diavlo Light" panose="02000000000000000000" pitchFamily="2" charset="0"/>
+              <a:latin typeface="Times New Roman" panose="02020603050405020304" pitchFamily="18" charset="0"/>
               <a:cs typeface="Times New Roman" panose="02020603050405020304" pitchFamily="18" charset="0"/>
             </a:endParaRPr>
           </a:p>
@@ -12162,28 +12072,28 @@
           <a:lstStyle/>
           <a:p>
             <a:r>
-              <a:rPr lang="vi-VN" smtClean="0">
-                <a:latin typeface="Diavlo Medium" panose="02000000000000000000" pitchFamily="2" charset="0"/>
+              <a:rPr lang="vi-VN" b="1" smtClean="0">
+                <a:latin typeface="Times New Roman" panose="02020603050405020304" pitchFamily="18" charset="0"/>
                 <a:cs typeface="Times New Roman" panose="02020603050405020304" pitchFamily="18" charset="0"/>
               </a:rPr>
               <a:t>Cách </a:t>
             </a:r>
             <a:r>
-              <a:rPr lang="vi-VN">
-                <a:latin typeface="Diavlo Medium" panose="02000000000000000000" pitchFamily="2" charset="0"/>
+              <a:rPr lang="vi-VN" b="1">
+                <a:latin typeface="Times New Roman" panose="02020603050405020304" pitchFamily="18" charset="0"/>
                 <a:cs typeface="Times New Roman" panose="02020603050405020304" pitchFamily="18" charset="0"/>
               </a:rPr>
               <a:t>phòng </a:t>
             </a:r>
             <a:r>
-              <a:rPr lang="vi-VN" smtClean="0">
-                <a:latin typeface="Diavlo Medium" panose="02000000000000000000" pitchFamily="2" charset="0"/>
+              <a:rPr lang="vi-VN" b="1" smtClean="0">
+                <a:latin typeface="Times New Roman" panose="02020603050405020304" pitchFamily="18" charset="0"/>
                 <a:cs typeface="Times New Roman" panose="02020603050405020304" pitchFamily="18" charset="0"/>
               </a:rPr>
               <a:t>chống</a:t>
             </a:r>
-            <a:endParaRPr lang="en-US">
-              <a:latin typeface="Diavlo Medium" panose="02000000000000000000" pitchFamily="2" charset="0"/>
+            <a:endParaRPr lang="en-US" b="1">
+              <a:latin typeface="Times New Roman" panose="02020603050405020304" pitchFamily="18" charset="0"/>
               <a:cs typeface="Times New Roman" panose="02020603050405020304" pitchFamily="18" charset="0"/>
             </a:endParaRPr>
           </a:p>
@@ -12217,34 +12127,34 @@
             </a:pPr>
             <a:r>
               <a:rPr lang="en-US">
-                <a:latin typeface="Diavlo Light" panose="02000000000000000000" pitchFamily="2" charset="0"/>
+                <a:latin typeface="Times New Roman" panose="02020603050405020304" pitchFamily="18" charset="0"/>
                 <a:cs typeface="Times New Roman" panose="02020603050405020304" pitchFamily="18" charset="0"/>
               </a:rPr>
               <a:t>Cách </a:t>
             </a:r>
             <a:r>
               <a:rPr lang="vi-VN">
-                <a:latin typeface="Diavlo Light" panose="02000000000000000000" pitchFamily="2" charset="0"/>
+                <a:latin typeface="Times New Roman" panose="02020603050405020304" pitchFamily="18" charset="0"/>
                 <a:cs typeface="Times New Roman" panose="02020603050405020304" pitchFamily="18" charset="0"/>
               </a:rPr>
               <a:t>phát hiện được sniffer trên hệ thống mạng của </a:t>
             </a:r>
             <a:r>
               <a:rPr lang="vi-VN" smtClean="0">
-                <a:latin typeface="Diavlo Light" panose="02000000000000000000" pitchFamily="2" charset="0"/>
+                <a:latin typeface="Times New Roman" panose="02020603050405020304" pitchFamily="18" charset="0"/>
                 <a:cs typeface="Times New Roman" panose="02020603050405020304" pitchFamily="18" charset="0"/>
               </a:rPr>
               <a:t>mình</a:t>
             </a:r>
             <a:r>
               <a:rPr lang="en-US" smtClean="0">
-                <a:latin typeface="Diavlo Light" panose="02000000000000000000" pitchFamily="2" charset="0"/>
+                <a:latin typeface="Times New Roman" panose="02020603050405020304" pitchFamily="18" charset="0"/>
                 <a:cs typeface="Times New Roman" panose="02020603050405020304" pitchFamily="18" charset="0"/>
               </a:rPr>
               <a:t>:</a:t>
             </a:r>
             <a:endParaRPr lang="en-US">
-              <a:latin typeface="Diavlo Light" panose="02000000000000000000" pitchFamily="2" charset="0"/>
+              <a:latin typeface="Times New Roman" panose="02020603050405020304" pitchFamily="18" charset="0"/>
               <a:cs typeface="Times New Roman" panose="02020603050405020304" pitchFamily="18" charset="0"/>
             </a:endParaRPr>
           </a:p>
@@ -12254,13 +12164,13 @@
             </a:pPr>
             <a:r>
               <a:rPr lang="vi-VN">
-                <a:latin typeface="Diavlo Light" panose="02000000000000000000" pitchFamily="2" charset="0"/>
+                <a:latin typeface="Times New Roman" panose="02020603050405020304" pitchFamily="18" charset="0"/>
                 <a:cs typeface="Times New Roman" panose="02020603050405020304" pitchFamily="18" charset="0"/>
               </a:rPr>
               <a:t>Khi đứng đơn lẻ trên 1 máy tính không có sự truyền thông tin thì sẽ không có dấu hiệu gì. Tuy nhiên nếu được cài đặt trên một máy tính không đơn lẻ và có sự truyền thông, bản thân sniffer sẽ phát sinh ra lưu lượng thông tin. Bạn có thể truy vấn ngược DNS để tìm thông tin liên quan đến những địa chỉ IP.</a:t>
             </a:r>
             <a:endParaRPr lang="en-US">
-              <a:latin typeface="Diavlo Light" panose="02000000000000000000" pitchFamily="2" charset="0"/>
+              <a:latin typeface="Times New Roman" panose="02020603050405020304" pitchFamily="18" charset="0"/>
               <a:cs typeface="Times New Roman" panose="02020603050405020304" pitchFamily="18" charset="0"/>
             </a:endParaRPr>
           </a:p>
@@ -12270,7 +12180,7 @@
               <a:buChar char="Ø"/>
             </a:pPr>
             <a:endParaRPr lang="en-US">
-              <a:latin typeface="Diavlo Light" panose="02000000000000000000" pitchFamily="2" charset="0"/>
+              <a:latin typeface="Times New Roman" panose="02020603050405020304" pitchFamily="18" charset="0"/>
               <a:cs typeface="Times New Roman" panose="02020603050405020304" pitchFamily="18" charset="0"/>
             </a:endParaRPr>
           </a:p>
@@ -12504,7 +12414,7 @@
         <p:spPr>
           <a:xfrm>
             <a:off x="84220" y="431036"/>
-            <a:ext cx="6821906" cy="3848356"/>
+            <a:ext cx="6816452" cy="3848356"/>
           </a:xfrm>
         </p:spPr>
         <p:txBody>
@@ -12513,13 +12423,15 @@
           <a:p>
             <a:r>
               <a:rPr lang="en-GB" dirty="0" smtClean="0">
-                <a:latin typeface="Diavlo Light" panose="02000000000000000000" pitchFamily="2" charset="0"/>
+                <a:latin typeface="Times New Roman" panose="02020603050405020304" pitchFamily="18" charset="0"/>
+                <a:cs typeface="Times New Roman" panose="02020603050405020304" pitchFamily="18" charset="0"/>
               </a:rPr>
               <a:t>Thank you</a:t>
             </a:r>
             <a:br>
               <a:rPr lang="en-GB" dirty="0" smtClean="0">
-                <a:latin typeface="Diavlo Light" panose="02000000000000000000" pitchFamily="2" charset="0"/>
+                <a:latin typeface="Times New Roman" panose="02020603050405020304" pitchFamily="18" charset="0"/>
+                <a:cs typeface="Times New Roman" panose="02020603050405020304" pitchFamily="18" charset="0"/>
               </a:rPr>
             </a:br>
             <a:r>
@@ -12527,7 +12439,8 @@
                 <a:solidFill>
                   <a:srgbClr val="34312E"/>
                 </a:solidFill>
-                <a:latin typeface="Diavlo Light" panose="02000000000000000000" pitchFamily="2" charset="0"/>
+                <a:latin typeface="Times New Roman" panose="02020603050405020304" pitchFamily="18" charset="0"/>
+                <a:cs typeface="Times New Roman" panose="02020603050405020304" pitchFamily="18" charset="0"/>
               </a:rPr>
               <a:t>that’s it</a:t>
             </a:r>
@@ -12536,7 +12449,8 @@
                 <a:solidFill>
                   <a:srgbClr val="34312E"/>
                 </a:solidFill>
-                <a:latin typeface="Diavlo Light" panose="02000000000000000000" pitchFamily="2" charset="0"/>
+                <a:latin typeface="Times New Roman" panose="02020603050405020304" pitchFamily="18" charset="0"/>
+                <a:cs typeface="Times New Roman" panose="02020603050405020304" pitchFamily="18" charset="0"/>
               </a:rPr>
             </a:br>
             <a:r>
@@ -12544,7 +12458,8 @@
                 <a:solidFill>
                   <a:srgbClr val="34312E"/>
                 </a:solidFill>
-                <a:latin typeface="Diavlo Light" panose="02000000000000000000" pitchFamily="2" charset="0"/>
+                <a:latin typeface="Times New Roman" panose="02020603050405020304" pitchFamily="18" charset="0"/>
+                <a:cs typeface="Times New Roman" panose="02020603050405020304" pitchFamily="18" charset="0"/>
               </a:rPr>
               <a:t>for now for demo</a:t>
             </a:r>
@@ -12552,7 +12467,8 @@
               <a:solidFill>
                 <a:srgbClr val="34312E"/>
               </a:solidFill>
-              <a:latin typeface="Diavlo Light" panose="02000000000000000000" pitchFamily="2" charset="0"/>
+              <a:latin typeface="Times New Roman" panose="02020603050405020304" pitchFamily="18" charset="0"/>
+              <a:cs typeface="Times New Roman" panose="02020603050405020304" pitchFamily="18" charset="0"/>
             </a:endParaRPr>
           </a:p>
         </p:txBody>
@@ -12722,10 +12638,10 @@
           <a:lstStyle/>
           <a:p>
             <a:r>
-              <a:rPr lang="en-US">
-                <a:latin typeface="Diavlo Medium" panose="02000000000000000000" pitchFamily="2" charset="0"/>
+              <a:rPr lang="en-US" b="1">
+                <a:latin typeface="Times New Roman" panose="02020603050405020304" pitchFamily="18" charset="0"/>
                 <a:ea typeface="+mn-ea"/>
-                <a:cs typeface="+mn-cs"/>
+                <a:cs typeface="Times New Roman" panose="02020603050405020304" pitchFamily="18" charset="0"/>
               </a:rPr>
               <a:t>Thành viên</a:t>
             </a:r>
@@ -12773,7 +12689,8 @@
                 <a:solidFill>
                   <a:srgbClr val="797A7D"/>
                 </a:solidFill>
-                <a:latin typeface="Diavlo Light" panose="02000000000000000000" pitchFamily="2" charset="0"/>
+                <a:latin typeface="Times New Roman" panose="02020603050405020304" pitchFamily="18" charset="0"/>
+                <a:cs typeface="Times New Roman" panose="02020603050405020304" pitchFamily="18" charset="0"/>
               </a:rPr>
               <a:t>1. Trịnh Thái Anh</a:t>
             </a:r>
@@ -12781,6 +12698,8 @@
               <a:solidFill>
                 <a:srgbClr val="797A7D"/>
               </a:solidFill>
+              <a:latin typeface="Times New Roman" panose="02020603050405020304" pitchFamily="18" charset="0"/>
+              <a:cs typeface="Times New Roman" panose="02020603050405020304" pitchFamily="18" charset="0"/>
             </a:endParaRPr>
           </a:p>
           <a:p>
@@ -12803,7 +12722,8 @@
                 <a:solidFill>
                   <a:srgbClr val="797A7D"/>
                 </a:solidFill>
-                <a:latin typeface="Diavlo Light" panose="02000000000000000000" pitchFamily="2" charset="0"/>
+                <a:latin typeface="Times New Roman" panose="02020603050405020304" pitchFamily="18" charset="0"/>
+                <a:cs typeface="Times New Roman" panose="02020603050405020304" pitchFamily="18" charset="0"/>
               </a:rPr>
               <a:t>2. Lê Ngọc Châu</a:t>
             </a:r>
@@ -12811,6 +12731,8 @@
               <a:solidFill>
                 <a:srgbClr val="797A7D"/>
               </a:solidFill>
+              <a:latin typeface="Times New Roman" panose="02020603050405020304" pitchFamily="18" charset="0"/>
+              <a:cs typeface="Times New Roman" panose="02020603050405020304" pitchFamily="18" charset="0"/>
             </a:endParaRPr>
           </a:p>
           <a:p>
@@ -12833,7 +12755,8 @@
                 <a:solidFill>
                   <a:srgbClr val="797A7D"/>
                 </a:solidFill>
-                <a:latin typeface="Diavlo Light" panose="02000000000000000000" pitchFamily="2" charset="0"/>
+                <a:latin typeface="Times New Roman" panose="02020603050405020304" pitchFamily="18" charset="0"/>
+                <a:cs typeface="Times New Roman" panose="02020603050405020304" pitchFamily="18" charset="0"/>
               </a:rPr>
               <a:t>3. Khấu Thành Đạo</a:t>
             </a:r>
@@ -12858,7 +12781,8 @@
                 <a:solidFill>
                   <a:srgbClr val="797A7D"/>
                 </a:solidFill>
-                <a:latin typeface="Diavlo Light" panose="02000000000000000000" pitchFamily="2" charset="0"/>
+                <a:latin typeface="Times New Roman" panose="02020603050405020304" pitchFamily="18" charset="0"/>
+                <a:cs typeface="Times New Roman" panose="02020603050405020304" pitchFamily="18" charset="0"/>
               </a:rPr>
               <a:t>4. Huỳnh Trọng Khang</a:t>
             </a:r>
@@ -12866,6 +12790,8 @@
               <a:solidFill>
                 <a:srgbClr val="797A7D"/>
               </a:solidFill>
+              <a:latin typeface="Times New Roman" panose="02020603050405020304" pitchFamily="18" charset="0"/>
+              <a:cs typeface="Times New Roman" panose="02020603050405020304" pitchFamily="18" charset="0"/>
             </a:endParaRPr>
           </a:p>
           <a:p>
@@ -12888,7 +12814,8 @@
                 <a:solidFill>
                   <a:srgbClr val="797A7D"/>
                 </a:solidFill>
-                <a:latin typeface="Diavlo Light" panose="02000000000000000000" pitchFamily="2" charset="0"/>
+                <a:latin typeface="Times New Roman" panose="02020603050405020304" pitchFamily="18" charset="0"/>
+                <a:cs typeface="Times New Roman" panose="02020603050405020304" pitchFamily="18" charset="0"/>
               </a:rPr>
               <a:t>5. Tạ Ngọc Thiên Phú</a:t>
             </a:r>
@@ -12896,6 +12823,8 @@
               <a:solidFill>
                 <a:srgbClr val="797A7D"/>
               </a:solidFill>
+              <a:latin typeface="Times New Roman" panose="02020603050405020304" pitchFamily="18" charset="0"/>
+              <a:cs typeface="Times New Roman" panose="02020603050405020304" pitchFamily="18" charset="0"/>
             </a:endParaRPr>
           </a:p>
           <a:p>
@@ -12918,7 +12847,8 @@
                 <a:solidFill>
                   <a:srgbClr val="797A7D"/>
                 </a:solidFill>
-                <a:latin typeface="Diavlo Light" panose="02000000000000000000" pitchFamily="2" charset="0"/>
+                <a:latin typeface="Times New Roman" panose="02020603050405020304" pitchFamily="18" charset="0"/>
+                <a:cs typeface="Times New Roman" panose="02020603050405020304" pitchFamily="18" charset="0"/>
               </a:rPr>
               <a:t>6. </a:t>
             </a:r>
@@ -12927,7 +12857,8 @@
                 <a:solidFill>
                   <a:srgbClr val="797A7D"/>
                 </a:solidFill>
-                <a:latin typeface="Diavlo Light" panose="02000000000000000000" pitchFamily="2" charset="0"/>
+                <a:latin typeface="Times New Roman" panose="02020603050405020304" pitchFamily="18" charset="0"/>
+                <a:cs typeface="Times New Roman" panose="02020603050405020304" pitchFamily="18" charset="0"/>
               </a:rPr>
               <a:t>Nguy</a:t>
             </a:r>
@@ -12936,7 +12867,8 @@
                 <a:solidFill>
                   <a:srgbClr val="797A7D"/>
                 </a:solidFill>
-                <a:latin typeface="Diavlo Light" panose="02000000000000000000" pitchFamily="2" charset="0"/>
+                <a:latin typeface="Times New Roman" panose="02020603050405020304" pitchFamily="18" charset="0"/>
+                <a:cs typeface="Times New Roman" panose="02020603050405020304" pitchFamily="18" charset="0"/>
               </a:rPr>
               <a:t>ễ</a:t>
             </a:r>
@@ -12945,7 +12877,8 @@
                 <a:solidFill>
                   <a:srgbClr val="797A7D"/>
                 </a:solidFill>
-                <a:latin typeface="Diavlo Light" panose="02000000000000000000" pitchFamily="2" charset="0"/>
+                <a:latin typeface="Times New Roman" panose="02020603050405020304" pitchFamily="18" charset="0"/>
+                <a:cs typeface="Times New Roman" panose="02020603050405020304" pitchFamily="18" charset="0"/>
               </a:rPr>
               <a:t>n Ho</a:t>
             </a:r>
@@ -12954,7 +12887,8 @@
                 <a:solidFill>
                   <a:srgbClr val="797A7D"/>
                 </a:solidFill>
-                <a:latin typeface="Diavlo Light" panose="02000000000000000000" pitchFamily="2" charset="0"/>
+                <a:latin typeface="Times New Roman" panose="02020603050405020304" pitchFamily="18" charset="0"/>
+                <a:cs typeface="Times New Roman" panose="02020603050405020304" pitchFamily="18" charset="0"/>
               </a:rPr>
               <a:t>à</a:t>
             </a:r>
@@ -12963,7 +12897,8 @@
                 <a:solidFill>
                   <a:srgbClr val="797A7D"/>
                 </a:solidFill>
-                <a:latin typeface="Diavlo Light" panose="02000000000000000000" pitchFamily="2" charset="0"/>
+                <a:latin typeface="Times New Roman" panose="02020603050405020304" pitchFamily="18" charset="0"/>
+                <a:cs typeface="Times New Roman" panose="02020603050405020304" pitchFamily="18" charset="0"/>
               </a:rPr>
               <a:t>ng Fa Th</a:t>
             </a:r>
@@ -12972,16 +12907,11 @@
                 <a:solidFill>
                   <a:srgbClr val="797A7D"/>
                 </a:solidFill>
-                <a:latin typeface="Diavlo Light" panose="02000000000000000000" pitchFamily="2" charset="0"/>
+                <a:latin typeface="Times New Roman" panose="02020603050405020304" pitchFamily="18" charset="0"/>
+                <a:cs typeface="Times New Roman" panose="02020603050405020304" pitchFamily="18" charset="0"/>
               </a:rPr>
               <a:t>ứ</a:t>
             </a:r>
-            <a:endParaRPr lang="en-US" sz="2600">
-              <a:solidFill>
-                <a:srgbClr val="797A7D"/>
-              </a:solidFill>
-              <a:latin typeface="Diavlo Light" panose="02000000000000000000" pitchFamily="2" charset="0"/>
-            </a:endParaRPr>
           </a:p>
         </p:txBody>
       </p:sp>
@@ -13082,15 +13012,15 @@
           <a:lstStyle/>
           <a:p>
             <a:r>
-              <a:rPr lang="en-GB">
-                <a:latin typeface="Diavlo Medium" panose="02000000000000000000" pitchFamily="2" charset="0"/>
+              <a:rPr lang="en-GB" b="1">
+                <a:latin typeface="Times New Roman" panose="02020603050405020304" pitchFamily="18" charset="0"/>
                 <a:ea typeface="+mn-ea"/>
                 <a:cs typeface="Times New Roman" panose="02020603050405020304" pitchFamily="18" charset="0"/>
               </a:rPr>
               <a:t>Nội Dung</a:t>
             </a:r>
-            <a:endParaRPr lang="en-GB" dirty="0">
-              <a:latin typeface="Diavlo Medium" panose="02000000000000000000" pitchFamily="2" charset="0"/>
+            <a:endParaRPr lang="en-GB" b="1" dirty="0">
+              <a:latin typeface="Times New Roman" panose="02020603050405020304" pitchFamily="18" charset="0"/>
               <a:ea typeface="+mn-ea"/>
               <a:cs typeface="Times New Roman" panose="02020603050405020304" pitchFamily="18" charset="0"/>
             </a:endParaRPr>
@@ -13125,20 +13055,20 @@
             </a:pPr>
             <a:r>
               <a:rPr lang="en-US" sz="3000">
-                <a:latin typeface="Diavlo Light" panose="02000000000000000000" pitchFamily="2" charset="0"/>
+                <a:latin typeface="Times New Roman" panose="02020603050405020304" pitchFamily="18" charset="0"/>
                 <a:cs typeface="Times New Roman" panose="02020603050405020304" pitchFamily="18" charset="0"/>
               </a:rPr>
               <a:t>Giới thiệu c</a:t>
             </a:r>
             <a:r>
               <a:rPr lang="vi-VN" sz="3000">
-                <a:latin typeface="Diavlo Light" panose="02000000000000000000" pitchFamily="2" charset="0"/>
+                <a:latin typeface="Times New Roman" panose="02020603050405020304" pitchFamily="18" charset="0"/>
                 <a:cs typeface="Times New Roman" panose="02020603050405020304" pitchFamily="18" charset="0"/>
               </a:rPr>
               <a:t>ơ bản về Cain and Abel</a:t>
             </a:r>
             <a:endParaRPr lang="en-US" sz="3000">
-              <a:latin typeface="Diavlo Light" panose="02000000000000000000" pitchFamily="2" charset="0"/>
+              <a:latin typeface="Times New Roman" panose="02020603050405020304" pitchFamily="18" charset="0"/>
               <a:cs typeface="Times New Roman" panose="02020603050405020304" pitchFamily="18" charset="0"/>
             </a:endParaRPr>
           </a:p>
@@ -13149,14 +13079,14 @@
             </a:pPr>
             <a:r>
               <a:rPr lang="vi-VN" sz="3000">
-                <a:latin typeface="Diavlo Light" panose="02000000000000000000" pitchFamily="2" charset="0"/>
+                <a:latin typeface="Times New Roman" panose="02020603050405020304" pitchFamily="18" charset="0"/>
                 <a:cs typeface="Times New Roman" panose="02020603050405020304" pitchFamily="18" charset="0"/>
               </a:rPr>
               <a:t>Cách phòng chống</a:t>
             </a:r>
             <a:r>
               <a:rPr lang="en-US" sz="3000">
-                <a:latin typeface="Diavlo Light" panose="02000000000000000000" pitchFamily="2" charset="0"/>
+                <a:latin typeface="Times New Roman" panose="02020603050405020304" pitchFamily="18" charset="0"/>
                 <a:cs typeface="Times New Roman" panose="02020603050405020304" pitchFamily="18" charset="0"/>
               </a:rPr>
               <a:t>.</a:t>
@@ -13169,20 +13099,20 @@
             </a:pPr>
             <a:r>
               <a:rPr lang="vi-VN" sz="3000">
-                <a:latin typeface="Diavlo Light" panose="02000000000000000000" pitchFamily="2" charset="0"/>
+                <a:latin typeface="Times New Roman" panose="02020603050405020304" pitchFamily="18" charset="0"/>
                 <a:cs typeface="Times New Roman" panose="02020603050405020304" pitchFamily="18" charset="0"/>
               </a:rPr>
               <a:t>Demo</a:t>
             </a:r>
             <a:r>
               <a:rPr lang="en-US" sz="3000">
-                <a:latin typeface="Diavlo Light" panose="02000000000000000000" pitchFamily="2" charset="0"/>
+                <a:latin typeface="Times New Roman" panose="02020603050405020304" pitchFamily="18" charset="0"/>
                 <a:cs typeface="Times New Roman" panose="02020603050405020304" pitchFamily="18" charset="0"/>
               </a:rPr>
               <a:t>.</a:t>
             </a:r>
             <a:endParaRPr lang="en-GB" sz="3000" dirty="0">
-              <a:latin typeface="Diavlo Light" panose="02000000000000000000" pitchFamily="2" charset="0"/>
+              <a:latin typeface="Times New Roman" panose="02020603050405020304" pitchFamily="18" charset="0"/>
               <a:cs typeface="Times New Roman" panose="02020603050405020304" pitchFamily="18" charset="0"/>
             </a:endParaRPr>
           </a:p>
@@ -13532,33 +13462,33 @@
         <p:spPr/>
         <p:txBody>
           <a:bodyPr>
-            <a:normAutofit fontScale="90000"/>
+            <a:normAutofit/>
           </a:bodyPr>
           <a:lstStyle/>
           <a:p>
             <a:r>
-              <a:rPr lang="en-US">
-                <a:latin typeface="Diavlo Medium" panose="02000000000000000000" pitchFamily="2" charset="0"/>
+              <a:rPr lang="en-US" b="1">
+                <a:latin typeface="Times New Roman" panose="02020603050405020304" pitchFamily="18" charset="0"/>
                 <a:cs typeface="Times New Roman" panose="02020603050405020304" pitchFamily="18" charset="0"/>
               </a:rPr>
               <a:t>Giới thiệu </a:t>
             </a:r>
             <a:r>
-              <a:rPr lang="vi-VN" smtClean="0">
-                <a:latin typeface="Diavlo Medium" panose="02000000000000000000" pitchFamily="2" charset="0"/>
+              <a:rPr lang="vi-VN" b="1" smtClean="0">
+                <a:latin typeface="Times New Roman" panose="02020603050405020304" pitchFamily="18" charset="0"/>
                 <a:cs typeface="Times New Roman" panose="02020603050405020304" pitchFamily="18" charset="0"/>
               </a:rPr>
               <a:t>về </a:t>
             </a:r>
             <a:r>
-              <a:rPr lang="vi-VN">
-                <a:latin typeface="Diavlo Medium" panose="02000000000000000000" pitchFamily="2" charset="0"/>
+              <a:rPr lang="vi-VN" b="1">
+                <a:latin typeface="Times New Roman" panose="02020603050405020304" pitchFamily="18" charset="0"/>
                 <a:cs typeface="Times New Roman" panose="02020603050405020304" pitchFamily="18" charset="0"/>
               </a:rPr>
               <a:t>Cain and Abel</a:t>
             </a:r>
-            <a:endParaRPr lang="en-US">
-              <a:latin typeface="Diavlo Medium" panose="02000000000000000000" pitchFamily="2" charset="0"/>
+            <a:endParaRPr lang="en-US" b="1">
+              <a:latin typeface="Times New Roman" panose="02020603050405020304" pitchFamily="18" charset="0"/>
               <a:cs typeface="Times New Roman" panose="02020603050405020304" pitchFamily="18" charset="0"/>
             </a:endParaRPr>
           </a:p>
@@ -13592,35 +13522,35 @@
             </a:pPr>
             <a:r>
               <a:rPr lang="en-GB" sz="2400">
-                <a:latin typeface="Diavlo Light" panose="02000000000000000000" pitchFamily="2" charset="0"/>
+                <a:latin typeface="Times New Roman" panose="02020603050405020304" pitchFamily="18" charset="0"/>
                 <a:cs typeface="Times New Roman" panose="02020603050405020304" pitchFamily="18" charset="0"/>
               </a:rPr>
               <a:t>Giới thiệu tổng quát về </a:t>
             </a:r>
             <a:r>
               <a:rPr lang="vi-VN" sz="2400">
-                <a:latin typeface="Diavlo Light" panose="02000000000000000000" pitchFamily="2" charset="0"/>
+                <a:latin typeface="Times New Roman" panose="02020603050405020304" pitchFamily="18" charset="0"/>
                 <a:cs typeface="Times New Roman" panose="02020603050405020304" pitchFamily="18" charset="0"/>
               </a:rPr>
               <a:t>Cain </a:t>
             </a:r>
             <a:r>
               <a:rPr lang="en-US" sz="2400">
-                <a:latin typeface="Diavlo Light" panose="02000000000000000000" pitchFamily="2" charset="0"/>
+                <a:latin typeface="Times New Roman" panose="02020603050405020304" pitchFamily="18" charset="0"/>
                 <a:cs typeface="Times New Roman" panose="02020603050405020304" pitchFamily="18" charset="0"/>
               </a:rPr>
               <a:t>&amp;</a:t>
             </a:r>
             <a:r>
               <a:rPr lang="vi-VN" sz="2400">
-                <a:latin typeface="Diavlo Light" panose="02000000000000000000" pitchFamily="2" charset="0"/>
+                <a:latin typeface="Times New Roman" panose="02020603050405020304" pitchFamily="18" charset="0"/>
                 <a:cs typeface="Times New Roman" panose="02020603050405020304" pitchFamily="18" charset="0"/>
               </a:rPr>
               <a:t> Abel </a:t>
             </a:r>
             <a:r>
               <a:rPr lang="en-GB" sz="2400">
-                <a:latin typeface="Diavlo Light" panose="02000000000000000000" pitchFamily="2" charset="0"/>
+                <a:latin typeface="Times New Roman" panose="02020603050405020304" pitchFamily="18" charset="0"/>
                 <a:cs typeface="Times New Roman" panose="02020603050405020304" pitchFamily="18" charset="0"/>
               </a:rPr>
               <a:t>:</a:t>
@@ -13633,83 +13563,62 @@
             </a:pPr>
             <a:r>
               <a:rPr lang="en-US" sz="2400">
-                <a:latin typeface="Diavlo Light" panose="02000000000000000000" pitchFamily="2" charset="0"/>
+                <a:latin typeface="Times New Roman" panose="02020603050405020304" pitchFamily="18" charset="0"/>
                 <a:cs typeface="Times New Roman" panose="02020603050405020304" pitchFamily="18" charset="0"/>
               </a:rPr>
               <a:t>T</a:t>
             </a:r>
             <a:r>
               <a:rPr lang="vi-VN" sz="2400">
-                <a:latin typeface="Diavlo Light" panose="02000000000000000000" pitchFamily="2" charset="0"/>
+                <a:latin typeface="Times New Roman" panose="02020603050405020304" pitchFamily="18" charset="0"/>
                 <a:cs typeface="Times New Roman" panose="02020603050405020304" pitchFamily="18" charset="0"/>
               </a:rPr>
               <a:t>ác gi</a:t>
             </a:r>
             <a:r>
               <a:rPr lang="en-US" sz="2400">
-                <a:latin typeface="Diavlo Light" panose="02000000000000000000" pitchFamily="2" charset="0"/>
+                <a:latin typeface="Times New Roman" panose="02020603050405020304" pitchFamily="18" charset="0"/>
                 <a:cs typeface="Times New Roman" panose="02020603050405020304" pitchFamily="18" charset="0"/>
               </a:rPr>
               <a:t>ả</a:t>
             </a:r>
             <a:r>
               <a:rPr lang="vi-VN" sz="2400">
-                <a:latin typeface="Diavlo Light" panose="02000000000000000000" pitchFamily="2" charset="0"/>
-                <a:cs typeface="Times New Roman" panose="02020603050405020304" pitchFamily="18" charset="0"/>
-              </a:rPr>
-              <a:t> </a:t>
+                <a:latin typeface="Times New Roman" panose="02020603050405020304" pitchFamily="18" charset="0"/>
+                <a:cs typeface="Times New Roman" panose="02020603050405020304" pitchFamily="18" charset="0"/>
+              </a:rPr>
+              <a:t> của công cụ phá mã này </a:t>
+            </a:r>
+            <a:r>
+              <a:rPr lang="en-US" sz="2400" smtClean="0">
+                <a:latin typeface="Times New Roman" panose="02020603050405020304" pitchFamily="18" charset="0"/>
+                <a:cs typeface="Times New Roman" panose="02020603050405020304" pitchFamily="18" charset="0"/>
+              </a:rPr>
+              <a:t>l</a:t>
+            </a:r>
+            <a:r>
+              <a:rPr lang="vi-VN" sz="2400" smtClean="0">
+                <a:latin typeface="Times New Roman" panose="02020603050405020304" pitchFamily="18" charset="0"/>
+                <a:cs typeface="Times New Roman" panose="02020603050405020304" pitchFamily="18" charset="0"/>
+              </a:rPr>
+              <a:t>à</a:t>
             </a:r>
             <a:r>
               <a:rPr lang="vi-VN" sz="2400">
-                <a:latin typeface="Diavlo Light" panose="02000000000000000000" pitchFamily="2" charset="0"/>
-                <a:cs typeface="Times New Roman" panose="02020603050405020304" pitchFamily="18" charset="0"/>
-              </a:rPr>
-              <a:t>của công cụ phá mã </a:t>
-            </a:r>
-            <a:r>
-              <a:rPr lang="vi-VN" sz="2400">
-                <a:latin typeface="Diavlo Light" panose="02000000000000000000" pitchFamily="2" charset="0"/>
-                <a:cs typeface="Times New Roman" panose="02020603050405020304" pitchFamily="18" charset="0"/>
-              </a:rPr>
-              <a:t>này </a:t>
-            </a:r>
-            <a:r>
-              <a:rPr lang="en-US" sz="2400" smtClean="0">
-                <a:latin typeface="Diavlo Light" panose="02000000000000000000" pitchFamily="2" charset="0"/>
-                <a:cs typeface="Times New Roman" panose="02020603050405020304" pitchFamily="18" charset="0"/>
-              </a:rPr>
-              <a:t>l</a:t>
-            </a:r>
-            <a:r>
-              <a:rPr lang="vi-VN" sz="2400" smtClean="0">
-                <a:latin typeface="Diavlo Light" panose="02000000000000000000" pitchFamily="2" charset="0"/>
-                <a:cs typeface="Times New Roman" panose="02020603050405020304" pitchFamily="18" charset="0"/>
-              </a:rPr>
-              <a:t>à</a:t>
-            </a:r>
-            <a:r>
-              <a:rPr lang="vi-VN" sz="2400">
-                <a:latin typeface="Diavlo Light" panose="02000000000000000000" pitchFamily="2" charset="0"/>
-                <a:cs typeface="Times New Roman" panose="02020603050405020304" pitchFamily="18" charset="0"/>
-              </a:rPr>
-              <a:t>  Massimiliano </a:t>
-            </a:r>
-            <a:r>
-              <a:rPr lang="vi-VN" sz="2400">
-                <a:latin typeface="Diavlo Light" panose="02000000000000000000" pitchFamily="2" charset="0"/>
-                <a:cs typeface="Times New Roman" panose="02020603050405020304" pitchFamily="18" charset="0"/>
-              </a:rPr>
-              <a:t>Montoro</a:t>
+                <a:latin typeface="Times New Roman" panose="02020603050405020304" pitchFamily="18" charset="0"/>
+                <a:cs typeface="Times New Roman" panose="02020603050405020304" pitchFamily="18" charset="0"/>
+              </a:rPr>
+              <a:t>  Massimiliano Montoro</a:t>
             </a:r>
             <a:r>
               <a:rPr lang="en-US" sz="2400">
-                <a:latin typeface="Diavlo Light" panose="02000000000000000000" pitchFamily="2" charset="0"/>
+                <a:latin typeface="Times New Roman" panose="02020603050405020304" pitchFamily="18" charset="0"/>
                 <a:cs typeface="Times New Roman" panose="02020603050405020304" pitchFamily="18" charset="0"/>
               </a:rPr>
               <a:t>.</a:t>
             </a:r>
             <a:endParaRPr lang="en-GB" sz="2400">
-              <a:latin typeface="Diavlo Light" panose="02000000000000000000" pitchFamily="2" charset="0"/>
+              <a:latin typeface="Times New Roman" panose="02020603050405020304" pitchFamily="18" charset="0"/>
               <a:cs typeface="Times New Roman" panose="02020603050405020304" pitchFamily="18" charset="0"/>
             </a:endParaRPr>
           </a:p>
@@ -13720,42 +13629,35 @@
             </a:pPr>
             <a:r>
               <a:rPr lang="en-US" sz="2400">
-                <a:latin typeface="Diavlo Light" panose="02000000000000000000" pitchFamily="2" charset="0"/>
+                <a:latin typeface="Times New Roman" panose="02020603050405020304" pitchFamily="18" charset="0"/>
                 <a:cs typeface="Times New Roman" panose="02020603050405020304" pitchFamily="18" charset="0"/>
               </a:rPr>
               <a:t>L</a:t>
             </a:r>
             <a:r>
               <a:rPr lang="vi-VN" sz="2400">
-                <a:latin typeface="Diavlo Light" panose="02000000000000000000" pitchFamily="2" charset="0"/>
-                <a:cs typeface="Times New Roman" panose="02020603050405020304" pitchFamily="18" charset="0"/>
-              </a:rPr>
-              <a:t>à </a:t>
+                <a:latin typeface="Times New Roman" panose="02020603050405020304" pitchFamily="18" charset="0"/>
+                <a:cs typeface="Times New Roman" panose="02020603050405020304" pitchFamily="18" charset="0"/>
+              </a:rPr>
+              <a:t>à chương trình tìm mật khẩu chạy trên hệ điều hành </a:t>
+            </a:r>
+            <a:r>
+              <a:rPr lang="en-US" sz="2400">
+                <a:latin typeface="Times New Roman" panose="02020603050405020304" pitchFamily="18" charset="0"/>
+                <a:cs typeface="Times New Roman" panose="02020603050405020304" pitchFamily="18" charset="0"/>
+              </a:rPr>
+              <a:t>M</a:t>
             </a:r>
             <a:r>
               <a:rPr lang="vi-VN" sz="2400">
-                <a:latin typeface="Diavlo Light" panose="02000000000000000000" pitchFamily="2" charset="0"/>
-                <a:cs typeface="Times New Roman" panose="02020603050405020304" pitchFamily="18" charset="0"/>
-              </a:rPr>
-              <a:t>chương trình tìm mật khẩu chạy trên hệ điều hành </a:t>
+                <a:latin typeface="Times New Roman" panose="02020603050405020304" pitchFamily="18" charset="0"/>
+                <a:cs typeface="Times New Roman" panose="02020603050405020304" pitchFamily="18" charset="0"/>
+              </a:rPr>
+              <a:t>icrosoft</a:t>
             </a:r>
             <a:r>
               <a:rPr lang="en-US" sz="2400">
-                <a:latin typeface="Diavlo Light" panose="02000000000000000000" pitchFamily="2" charset="0"/>
-                <a:cs typeface="Times New Roman" panose="02020603050405020304" pitchFamily="18" charset="0"/>
-              </a:rPr>
-              <a:t>M</a:t>
-            </a:r>
-            <a:r>
-              <a:rPr lang="vi-VN" sz="2400">
-                <a:latin typeface="Diavlo Light" panose="02000000000000000000" pitchFamily="2" charset="0"/>
-                <a:cs typeface="Times New Roman" panose="02020603050405020304" pitchFamily="18" charset="0"/>
-              </a:rPr>
-              <a:t>icrosoft</a:t>
-            </a:r>
-            <a:r>
-              <a:rPr lang="en-US" sz="2400">
-                <a:latin typeface="Diavlo Light" panose="02000000000000000000" pitchFamily="2" charset="0"/>
+                <a:latin typeface="Times New Roman" panose="02020603050405020304" pitchFamily="18" charset="0"/>
                 <a:cs typeface="Times New Roman" panose="02020603050405020304" pitchFamily="18" charset="0"/>
               </a:rPr>
               <a:t>.</a:t>
@@ -13768,7 +13670,7 @@
             </a:pPr>
             <a:r>
               <a:rPr lang="en-US" sz="2400">
-                <a:latin typeface="Diavlo Light" panose="02000000000000000000" pitchFamily="2" charset="0"/>
+                <a:latin typeface="Times New Roman" panose="02020603050405020304" pitchFamily="18" charset="0"/>
                 <a:cs typeface="Times New Roman" panose="02020603050405020304" pitchFamily="18" charset="0"/>
               </a:rPr>
               <a:t>Tìm ra nhiều loại mật khẩu bằng cách dò tìm trên mạng.</a:t>
@@ -13781,41 +13683,27 @@
             </a:pPr>
             <a:r>
               <a:rPr lang="en-US" sz="2400">
-                <a:latin typeface="Diavlo Light" panose="02000000000000000000" pitchFamily="2" charset="0"/>
+                <a:latin typeface="Times New Roman" panose="02020603050405020304" pitchFamily="18" charset="0"/>
                 <a:cs typeface="Times New Roman" panose="02020603050405020304" pitchFamily="18" charset="0"/>
               </a:rPr>
               <a:t>P</a:t>
             </a:r>
             <a:r>
               <a:rPr lang="vi-VN" sz="2400">
-                <a:latin typeface="Diavlo Light" panose="02000000000000000000" pitchFamily="2" charset="0"/>
-                <a:cs typeface="Times New Roman" panose="02020603050405020304" pitchFamily="18" charset="0"/>
-              </a:rPr>
-              <a:t>há </a:t>
-            </a:r>
-            <a:r>
-              <a:rPr lang="vi-VN" sz="2400">
-                <a:latin typeface="Diavlo Light" panose="02000000000000000000" pitchFamily="2" charset="0"/>
-                <a:cs typeface="Times New Roman" panose="02020603050405020304" pitchFamily="18" charset="0"/>
-              </a:rPr>
-              <a:t>các mật khẩu đã mã hóa bằng các phương pháp Dictionary, Brute-Force and </a:t>
-            </a:r>
-            <a:r>
-              <a:rPr lang="vi-VN" sz="2400">
-                <a:latin typeface="Diavlo Light" panose="02000000000000000000" pitchFamily="2" charset="0"/>
-                <a:cs typeface="Times New Roman" panose="02020603050405020304" pitchFamily="18" charset="0"/>
-              </a:rPr>
-              <a:t>Cryptanalysis</a:t>
+                <a:latin typeface="Times New Roman" panose="02020603050405020304" pitchFamily="18" charset="0"/>
+                <a:cs typeface="Times New Roman" panose="02020603050405020304" pitchFamily="18" charset="0"/>
+              </a:rPr>
+              <a:t>há các mật khẩu đã mã hóa bằng các phương pháp Dictionary, Brute-Force and Cryptanalysis</a:t>
             </a:r>
             <a:r>
               <a:rPr lang="en-US" sz="2400" smtClean="0">
-                <a:latin typeface="Diavlo Light" panose="02000000000000000000" pitchFamily="2" charset="0"/>
+                <a:latin typeface="Times New Roman" panose="02020603050405020304" pitchFamily="18" charset="0"/>
                 <a:cs typeface="Times New Roman" panose="02020603050405020304" pitchFamily="18" charset="0"/>
               </a:rPr>
               <a:t>.</a:t>
             </a:r>
             <a:endParaRPr lang="en-US" sz="2400">
-              <a:latin typeface="Diavlo Light" panose="02000000000000000000" pitchFamily="2" charset="0"/>
+              <a:latin typeface="Times New Roman" panose="02020603050405020304" pitchFamily="18" charset="0"/>
               <a:cs typeface="Times New Roman" panose="02020603050405020304" pitchFamily="18" charset="0"/>
             </a:endParaRPr>
           </a:p>
@@ -14177,33 +14065,33 @@
         <p:spPr/>
         <p:txBody>
           <a:bodyPr>
-            <a:normAutofit fontScale="90000"/>
+            <a:normAutofit/>
           </a:bodyPr>
           <a:lstStyle/>
           <a:p>
             <a:r>
-              <a:rPr lang="en-US">
-                <a:latin typeface="Diavlo Medium" panose="02000000000000000000" pitchFamily="2" charset="0"/>
+              <a:rPr lang="en-US" b="1">
+                <a:latin typeface="Times New Roman" panose="02020603050405020304" pitchFamily="18" charset="0"/>
                 <a:cs typeface="Times New Roman" panose="02020603050405020304" pitchFamily="18" charset="0"/>
               </a:rPr>
               <a:t>Giới thiệu </a:t>
             </a:r>
             <a:r>
-              <a:rPr lang="vi-VN" smtClean="0">
-                <a:latin typeface="Diavlo Medium" panose="02000000000000000000" pitchFamily="2" charset="0"/>
+              <a:rPr lang="vi-VN" b="1" smtClean="0">
+                <a:latin typeface="Times New Roman" panose="02020603050405020304" pitchFamily="18" charset="0"/>
                 <a:cs typeface="Times New Roman" panose="02020603050405020304" pitchFamily="18" charset="0"/>
               </a:rPr>
               <a:t>về </a:t>
             </a:r>
             <a:r>
-              <a:rPr lang="vi-VN">
-                <a:latin typeface="Diavlo Medium" panose="02000000000000000000" pitchFamily="2" charset="0"/>
+              <a:rPr lang="vi-VN" b="1">
+                <a:latin typeface="Times New Roman" panose="02020603050405020304" pitchFamily="18" charset="0"/>
                 <a:cs typeface="Times New Roman" panose="02020603050405020304" pitchFamily="18" charset="0"/>
               </a:rPr>
               <a:t>Cain and Abel</a:t>
             </a:r>
-            <a:endParaRPr lang="en-US">
-              <a:latin typeface="Diavlo Medium" panose="02000000000000000000" pitchFamily="2" charset="0"/>
+            <a:endParaRPr lang="en-US" b="1">
+              <a:latin typeface="Times New Roman" panose="02020603050405020304" pitchFamily="18" charset="0"/>
               <a:cs typeface="Times New Roman" panose="02020603050405020304" pitchFamily="18" charset="0"/>
             </a:endParaRPr>
           </a:p>
@@ -14237,28 +14125,21 @@
             </a:pPr>
             <a:r>
               <a:rPr lang="en-US" sz="2400">
-                <a:latin typeface="Diavlo Light" panose="02000000000000000000" pitchFamily="2" charset="0"/>
+                <a:latin typeface="Times New Roman" panose="02020603050405020304" pitchFamily="18" charset="0"/>
                 <a:cs typeface="Times New Roman" panose="02020603050405020304" pitchFamily="18" charset="0"/>
               </a:rPr>
               <a:t>G</a:t>
             </a:r>
             <a:r>
               <a:rPr lang="vi-VN" sz="2400">
-                <a:latin typeface="Diavlo Light" panose="02000000000000000000" pitchFamily="2" charset="0"/>
-                <a:cs typeface="Times New Roman" panose="02020603050405020304" pitchFamily="18" charset="0"/>
-              </a:rPr>
-              <a:t>hi âm các cuộc đàm thoại qua đường </a:t>
-            </a:r>
-            <a:r>
-              <a:rPr lang="vi-VN" sz="2400">
-                <a:latin typeface="Diavlo Light" panose="02000000000000000000" pitchFamily="2" charset="0"/>
-                <a:cs typeface="Times New Roman" panose="02020603050405020304" pitchFamily="18" charset="0"/>
-              </a:rPr>
-              <a:t>VoIP</a:t>
+                <a:latin typeface="Times New Roman" panose="02020603050405020304" pitchFamily="18" charset="0"/>
+                <a:cs typeface="Times New Roman" panose="02020603050405020304" pitchFamily="18" charset="0"/>
+              </a:rPr>
+              <a:t>hi âm các cuộc đàm thoại qua đường VoIP</a:t>
             </a:r>
             <a:r>
               <a:rPr lang="en-US" sz="2400" smtClean="0">
-                <a:latin typeface="Diavlo Light" panose="02000000000000000000" pitchFamily="2" charset="0"/>
+                <a:latin typeface="Times New Roman" panose="02020603050405020304" pitchFamily="18" charset="0"/>
                 <a:cs typeface="Times New Roman" panose="02020603050405020304" pitchFamily="18" charset="0"/>
               </a:rPr>
               <a:t>.</a:t>
@@ -14271,28 +14152,21 @@
             </a:pPr>
             <a:r>
               <a:rPr lang="en-US" sz="2400" smtClean="0">
-                <a:latin typeface="Diavlo Light" panose="02000000000000000000" pitchFamily="2" charset="0"/>
+                <a:latin typeface="Times New Roman" panose="02020603050405020304" pitchFamily="18" charset="0"/>
                 <a:cs typeface="Times New Roman" panose="02020603050405020304" pitchFamily="18" charset="0"/>
               </a:rPr>
               <a:t>T</a:t>
             </a:r>
             <a:r>
               <a:rPr lang="vi-VN" sz="2400">
-                <a:latin typeface="Diavlo Light" panose="02000000000000000000" pitchFamily="2" charset="0"/>
-                <a:cs typeface="Times New Roman" panose="02020603050405020304" pitchFamily="18" charset="0"/>
-              </a:rPr>
-              <a:t>ìm ra file nơi chứa mật khẩu, phát hiện mật khẩu có trong bộ </a:t>
-            </a:r>
-            <a:r>
-              <a:rPr lang="vi-VN" sz="2400">
-                <a:latin typeface="Diavlo Light" panose="02000000000000000000" pitchFamily="2" charset="0"/>
-                <a:cs typeface="Times New Roman" panose="02020603050405020304" pitchFamily="18" charset="0"/>
-              </a:rPr>
-              <a:t>đệm</a:t>
+                <a:latin typeface="Times New Roman" panose="02020603050405020304" pitchFamily="18" charset="0"/>
+                <a:cs typeface="Times New Roman" panose="02020603050405020304" pitchFamily="18" charset="0"/>
+              </a:rPr>
+              <a:t>ìm ra file nơi chứa mật khẩu, phát hiện mật khẩu có trong bộ đệm</a:t>
             </a:r>
             <a:r>
               <a:rPr lang="en-US" sz="2400">
-                <a:latin typeface="Diavlo Light" panose="02000000000000000000" pitchFamily="2" charset="0"/>
+                <a:latin typeface="Times New Roman" panose="02020603050405020304" pitchFamily="18" charset="0"/>
                 <a:cs typeface="Times New Roman" panose="02020603050405020304" pitchFamily="18" charset="0"/>
               </a:rPr>
               <a:t>.</a:t>
@@ -14305,49 +14179,21 @@
             </a:pPr>
             <a:r>
               <a:rPr lang="en-US" sz="2400">
-                <a:latin typeface="Diavlo Light" panose="02000000000000000000" pitchFamily="2" charset="0"/>
+                <a:latin typeface="Times New Roman" panose="02020603050405020304" pitchFamily="18" charset="0"/>
                 <a:cs typeface="Times New Roman" panose="02020603050405020304" pitchFamily="18" charset="0"/>
               </a:rPr>
               <a:t>Đ</a:t>
             </a:r>
             <a:r>
               <a:rPr lang="vi-VN" sz="2400">
-                <a:latin typeface="Diavlo Light" panose="02000000000000000000" pitchFamily="2" charset="0"/>
-                <a:cs typeface="Times New Roman" panose="02020603050405020304" pitchFamily="18" charset="0"/>
-              </a:rPr>
-              <a:t>ược </a:t>
-            </a:r>
-            <a:r>
-              <a:rPr lang="vi-VN" sz="2400">
-                <a:latin typeface="Diavlo Light" panose="02000000000000000000" pitchFamily="2" charset="0"/>
-                <a:cs typeface="Times New Roman" panose="02020603050405020304" pitchFamily="18" charset="0"/>
-              </a:rPr>
-              <a:t>phát triển với hy vọng </a:t>
-            </a:r>
-            <a:r>
-              <a:rPr lang="vi-VN" sz="2400">
-                <a:latin typeface="Diavlo Light" panose="02000000000000000000" pitchFamily="2" charset="0"/>
-                <a:cs typeface="Times New Roman" panose="02020603050405020304" pitchFamily="18" charset="0"/>
-              </a:rPr>
-              <a:t>là </a:t>
-            </a:r>
-            <a:r>
-              <a:rPr lang="vi-VN" sz="2400">
-                <a:latin typeface="Diavlo Light" panose="02000000000000000000" pitchFamily="2" charset="0"/>
-                <a:cs typeface="Times New Roman" panose="02020603050405020304" pitchFamily="18" charset="0"/>
-              </a:rPr>
-              <a:t>công cụ đắc lực cho các quản trị mạng, các nhân viên điều tra có thể truy cập dễ dàng vào các hệ thống máy tính bị mã khóa do hacker tấn </a:t>
-            </a:r>
-            <a:r>
-              <a:rPr lang="vi-VN" sz="2400">
-                <a:latin typeface="Diavlo Light" panose="02000000000000000000" pitchFamily="2" charset="0"/>
-                <a:cs typeface="Times New Roman" panose="02020603050405020304" pitchFamily="18" charset="0"/>
-              </a:rPr>
-              <a:t>công</a:t>
+                <a:latin typeface="Times New Roman" panose="02020603050405020304" pitchFamily="18" charset="0"/>
+                <a:cs typeface="Times New Roman" panose="02020603050405020304" pitchFamily="18" charset="0"/>
+              </a:rPr>
+              <a:t>ược phát triển với hy vọng là công cụ đắc lực cho các quản trị mạng, các nhân viên điều tra có thể truy cập dễ dàng vào các hệ thống máy tính bị mã khóa do hacker tấn công</a:t>
             </a:r>
             <a:r>
               <a:rPr lang="en-US" sz="2400">
-                <a:latin typeface="Diavlo Light" panose="02000000000000000000" pitchFamily="2" charset="0"/>
+                <a:latin typeface="Times New Roman" panose="02020603050405020304" pitchFamily="18" charset="0"/>
                 <a:cs typeface="Times New Roman" panose="02020603050405020304" pitchFamily="18" charset="0"/>
               </a:rPr>
               <a:t>.</a:t>
@@ -14616,33 +14462,33 @@
         <p:spPr/>
         <p:txBody>
           <a:bodyPr>
-            <a:normAutofit fontScale="90000"/>
+            <a:normAutofit/>
           </a:bodyPr>
           <a:lstStyle/>
           <a:p>
             <a:r>
-              <a:rPr lang="en-US">
-                <a:latin typeface="Diavlo Medium" panose="02000000000000000000" pitchFamily="2" charset="0"/>
+              <a:rPr lang="en-US" b="1">
+                <a:latin typeface="Times New Roman" panose="02020603050405020304" pitchFamily="18" charset="0"/>
                 <a:cs typeface="Times New Roman" panose="02020603050405020304" pitchFamily="18" charset="0"/>
               </a:rPr>
               <a:t>Giới thiệu </a:t>
             </a:r>
             <a:r>
-              <a:rPr lang="vi-VN" smtClean="0">
-                <a:latin typeface="Diavlo Medium" panose="02000000000000000000" pitchFamily="2" charset="0"/>
+              <a:rPr lang="vi-VN" b="1" smtClean="0">
+                <a:latin typeface="Times New Roman" panose="02020603050405020304" pitchFamily="18" charset="0"/>
                 <a:cs typeface="Times New Roman" panose="02020603050405020304" pitchFamily="18" charset="0"/>
               </a:rPr>
               <a:t>về </a:t>
             </a:r>
             <a:r>
-              <a:rPr lang="vi-VN">
-                <a:latin typeface="Diavlo Medium" panose="02000000000000000000" pitchFamily="2" charset="0"/>
+              <a:rPr lang="vi-VN" b="1">
+                <a:latin typeface="Times New Roman" panose="02020603050405020304" pitchFamily="18" charset="0"/>
                 <a:cs typeface="Times New Roman" panose="02020603050405020304" pitchFamily="18" charset="0"/>
               </a:rPr>
               <a:t>Cain and Abel</a:t>
             </a:r>
-            <a:endParaRPr lang="en-US">
-              <a:latin typeface="Diavlo Medium" panose="02000000000000000000" pitchFamily="2" charset="0"/>
+            <a:endParaRPr lang="en-US" b="1">
+              <a:latin typeface="Times New Roman" panose="02020603050405020304" pitchFamily="18" charset="0"/>
               <a:cs typeface="Times New Roman" panose="02020603050405020304" pitchFamily="18" charset="0"/>
             </a:endParaRPr>
           </a:p>
@@ -14676,21 +14522,21 @@
             </a:pPr>
             <a:r>
               <a:rPr lang="en-GB" sz="2400">
-                <a:latin typeface="Diavlo Light" panose="02000000000000000000" pitchFamily="2" charset="0"/>
+                <a:latin typeface="Times New Roman" panose="02020603050405020304" pitchFamily="18" charset="0"/>
                 <a:cs typeface="Times New Roman" panose="02020603050405020304" pitchFamily="18" charset="0"/>
               </a:rPr>
               <a:t>Giới thiệu </a:t>
             </a:r>
             <a:r>
               <a:rPr lang="en-US" sz="2400">
-                <a:latin typeface="Diavlo Light" panose="02000000000000000000" pitchFamily="2" charset="0"/>
+                <a:latin typeface="Times New Roman" panose="02020603050405020304" pitchFamily="18" charset="0"/>
                 <a:cs typeface="Times New Roman" panose="02020603050405020304" pitchFamily="18" charset="0"/>
               </a:rPr>
               <a:t>Chi tiết về Cain</a:t>
             </a:r>
             <a:r>
               <a:rPr lang="en-GB" sz="2400">
-                <a:latin typeface="Diavlo Light" panose="02000000000000000000" pitchFamily="2" charset="0"/>
+                <a:latin typeface="Times New Roman" panose="02020603050405020304" pitchFamily="18" charset="0"/>
                 <a:cs typeface="Times New Roman" panose="02020603050405020304" pitchFamily="18" charset="0"/>
               </a:rPr>
               <a:t>:</a:t>
@@ -14703,70 +14549,35 @@
             </a:pPr>
             <a:r>
               <a:rPr lang="en-US" sz="2400">
-                <a:latin typeface="Diavlo Light" panose="02000000000000000000" pitchFamily="2" charset="0"/>
+                <a:latin typeface="Times New Roman" panose="02020603050405020304" pitchFamily="18" charset="0"/>
                 <a:cs typeface="Times New Roman" panose="02020603050405020304" pitchFamily="18" charset="0"/>
               </a:rPr>
               <a:t>L</a:t>
             </a:r>
             <a:r>
               <a:rPr lang="vi-VN" sz="2400">
-                <a:latin typeface="Diavlo Light" panose="02000000000000000000" pitchFamily="2" charset="0"/>
-                <a:cs typeface="Times New Roman" panose="02020603050405020304" pitchFamily="18" charset="0"/>
-              </a:rPr>
-              <a:t>à </a:t>
+                <a:latin typeface="Times New Roman" panose="02020603050405020304" pitchFamily="18" charset="0"/>
+                <a:cs typeface="Times New Roman" panose="02020603050405020304" pitchFamily="18" charset="0"/>
+              </a:rPr>
+              <a:t>à phần đầu tiên của phần mềm, với một giao diện người dùng đơn giản, mục đích là tập trung vào một số kỹ thuật xâm nhập và những công cụ giúp phục hồi mật khẩu </a:t>
+            </a:r>
+            <a:r>
+              <a:rPr lang="en-US" sz="2400">
+                <a:latin typeface="Times New Roman" panose="02020603050405020304" pitchFamily="18" charset="0"/>
+                <a:cs typeface="Times New Roman" panose="02020603050405020304" pitchFamily="18" charset="0"/>
+              </a:rPr>
+              <a:t>n</a:t>
             </a:r>
             <a:r>
               <a:rPr lang="vi-VN" sz="2400">
-                <a:latin typeface="Diavlo Light" panose="02000000000000000000" pitchFamily="2" charset="0"/>
-                <a:cs typeface="Times New Roman" panose="02020603050405020304" pitchFamily="18" charset="0"/>
-              </a:rPr>
-              <a:t>phần đầu tiên của phần mềm, với một giao diện người dùng đơn giản, mục đích </a:t>
-            </a:r>
-            <a:r>
-              <a:rPr lang="vi-VN" sz="2400">
-                <a:latin typeface="Diavlo Light" panose="02000000000000000000" pitchFamily="2" charset="0"/>
-                <a:cs typeface="Times New Roman" panose="02020603050405020304" pitchFamily="18" charset="0"/>
-              </a:rPr>
-              <a:t>là </a:t>
-            </a:r>
-            <a:r>
-              <a:rPr lang="vi-VN" sz="2400">
-                <a:latin typeface="Diavlo Light" panose="02000000000000000000" pitchFamily="2" charset="0"/>
-                <a:cs typeface="Times New Roman" panose="02020603050405020304" pitchFamily="18" charset="0"/>
-              </a:rPr>
-              <a:t>tập trung vào một số kỹ thuật xâm nhập và những công cụ giúp phục hồi mật khẩu </a:t>
+                <a:latin typeface="Times New Roman" panose="02020603050405020304" pitchFamily="18" charset="0"/>
+                <a:cs typeface="Times New Roman" panose="02020603050405020304" pitchFamily="18" charset="0"/>
+              </a:rPr>
+              <a:t>hiều nguồn khác nhau</a:t>
             </a:r>
             <a:r>
               <a:rPr lang="en-US" sz="2400">
-                <a:latin typeface="Diavlo Light" panose="02000000000000000000" pitchFamily="2" charset="0"/>
-                <a:cs typeface="Times New Roman" panose="02020603050405020304" pitchFamily="18" charset="0"/>
-              </a:rPr>
-              <a:t>n</a:t>
-            </a:r>
-            <a:r>
-              <a:rPr lang="vi-VN" sz="2400">
-                <a:latin typeface="Diavlo Light" panose="02000000000000000000" pitchFamily="2" charset="0"/>
-                <a:cs typeface="Times New Roman" panose="02020603050405020304" pitchFamily="18" charset="0"/>
-              </a:rPr>
-              <a:t>hiều </a:t>
-            </a:r>
-            <a:r>
-              <a:rPr lang="vi-VN" sz="2400">
-                <a:latin typeface="Diavlo Light" panose="02000000000000000000" pitchFamily="2" charset="0"/>
-                <a:cs typeface="Times New Roman" panose="02020603050405020304" pitchFamily="18" charset="0"/>
-              </a:rPr>
-              <a:t>nguồn khác </a:t>
-            </a:r>
-            <a:r>
-              <a:rPr lang="vi-VN" sz="2400">
-                <a:latin typeface="Diavlo Light" panose="02000000000000000000" pitchFamily="2" charset="0"/>
-                <a:cs typeface="Times New Roman" panose="02020603050405020304" pitchFamily="18" charset="0"/>
-              </a:rPr>
-              <a:t>nhau</a:t>
-            </a:r>
-            <a:r>
-              <a:rPr lang="en-US" sz="2400">
-                <a:latin typeface="Diavlo Light" panose="02000000000000000000" pitchFamily="2" charset="0"/>
+                <a:latin typeface="Times New Roman" panose="02020603050405020304" pitchFamily="18" charset="0"/>
                 <a:cs typeface="Times New Roman" panose="02020603050405020304" pitchFamily="18" charset="0"/>
               </a:rPr>
               <a:t>.</a:t>
@@ -14779,29 +14590,18 @@
             </a:pPr>
             <a:r>
               <a:rPr lang="vi-VN" sz="2400">
-                <a:latin typeface="Diavlo Light" panose="02000000000000000000" pitchFamily="2" charset="0"/>
-                <a:cs typeface="Times New Roman" panose="02020603050405020304" pitchFamily="18" charset="0"/>
-              </a:rPr>
-              <a:t>Cisco Config Downloader/Uploader (SNMP/TFTP</a:t>
-            </a:r>
-            <a:r>
-              <a:rPr lang="vi-VN" sz="2400">
-                <a:latin typeface="Diavlo Light" panose="02000000000000000000" pitchFamily="2" charset="0"/>
-                <a:cs typeface="Times New Roman" panose="02020603050405020304" pitchFamily="18" charset="0"/>
-              </a:rPr>
-              <a:t>)</a:t>
+                <a:latin typeface="Times New Roman" panose="02020603050405020304" pitchFamily="18" charset="0"/>
+                <a:cs typeface="Times New Roman" panose="02020603050405020304" pitchFamily="18" charset="0"/>
+              </a:rPr>
+              <a:t>Cisco Config Downloader/Uploader (SNMP/TFTP)</a:t>
             </a:r>
             <a:r>
               <a:rPr lang="en-US" sz="2400">
-                <a:latin typeface="Diavlo Light" panose="02000000000000000000" pitchFamily="2" charset="0"/>
+                <a:latin typeface="Times New Roman" panose="02020603050405020304" pitchFamily="18" charset="0"/>
                 <a:cs typeface="Times New Roman" panose="02020603050405020304" pitchFamily="18" charset="0"/>
               </a:rPr>
               <a:t>.</a:t>
             </a:r>
-            <a:endParaRPr lang="en-US" sz="2400">
-              <a:latin typeface="Diavlo Light" panose="02000000000000000000" pitchFamily="2" charset="0"/>
-              <a:cs typeface="Times New Roman" panose="02020603050405020304" pitchFamily="18" charset="0"/>
-            </a:endParaRPr>
           </a:p>
           <a:p>
             <a:pPr lvl="2">
@@ -14810,29 +14610,18 @@
             </a:pPr>
             <a:r>
               <a:rPr lang="vi-VN" sz="2400">
-                <a:latin typeface="Diavlo Light" panose="02000000000000000000" pitchFamily="2" charset="0"/>
-                <a:cs typeface="Times New Roman" panose="02020603050405020304" pitchFamily="18" charset="0"/>
-              </a:rPr>
-              <a:t>Network  </a:t>
-            </a:r>
-            <a:r>
-              <a:rPr lang="vi-VN" sz="2400">
-                <a:latin typeface="Diavlo Light" panose="02000000000000000000" pitchFamily="2" charset="0"/>
-                <a:cs typeface="Times New Roman" panose="02020603050405020304" pitchFamily="18" charset="0"/>
-              </a:rPr>
-              <a:t>Enumerator</a:t>
+                <a:latin typeface="Times New Roman" panose="02020603050405020304" pitchFamily="18" charset="0"/>
+                <a:cs typeface="Times New Roman" panose="02020603050405020304" pitchFamily="18" charset="0"/>
+              </a:rPr>
+              <a:t>Network  Enumerator</a:t>
             </a:r>
             <a:r>
               <a:rPr lang="en-US" sz="2400">
-                <a:latin typeface="Diavlo Light" panose="02000000000000000000" pitchFamily="2" charset="0"/>
+                <a:latin typeface="Times New Roman" panose="02020603050405020304" pitchFamily="18" charset="0"/>
                 <a:cs typeface="Times New Roman" panose="02020603050405020304" pitchFamily="18" charset="0"/>
               </a:rPr>
               <a:t>.</a:t>
             </a:r>
-            <a:endParaRPr lang="en-US" sz="2400">
-              <a:latin typeface="Diavlo Light" panose="02000000000000000000" pitchFamily="2" charset="0"/>
-              <a:cs typeface="Times New Roman" panose="02020603050405020304" pitchFamily="18" charset="0"/>
-            </a:endParaRPr>
           </a:p>
           <a:p>
             <a:pPr lvl="2">
@@ -14841,29 +14630,18 @@
             </a:pPr>
             <a:r>
               <a:rPr lang="vi-VN" sz="2400">
-                <a:latin typeface="Diavlo Light" panose="02000000000000000000" pitchFamily="2" charset="0"/>
-                <a:cs typeface="Times New Roman" panose="02020603050405020304" pitchFamily="18" charset="0"/>
-              </a:rPr>
-              <a:t>MAC Address Scanner with OUI </a:t>
-            </a:r>
-            <a:r>
-              <a:rPr lang="vi-VN" sz="2400">
-                <a:latin typeface="Diavlo Light" panose="02000000000000000000" pitchFamily="2" charset="0"/>
-                <a:cs typeface="Times New Roman" panose="02020603050405020304" pitchFamily="18" charset="0"/>
-              </a:rPr>
-              <a:t>fingerprint</a:t>
+                <a:latin typeface="Times New Roman" panose="02020603050405020304" pitchFamily="18" charset="0"/>
+                <a:cs typeface="Times New Roman" panose="02020603050405020304" pitchFamily="18" charset="0"/>
+              </a:rPr>
+              <a:t>MAC Address Scanner with OUI fingerprint</a:t>
             </a:r>
             <a:r>
               <a:rPr lang="en-US" sz="2400">
-                <a:latin typeface="Diavlo Light" panose="02000000000000000000" pitchFamily="2" charset="0"/>
+                <a:latin typeface="Times New Roman" panose="02020603050405020304" pitchFamily="18" charset="0"/>
                 <a:cs typeface="Times New Roman" panose="02020603050405020304" pitchFamily="18" charset="0"/>
               </a:rPr>
               <a:t>.</a:t>
             </a:r>
-            <a:endParaRPr lang="en-US" sz="2400">
-              <a:latin typeface="Diavlo Light" panose="02000000000000000000" pitchFamily="2" charset="0"/>
-              <a:cs typeface="Times New Roman" panose="02020603050405020304" pitchFamily="18" charset="0"/>
-            </a:endParaRPr>
           </a:p>
           <a:p>
             <a:pPr lvl="2">
@@ -14872,29 +14650,18 @@
             </a:pPr>
             <a:r>
               <a:rPr lang="vi-VN" sz="2400">
-                <a:latin typeface="Diavlo Light" panose="02000000000000000000" pitchFamily="2" charset="0"/>
-                <a:cs typeface="Times New Roman" panose="02020603050405020304" pitchFamily="18" charset="0"/>
-              </a:rPr>
-              <a:t>Service </a:t>
-            </a:r>
-            <a:r>
-              <a:rPr lang="vi-VN" sz="2400">
-                <a:latin typeface="Diavlo Light" panose="02000000000000000000" pitchFamily="2" charset="0"/>
-                <a:cs typeface="Times New Roman" panose="02020603050405020304" pitchFamily="18" charset="0"/>
-              </a:rPr>
-              <a:t>Manager</a:t>
+                <a:latin typeface="Times New Roman" panose="02020603050405020304" pitchFamily="18" charset="0"/>
+                <a:cs typeface="Times New Roman" panose="02020603050405020304" pitchFamily="18" charset="0"/>
+              </a:rPr>
+              <a:t>Service Manager</a:t>
             </a:r>
             <a:r>
               <a:rPr lang="en-US" sz="2400">
-                <a:latin typeface="Diavlo Light" panose="02000000000000000000" pitchFamily="2" charset="0"/>
+                <a:latin typeface="Times New Roman" panose="02020603050405020304" pitchFamily="18" charset="0"/>
                 <a:cs typeface="Times New Roman" panose="02020603050405020304" pitchFamily="18" charset="0"/>
               </a:rPr>
               <a:t>.</a:t>
             </a:r>
-            <a:endParaRPr lang="en-US" sz="2400">
-              <a:latin typeface="Diavlo Light" panose="02000000000000000000" pitchFamily="2" charset="0"/>
-              <a:cs typeface="Times New Roman" panose="02020603050405020304" pitchFamily="18" charset="0"/>
-            </a:endParaRPr>
           </a:p>
           <a:p>
             <a:pPr marL="457200" indent="-457200">
@@ -14902,7 +14669,7 @@
               <a:buAutoNum type="arabicPeriod" startAt="2"/>
             </a:pPr>
             <a:endParaRPr lang="en-GB" sz="2400">
-              <a:latin typeface="Diavlo Light" panose="02000000000000000000" pitchFamily="2" charset="0"/>
+              <a:latin typeface="Times New Roman" panose="02020603050405020304" pitchFamily="18" charset="0"/>
               <a:cs typeface="Times New Roman" panose="02020603050405020304" pitchFamily="18" charset="0"/>
             </a:endParaRPr>
           </a:p>
@@ -15308,33 +15075,33 @@
         <p:spPr/>
         <p:txBody>
           <a:bodyPr>
-            <a:normAutofit fontScale="90000"/>
+            <a:normAutofit/>
           </a:bodyPr>
           <a:lstStyle/>
           <a:p>
             <a:r>
-              <a:rPr lang="en-US">
-                <a:latin typeface="Diavlo Medium" panose="02000000000000000000" pitchFamily="2" charset="0"/>
+              <a:rPr lang="en-US" b="1">
+                <a:latin typeface="Times New Roman" panose="02020603050405020304" pitchFamily="18" charset="0"/>
                 <a:cs typeface="Times New Roman" panose="02020603050405020304" pitchFamily="18" charset="0"/>
               </a:rPr>
               <a:t>Giới thiệu </a:t>
             </a:r>
             <a:r>
-              <a:rPr lang="vi-VN" smtClean="0">
-                <a:latin typeface="Diavlo Medium" panose="02000000000000000000" pitchFamily="2" charset="0"/>
+              <a:rPr lang="vi-VN" b="1" smtClean="0">
+                <a:latin typeface="Times New Roman" panose="02020603050405020304" pitchFamily="18" charset="0"/>
                 <a:cs typeface="Times New Roman" panose="02020603050405020304" pitchFamily="18" charset="0"/>
               </a:rPr>
               <a:t>về </a:t>
             </a:r>
             <a:r>
-              <a:rPr lang="vi-VN">
-                <a:latin typeface="Diavlo Medium" panose="02000000000000000000" pitchFamily="2" charset="0"/>
+              <a:rPr lang="vi-VN" b="1">
+                <a:latin typeface="Times New Roman" panose="02020603050405020304" pitchFamily="18" charset="0"/>
                 <a:cs typeface="Times New Roman" panose="02020603050405020304" pitchFamily="18" charset="0"/>
               </a:rPr>
               <a:t>Cain and Abel</a:t>
             </a:r>
-            <a:endParaRPr lang="en-US">
-              <a:latin typeface="Diavlo Medium" panose="02000000000000000000" pitchFamily="2" charset="0"/>
+            <a:endParaRPr lang="en-US" b="1">
+              <a:latin typeface="Times New Roman" panose="02020603050405020304" pitchFamily="18" charset="0"/>
               <a:cs typeface="Times New Roman" panose="02020603050405020304" pitchFamily="18" charset="0"/>
             </a:endParaRPr>
           </a:p>
@@ -15368,14 +15135,14 @@
             </a:pPr>
             <a:r>
               <a:rPr lang="vi-VN" sz="2400">
-                <a:latin typeface="Diavlo Light" panose="02000000000000000000" pitchFamily="2" charset="0"/>
+                <a:latin typeface="Times New Roman" panose="02020603050405020304" pitchFamily="18" charset="0"/>
                 <a:cs typeface="Times New Roman" panose="02020603050405020304" pitchFamily="18" charset="0"/>
               </a:rPr>
               <a:t>Password Crackers</a:t>
             </a:r>
             <a:r>
               <a:rPr lang="en-US" sz="2400">
-                <a:latin typeface="Diavlo Light" panose="02000000000000000000" pitchFamily="2" charset="0"/>
+                <a:latin typeface="Times New Roman" panose="02020603050405020304" pitchFamily="18" charset="0"/>
                 <a:cs typeface="Times New Roman" panose="02020603050405020304" pitchFamily="18" charset="0"/>
               </a:rPr>
               <a:t>:</a:t>
@@ -15388,29 +15155,18 @@
             </a:pPr>
             <a:r>
               <a:rPr lang="vi-VN" sz="2400">
-                <a:latin typeface="Diavlo Light" panose="02000000000000000000" pitchFamily="2" charset="0"/>
-                <a:cs typeface="Times New Roman" panose="02020603050405020304" pitchFamily="18" charset="0"/>
-              </a:rPr>
-              <a:t>Password </a:t>
-            </a:r>
-            <a:r>
-              <a:rPr lang="vi-VN" sz="2400">
-                <a:latin typeface="Diavlo Light" panose="02000000000000000000" pitchFamily="2" charset="0"/>
-                <a:cs typeface="Times New Roman" panose="02020603050405020304" pitchFamily="18" charset="0"/>
-              </a:rPr>
-              <a:t>Crackers</a:t>
+                <a:latin typeface="Times New Roman" panose="02020603050405020304" pitchFamily="18" charset="0"/>
+                <a:cs typeface="Times New Roman" panose="02020603050405020304" pitchFamily="18" charset="0"/>
+              </a:rPr>
+              <a:t>Password Crackers</a:t>
             </a:r>
             <a:r>
               <a:rPr lang="en-US" sz="2400">
-                <a:latin typeface="Diavlo Light" panose="02000000000000000000" pitchFamily="2" charset="0"/>
+                <a:latin typeface="Times New Roman" panose="02020603050405020304" pitchFamily="18" charset="0"/>
                 <a:cs typeface="Times New Roman" panose="02020603050405020304" pitchFamily="18" charset="0"/>
               </a:rPr>
               <a:t>.</a:t>
             </a:r>
-            <a:endParaRPr lang="en-US" sz="2400">
-              <a:latin typeface="Diavlo Light" panose="02000000000000000000" pitchFamily="2" charset="0"/>
-              <a:cs typeface="Times New Roman" panose="02020603050405020304" pitchFamily="18" charset="0"/>
-            </a:endParaRPr>
           </a:p>
           <a:p>
             <a:pPr lvl="2">
@@ -15419,29 +15175,18 @@
             </a:pPr>
             <a:r>
               <a:rPr lang="vi-VN" sz="2400">
-                <a:latin typeface="Diavlo Light" panose="02000000000000000000" pitchFamily="2" charset="0"/>
-                <a:cs typeface="Times New Roman" panose="02020603050405020304" pitchFamily="18" charset="0"/>
-              </a:rPr>
-              <a:t>Cryptanalysis </a:t>
-            </a:r>
-            <a:r>
-              <a:rPr lang="vi-VN" sz="2400">
-                <a:latin typeface="Diavlo Light" panose="02000000000000000000" pitchFamily="2" charset="0"/>
-                <a:cs typeface="Times New Roman" panose="02020603050405020304" pitchFamily="18" charset="0"/>
-              </a:rPr>
-              <a:t>attacks</a:t>
+                <a:latin typeface="Times New Roman" panose="02020603050405020304" pitchFamily="18" charset="0"/>
+                <a:cs typeface="Times New Roman" panose="02020603050405020304" pitchFamily="18" charset="0"/>
+              </a:rPr>
+              <a:t>Cryptanalysis attacks</a:t>
             </a:r>
             <a:r>
               <a:rPr lang="en-US" sz="2400">
-                <a:latin typeface="Diavlo Light" panose="02000000000000000000" pitchFamily="2" charset="0"/>
+                <a:latin typeface="Times New Roman" panose="02020603050405020304" pitchFamily="18" charset="0"/>
                 <a:cs typeface="Times New Roman" panose="02020603050405020304" pitchFamily="18" charset="0"/>
               </a:rPr>
               <a:t>.</a:t>
             </a:r>
-            <a:endParaRPr lang="en-US" sz="2400">
-              <a:latin typeface="Diavlo Light" panose="02000000000000000000" pitchFamily="2" charset="0"/>
-              <a:cs typeface="Times New Roman" panose="02020603050405020304" pitchFamily="18" charset="0"/>
-            </a:endParaRPr>
           </a:p>
           <a:p>
             <a:pPr lvl="2">
@@ -15450,29 +15195,18 @@
             </a:pPr>
             <a:r>
               <a:rPr lang="vi-VN" sz="2400">
-                <a:latin typeface="Diavlo Light" panose="02000000000000000000" pitchFamily="2" charset="0"/>
-                <a:cs typeface="Times New Roman" panose="02020603050405020304" pitchFamily="18" charset="0"/>
-              </a:rPr>
-              <a:t>Rainbowcrack-online </a:t>
-            </a:r>
-            <a:r>
-              <a:rPr lang="vi-VN" sz="2400">
-                <a:latin typeface="Diavlo Light" panose="02000000000000000000" pitchFamily="2" charset="0"/>
-                <a:cs typeface="Times New Roman" panose="02020603050405020304" pitchFamily="18" charset="0"/>
-              </a:rPr>
-              <a:t>client</a:t>
+                <a:latin typeface="Times New Roman" panose="02020603050405020304" pitchFamily="18" charset="0"/>
+                <a:cs typeface="Times New Roman" panose="02020603050405020304" pitchFamily="18" charset="0"/>
+              </a:rPr>
+              <a:t>Rainbowcrack-online client</a:t>
             </a:r>
             <a:r>
               <a:rPr lang="en-US" sz="2400">
-                <a:latin typeface="Diavlo Light" panose="02000000000000000000" pitchFamily="2" charset="0"/>
+                <a:latin typeface="Times New Roman" panose="02020603050405020304" pitchFamily="18" charset="0"/>
                 <a:cs typeface="Times New Roman" panose="02020603050405020304" pitchFamily="18" charset="0"/>
               </a:rPr>
               <a:t>.</a:t>
             </a:r>
-            <a:endParaRPr lang="en-US" sz="2400">
-              <a:latin typeface="Diavlo Light" panose="02000000000000000000" pitchFamily="2" charset="0"/>
-              <a:cs typeface="Times New Roman" panose="02020603050405020304" pitchFamily="18" charset="0"/>
-            </a:endParaRPr>
           </a:p>
           <a:p>
             <a:pPr lvl="2">
@@ -15481,29 +15215,18 @@
             </a:pPr>
             <a:r>
               <a:rPr lang="vi-VN" sz="2400">
-                <a:latin typeface="Diavlo Light" panose="02000000000000000000" pitchFamily="2" charset="0"/>
-                <a:cs typeface="Times New Roman" panose="02020603050405020304" pitchFamily="18" charset="0"/>
-              </a:rPr>
-              <a:t>WEP </a:t>
-            </a:r>
-            <a:r>
-              <a:rPr lang="vi-VN" sz="2400">
-                <a:latin typeface="Diavlo Light" panose="02000000000000000000" pitchFamily="2" charset="0"/>
-                <a:cs typeface="Times New Roman" panose="02020603050405020304" pitchFamily="18" charset="0"/>
-              </a:rPr>
-              <a:t>Cracker</a:t>
+                <a:latin typeface="Times New Roman" panose="02020603050405020304" pitchFamily="18" charset="0"/>
+                <a:cs typeface="Times New Roman" panose="02020603050405020304" pitchFamily="18" charset="0"/>
+              </a:rPr>
+              <a:t>WEP Cracker</a:t>
             </a:r>
             <a:r>
               <a:rPr lang="en-US" sz="2400">
-                <a:latin typeface="Diavlo Light" panose="02000000000000000000" pitchFamily="2" charset="0"/>
+                <a:latin typeface="Times New Roman" panose="02020603050405020304" pitchFamily="18" charset="0"/>
                 <a:cs typeface="Times New Roman" panose="02020603050405020304" pitchFamily="18" charset="0"/>
               </a:rPr>
               <a:t>.</a:t>
             </a:r>
-            <a:endParaRPr lang="en-US" sz="2400">
-              <a:latin typeface="Diavlo Light" panose="02000000000000000000" pitchFamily="2" charset="0"/>
-              <a:cs typeface="Times New Roman" panose="02020603050405020304" pitchFamily="18" charset="0"/>
-            </a:endParaRPr>
           </a:p>
           <a:p>
             <a:pPr marL="457200" indent="-457200">
@@ -15511,7 +15234,7 @@
               <a:buAutoNum type="arabicPeriod" startAt="2"/>
             </a:pPr>
             <a:endParaRPr lang="en-GB" sz="2400">
-              <a:latin typeface="Diavlo Light" panose="02000000000000000000" pitchFamily="2" charset="0"/>
+              <a:latin typeface="Times New Roman" panose="02020603050405020304" pitchFamily="18" charset="0"/>
               <a:cs typeface="Times New Roman" panose="02020603050405020304" pitchFamily="18" charset="0"/>
             </a:endParaRPr>
           </a:p>
@@ -15947,33 +15670,33 @@
         <p:spPr/>
         <p:txBody>
           <a:bodyPr>
-            <a:normAutofit fontScale="90000"/>
+            <a:normAutofit/>
           </a:bodyPr>
           <a:lstStyle/>
           <a:p>
             <a:r>
-              <a:rPr lang="en-US">
-                <a:latin typeface="Diavlo Medium" panose="02000000000000000000" pitchFamily="2" charset="0"/>
+              <a:rPr lang="en-US" b="1">
+                <a:latin typeface="Times New Roman" panose="02020603050405020304" pitchFamily="18" charset="0"/>
                 <a:cs typeface="Times New Roman" panose="02020603050405020304" pitchFamily="18" charset="0"/>
               </a:rPr>
               <a:t>Giới thiệu </a:t>
             </a:r>
             <a:r>
-              <a:rPr lang="vi-VN" smtClean="0">
-                <a:latin typeface="Diavlo Medium" panose="02000000000000000000" pitchFamily="2" charset="0"/>
+              <a:rPr lang="vi-VN" b="1" smtClean="0">
+                <a:latin typeface="Times New Roman" panose="02020603050405020304" pitchFamily="18" charset="0"/>
                 <a:cs typeface="Times New Roman" panose="02020603050405020304" pitchFamily="18" charset="0"/>
               </a:rPr>
               <a:t>về </a:t>
             </a:r>
             <a:r>
-              <a:rPr lang="vi-VN">
-                <a:latin typeface="Diavlo Medium" panose="02000000000000000000" pitchFamily="2" charset="0"/>
+              <a:rPr lang="vi-VN" b="1">
+                <a:latin typeface="Times New Roman" panose="02020603050405020304" pitchFamily="18" charset="0"/>
                 <a:cs typeface="Times New Roman" panose="02020603050405020304" pitchFamily="18" charset="0"/>
               </a:rPr>
               <a:t>Cain and Abel</a:t>
             </a:r>
-            <a:endParaRPr lang="en-US">
-              <a:latin typeface="Diavlo Medium" panose="02000000000000000000" pitchFamily="2" charset="0"/>
+            <a:endParaRPr lang="en-US" b="1">
+              <a:latin typeface="Times New Roman" panose="02020603050405020304" pitchFamily="18" charset="0"/>
               <a:cs typeface="Times New Roman" panose="02020603050405020304" pitchFamily="18" charset="0"/>
             </a:endParaRPr>
           </a:p>
@@ -16007,22 +15730,18 @@
             </a:pPr>
             <a:r>
               <a:rPr lang="vi-VN" sz="2400">
-                <a:latin typeface="Diavlo Light" panose="02000000000000000000" pitchFamily="2" charset="0"/>
+                <a:latin typeface="Times New Roman" panose="02020603050405020304" pitchFamily="18" charset="0"/>
                 <a:cs typeface="Times New Roman" panose="02020603050405020304" pitchFamily="18" charset="0"/>
               </a:rPr>
               <a:t>Password Decoders</a:t>
             </a:r>
             <a:r>
               <a:rPr lang="en-US" sz="2400">
-                <a:latin typeface="Diavlo Light" panose="02000000000000000000" pitchFamily="2" charset="0"/>
+                <a:latin typeface="Times New Roman" panose="02020603050405020304" pitchFamily="18" charset="0"/>
                 <a:cs typeface="Times New Roman" panose="02020603050405020304" pitchFamily="18" charset="0"/>
               </a:rPr>
               <a:t>:</a:t>
             </a:r>
-            <a:endParaRPr lang="en-US" sz="2400">
-              <a:latin typeface="Diavlo Light" panose="02000000000000000000" pitchFamily="2" charset="0"/>
-              <a:cs typeface="Times New Roman" panose="02020603050405020304" pitchFamily="18" charset="0"/>
-            </a:endParaRPr>
           </a:p>
           <a:p>
             <a:pPr lvl="2">
@@ -16031,29 +15750,18 @@
             </a:pPr>
             <a:r>
               <a:rPr lang="vi-VN" sz="2400">
-                <a:latin typeface="Diavlo Light" panose="02000000000000000000" pitchFamily="2" charset="0"/>
-                <a:cs typeface="Times New Roman" panose="02020603050405020304" pitchFamily="18" charset="0"/>
-              </a:rPr>
-              <a:t>Access (9x/2000/XP) Database Passwords </a:t>
-            </a:r>
-            <a:r>
-              <a:rPr lang="vi-VN" sz="2400">
-                <a:latin typeface="Diavlo Light" panose="02000000000000000000" pitchFamily="2" charset="0"/>
-                <a:cs typeface="Times New Roman" panose="02020603050405020304" pitchFamily="18" charset="0"/>
-              </a:rPr>
-              <a:t>Decoder</a:t>
+                <a:latin typeface="Times New Roman" panose="02020603050405020304" pitchFamily="18" charset="0"/>
+                <a:cs typeface="Times New Roman" panose="02020603050405020304" pitchFamily="18" charset="0"/>
+              </a:rPr>
+              <a:t>Access (9x/2000/XP) Database Passwords Decoder</a:t>
             </a:r>
             <a:r>
               <a:rPr lang="en-US" sz="2400">
-                <a:latin typeface="Diavlo Light" panose="02000000000000000000" pitchFamily="2" charset="0"/>
+                <a:latin typeface="Times New Roman" panose="02020603050405020304" pitchFamily="18" charset="0"/>
                 <a:cs typeface="Times New Roman" panose="02020603050405020304" pitchFamily="18" charset="0"/>
               </a:rPr>
               <a:t>.</a:t>
             </a:r>
-            <a:endParaRPr lang="en-US" sz="2400">
-              <a:latin typeface="Diavlo Light" panose="02000000000000000000" pitchFamily="2" charset="0"/>
-              <a:cs typeface="Times New Roman" panose="02020603050405020304" pitchFamily="18" charset="0"/>
-            </a:endParaRPr>
           </a:p>
           <a:p>
             <a:pPr lvl="2">
@@ -16062,14 +15770,14 @@
             </a:pPr>
             <a:r>
               <a:rPr lang="vi-VN" sz="2400">
-                <a:latin typeface="Diavlo Light" panose="02000000000000000000" pitchFamily="2" charset="0"/>
+                <a:latin typeface="Times New Roman" panose="02020603050405020304" pitchFamily="18" charset="0"/>
                 <a:cs typeface="Times New Roman" panose="02020603050405020304" pitchFamily="18" charset="0"/>
               </a:rPr>
               <a:t>Base64 Password Decoder</a:t>
             </a:r>
             <a:r>
               <a:rPr lang="en-US" sz="2400">
-                <a:latin typeface="Diavlo Light" panose="02000000000000000000" pitchFamily="2" charset="0"/>
+                <a:latin typeface="Times New Roman" panose="02020603050405020304" pitchFamily="18" charset="0"/>
                 <a:cs typeface="Times New Roman" panose="02020603050405020304" pitchFamily="18" charset="0"/>
               </a:rPr>
               <a:t>.</a:t>
@@ -16082,29 +15790,18 @@
             </a:pPr>
             <a:r>
               <a:rPr lang="vi-VN" sz="2400">
-                <a:latin typeface="Diavlo Light" panose="02000000000000000000" pitchFamily="2" charset="0"/>
-                <a:cs typeface="Times New Roman" panose="02020603050405020304" pitchFamily="18" charset="0"/>
-              </a:rPr>
-              <a:t>Box </a:t>
-            </a:r>
-            <a:r>
-              <a:rPr lang="vi-VN" sz="2400">
-                <a:latin typeface="Diavlo Light" panose="02000000000000000000" pitchFamily="2" charset="0"/>
-                <a:cs typeface="Times New Roman" panose="02020603050405020304" pitchFamily="18" charset="0"/>
-              </a:rPr>
-              <a:t>Revealer</a:t>
+                <a:latin typeface="Times New Roman" panose="02020603050405020304" pitchFamily="18" charset="0"/>
+                <a:cs typeface="Times New Roman" panose="02020603050405020304" pitchFamily="18" charset="0"/>
+              </a:rPr>
+              <a:t>Box Revealer</a:t>
             </a:r>
             <a:r>
               <a:rPr lang="en-US" sz="2400">
-                <a:latin typeface="Diavlo Light" panose="02000000000000000000" pitchFamily="2" charset="0"/>
+                <a:latin typeface="Times New Roman" panose="02020603050405020304" pitchFamily="18" charset="0"/>
                 <a:cs typeface="Times New Roman" panose="02020603050405020304" pitchFamily="18" charset="0"/>
               </a:rPr>
               <a:t>.</a:t>
             </a:r>
-            <a:endParaRPr lang="en-US" sz="2400">
-              <a:latin typeface="Diavlo Light" panose="02000000000000000000" pitchFamily="2" charset="0"/>
-              <a:cs typeface="Times New Roman" panose="02020603050405020304" pitchFamily="18" charset="0"/>
-            </a:endParaRPr>
           </a:p>
           <a:p>
             <a:pPr lvl="2">
@@ -16113,29 +15810,18 @@
             </a:pPr>
             <a:r>
               <a:rPr lang="vi-VN" sz="2400">
-                <a:latin typeface="Diavlo Light" panose="02000000000000000000" pitchFamily="2" charset="0"/>
-                <a:cs typeface="Times New Roman" panose="02020603050405020304" pitchFamily="18" charset="0"/>
-              </a:rPr>
-              <a:t>Cisco Type-7 Password </a:t>
-            </a:r>
-            <a:r>
-              <a:rPr lang="vi-VN" sz="2400">
-                <a:latin typeface="Diavlo Light" panose="02000000000000000000" pitchFamily="2" charset="0"/>
-                <a:cs typeface="Times New Roman" panose="02020603050405020304" pitchFamily="18" charset="0"/>
-              </a:rPr>
-              <a:t>Decoder</a:t>
+                <a:latin typeface="Times New Roman" panose="02020603050405020304" pitchFamily="18" charset="0"/>
+                <a:cs typeface="Times New Roman" panose="02020603050405020304" pitchFamily="18" charset="0"/>
+              </a:rPr>
+              <a:t>Cisco Type-7 Password Decoder</a:t>
             </a:r>
             <a:r>
               <a:rPr lang="en-US" sz="2400">
-                <a:latin typeface="Diavlo Light" panose="02000000000000000000" pitchFamily="2" charset="0"/>
+                <a:latin typeface="Times New Roman" panose="02020603050405020304" pitchFamily="18" charset="0"/>
                 <a:cs typeface="Times New Roman" panose="02020603050405020304" pitchFamily="18" charset="0"/>
               </a:rPr>
               <a:t>.</a:t>
             </a:r>
-            <a:endParaRPr lang="en-US" sz="2400">
-              <a:latin typeface="Diavlo Light" panose="02000000000000000000" pitchFamily="2" charset="0"/>
-              <a:cs typeface="Times New Roman" panose="02020603050405020304" pitchFamily="18" charset="0"/>
-            </a:endParaRPr>
           </a:p>
           <a:p>
             <a:pPr lvl="2">
@@ -16144,21 +15830,14 @@
             </a:pPr>
             <a:r>
               <a:rPr lang="vi-VN" sz="2400">
-                <a:latin typeface="Diavlo Light" panose="02000000000000000000" pitchFamily="2" charset="0"/>
-                <a:cs typeface="Times New Roman" panose="02020603050405020304" pitchFamily="18" charset="0"/>
-              </a:rPr>
-              <a:t>Cisco VPN Client Password </a:t>
-            </a:r>
-            <a:r>
-              <a:rPr lang="vi-VN" sz="2400">
-                <a:latin typeface="Diavlo Light" panose="02000000000000000000" pitchFamily="2" charset="0"/>
-                <a:cs typeface="Times New Roman" panose="02020603050405020304" pitchFamily="18" charset="0"/>
-              </a:rPr>
-              <a:t>Decoder</a:t>
+                <a:latin typeface="Times New Roman" panose="02020603050405020304" pitchFamily="18" charset="0"/>
+                <a:cs typeface="Times New Roman" panose="02020603050405020304" pitchFamily="18" charset="0"/>
+              </a:rPr>
+              <a:t>Cisco VPN Client Password Decoder</a:t>
             </a:r>
             <a:r>
               <a:rPr lang="en-US" sz="2400">
-                <a:latin typeface="Diavlo Light" panose="02000000000000000000" pitchFamily="2" charset="0"/>
+                <a:latin typeface="Times New Roman" panose="02020603050405020304" pitchFamily="18" charset="0"/>
                 <a:cs typeface="Times New Roman" panose="02020603050405020304" pitchFamily="18" charset="0"/>
               </a:rPr>
               <a:t>.</a:t>
@@ -16171,20 +15850,20 @@
             </a:pPr>
             <a:r>
               <a:rPr lang="vi-VN" sz="2400">
-                <a:latin typeface="Diavlo Light" panose="02000000000000000000" pitchFamily="2" charset="0"/>
+                <a:latin typeface="Times New Roman" panose="02020603050405020304" pitchFamily="18" charset="0"/>
                 <a:cs typeface="Times New Roman" panose="02020603050405020304" pitchFamily="18" charset="0"/>
               </a:rPr>
               <a:t>802.11 Capture Files Decoder</a:t>
             </a:r>
             <a:r>
               <a:rPr lang="en-US" sz="2400">
-                <a:latin typeface="Diavlo Light" panose="02000000000000000000" pitchFamily="2" charset="0"/>
+                <a:latin typeface="Times New Roman" panose="02020603050405020304" pitchFamily="18" charset="0"/>
                 <a:cs typeface="Times New Roman" panose="02020603050405020304" pitchFamily="18" charset="0"/>
               </a:rPr>
               <a:t>.</a:t>
             </a:r>
             <a:endParaRPr lang="en-GB" sz="2400">
-              <a:latin typeface="Diavlo Light" panose="02000000000000000000" pitchFamily="2" charset="0"/>
+              <a:latin typeface="Times New Roman" panose="02020603050405020304" pitchFamily="18" charset="0"/>
               <a:cs typeface="Times New Roman" panose="02020603050405020304" pitchFamily="18" charset="0"/>
             </a:endParaRPr>
           </a:p>
@@ -16706,33 +16385,33 @@
         <p:spPr/>
         <p:txBody>
           <a:bodyPr>
-            <a:normAutofit fontScale="90000"/>
+            <a:normAutofit/>
           </a:bodyPr>
           <a:lstStyle/>
           <a:p>
             <a:r>
-              <a:rPr lang="en-US">
-                <a:latin typeface="Diavlo Medium" panose="02000000000000000000" pitchFamily="2" charset="0"/>
+              <a:rPr lang="en-US" b="1">
+                <a:latin typeface="Times New Roman" panose="02020603050405020304" pitchFamily="18" charset="0"/>
                 <a:cs typeface="Times New Roman" panose="02020603050405020304" pitchFamily="18" charset="0"/>
               </a:rPr>
               <a:t>Giới thiệu </a:t>
             </a:r>
             <a:r>
-              <a:rPr lang="vi-VN" smtClean="0">
-                <a:latin typeface="Diavlo Medium" panose="02000000000000000000" pitchFamily="2" charset="0"/>
+              <a:rPr lang="vi-VN" b="1" smtClean="0">
+                <a:latin typeface="Times New Roman" panose="02020603050405020304" pitchFamily="18" charset="0"/>
                 <a:cs typeface="Times New Roman" panose="02020603050405020304" pitchFamily="18" charset="0"/>
               </a:rPr>
               <a:t>về </a:t>
             </a:r>
             <a:r>
-              <a:rPr lang="vi-VN">
-                <a:latin typeface="Diavlo Medium" panose="02000000000000000000" pitchFamily="2" charset="0"/>
+              <a:rPr lang="vi-VN" b="1">
+                <a:latin typeface="Times New Roman" panose="02020603050405020304" pitchFamily="18" charset="0"/>
                 <a:cs typeface="Times New Roman" panose="02020603050405020304" pitchFamily="18" charset="0"/>
               </a:rPr>
               <a:t>Cain and Abel</a:t>
             </a:r>
-            <a:endParaRPr lang="en-US">
-              <a:latin typeface="Diavlo Medium" panose="02000000000000000000" pitchFamily="2" charset="0"/>
+            <a:endParaRPr lang="en-US" b="1">
+              <a:latin typeface="Times New Roman" panose="02020603050405020304" pitchFamily="18" charset="0"/>
               <a:cs typeface="Times New Roman" panose="02020603050405020304" pitchFamily="18" charset="0"/>
             </a:endParaRPr>
           </a:p>
@@ -16766,20 +16445,13 @@
             </a:pPr>
             <a:r>
               <a:rPr lang="vi-VN" sz="2400">
-                <a:latin typeface="Diavlo Light" panose="02000000000000000000" pitchFamily="2" charset="0"/>
-                <a:cs typeface="Times New Roman" panose="02020603050405020304" pitchFamily="18" charset="0"/>
-              </a:rPr>
-              <a:t>Password </a:t>
-            </a:r>
-            <a:r>
-              <a:rPr lang="vi-VN" sz="2400">
-                <a:latin typeface="Diavlo Light" panose="02000000000000000000" pitchFamily="2" charset="0"/>
-                <a:cs typeface="Times New Roman" panose="02020603050405020304" pitchFamily="18" charset="0"/>
-              </a:rPr>
-              <a:t>Dumpers</a:t>
+                <a:latin typeface="Times New Roman" panose="02020603050405020304" pitchFamily="18" charset="0"/>
+                <a:cs typeface="Times New Roman" panose="02020603050405020304" pitchFamily="18" charset="0"/>
+              </a:rPr>
+              <a:t>Password Dumpers</a:t>
             </a:r>
             <a:endParaRPr lang="en-US" sz="2400">
-              <a:latin typeface="Diavlo Light" panose="02000000000000000000" pitchFamily="2" charset="0"/>
+              <a:latin typeface="Times New Roman" panose="02020603050405020304" pitchFamily="18" charset="0"/>
               <a:cs typeface="Times New Roman" panose="02020603050405020304" pitchFamily="18" charset="0"/>
             </a:endParaRPr>
           </a:p>
@@ -16790,29 +16462,18 @@
             </a:pPr>
             <a:r>
               <a:rPr lang="vi-VN" sz="2400">
-                <a:latin typeface="Diavlo Light" panose="02000000000000000000" pitchFamily="2" charset="0"/>
-                <a:cs typeface="Times New Roman" panose="02020603050405020304" pitchFamily="18" charset="0"/>
-              </a:rPr>
-              <a:t>LSA Secrets </a:t>
-            </a:r>
-            <a:r>
-              <a:rPr lang="vi-VN" sz="2400">
-                <a:latin typeface="Diavlo Light" panose="02000000000000000000" pitchFamily="2" charset="0"/>
-                <a:cs typeface="Times New Roman" panose="02020603050405020304" pitchFamily="18" charset="0"/>
-              </a:rPr>
-              <a:t>Dumper</a:t>
+                <a:latin typeface="Times New Roman" panose="02020603050405020304" pitchFamily="18" charset="0"/>
+                <a:cs typeface="Times New Roman" panose="02020603050405020304" pitchFamily="18" charset="0"/>
+              </a:rPr>
+              <a:t>LSA Secrets Dumper</a:t>
             </a:r>
             <a:r>
               <a:rPr lang="en-US" sz="2400">
-                <a:latin typeface="Diavlo Light" panose="02000000000000000000" pitchFamily="2" charset="0"/>
+                <a:latin typeface="Times New Roman" panose="02020603050405020304" pitchFamily="18" charset="0"/>
                 <a:cs typeface="Times New Roman" panose="02020603050405020304" pitchFamily="18" charset="0"/>
               </a:rPr>
               <a:t>.</a:t>
             </a:r>
-            <a:endParaRPr lang="en-US" sz="2400">
-              <a:latin typeface="Diavlo Light" panose="02000000000000000000" pitchFamily="2" charset="0"/>
-              <a:cs typeface="Times New Roman" panose="02020603050405020304" pitchFamily="18" charset="0"/>
-            </a:endParaRPr>
           </a:p>
           <a:p>
             <a:pPr lvl="2">
@@ -16821,28 +16482,14 @@
             </a:pPr>
             <a:r>
               <a:rPr lang="vi-VN" sz="2400">
-                <a:latin typeface="Diavlo Light" panose="02000000000000000000" pitchFamily="2" charset="0"/>
-                <a:cs typeface="Times New Roman" panose="02020603050405020304" pitchFamily="18" charset="0"/>
-              </a:rPr>
-              <a:t>MSCACHE </a:t>
-            </a:r>
-            <a:r>
-              <a:rPr lang="vi-VN" sz="2400">
-                <a:latin typeface="Diavlo Light" panose="02000000000000000000" pitchFamily="2" charset="0"/>
-                <a:cs typeface="Times New Roman" panose="02020603050405020304" pitchFamily="18" charset="0"/>
-              </a:rPr>
-              <a:t>Hashes </a:t>
-            </a:r>
-            <a:r>
-              <a:rPr lang="vi-VN" sz="2400">
-                <a:latin typeface="Diavlo Light" panose="02000000000000000000" pitchFamily="2" charset="0"/>
-                <a:cs typeface="Times New Roman" panose="02020603050405020304" pitchFamily="18" charset="0"/>
-              </a:rPr>
-              <a:t>Dumper</a:t>
+                <a:latin typeface="Times New Roman" panose="02020603050405020304" pitchFamily="18" charset="0"/>
+                <a:cs typeface="Times New Roman" panose="02020603050405020304" pitchFamily="18" charset="0"/>
+              </a:rPr>
+              <a:t>MSCACHE Hashes Dumper</a:t>
             </a:r>
             <a:r>
               <a:rPr lang="en-US" sz="2400">
-                <a:latin typeface="Diavlo Light" panose="02000000000000000000" pitchFamily="2" charset="0"/>
+                <a:latin typeface="Times New Roman" panose="02020603050405020304" pitchFamily="18" charset="0"/>
                 <a:cs typeface="Times New Roman" panose="02020603050405020304" pitchFamily="18" charset="0"/>
               </a:rPr>
               <a:t>.</a:t>
@@ -16855,28 +16502,14 @@
             </a:pPr>
             <a:r>
               <a:rPr lang="vi-VN" sz="2400">
-                <a:latin typeface="Diavlo Light" panose="02000000000000000000" pitchFamily="2" charset="0"/>
-                <a:cs typeface="Times New Roman" panose="02020603050405020304" pitchFamily="18" charset="0"/>
-              </a:rPr>
-              <a:t>MySQL </a:t>
-            </a:r>
-            <a:r>
-              <a:rPr lang="vi-VN" sz="2400">
-                <a:latin typeface="Diavlo Light" panose="02000000000000000000" pitchFamily="2" charset="0"/>
-                <a:cs typeface="Times New Roman" panose="02020603050405020304" pitchFamily="18" charset="0"/>
-              </a:rPr>
-              <a:t>Password Extractor via </a:t>
-            </a:r>
-            <a:r>
-              <a:rPr lang="vi-VN" sz="2400">
-                <a:latin typeface="Diavlo Light" panose="02000000000000000000" pitchFamily="2" charset="0"/>
-                <a:cs typeface="Times New Roman" panose="02020603050405020304" pitchFamily="18" charset="0"/>
-              </a:rPr>
-              <a:t>ODBC</a:t>
+                <a:latin typeface="Times New Roman" panose="02020603050405020304" pitchFamily="18" charset="0"/>
+                <a:cs typeface="Times New Roman" panose="02020603050405020304" pitchFamily="18" charset="0"/>
+              </a:rPr>
+              <a:t>MySQL Password Extractor via ODBC</a:t>
             </a:r>
             <a:r>
               <a:rPr lang="en-US" sz="2400">
-                <a:latin typeface="Diavlo Light" panose="02000000000000000000" pitchFamily="2" charset="0"/>
+                <a:latin typeface="Times New Roman" panose="02020603050405020304" pitchFamily="18" charset="0"/>
                 <a:cs typeface="Times New Roman" panose="02020603050405020304" pitchFamily="18" charset="0"/>
               </a:rPr>
               <a:t>.</a:t>
@@ -16889,21 +16522,14 @@
             </a:pPr>
             <a:r>
               <a:rPr lang="vi-VN" sz="2400">
-                <a:latin typeface="Diavlo Light" panose="02000000000000000000" pitchFamily="2" charset="0"/>
-                <a:cs typeface="Times New Roman" panose="02020603050405020304" pitchFamily="18" charset="0"/>
-              </a:rPr>
-              <a:t>Oracle </a:t>
-            </a:r>
-            <a:r>
-              <a:rPr lang="vi-VN" sz="2400">
-                <a:latin typeface="Diavlo Light" panose="02000000000000000000" pitchFamily="2" charset="0"/>
-                <a:cs typeface="Times New Roman" panose="02020603050405020304" pitchFamily="18" charset="0"/>
-              </a:rPr>
-              <a:t>Password Extractor via ODBC</a:t>
+                <a:latin typeface="Times New Roman" panose="02020603050405020304" pitchFamily="18" charset="0"/>
+                <a:cs typeface="Times New Roman" panose="02020603050405020304" pitchFamily="18" charset="0"/>
+              </a:rPr>
+              <a:t>Oracle Password Extractor via ODBC</a:t>
             </a:r>
             <a:r>
               <a:rPr lang="en-US" sz="2400">
-                <a:latin typeface="Diavlo Light" panose="02000000000000000000" pitchFamily="2" charset="0"/>
+                <a:latin typeface="Times New Roman" panose="02020603050405020304" pitchFamily="18" charset="0"/>
                 <a:cs typeface="Times New Roman" panose="02020603050405020304" pitchFamily="18" charset="0"/>
               </a:rPr>
               <a:t>.</a:t>
@@ -16916,14 +16542,14 @@
             </a:pPr>
             <a:r>
               <a:rPr lang="vi-VN" sz="2400">
-                <a:latin typeface="Diavlo Light" panose="02000000000000000000" pitchFamily="2" charset="0"/>
+                <a:latin typeface="Times New Roman" panose="02020603050405020304" pitchFamily="18" charset="0"/>
                 <a:cs typeface="Times New Roman" panose="02020603050405020304" pitchFamily="18" charset="0"/>
               </a:rPr>
               <a:t>Microsoft SQL Server 2000 Password Extractor via ODBC</a:t>
             </a:r>
             <a:r>
               <a:rPr lang="en-US" sz="2400">
-                <a:latin typeface="Diavlo Light" panose="02000000000000000000" pitchFamily="2" charset="0"/>
+                <a:latin typeface="Times New Roman" panose="02020603050405020304" pitchFamily="18" charset="0"/>
                 <a:cs typeface="Times New Roman" panose="02020603050405020304" pitchFamily="18" charset="0"/>
               </a:rPr>
               <a:t>.</a:t>
